--- a/Object-Oriented Python Slides.pptx
+++ b/Object-Oriented Python Slides.pptx
@@ -14,7 +14,7 @@
     <p:sldId id="264" r:id="rId2"/>
     <p:sldId id="267" r:id="rId3"/>
     <p:sldId id="281" r:id="rId4"/>
-    <p:sldId id="284" r:id="rId5"/>
+    <p:sldId id="329" r:id="rId5"/>
     <p:sldId id="280" r:id="rId6"/>
   </p:sldIdLst>
   <p:sldSz cx="9144000" cy="6858000" type="screen4x3"/>
@@ -122,7 +122,7 @@
             <p14:sldId id="264"/>
             <p14:sldId id="267"/>
             <p14:sldId id="281"/>
-            <p14:sldId id="284"/>
+            <p14:sldId id="329"/>
             <p14:sldId id="280"/>
           </p14:sldIdLst>
         </p14:section>
@@ -398,7 +398,7 @@
           <a:p>
             <a:fld id="{88EB714B-C3CC-4216-88C1-02913905B1CF}" type="datetimeFigureOut">
               <a:rPr lang="en-GB" smtClean="0"/>
-              <a:t>08/10/2020</a:t>
+              <a:t>27/10/2020</a:t>
             </a:fld>
             <a:endParaRPr lang="en-GB"/>
           </a:p>
@@ -1779,7 +1779,7 @@
           <a:p>
             <a:fld id="{EB0080F8-EA1C-491D-963C-2C881B2F918F}" type="datetimeFigureOut">
               <a:rPr lang="en-GB" smtClean="0"/>
-              <a:t>08/10/2020</a:t>
+              <a:t>27/10/2020</a:t>
             </a:fld>
             <a:endParaRPr lang="en-GB"/>
           </a:p>
@@ -1929,7 +1929,7 @@
           <a:p>
             <a:fld id="{EB0080F8-EA1C-491D-963C-2C881B2F918F}" type="datetimeFigureOut">
               <a:rPr lang="en-GB" smtClean="0"/>
-              <a:t>08/10/2020</a:t>
+              <a:t>27/10/2020</a:t>
             </a:fld>
             <a:endParaRPr lang="en-GB"/>
           </a:p>
@@ -3462,7 +3462,7 @@
           <a:p>
             <a:fld id="{EB0080F8-EA1C-491D-963C-2C881B2F918F}" type="datetimeFigureOut">
               <a:rPr lang="en-GB" smtClean="0"/>
-              <a:t>08/10/2020</a:t>
+              <a:t>27/10/2020</a:t>
             </a:fld>
             <a:endParaRPr lang="en-GB"/>
           </a:p>
@@ -4315,10 +4315,14 @@
               <a:t>The link is </a:t>
             </a:r>
             <a:r>
-              <a:rPr lang="en-GB" sz="2600" dirty="0">
+              <a:rPr lang="en-GB" sz="2600" b="0" i="0" u="sng" dirty="0">
+                <a:solidFill>
+                  <a:srgbClr val="954F72"/>
+                </a:solidFill>
+                <a:effectLst/>
                 <a:hlinkClick r:id="rId3"/>
               </a:rPr>
-              <a:t>http://bit.ly/computingdatascience1920</a:t>
+              <a:t>http://bit.ly/rcds2021</a:t>
             </a:r>
             <a:endParaRPr lang="en-GB" sz="2600" dirty="0"/>
           </a:p>

--- a/Object-Oriented Python Slides.pptx
+++ b/Object-Oriented Python Slides.pptx
@@ -5,17 +5,18 @@
     <p:sldMasterId id="2147483648" r:id="rId1"/>
   </p:sldMasterIdLst>
   <p:notesMasterIdLst>
-    <p:notesMasterId r:id="rId7"/>
+    <p:notesMasterId r:id="rId8"/>
   </p:notesMasterIdLst>
   <p:handoutMasterIdLst>
-    <p:handoutMasterId r:id="rId8"/>
+    <p:handoutMasterId r:id="rId9"/>
   </p:handoutMasterIdLst>
   <p:sldIdLst>
     <p:sldId id="264" r:id="rId2"/>
     <p:sldId id="267" r:id="rId3"/>
     <p:sldId id="281" r:id="rId4"/>
-    <p:sldId id="329" r:id="rId5"/>
-    <p:sldId id="280" r:id="rId6"/>
+    <p:sldId id="330" r:id="rId5"/>
+    <p:sldId id="329" r:id="rId6"/>
+    <p:sldId id="280" r:id="rId7"/>
   </p:sldIdLst>
   <p:sldSz cx="9144000" cy="6858000" type="screen4x3"/>
   <p:notesSz cx="7099300" cy="10234613"/>
@@ -122,6 +123,7 @@
             <p14:sldId id="264"/>
             <p14:sldId id="267"/>
             <p14:sldId id="281"/>
+            <p14:sldId id="330"/>
             <p14:sldId id="329"/>
             <p14:sldId id="280"/>
           </p14:sldIdLst>
@@ -398,7 +400,7 @@
           <a:p>
             <a:fld id="{88EB714B-C3CC-4216-88C1-02913905B1CF}" type="datetimeFigureOut">
               <a:rPr lang="en-GB" smtClean="0"/>
-              <a:t>27/10/2020</a:t>
+              <a:t>09/11/2020</a:t>
             </a:fld>
             <a:endParaRPr lang="en-GB"/>
           </a:p>
@@ -1159,7 +1161,7 @@
     </p:spTree>
     <p:extLst>
       <p:ext uri="{BB962C8B-B14F-4D97-AF65-F5344CB8AC3E}">
-        <p14:creationId xmlns:p14="http://schemas.microsoft.com/office/powerpoint/2010/main" val="1492413823"/>
+        <p14:creationId xmlns:p14="http://schemas.microsoft.com/office/powerpoint/2010/main" val="751740247"/>
       </p:ext>
     </p:extLst>
   </p:cSld>
@@ -1188,6 +1190,90 @@
       </p:grpSpPr>
       <p:sp>
         <p:nvSpPr>
+          <p:cNvPr id="2" name="Slide Image Placeholder 1"/>
+          <p:cNvSpPr>
+            <a:spLocks noGrp="1" noRot="1" noChangeAspect="1"/>
+          </p:cNvSpPr>
+          <p:nvPr>
+            <p:ph type="sldImg"/>
+          </p:nvPr>
+        </p:nvSpPr>
+        <p:spPr/>
+      </p:sp>
+      <p:sp>
+        <p:nvSpPr>
+          <p:cNvPr id="3" name="Notes Placeholder 2"/>
+          <p:cNvSpPr>
+            <a:spLocks noGrp="1"/>
+          </p:cNvSpPr>
+          <p:nvPr>
+            <p:ph type="body" idx="1"/>
+          </p:nvPr>
+        </p:nvSpPr>
+        <p:spPr/>
+        <p:txBody>
+          <a:bodyPr/>
+          <a:lstStyle/>
+          <a:p>
+            <a:endParaRPr lang="en-GB" dirty="0"/>
+          </a:p>
+        </p:txBody>
+      </p:sp>
+      <p:sp>
+        <p:nvSpPr>
+          <p:cNvPr id="4" name="Slide Number Placeholder 3"/>
+          <p:cNvSpPr>
+            <a:spLocks noGrp="1"/>
+          </p:cNvSpPr>
+          <p:nvPr>
+            <p:ph type="sldNum" sz="quarter" idx="10"/>
+          </p:nvPr>
+        </p:nvSpPr>
+        <p:spPr/>
+        <p:txBody>
+          <a:bodyPr/>
+          <a:lstStyle/>
+          <a:p>
+            <a:fld id="{6A641EC8-C9F8-4A58-A1A7-F7D817526EEC}" type="slidenum">
+              <a:rPr lang="en-GB" smtClean="0"/>
+              <a:t>5</a:t>
+            </a:fld>
+            <a:endParaRPr lang="en-GB"/>
+          </a:p>
+        </p:txBody>
+      </p:sp>
+    </p:spTree>
+    <p:extLst>
+      <p:ext uri="{BB962C8B-B14F-4D97-AF65-F5344CB8AC3E}">
+        <p14:creationId xmlns:p14="http://schemas.microsoft.com/office/powerpoint/2010/main" val="1492413823"/>
+      </p:ext>
+    </p:extLst>
+  </p:cSld>
+  <p:clrMapOvr>
+    <a:masterClrMapping/>
+  </p:clrMapOvr>
+</p:notes>
+</file>
+
+<file path=ppt/notesSlides/notesSlide6.xml><?xml version="1.0" encoding="utf-8"?>
+<p:notes xmlns:a="http://schemas.openxmlformats.org/drawingml/2006/main" xmlns:r="http://schemas.openxmlformats.org/officeDocument/2006/relationships" xmlns:p="http://schemas.openxmlformats.org/presentationml/2006/main">
+  <p:cSld>
+    <p:spTree>
+      <p:nvGrpSpPr>
+        <p:cNvPr id="1" name=""/>
+        <p:cNvGrpSpPr/>
+        <p:nvPr/>
+      </p:nvGrpSpPr>
+      <p:grpSpPr>
+        <a:xfrm>
+          <a:off x="0" y="0"/>
+          <a:ext cx="0" cy="0"/>
+          <a:chOff x="0" y="0"/>
+          <a:chExt cx="0" cy="0"/>
+        </a:xfrm>
+      </p:grpSpPr>
+      <p:sp>
+        <p:nvSpPr>
           <p:cNvPr id="108546" name="Rectangle 7"/>
           <p:cNvSpPr>
             <a:spLocks noGrp="1" noChangeArrowheads="1"/>
@@ -1346,7 +1432,7 @@
                   <a:spcPct val="0"/>
                 </a:spcBef>
               </a:pPr>
-              <a:t>5</a:t>
+              <a:t>6</a:t>
             </a:fld>
             <a:endParaRPr lang="en-US" altLang="en-US"/>
           </a:p>
@@ -1779,7 +1865,7 @@
           <a:p>
             <a:fld id="{EB0080F8-EA1C-491D-963C-2C881B2F918F}" type="datetimeFigureOut">
               <a:rPr lang="en-GB" smtClean="0"/>
-              <a:t>27/10/2020</a:t>
+              <a:t>09/11/2020</a:t>
             </a:fld>
             <a:endParaRPr lang="en-GB"/>
           </a:p>
@@ -1929,7 +2015,7 @@
           <a:p>
             <a:fld id="{EB0080F8-EA1C-491D-963C-2C881B2F918F}" type="datetimeFigureOut">
               <a:rPr lang="en-GB" smtClean="0"/>
-              <a:t>27/10/2020</a:t>
+              <a:t>09/11/2020</a:t>
             </a:fld>
             <a:endParaRPr lang="en-GB"/>
           </a:p>
@@ -3462,7 +3548,7 @@
           <a:p>
             <a:fld id="{EB0080F8-EA1C-491D-963C-2C881B2F918F}" type="datetimeFigureOut">
               <a:rPr lang="en-GB" smtClean="0"/>
-              <a:t>27/10/2020</a:t>
+              <a:t>09/11/2020</a:t>
             </a:fld>
             <a:endParaRPr lang="en-GB"/>
           </a:p>
@@ -4217,7 +4303,49 @@
           </a:bodyPr>
           <a:lstStyle/>
           <a:p>
-            <a:endParaRPr lang="en-GB" sz="2800" dirty="0"/>
+            <a:r>
+              <a:rPr lang="en-GB" dirty="0">
+                <a:hlinkClick r:id="rId3"/>
+              </a:rPr>
+              <a:t>Types and Objects</a:t>
+            </a:r>
+            <a:endParaRPr lang="en-GB" dirty="0"/>
+          </a:p>
+          <a:p>
+            <a:r>
+              <a:rPr lang="en-GB" dirty="0">
+                <a:hlinkClick r:id="rId4"/>
+              </a:rPr>
+              <a:t>My First Class</a:t>
+            </a:r>
+            <a:endParaRPr lang="en-GB" dirty="0"/>
+          </a:p>
+          <a:p>
+            <a:r>
+              <a:rPr lang="en-GB" dirty="0">
+                <a:hlinkClick r:id="rId5"/>
+              </a:rPr>
+              <a:t>Class Members in Detail</a:t>
+            </a:r>
+            <a:endParaRPr lang="en-GB" dirty="0"/>
+          </a:p>
+          <a:p>
+            <a:r>
+              <a:rPr lang="en-GB" dirty="0">
+                <a:hlinkClick r:id="rId6"/>
+              </a:rPr>
+              <a:t>Magic Methods</a:t>
+            </a:r>
+            <a:endParaRPr lang="en-GB" dirty="0"/>
+          </a:p>
+          <a:p>
+            <a:r>
+              <a:rPr lang="en-GB" dirty="0">
+                <a:hlinkClick r:id="rId7"/>
+              </a:rPr>
+              <a:t>Properties</a:t>
+            </a:r>
+            <a:endParaRPr lang="en-GB" dirty="0"/>
           </a:p>
         </p:txBody>
       </p:sp>
@@ -4276,6 +4404,134 @@
           <a:p>
             <a:r>
               <a:rPr lang="en-GB" sz="4000" dirty="0"/>
+              <a:t>Notebook Links</a:t>
+            </a:r>
+          </a:p>
+        </p:txBody>
+      </p:sp>
+      <p:sp>
+        <p:nvSpPr>
+          <p:cNvPr id="3" name="Content Placeholder 2"/>
+          <p:cNvSpPr>
+            <a:spLocks noGrp="1"/>
+          </p:cNvSpPr>
+          <p:nvPr>
+            <p:ph idx="1"/>
+          </p:nvPr>
+        </p:nvSpPr>
+        <p:spPr>
+          <a:xfrm>
+            <a:off x="457200" y="1600200"/>
+            <a:ext cx="8435280" cy="4876800"/>
+          </a:xfrm>
+        </p:spPr>
+        <p:txBody>
+          <a:bodyPr>
+            <a:normAutofit/>
+          </a:bodyPr>
+          <a:lstStyle/>
+          <a:p>
+            <a:r>
+              <a:rPr lang="en-GB" dirty="0">
+                <a:hlinkClick r:id="rId3"/>
+              </a:rPr>
+              <a:t>Inheritance</a:t>
+            </a:r>
+            <a:endParaRPr lang="en-GB" dirty="0"/>
+          </a:p>
+          <a:p>
+            <a:r>
+              <a:rPr lang="en-GB" dirty="0">
+                <a:hlinkClick r:id="rId4"/>
+              </a:rPr>
+              <a:t>Polymorphism</a:t>
+            </a:r>
+            <a:endParaRPr lang="en-GB" dirty="0"/>
+          </a:p>
+          <a:p>
+            <a:r>
+              <a:rPr lang="en-GB" dirty="0">
+                <a:hlinkClick r:id="rId5"/>
+              </a:rPr>
+              <a:t>Object-Oriented Code Design Principles</a:t>
+            </a:r>
+            <a:endParaRPr lang="en-GB" dirty="0"/>
+          </a:p>
+          <a:p>
+            <a:r>
+              <a:rPr lang="en-GB" dirty="0">
+                <a:hlinkClick r:id="rId6"/>
+              </a:rPr>
+              <a:t>Objects in Objects</a:t>
+            </a:r>
+            <a:endParaRPr lang="en-GB" dirty="0"/>
+          </a:p>
+          <a:p>
+            <a:r>
+              <a:rPr lang="en-GB" dirty="0">
+                <a:hlinkClick r:id="rId7"/>
+              </a:rPr>
+              <a:t>Projects</a:t>
+            </a:r>
+            <a:endParaRPr lang="en-GB" dirty="0"/>
+          </a:p>
+        </p:txBody>
+      </p:sp>
+    </p:spTree>
+    <p:extLst>
+      <p:ext uri="{BB962C8B-B14F-4D97-AF65-F5344CB8AC3E}">
+        <p14:creationId xmlns:p14="http://schemas.microsoft.com/office/powerpoint/2010/main" val="4175751739"/>
+      </p:ext>
+    </p:extLst>
+  </p:cSld>
+  <p:clrMapOvr>
+    <a:masterClrMapping/>
+  </p:clrMapOvr>
+  <mc:AlternateContent xmlns:mc="http://schemas.openxmlformats.org/markup-compatibility/2006">
+    <mc:Choice xmlns:p14="http://schemas.microsoft.com/office/powerpoint/2010/main" Requires="p14">
+      <p:transition p14:dur="10"/>
+    </mc:Choice>
+    <mc:Fallback>
+      <p:transition/>
+    </mc:Fallback>
+  </mc:AlternateContent>
+</p:sld>
+</file>
+
+<file path=ppt/slides/slide5.xml><?xml version="1.0" encoding="utf-8"?>
+<p:sld xmlns:a="http://schemas.openxmlformats.org/drawingml/2006/main" xmlns:r="http://schemas.openxmlformats.org/officeDocument/2006/relationships" xmlns:p="http://schemas.openxmlformats.org/presentationml/2006/main">
+  <p:cSld>
+    <p:spTree>
+      <p:nvGrpSpPr>
+        <p:cNvPr id="1" name=""/>
+        <p:cNvGrpSpPr/>
+        <p:nvPr/>
+      </p:nvGrpSpPr>
+      <p:grpSpPr>
+        <a:xfrm>
+          <a:off x="0" y="0"/>
+          <a:ext cx="0" cy="0"/>
+          <a:chOff x="0" y="0"/>
+          <a:chExt cx="0" cy="0"/>
+        </a:xfrm>
+      </p:grpSpPr>
+      <p:sp>
+        <p:nvSpPr>
+          <p:cNvPr id="2" name="Title 1"/>
+          <p:cNvSpPr>
+            <a:spLocks noGrp="1"/>
+          </p:cNvSpPr>
+          <p:nvPr>
+            <p:ph type="title"/>
+          </p:nvPr>
+        </p:nvSpPr>
+        <p:spPr/>
+        <p:txBody>
+          <a:bodyPr/>
+          <a:lstStyle/>
+          <a:p>
+            <a:r>
+              <a:rPr lang="en-GB" sz="4000" dirty="0"/>
               <a:t>Feedback</a:t>
             </a:r>
           </a:p>
@@ -4366,7 +4622,7 @@
 </p:sld>
 </file>
 
-<file path=ppt/slides/slide5.xml><?xml version="1.0" encoding="utf-8"?>
+<file path=ppt/slides/slide6.xml><?xml version="1.0" encoding="utf-8"?>
 <p:sld xmlns:a="http://schemas.openxmlformats.org/drawingml/2006/main" xmlns:r="http://schemas.openxmlformats.org/officeDocument/2006/relationships" xmlns:p="http://schemas.openxmlformats.org/presentationml/2006/main">
   <p:cSld>
     <p:spTree>

--- a/Object-Oriented Python Slides.pptx
+++ b/Object-Oriented Python Slides.pptx
@@ -400,7 +400,7 @@
           <a:p>
             <a:fld id="{88EB714B-C3CC-4216-88C1-02913905B1CF}" type="datetimeFigureOut">
               <a:rPr lang="en-GB" smtClean="0"/>
-              <a:t>09/11/2020</a:t>
+              <a:t>04/10/2021</a:t>
             </a:fld>
             <a:endParaRPr lang="en-GB"/>
           </a:p>
@@ -1865,7 +1865,7 @@
           <a:p>
             <a:fld id="{EB0080F8-EA1C-491D-963C-2C881B2F918F}" type="datetimeFigureOut">
               <a:rPr lang="en-GB" smtClean="0"/>
-              <a:t>09/11/2020</a:t>
+              <a:t>04/10/2021</a:t>
             </a:fld>
             <a:endParaRPr lang="en-GB"/>
           </a:p>
@@ -2015,7 +2015,7 @@
           <a:p>
             <a:fld id="{EB0080F8-EA1C-491D-963C-2C881B2F918F}" type="datetimeFigureOut">
               <a:rPr lang="en-GB" smtClean="0"/>
-              <a:t>09/11/2020</a:t>
+              <a:t>04/10/2021</a:t>
             </a:fld>
             <a:endParaRPr lang="en-GB"/>
           </a:p>
@@ -3548,7 +3548,7 @@
           <a:p>
             <a:fld id="{EB0080F8-EA1C-491D-963C-2C881B2F918F}" type="datetimeFigureOut">
               <a:rPr lang="en-GB" smtClean="0"/>
-              <a:t>09/11/2020</a:t>
+              <a:t>04/10/2021</a:t>
             </a:fld>
             <a:endParaRPr lang="en-GB"/>
           </a:p>
@@ -4025,7 +4025,7 @@
           <a:p>
             <a:r>
               <a:rPr lang="en-GB" sz="2400" dirty="0"/>
-              <a:t>Graduate School Teaching Fellow</a:t>
+              <a:t>Graduate School Senior Teaching Fellow</a:t>
             </a:r>
           </a:p>
         </p:txBody>
@@ -4487,11 +4487,11 @@
   <p:clrMapOvr>
     <a:masterClrMapping/>
   </p:clrMapOvr>
-  <mc:AlternateContent xmlns:mc="http://schemas.openxmlformats.org/markup-compatibility/2006">
-    <mc:Choice xmlns:p14="http://schemas.microsoft.com/office/powerpoint/2010/main" Requires="p14">
+  <mc:AlternateContent xmlns:mc="http://schemas.openxmlformats.org/markup-compatibility/2006" xmlns:p14="http://schemas.microsoft.com/office/powerpoint/2010/main">
+    <mc:Choice Requires="p14">
       <p:transition p14:dur="10"/>
     </mc:Choice>
-    <mc:Fallback>
+    <mc:Fallback xmlns="">
       <p:transition/>
     </mc:Fallback>
   </mc:AlternateContent>
@@ -4571,16 +4571,24 @@
               <a:t>The link is </a:t>
             </a:r>
             <a:r>
-              <a:rPr lang="en-GB" sz="2600" b="0" i="0" u="sng" dirty="0">
-                <a:solidFill>
-                  <a:srgbClr val="954F72"/>
+              <a:rPr lang="en-GB" sz="2600" u="sng" dirty="0">
+                <a:solidFill>
+                  <a:srgbClr val="000000"/>
                 </a:solidFill>
                 <a:effectLst/>
+                <a:latin typeface="+mj-lt"/>
+                <a:ea typeface="Times New Roman" panose="02020603050405020304" pitchFamily="18" charset="0"/>
+                <a:cs typeface="Calibri" panose="020F0502020204030204" pitchFamily="34" charset="0"/>
                 <a:hlinkClick r:id="rId3"/>
               </a:rPr>
-              <a:t>http://bit.ly/rcds2021</a:t>
-            </a:r>
-            <a:endParaRPr lang="en-GB" sz="2600" dirty="0"/>
+              <a:t>tinyurl.com/rcds2021-22</a:t>
+            </a:r>
+            <a:endParaRPr lang="en-GB" sz="2600" dirty="0">
+              <a:effectLst/>
+              <a:latin typeface="+mj-lt"/>
+              <a:ea typeface="Times New Roman" panose="02020603050405020304" pitchFamily="18" charset="0"/>
+              <a:cs typeface="Times New Roman" panose="02020603050405020304" pitchFamily="18" charset="0"/>
+            </a:endParaRPr>
           </a:p>
           <a:p>
             <a:pPr lvl="1"/>
@@ -4664,7 +4672,7 @@
             <a:pPr marL="0" indent="0"/>
             <a:r>
               <a:rPr lang="en-GB" sz="4000" b="1" dirty="0"/>
-              <a:t>Profiling and Optimisation in Python</a:t>
+              <a:t>Object-Oriented Python</a:t>
             </a:r>
           </a:p>
         </p:txBody>

--- a/Object-Oriented Python Slides.pptx
+++ b/Object-Oriented Python Slides.pptx
@@ -5,18 +5,20 @@
     <p:sldMasterId id="2147483648" r:id="rId1"/>
   </p:sldMasterIdLst>
   <p:notesMasterIdLst>
-    <p:notesMasterId r:id="rId8"/>
+    <p:notesMasterId r:id="rId10"/>
   </p:notesMasterIdLst>
   <p:handoutMasterIdLst>
-    <p:handoutMasterId r:id="rId9"/>
+    <p:handoutMasterId r:id="rId11"/>
   </p:handoutMasterIdLst>
   <p:sldIdLst>
     <p:sldId id="264" r:id="rId2"/>
-    <p:sldId id="267" r:id="rId3"/>
-    <p:sldId id="281" r:id="rId4"/>
-    <p:sldId id="330" r:id="rId5"/>
-    <p:sldId id="329" r:id="rId6"/>
-    <p:sldId id="280" r:id="rId7"/>
+    <p:sldId id="258" r:id="rId3"/>
+    <p:sldId id="257" r:id="rId4"/>
+    <p:sldId id="267" r:id="rId5"/>
+    <p:sldId id="281" r:id="rId6"/>
+    <p:sldId id="330" r:id="rId7"/>
+    <p:sldId id="329" r:id="rId8"/>
+    <p:sldId id="280" r:id="rId9"/>
   </p:sldIdLst>
   <p:sldSz cx="9144000" cy="6858000" type="screen4x3"/>
   <p:notesSz cx="7099300" cy="10234613"/>
@@ -121,6 +123,8 @@
         <p14:section name="Introduction" id="{45EEEAF5-8C61-4410-A3AB-B2CD0B57ECF0}">
           <p14:sldIdLst>
             <p14:sldId id="264"/>
+            <p14:sldId id="258"/>
+            <p14:sldId id="257"/>
             <p14:sldId id="267"/>
             <p14:sldId id="281"/>
             <p14:sldId id="330"/>
@@ -984,7 +988,7 @@
           <a:p>
             <a:fld id="{6A641EC8-C9F8-4A58-A1A7-F7D817526EEC}" type="slidenum">
               <a:rPr lang="en-GB" smtClean="0"/>
-              <a:t>2</a:t>
+              <a:t>4</a:t>
             </a:fld>
             <a:endParaRPr lang="en-GB"/>
           </a:p>
@@ -1068,7 +1072,7 @@
           <a:p>
             <a:fld id="{6A641EC8-C9F8-4A58-A1A7-F7D817526EEC}" type="slidenum">
               <a:rPr lang="en-GB" smtClean="0"/>
-              <a:t>3</a:t>
+              <a:t>5</a:t>
             </a:fld>
             <a:endParaRPr lang="en-GB"/>
           </a:p>
@@ -1152,7 +1156,7 @@
           <a:p>
             <a:fld id="{6A641EC8-C9F8-4A58-A1A7-F7D817526EEC}" type="slidenum">
               <a:rPr lang="en-GB" smtClean="0"/>
-              <a:t>4</a:t>
+              <a:t>6</a:t>
             </a:fld>
             <a:endParaRPr lang="en-GB"/>
           </a:p>
@@ -1236,7 +1240,7 @@
           <a:p>
             <a:fld id="{6A641EC8-C9F8-4A58-A1A7-F7D817526EEC}" type="slidenum">
               <a:rPr lang="en-GB" smtClean="0"/>
-              <a:t>5</a:t>
+              <a:t>7</a:t>
             </a:fld>
             <a:endParaRPr lang="en-GB"/>
           </a:p>
@@ -1432,7 +1436,7 @@
                   <a:spcPct val="0"/>
                 </a:spcBef>
               </a:pPr>
-              <a:t>6</a:t>
+              <a:t>8</a:t>
             </a:fld>
             <a:endParaRPr lang="en-US" altLang="en-US"/>
           </a:p>
@@ -4070,175 +4074,190 @@
       </p:grpSpPr>
       <p:sp>
         <p:nvSpPr>
-          <p:cNvPr id="2" name="Title 1"/>
+          <p:cNvPr id="4" name="Title 1"/>
+          <p:cNvSpPr txBox="1">
+            <a:spLocks/>
+          </p:cNvSpPr>
+          <p:nvPr/>
+        </p:nvSpPr>
+        <p:spPr>
+          <a:xfrm>
+            <a:off x="401320" y="472966"/>
+            <a:ext cx="5778764" cy="961696"/>
+          </a:xfrm>
+          <a:prstGeom prst="rect">
+            <a:avLst/>
+          </a:prstGeom>
+        </p:spPr>
+        <p:txBody>
+          <a:bodyPr anchor="b"/>
+          <a:lstStyle>
+            <a:lvl1pPr algn="l" defTabSz="457200" rtl="0" eaLnBrk="1" latinLnBrk="0" hangingPunct="1">
+              <a:lnSpc>
+                <a:spcPct val="90000"/>
+              </a:lnSpc>
+              <a:spcBef>
+                <a:spcPct val="0"/>
+              </a:spcBef>
+              <a:buNone/>
+              <a:defRPr sz="4000" b="1" i="0" kern="1200" baseline="0">
+                <a:solidFill>
+                  <a:schemeClr val="tx2"/>
+                </a:solidFill>
+                <a:latin typeface="+mj-lt"/>
+                <a:ea typeface="+mj-ea"/>
+                <a:cs typeface="MetaOT-Bold"/>
+              </a:defRPr>
+            </a:lvl1pPr>
+          </a:lstStyle>
+          <a:p>
+            <a:r>
+              <a:rPr lang="en-US" sz="3200" dirty="0">
+                <a:solidFill>
+                  <a:schemeClr val="accent3"/>
+                </a:solidFill>
+              </a:rPr>
+              <a:t>Expectations:  Covid-safe teaching environments</a:t>
+            </a:r>
+          </a:p>
+        </p:txBody>
+      </p:sp>
+      <p:sp>
+        <p:nvSpPr>
+          <p:cNvPr id="5" name="Subtitle 2"/>
           <p:cNvSpPr>
             <a:spLocks noGrp="1"/>
           </p:cNvSpPr>
           <p:nvPr>
-            <p:ph type="title"/>
-          </p:nvPr>
-        </p:nvSpPr>
-        <p:spPr/>
-        <p:txBody>
-          <a:bodyPr/>
+            <p:ph type="subTitle" idx="1"/>
+          </p:nvPr>
+        </p:nvSpPr>
+        <p:spPr>
+          <a:xfrm>
+            <a:off x="401320" y="1631731"/>
+            <a:ext cx="8490432" cy="4548352"/>
+          </a:xfrm>
+        </p:spPr>
+        <p:txBody>
+          <a:bodyPr lIns="91440" tIns="45720" rIns="91440" bIns="45720" anchor="t"/>
           <a:lstStyle/>
           <a:p>
             <a:r>
-              <a:rPr lang="en-GB" sz="4000" dirty="0"/>
-              <a:t>Learning Outcomes</a:t>
-            </a:r>
-          </a:p>
-        </p:txBody>
-      </p:sp>
-      <p:sp>
-        <p:nvSpPr>
-          <p:cNvPr id="3" name="Content Placeholder 2"/>
-          <p:cNvSpPr>
-            <a:spLocks noGrp="1"/>
-          </p:cNvSpPr>
-          <p:nvPr>
-            <p:ph idx="1"/>
-          </p:nvPr>
-        </p:nvSpPr>
-        <p:spPr>
-          <a:xfrm>
-            <a:off x="457200" y="1600200"/>
-            <a:ext cx="8435280" cy="4876800"/>
-          </a:xfrm>
-        </p:spPr>
-        <p:txBody>
-          <a:bodyPr>
-            <a:normAutofit/>
-          </a:bodyPr>
-          <a:lstStyle/>
-          <a:p>
-            <a:pPr marL="514350" lvl="0" indent="-514350">
-              <a:lnSpc>
-                <a:spcPct val="107000"/>
-              </a:lnSpc>
-              <a:buAutoNum type="arabicPeriod"/>
+              <a:rPr lang="en-US" sz="2200" u="sng" dirty="0">
+                <a:ea typeface="+mj-lt"/>
+                <a:cs typeface="+mj-lt"/>
+              </a:rPr>
+              <a:t>Face coverings</a:t>
+            </a:r>
+          </a:p>
+          <a:p>
+            <a:pPr marL="457200" indent="-457200">
+              <a:buFont typeface="Arial" panose="020B0604020202020204" pitchFamily="34" charset="0"/>
+              <a:buChar char="•"/>
             </a:pPr>
             <a:r>
-              <a:rPr lang="en-GB" sz="3000" b="1" dirty="0">
-                <a:effectLst/>
-                <a:latin typeface="Arial" panose="020B0604020202020204" pitchFamily="34" charset="0"/>
+              <a:rPr lang="en-GB" sz="2200" dirty="0">
+                <a:latin typeface="+mn-lt"/>
                 <a:ea typeface="Calibri" panose="020F0502020204030204" pitchFamily="34" charset="0"/>
-                <a:cs typeface="Arial" panose="020B0604020202020204" pitchFamily="34" charset="0"/>
+                <a:cs typeface="Times New Roman"/>
               </a:rPr>
-              <a:t>Define</a:t>
-            </a:r>
-            <a:r>
-              <a:rPr lang="en-GB" sz="3000" dirty="0">
-                <a:effectLst/>
-                <a:latin typeface="Arial" panose="020B0604020202020204" pitchFamily="34" charset="0"/>
-                <a:ea typeface="Calibri" panose="020F0502020204030204" pitchFamily="34" charset="0"/>
-                <a:cs typeface="Arial" panose="020B0604020202020204" pitchFamily="34" charset="0"/>
+              <a:t>You are expected to wear a face covering </a:t>
+            </a:r>
+            <a:endParaRPr lang="en-GB" sz="2200" dirty="0"/>
+          </a:p>
+          <a:p>
+            <a:pPr marL="457200" indent="-457200">
+              <a:buFont typeface="Arial" panose="020B0604020202020204" pitchFamily="34" charset="0"/>
+              <a:buChar char="•"/>
+            </a:pPr>
+            <a:r>
+              <a:rPr lang="en-US" sz="2200" dirty="0">
+                <a:ea typeface="+mj-lt"/>
+                <a:cs typeface="+mj-lt"/>
               </a:rPr>
-              <a:t> objects and classes in relation to Python</a:t>
-            </a:r>
-          </a:p>
-          <a:p>
-            <a:pPr marL="514350" lvl="0" indent="-514350">
-              <a:lnSpc>
-                <a:spcPct val="107000"/>
-              </a:lnSpc>
-              <a:buAutoNum type="arabicPeriod"/>
+              <a:t>Tutors will deliver their workshop 2 meters distance from </a:t>
+            </a:r>
+            <a:r>
+              <a:rPr lang="en-US" sz="2200">
+                <a:ea typeface="+mj-lt"/>
+                <a:cs typeface="+mj-lt"/>
+              </a:rPr>
+              <a:t>you </a:t>
+            </a:r>
+            <a:endParaRPr lang="en-US" sz="2200" dirty="0">
+              <a:ea typeface="+mj-lt"/>
+              <a:cs typeface="+mj-lt"/>
+            </a:endParaRPr>
+          </a:p>
+          <a:p>
+            <a:endParaRPr lang="en-US" sz="2200" u="sng" dirty="0">
+              <a:latin typeface="+mn-lt"/>
+              <a:ea typeface="+mj-lt"/>
+              <a:cs typeface="+mj-lt"/>
+            </a:endParaRPr>
+          </a:p>
+          <a:p>
+            <a:r>
+              <a:rPr lang="en-US" sz="2200" u="sng" dirty="0">
+                <a:latin typeface="+mn-lt"/>
+                <a:ea typeface="+mj-lt"/>
+                <a:cs typeface="+mj-lt"/>
+              </a:rPr>
+              <a:t>Hygiene</a:t>
+            </a:r>
+            <a:endParaRPr lang="en-GB" sz="2200" u="sng" dirty="0">
+              <a:latin typeface="+mn-lt"/>
+              <a:ea typeface="Calibri" panose="020F0502020204030204" pitchFamily="34" charset="0"/>
+              <a:cs typeface="Times New Roman"/>
+            </a:endParaRPr>
+          </a:p>
+          <a:p>
+            <a:pPr marL="457200" indent="-457200">
+              <a:buFont typeface="Arial" panose="020B0604020202020204" pitchFamily="34" charset="0"/>
+              <a:buChar char="•"/>
             </a:pPr>
             <a:r>
-              <a:rPr lang="en-GB" sz="3000" b="1" dirty="0">
-                <a:effectLst/>
-                <a:latin typeface="Arial" panose="020B0604020202020204" pitchFamily="34" charset="0"/>
-                <a:ea typeface="Calibri" panose="020F0502020204030204" pitchFamily="34" charset="0"/>
-                <a:cs typeface="Arial" panose="020B0604020202020204" pitchFamily="34" charset="0"/>
-              </a:rPr>
-              <a:t>Use</a:t>
-            </a:r>
-            <a:r>
-              <a:rPr lang="en-GB" sz="3000" dirty="0">
-                <a:effectLst/>
-                <a:latin typeface="Arial" panose="020B0604020202020204" pitchFamily="34" charset="0"/>
-                <a:ea typeface="Calibri" panose="020F0502020204030204" pitchFamily="34" charset="0"/>
-                <a:cs typeface="Arial" panose="020B0604020202020204" pitchFamily="34" charset="0"/>
-              </a:rPr>
-              <a:t> key object-oriented features of Python</a:t>
-            </a:r>
-          </a:p>
-          <a:p>
-            <a:pPr marL="514350" lvl="0" indent="-514350">
-              <a:lnSpc>
-                <a:spcPct val="107000"/>
-              </a:lnSpc>
-              <a:buAutoNum type="arabicPeriod"/>
+              <a:rPr lang="en-US" sz="2200" dirty="0"/>
+              <a:t>Where hand </a:t>
+            </a:r>
+            <a:r>
+              <a:rPr lang="en-US" sz="2200" dirty="0" err="1"/>
+              <a:t>sanitiser</a:t>
+            </a:r>
+            <a:r>
+              <a:rPr lang="en-US" sz="2200" dirty="0"/>
+              <a:t> is available, please use it</a:t>
+            </a:r>
+          </a:p>
+          <a:p>
+            <a:pPr marL="457200" indent="-457200">
+              <a:buFont typeface="Arial" panose="020B0604020202020204" pitchFamily="34" charset="0"/>
+              <a:buChar char="•"/>
             </a:pPr>
             <a:r>
-              <a:rPr lang="en-GB" sz="3000" b="1" dirty="0">
-                <a:effectLst/>
-                <a:latin typeface="Arial" panose="020B0604020202020204" pitchFamily="34" charset="0"/>
-                <a:ea typeface="Calibri" panose="020F0502020204030204" pitchFamily="34" charset="0"/>
-                <a:cs typeface="Arial" panose="020B0604020202020204" pitchFamily="34" charset="0"/>
-              </a:rPr>
-              <a:t>Create</a:t>
-            </a:r>
-            <a:r>
-              <a:rPr lang="en-GB" sz="3000" dirty="0">
-                <a:effectLst/>
-                <a:latin typeface="Arial" panose="020B0604020202020204" pitchFamily="34" charset="0"/>
-                <a:ea typeface="Calibri" panose="020F0502020204030204" pitchFamily="34" charset="0"/>
-                <a:cs typeface="Arial" panose="020B0604020202020204" pitchFamily="34" charset="0"/>
-              </a:rPr>
-              <a:t> classes tailored to the task they are to perform</a:t>
-            </a:r>
-          </a:p>
-          <a:p>
-            <a:pPr marL="514350" lvl="0" indent="-514350">
-              <a:lnSpc>
-                <a:spcPct val="107000"/>
-              </a:lnSpc>
-              <a:buAutoNum type="arabicPeriod"/>
+              <a:rPr lang="en-US" sz="2200" dirty="0"/>
+              <a:t>Please wipe down any communal/shared course materials/equipment </a:t>
+            </a:r>
+          </a:p>
+          <a:p>
+            <a:pPr marL="457200" indent="-457200">
+              <a:buFont typeface="Arial" panose="020B0604020202020204" pitchFamily="34" charset="0"/>
+              <a:buChar char="•"/>
             </a:pPr>
-            <a:r>
-              <a:rPr lang="en-GB" sz="3000" b="1" dirty="0">
-                <a:effectLst/>
-                <a:latin typeface="Arial" panose="020B0604020202020204" pitchFamily="34" charset="0"/>
-                <a:ea typeface="Calibri" panose="020F0502020204030204" pitchFamily="34" charset="0"/>
-                <a:cs typeface="Arial" panose="020B0604020202020204" pitchFamily="34" charset="0"/>
-              </a:rPr>
-              <a:t>Utilise </a:t>
-            </a:r>
-            <a:r>
-              <a:rPr lang="en-GB" sz="3000" dirty="0">
-                <a:effectLst/>
-                <a:latin typeface="Arial" panose="020B0604020202020204" pitchFamily="34" charset="0"/>
-                <a:ea typeface="Calibri" panose="020F0502020204030204" pitchFamily="34" charset="0"/>
-                <a:cs typeface="Arial" panose="020B0604020202020204" pitchFamily="34" charset="0"/>
-              </a:rPr>
-              <a:t>object-oriented strategies to plan and develop research codes</a:t>
-            </a:r>
-            <a:endParaRPr lang="en-GB" sz="3000" dirty="0">
-              <a:latin typeface="Arial" panose="020B0604020202020204" pitchFamily="34" charset="0"/>
-              <a:cs typeface="Arial" panose="020B0604020202020204" pitchFamily="34" charset="0"/>
-            </a:endParaRPr>
+            <a:endParaRPr lang="en-US" sz="2400" dirty="0"/>
           </a:p>
         </p:txBody>
       </p:sp>
     </p:spTree>
     <p:extLst>
       <p:ext uri="{BB962C8B-B14F-4D97-AF65-F5344CB8AC3E}">
-        <p14:creationId xmlns:p14="http://schemas.microsoft.com/office/powerpoint/2010/main" val="3248724752"/>
+        <p14:creationId xmlns:p14="http://schemas.microsoft.com/office/powerpoint/2010/main" val="70908208"/>
       </p:ext>
     </p:extLst>
   </p:cSld>
   <p:clrMapOvr>
     <a:masterClrMapping/>
   </p:clrMapOvr>
-  <mc:AlternateContent xmlns:mc="http://schemas.openxmlformats.org/markup-compatibility/2006" xmlns:p14="http://schemas.microsoft.com/office/powerpoint/2010/main">
-    <mc:Choice Requires="p14">
-      <p:transition p14:dur="10"/>
-    </mc:Choice>
-    <mc:Fallback xmlns="">
-      <p:transition/>
-    </mc:Fallback>
-  </mc:AlternateContent>
 </p:sld>
 </file>
 
@@ -4261,112 +4280,141 @@
       </p:grpSpPr>
       <p:sp>
         <p:nvSpPr>
-          <p:cNvPr id="2" name="Title 1"/>
+          <p:cNvPr id="4" name="Title 1"/>
+          <p:cNvSpPr txBox="1">
+            <a:spLocks/>
+          </p:cNvSpPr>
+          <p:nvPr/>
+        </p:nvSpPr>
+        <p:spPr>
+          <a:xfrm>
+            <a:off x="401319" y="472966"/>
+            <a:ext cx="5558047" cy="930165"/>
+          </a:xfrm>
+          <a:prstGeom prst="rect">
+            <a:avLst/>
+          </a:prstGeom>
+        </p:spPr>
+        <p:txBody>
+          <a:bodyPr anchor="b"/>
+          <a:lstStyle>
+            <a:lvl1pPr algn="l" defTabSz="457200" rtl="0" eaLnBrk="1" latinLnBrk="0" hangingPunct="1">
+              <a:lnSpc>
+                <a:spcPct val="90000"/>
+              </a:lnSpc>
+              <a:spcBef>
+                <a:spcPct val="0"/>
+              </a:spcBef>
+              <a:buNone/>
+              <a:defRPr sz="4000" b="1" i="0" kern="1200" baseline="0">
+                <a:solidFill>
+                  <a:schemeClr val="tx2"/>
+                </a:solidFill>
+                <a:latin typeface="+mj-lt"/>
+                <a:ea typeface="+mj-ea"/>
+                <a:cs typeface="MetaOT-Bold"/>
+              </a:defRPr>
+            </a:lvl1pPr>
+          </a:lstStyle>
+          <a:p>
+            <a:r>
+              <a:rPr lang="en-US" sz="3200" dirty="0">
+                <a:solidFill>
+                  <a:schemeClr val="accent3"/>
+                </a:solidFill>
+              </a:rPr>
+              <a:t>Expectations:  Covid-safe teaching environments</a:t>
+            </a:r>
+          </a:p>
+        </p:txBody>
+      </p:sp>
+      <p:sp>
+        <p:nvSpPr>
+          <p:cNvPr id="5" name="Subtitle 2"/>
           <p:cNvSpPr>
             <a:spLocks noGrp="1"/>
           </p:cNvSpPr>
           <p:nvPr>
-            <p:ph type="title"/>
-          </p:nvPr>
-        </p:nvSpPr>
-        <p:spPr/>
-        <p:txBody>
-          <a:bodyPr/>
+            <p:ph type="subTitle" idx="1"/>
+          </p:nvPr>
+        </p:nvSpPr>
+        <p:spPr>
+          <a:xfrm>
+            <a:off x="189186" y="1450427"/>
+            <a:ext cx="8797158" cy="4020208"/>
+          </a:xfrm>
+        </p:spPr>
+        <p:txBody>
+          <a:bodyPr lIns="91440" tIns="45720" rIns="91440" bIns="45720" anchor="t"/>
           <a:lstStyle/>
           <a:p>
             <a:r>
-              <a:rPr lang="en-GB" sz="4000" dirty="0"/>
-              <a:t>Notebook Links</a:t>
-            </a:r>
-          </a:p>
-        </p:txBody>
-      </p:sp>
-      <p:sp>
-        <p:nvSpPr>
-          <p:cNvPr id="3" name="Content Placeholder 2"/>
-          <p:cNvSpPr>
-            <a:spLocks noGrp="1"/>
-          </p:cNvSpPr>
-          <p:nvPr>
-            <p:ph idx="1"/>
-          </p:nvPr>
-        </p:nvSpPr>
-        <p:spPr>
-          <a:xfrm>
-            <a:off x="457200" y="1600200"/>
-            <a:ext cx="8435280" cy="4876800"/>
-          </a:xfrm>
-        </p:spPr>
-        <p:txBody>
-          <a:bodyPr>
-            <a:normAutofit/>
-          </a:bodyPr>
-          <a:lstStyle/>
-          <a:p>
-            <a:r>
-              <a:rPr lang="en-GB" dirty="0">
-                <a:hlinkClick r:id="rId3"/>
-              </a:rPr>
-              <a:t>Types and Objects</a:t>
-            </a:r>
-            <a:endParaRPr lang="en-GB" dirty="0"/>
-          </a:p>
-          <a:p>
-            <a:r>
-              <a:rPr lang="en-GB" dirty="0">
-                <a:hlinkClick r:id="rId4"/>
-              </a:rPr>
-              <a:t>My First Class</a:t>
-            </a:r>
-            <a:endParaRPr lang="en-GB" dirty="0"/>
-          </a:p>
-          <a:p>
-            <a:r>
-              <a:rPr lang="en-GB" dirty="0">
-                <a:hlinkClick r:id="rId5"/>
-              </a:rPr>
-              <a:t>Class Members in Detail</a:t>
-            </a:r>
-            <a:endParaRPr lang="en-GB" dirty="0"/>
-          </a:p>
-          <a:p>
-            <a:r>
-              <a:rPr lang="en-GB" dirty="0">
-                <a:hlinkClick r:id="rId6"/>
-              </a:rPr>
-              <a:t>Magic Methods</a:t>
-            </a:r>
-            <a:endParaRPr lang="en-GB" dirty="0"/>
-          </a:p>
-          <a:p>
-            <a:r>
-              <a:rPr lang="en-GB" dirty="0">
-                <a:hlinkClick r:id="rId7"/>
-              </a:rPr>
-              <a:t>Properties</a:t>
-            </a:r>
-            <a:endParaRPr lang="en-GB" dirty="0"/>
+              <a:rPr lang="en-US" sz="2200" u="sng" dirty="0"/>
+              <a:t>For the purpose of contact tracing</a:t>
+            </a:r>
+            <a:endParaRPr lang="en-US" sz="2200" dirty="0"/>
+          </a:p>
+          <a:p>
+            <a:endParaRPr lang="en-US" sz="2200" dirty="0"/>
+          </a:p>
+          <a:p>
+            <a:r>
+              <a:rPr lang="en-US" sz="2200" dirty="0"/>
+              <a:t>For our standard workshops:</a:t>
+            </a:r>
+          </a:p>
+          <a:p>
+            <a:pPr marL="342900" indent="-342900">
+              <a:buFont typeface="Arial" panose="020B0604020202020204" pitchFamily="34" charset="0"/>
+              <a:buChar char="•"/>
+            </a:pPr>
+            <a:r>
+              <a:rPr lang="en-US" sz="2200" dirty="0"/>
+              <a:t>We will provide the CCT Hub with the complete list of attendees at this workshop</a:t>
+            </a:r>
+          </a:p>
+          <a:p>
+            <a:endParaRPr lang="en-US" sz="2200" dirty="0"/>
+          </a:p>
+          <a:p>
+            <a:r>
+              <a:rPr lang="en-US" sz="2200" dirty="0"/>
+              <a:t>Where our workshops are held in lecture theatres:</a:t>
+            </a:r>
+          </a:p>
+          <a:p>
+            <a:pPr marL="342900" indent="-342900">
+              <a:buFont typeface="Arial" panose="020B0604020202020204" pitchFamily="34" charset="0"/>
+              <a:buChar char="•"/>
+            </a:pPr>
+            <a:r>
+              <a:rPr lang="en-US" sz="2200" dirty="0"/>
+              <a:t>You should keep a record of colleagues that you are sat in </a:t>
+            </a:r>
+            <a:r>
+              <a:rPr lang="en-US" sz="2200"/>
+              <a:t>close contact with </a:t>
+            </a:r>
+            <a:r>
+              <a:rPr lang="en-US" sz="2200" dirty="0"/>
+              <a:t>(within 2 meters)</a:t>
+            </a:r>
+          </a:p>
+          <a:p>
+            <a:endParaRPr lang="en-US" dirty="0"/>
           </a:p>
         </p:txBody>
       </p:sp>
     </p:spTree>
     <p:extLst>
       <p:ext uri="{BB962C8B-B14F-4D97-AF65-F5344CB8AC3E}">
-        <p14:creationId xmlns:p14="http://schemas.microsoft.com/office/powerpoint/2010/main" val="4074605344"/>
+        <p14:creationId xmlns:p14="http://schemas.microsoft.com/office/powerpoint/2010/main" val="3238657636"/>
       </p:ext>
     </p:extLst>
   </p:cSld>
   <p:clrMapOvr>
     <a:masterClrMapping/>
   </p:clrMapOvr>
-  <mc:AlternateContent xmlns:mc="http://schemas.openxmlformats.org/markup-compatibility/2006" xmlns:p14="http://schemas.microsoft.com/office/powerpoint/2010/main">
-    <mc:Choice Requires="p14">
-      <p:transition p14:dur="10"/>
-    </mc:Choice>
-    <mc:Fallback xmlns="">
-      <p:transition/>
-    </mc:Fallback>
-  </mc:AlternateContent>
 </p:sld>
 </file>
 
@@ -4404,7 +4452,7 @@
           <a:p>
             <a:r>
               <a:rPr lang="en-GB" sz="4000" dirty="0"/>
-              <a:t>Notebook Links</a:t>
+              <a:t>Learning Outcomes</a:t>
             </a:r>
           </a:p>
         </p:txBody>
@@ -4431,56 +4479,119 @@
           </a:bodyPr>
           <a:lstStyle/>
           <a:p>
-            <a:r>
-              <a:rPr lang="en-GB" dirty="0">
-                <a:hlinkClick r:id="rId3"/>
+            <a:pPr marL="514350" lvl="0" indent="-514350">
+              <a:lnSpc>
+                <a:spcPct val="107000"/>
+              </a:lnSpc>
+              <a:buAutoNum type="arabicPeriod"/>
+            </a:pPr>
+            <a:r>
+              <a:rPr lang="en-GB" sz="3000" b="1" dirty="0">
+                <a:effectLst/>
+                <a:latin typeface="Arial" panose="020B0604020202020204" pitchFamily="34" charset="0"/>
+                <a:ea typeface="Calibri" panose="020F0502020204030204" pitchFamily="34" charset="0"/>
+                <a:cs typeface="Arial" panose="020B0604020202020204" pitchFamily="34" charset="0"/>
               </a:rPr>
-              <a:t>Inheritance</a:t>
-            </a:r>
-            <a:endParaRPr lang="en-GB" dirty="0"/>
-          </a:p>
-          <a:p>
-            <a:r>
-              <a:rPr lang="en-GB" dirty="0">
-                <a:hlinkClick r:id="rId4"/>
+              <a:t>Define</a:t>
+            </a:r>
+            <a:r>
+              <a:rPr lang="en-GB" sz="3000" dirty="0">
+                <a:effectLst/>
+                <a:latin typeface="Arial" panose="020B0604020202020204" pitchFamily="34" charset="0"/>
+                <a:ea typeface="Calibri" panose="020F0502020204030204" pitchFamily="34" charset="0"/>
+                <a:cs typeface="Arial" panose="020B0604020202020204" pitchFamily="34" charset="0"/>
               </a:rPr>
-              <a:t>Polymorphism</a:t>
-            </a:r>
-            <a:endParaRPr lang="en-GB" dirty="0"/>
-          </a:p>
-          <a:p>
-            <a:r>
-              <a:rPr lang="en-GB" dirty="0">
-                <a:hlinkClick r:id="rId5"/>
+              <a:t> objects and classes in relation to Python</a:t>
+            </a:r>
+          </a:p>
+          <a:p>
+            <a:pPr marL="514350" lvl="0" indent="-514350">
+              <a:lnSpc>
+                <a:spcPct val="107000"/>
+              </a:lnSpc>
+              <a:buAutoNum type="arabicPeriod"/>
+            </a:pPr>
+            <a:r>
+              <a:rPr lang="en-GB" sz="3000" b="1" dirty="0">
+                <a:effectLst/>
+                <a:latin typeface="Arial" panose="020B0604020202020204" pitchFamily="34" charset="0"/>
+                <a:ea typeface="Calibri" panose="020F0502020204030204" pitchFamily="34" charset="0"/>
+                <a:cs typeface="Arial" panose="020B0604020202020204" pitchFamily="34" charset="0"/>
               </a:rPr>
-              <a:t>Object-Oriented Code Design Principles</a:t>
-            </a:r>
-            <a:endParaRPr lang="en-GB" dirty="0"/>
-          </a:p>
-          <a:p>
-            <a:r>
-              <a:rPr lang="en-GB" dirty="0">
-                <a:hlinkClick r:id="rId6"/>
+              <a:t>Use</a:t>
+            </a:r>
+            <a:r>
+              <a:rPr lang="en-GB" sz="3000" dirty="0">
+                <a:effectLst/>
+                <a:latin typeface="Arial" panose="020B0604020202020204" pitchFamily="34" charset="0"/>
+                <a:ea typeface="Calibri" panose="020F0502020204030204" pitchFamily="34" charset="0"/>
+                <a:cs typeface="Arial" panose="020B0604020202020204" pitchFamily="34" charset="0"/>
               </a:rPr>
-              <a:t>Objects in Objects</a:t>
-            </a:r>
-            <a:endParaRPr lang="en-GB" dirty="0"/>
-          </a:p>
-          <a:p>
-            <a:r>
-              <a:rPr lang="en-GB" dirty="0">
-                <a:hlinkClick r:id="rId7"/>
+              <a:t> key object-oriented features of Python</a:t>
+            </a:r>
+          </a:p>
+          <a:p>
+            <a:pPr marL="514350" lvl="0" indent="-514350">
+              <a:lnSpc>
+                <a:spcPct val="107000"/>
+              </a:lnSpc>
+              <a:buAutoNum type="arabicPeriod"/>
+            </a:pPr>
+            <a:r>
+              <a:rPr lang="en-GB" sz="3000" b="1" dirty="0">
+                <a:effectLst/>
+                <a:latin typeface="Arial" panose="020B0604020202020204" pitchFamily="34" charset="0"/>
+                <a:ea typeface="Calibri" panose="020F0502020204030204" pitchFamily="34" charset="0"/>
+                <a:cs typeface="Arial" panose="020B0604020202020204" pitchFamily="34" charset="0"/>
               </a:rPr>
-              <a:t>Projects</a:t>
-            </a:r>
-            <a:endParaRPr lang="en-GB" dirty="0"/>
+              <a:t>Create</a:t>
+            </a:r>
+            <a:r>
+              <a:rPr lang="en-GB" sz="3000" dirty="0">
+                <a:effectLst/>
+                <a:latin typeface="Arial" panose="020B0604020202020204" pitchFamily="34" charset="0"/>
+                <a:ea typeface="Calibri" panose="020F0502020204030204" pitchFamily="34" charset="0"/>
+                <a:cs typeface="Arial" panose="020B0604020202020204" pitchFamily="34" charset="0"/>
+              </a:rPr>
+              <a:t> classes tailored to the task they are to perform</a:t>
+            </a:r>
+          </a:p>
+          <a:p>
+            <a:pPr marL="514350" lvl="0" indent="-514350">
+              <a:lnSpc>
+                <a:spcPct val="107000"/>
+              </a:lnSpc>
+              <a:buAutoNum type="arabicPeriod"/>
+            </a:pPr>
+            <a:r>
+              <a:rPr lang="en-GB" sz="3000" b="1" dirty="0">
+                <a:effectLst/>
+                <a:latin typeface="Arial" panose="020B0604020202020204" pitchFamily="34" charset="0"/>
+                <a:ea typeface="Calibri" panose="020F0502020204030204" pitchFamily="34" charset="0"/>
+                <a:cs typeface="Arial" panose="020B0604020202020204" pitchFamily="34" charset="0"/>
+              </a:rPr>
+              <a:t>Utilise </a:t>
+            </a:r>
+            <a:r>
+              <a:rPr lang="en-GB" sz="3000" dirty="0">
+                <a:effectLst/>
+                <a:latin typeface="Arial" panose="020B0604020202020204" pitchFamily="34" charset="0"/>
+                <a:ea typeface="Calibri" panose="020F0502020204030204" pitchFamily="34" charset="0"/>
+                <a:cs typeface="Arial" panose="020B0604020202020204" pitchFamily="34" charset="0"/>
+              </a:rPr>
+              <a:t>object-oriented strategies to plan and develop research codes</a:t>
+            </a:r>
+            <a:endParaRPr lang="en-GB" sz="3000" dirty="0">
+              <a:latin typeface="Arial" panose="020B0604020202020204" pitchFamily="34" charset="0"/>
+              <a:cs typeface="Arial" panose="020B0604020202020204" pitchFamily="34" charset="0"/>
+            </a:endParaRPr>
           </a:p>
         </p:txBody>
       </p:sp>
     </p:spTree>
     <p:extLst>
       <p:ext uri="{BB962C8B-B14F-4D97-AF65-F5344CB8AC3E}">
-        <p14:creationId xmlns:p14="http://schemas.microsoft.com/office/powerpoint/2010/main" val="4175751739"/>
+        <p14:creationId xmlns:p14="http://schemas.microsoft.com/office/powerpoint/2010/main" val="3248724752"/>
       </p:ext>
     </p:extLst>
   </p:cSld>
@@ -4532,6 +4643,262 @@
           <a:p>
             <a:r>
               <a:rPr lang="en-GB" sz="4000" dirty="0"/>
+              <a:t>Notebook Links</a:t>
+            </a:r>
+          </a:p>
+        </p:txBody>
+      </p:sp>
+      <p:sp>
+        <p:nvSpPr>
+          <p:cNvPr id="3" name="Content Placeholder 2"/>
+          <p:cNvSpPr>
+            <a:spLocks noGrp="1"/>
+          </p:cNvSpPr>
+          <p:nvPr>
+            <p:ph idx="1"/>
+          </p:nvPr>
+        </p:nvSpPr>
+        <p:spPr>
+          <a:xfrm>
+            <a:off x="457200" y="1600200"/>
+            <a:ext cx="8435280" cy="4876800"/>
+          </a:xfrm>
+        </p:spPr>
+        <p:txBody>
+          <a:bodyPr>
+            <a:normAutofit/>
+          </a:bodyPr>
+          <a:lstStyle/>
+          <a:p>
+            <a:r>
+              <a:rPr lang="en-GB" dirty="0">
+                <a:hlinkClick r:id="rId3"/>
+              </a:rPr>
+              <a:t>Types and Objects</a:t>
+            </a:r>
+            <a:endParaRPr lang="en-GB" dirty="0"/>
+          </a:p>
+          <a:p>
+            <a:r>
+              <a:rPr lang="en-GB" dirty="0">
+                <a:hlinkClick r:id="rId4"/>
+              </a:rPr>
+              <a:t>My First Class</a:t>
+            </a:r>
+            <a:endParaRPr lang="en-GB" dirty="0"/>
+          </a:p>
+          <a:p>
+            <a:r>
+              <a:rPr lang="en-GB" dirty="0">
+                <a:hlinkClick r:id="rId5"/>
+              </a:rPr>
+              <a:t>Class Members in Detail</a:t>
+            </a:r>
+            <a:endParaRPr lang="en-GB" dirty="0"/>
+          </a:p>
+          <a:p>
+            <a:r>
+              <a:rPr lang="en-GB" dirty="0">
+                <a:hlinkClick r:id="rId6"/>
+              </a:rPr>
+              <a:t>Magic Methods</a:t>
+            </a:r>
+            <a:endParaRPr lang="en-GB" dirty="0"/>
+          </a:p>
+          <a:p>
+            <a:r>
+              <a:rPr lang="en-GB" dirty="0">
+                <a:hlinkClick r:id="rId7"/>
+              </a:rPr>
+              <a:t>Properties</a:t>
+            </a:r>
+            <a:endParaRPr lang="en-GB" dirty="0"/>
+          </a:p>
+        </p:txBody>
+      </p:sp>
+    </p:spTree>
+    <p:extLst>
+      <p:ext uri="{BB962C8B-B14F-4D97-AF65-F5344CB8AC3E}">
+        <p14:creationId xmlns:p14="http://schemas.microsoft.com/office/powerpoint/2010/main" val="4074605344"/>
+      </p:ext>
+    </p:extLst>
+  </p:cSld>
+  <p:clrMapOvr>
+    <a:masterClrMapping/>
+  </p:clrMapOvr>
+  <mc:AlternateContent xmlns:mc="http://schemas.openxmlformats.org/markup-compatibility/2006" xmlns:p14="http://schemas.microsoft.com/office/powerpoint/2010/main">
+    <mc:Choice Requires="p14">
+      <p:transition p14:dur="10"/>
+    </mc:Choice>
+    <mc:Fallback xmlns="">
+      <p:transition/>
+    </mc:Fallback>
+  </mc:AlternateContent>
+</p:sld>
+</file>
+
+<file path=ppt/slides/slide6.xml><?xml version="1.0" encoding="utf-8"?>
+<p:sld xmlns:a="http://schemas.openxmlformats.org/drawingml/2006/main" xmlns:r="http://schemas.openxmlformats.org/officeDocument/2006/relationships" xmlns:p="http://schemas.openxmlformats.org/presentationml/2006/main">
+  <p:cSld>
+    <p:spTree>
+      <p:nvGrpSpPr>
+        <p:cNvPr id="1" name=""/>
+        <p:cNvGrpSpPr/>
+        <p:nvPr/>
+      </p:nvGrpSpPr>
+      <p:grpSpPr>
+        <a:xfrm>
+          <a:off x="0" y="0"/>
+          <a:ext cx="0" cy="0"/>
+          <a:chOff x="0" y="0"/>
+          <a:chExt cx="0" cy="0"/>
+        </a:xfrm>
+      </p:grpSpPr>
+      <p:sp>
+        <p:nvSpPr>
+          <p:cNvPr id="2" name="Title 1"/>
+          <p:cNvSpPr>
+            <a:spLocks noGrp="1"/>
+          </p:cNvSpPr>
+          <p:nvPr>
+            <p:ph type="title"/>
+          </p:nvPr>
+        </p:nvSpPr>
+        <p:spPr/>
+        <p:txBody>
+          <a:bodyPr/>
+          <a:lstStyle/>
+          <a:p>
+            <a:r>
+              <a:rPr lang="en-GB" sz="4000" dirty="0"/>
+              <a:t>Notebook Links</a:t>
+            </a:r>
+          </a:p>
+        </p:txBody>
+      </p:sp>
+      <p:sp>
+        <p:nvSpPr>
+          <p:cNvPr id="3" name="Content Placeholder 2"/>
+          <p:cNvSpPr>
+            <a:spLocks noGrp="1"/>
+          </p:cNvSpPr>
+          <p:nvPr>
+            <p:ph idx="1"/>
+          </p:nvPr>
+        </p:nvSpPr>
+        <p:spPr>
+          <a:xfrm>
+            <a:off x="457200" y="1600200"/>
+            <a:ext cx="8435280" cy="4876800"/>
+          </a:xfrm>
+        </p:spPr>
+        <p:txBody>
+          <a:bodyPr>
+            <a:normAutofit/>
+          </a:bodyPr>
+          <a:lstStyle/>
+          <a:p>
+            <a:r>
+              <a:rPr lang="en-GB" dirty="0">
+                <a:hlinkClick r:id="rId3"/>
+              </a:rPr>
+              <a:t>Inheritance</a:t>
+            </a:r>
+            <a:endParaRPr lang="en-GB" dirty="0"/>
+          </a:p>
+          <a:p>
+            <a:r>
+              <a:rPr lang="en-GB" dirty="0">
+                <a:hlinkClick r:id="rId4"/>
+              </a:rPr>
+              <a:t>Polymorphism</a:t>
+            </a:r>
+            <a:endParaRPr lang="en-GB" dirty="0"/>
+          </a:p>
+          <a:p>
+            <a:r>
+              <a:rPr lang="en-GB" dirty="0">
+                <a:hlinkClick r:id="rId5"/>
+              </a:rPr>
+              <a:t>Object-Oriented Code Design Principles</a:t>
+            </a:r>
+            <a:endParaRPr lang="en-GB" dirty="0"/>
+          </a:p>
+          <a:p>
+            <a:r>
+              <a:rPr lang="en-GB" dirty="0">
+                <a:hlinkClick r:id="rId6"/>
+              </a:rPr>
+              <a:t>Objects in Objects</a:t>
+            </a:r>
+            <a:endParaRPr lang="en-GB" dirty="0"/>
+          </a:p>
+          <a:p>
+            <a:r>
+              <a:rPr lang="en-GB" dirty="0">
+                <a:hlinkClick r:id="rId7"/>
+              </a:rPr>
+              <a:t>Projects</a:t>
+            </a:r>
+            <a:endParaRPr lang="en-GB" dirty="0"/>
+          </a:p>
+        </p:txBody>
+      </p:sp>
+    </p:spTree>
+    <p:extLst>
+      <p:ext uri="{BB962C8B-B14F-4D97-AF65-F5344CB8AC3E}">
+        <p14:creationId xmlns:p14="http://schemas.microsoft.com/office/powerpoint/2010/main" val="4175751739"/>
+      </p:ext>
+    </p:extLst>
+  </p:cSld>
+  <p:clrMapOvr>
+    <a:masterClrMapping/>
+  </p:clrMapOvr>
+  <mc:AlternateContent xmlns:mc="http://schemas.openxmlformats.org/markup-compatibility/2006" xmlns:p14="http://schemas.microsoft.com/office/powerpoint/2010/main">
+    <mc:Choice Requires="p14">
+      <p:transition p14:dur="10"/>
+    </mc:Choice>
+    <mc:Fallback xmlns="">
+      <p:transition/>
+    </mc:Fallback>
+  </mc:AlternateContent>
+</p:sld>
+</file>
+
+<file path=ppt/slides/slide7.xml><?xml version="1.0" encoding="utf-8"?>
+<p:sld xmlns:a="http://schemas.openxmlformats.org/drawingml/2006/main" xmlns:r="http://schemas.openxmlformats.org/officeDocument/2006/relationships" xmlns:p="http://schemas.openxmlformats.org/presentationml/2006/main">
+  <p:cSld>
+    <p:spTree>
+      <p:nvGrpSpPr>
+        <p:cNvPr id="1" name=""/>
+        <p:cNvGrpSpPr/>
+        <p:nvPr/>
+      </p:nvGrpSpPr>
+      <p:grpSpPr>
+        <a:xfrm>
+          <a:off x="0" y="0"/>
+          <a:ext cx="0" cy="0"/>
+          <a:chOff x="0" y="0"/>
+          <a:chExt cx="0" cy="0"/>
+        </a:xfrm>
+      </p:grpSpPr>
+      <p:sp>
+        <p:nvSpPr>
+          <p:cNvPr id="2" name="Title 1"/>
+          <p:cNvSpPr>
+            <a:spLocks noGrp="1"/>
+          </p:cNvSpPr>
+          <p:nvPr>
+            <p:ph type="title"/>
+          </p:nvPr>
+        </p:nvSpPr>
+        <p:spPr/>
+        <p:txBody>
+          <a:bodyPr/>
+          <a:lstStyle/>
+          <a:p>
+            <a:r>
+              <a:rPr lang="en-GB" sz="4000" dirty="0"/>
               <a:t>Feedback</a:t>
             </a:r>
           </a:p>
@@ -4630,7 +4997,7 @@
 </p:sld>
 </file>
 
-<file path=ppt/slides/slide6.xml><?xml version="1.0" encoding="utf-8"?>
+<file path=ppt/slides/slide8.xml><?xml version="1.0" encoding="utf-8"?>
 <p:sld xmlns:a="http://schemas.openxmlformats.org/drawingml/2006/main" xmlns:r="http://schemas.openxmlformats.org/officeDocument/2006/relationships" xmlns:p="http://schemas.openxmlformats.org/presentationml/2006/main">
   <p:cSld>
     <p:spTree>

--- a/Object-Oriented Python Slides.pptx
+++ b/Object-Oriented Python Slides.pptx
@@ -5,20 +5,21 @@
     <p:sldMasterId id="2147483648" r:id="rId1"/>
   </p:sldMasterIdLst>
   <p:notesMasterIdLst>
-    <p:notesMasterId r:id="rId10"/>
+    <p:notesMasterId r:id="rId11"/>
   </p:notesMasterIdLst>
   <p:handoutMasterIdLst>
-    <p:handoutMasterId r:id="rId11"/>
+    <p:handoutMasterId r:id="rId12"/>
   </p:handoutMasterIdLst>
   <p:sldIdLst>
     <p:sldId id="264" r:id="rId2"/>
-    <p:sldId id="258" r:id="rId3"/>
-    <p:sldId id="257" r:id="rId4"/>
-    <p:sldId id="267" r:id="rId5"/>
-    <p:sldId id="281" r:id="rId6"/>
-    <p:sldId id="330" r:id="rId7"/>
-    <p:sldId id="329" r:id="rId8"/>
-    <p:sldId id="280" r:id="rId9"/>
+    <p:sldId id="504" r:id="rId3"/>
+    <p:sldId id="258" r:id="rId4"/>
+    <p:sldId id="257" r:id="rId5"/>
+    <p:sldId id="267" r:id="rId6"/>
+    <p:sldId id="281" r:id="rId7"/>
+    <p:sldId id="330" r:id="rId8"/>
+    <p:sldId id="329" r:id="rId9"/>
+    <p:sldId id="280" r:id="rId10"/>
   </p:sldIdLst>
   <p:sldSz cx="9144000" cy="6858000" type="screen4x3"/>
   <p:notesSz cx="7099300" cy="10234613"/>
@@ -123,6 +124,7 @@
         <p14:section name="Introduction" id="{45EEEAF5-8C61-4410-A3AB-B2CD0B57ECF0}">
           <p14:sldIdLst>
             <p14:sldId id="264"/>
+            <p14:sldId id="504"/>
             <p14:sldId id="258"/>
             <p14:sldId id="257"/>
             <p14:sldId id="267"/>
@@ -404,7 +406,7 @@
           <a:p>
             <a:fld id="{88EB714B-C3CC-4216-88C1-02913905B1CF}" type="datetimeFigureOut">
               <a:rPr lang="en-GB" smtClean="0"/>
-              <a:t>04/10/2021</a:t>
+              <a:t>12/10/2021</a:t>
             </a:fld>
             <a:endParaRPr lang="en-GB"/>
           </a:p>
@@ -988,7 +990,7 @@
           <a:p>
             <a:fld id="{6A641EC8-C9F8-4A58-A1A7-F7D817526EEC}" type="slidenum">
               <a:rPr lang="en-GB" smtClean="0"/>
-              <a:t>4</a:t>
+              <a:t>5</a:t>
             </a:fld>
             <a:endParaRPr lang="en-GB"/>
           </a:p>
@@ -1072,7 +1074,7 @@
           <a:p>
             <a:fld id="{6A641EC8-C9F8-4A58-A1A7-F7D817526EEC}" type="slidenum">
               <a:rPr lang="en-GB" smtClean="0"/>
-              <a:t>5</a:t>
+              <a:t>6</a:t>
             </a:fld>
             <a:endParaRPr lang="en-GB"/>
           </a:p>
@@ -1156,7 +1158,7 @@
           <a:p>
             <a:fld id="{6A641EC8-C9F8-4A58-A1A7-F7D817526EEC}" type="slidenum">
               <a:rPr lang="en-GB" smtClean="0"/>
-              <a:t>6</a:t>
+              <a:t>7</a:t>
             </a:fld>
             <a:endParaRPr lang="en-GB"/>
           </a:p>
@@ -1240,7 +1242,7 @@
           <a:p>
             <a:fld id="{6A641EC8-C9F8-4A58-A1A7-F7D817526EEC}" type="slidenum">
               <a:rPr lang="en-GB" smtClean="0"/>
-              <a:t>7</a:t>
+              <a:t>8</a:t>
             </a:fld>
             <a:endParaRPr lang="en-GB"/>
           </a:p>
@@ -1436,7 +1438,7 @@
                   <a:spcPct val="0"/>
                 </a:spcBef>
               </a:pPr>
-              <a:t>8</a:t>
+              <a:t>9</a:t>
             </a:fld>
             <a:endParaRPr lang="en-US" altLang="en-US"/>
           </a:p>
@@ -1869,7 +1871,7 @@
           <a:p>
             <a:fld id="{EB0080F8-EA1C-491D-963C-2C881B2F918F}" type="datetimeFigureOut">
               <a:rPr lang="en-GB" smtClean="0"/>
-              <a:t>04/10/2021</a:t>
+              <a:t>12/10/2021</a:t>
             </a:fld>
             <a:endParaRPr lang="en-GB"/>
           </a:p>
@@ -2019,7 +2021,7 @@
           <a:p>
             <a:fld id="{EB0080F8-EA1C-491D-963C-2C881B2F918F}" type="datetimeFigureOut">
               <a:rPr lang="en-GB" smtClean="0"/>
-              <a:t>04/10/2021</a:t>
+              <a:t>12/10/2021</a:t>
             </a:fld>
             <a:endParaRPr lang="en-GB"/>
           </a:p>
@@ -3552,7 +3554,7 @@
           <a:p>
             <a:fld id="{EB0080F8-EA1C-491D-963C-2C881B2F918F}" type="datetimeFigureOut">
               <a:rPr lang="en-GB" smtClean="0"/>
-              <a:t>04/10/2021</a:t>
+              <a:t>12/10/2021</a:t>
             </a:fld>
             <a:endParaRPr lang="en-GB"/>
           </a:p>
@@ -4074,184 +4076,104 @@
       </p:grpSpPr>
       <p:sp>
         <p:nvSpPr>
-          <p:cNvPr id="4" name="Title 1"/>
-          <p:cNvSpPr txBox="1">
-            <a:spLocks/>
-          </p:cNvSpPr>
+          <p:cNvPr id="2" name="Title 1"/>
+          <p:cNvSpPr>
+            <a:spLocks noGrp="1"/>
+          </p:cNvSpPr>
+          <p:nvPr>
+            <p:ph type="title"/>
+          </p:nvPr>
+        </p:nvSpPr>
+        <p:spPr>
+          <a:xfrm>
+            <a:off x="401319" y="1431416"/>
+            <a:ext cx="8388117" cy="4549506"/>
+          </a:xfrm>
+        </p:spPr>
+        <p:txBody>
+          <a:bodyPr/>
+          <a:lstStyle/>
+          <a:p>
+            <a:pPr algn="ctr"/>
+            <a:r>
+              <a:rPr lang="en-GB" sz="2800" u="sng" dirty="0"/>
+              <a:t>Important Information on Marking your Attendance on Inkpath</a:t>
+            </a:r>
+            <a:br>
+              <a:rPr lang="en-GB" sz="2800" u="sng" dirty="0"/>
+            </a:br>
+            <a:br>
+              <a:rPr lang="en-GB" sz="2800" u="sng" dirty="0"/>
+            </a:br>
+            <a:br>
+              <a:rPr lang="en-GB" sz="2800" dirty="0"/>
+            </a:br>
+            <a:r>
+              <a:rPr lang="en-GB" sz="2800" dirty="0"/>
+              <a:t>After this course you will receive an email from the Graduate School administration team which will provide you with a QR code and instructions to mark your attendance at this course on Inkpath. </a:t>
+            </a:r>
+            <a:br>
+              <a:rPr lang="en-GB" sz="2800" dirty="0"/>
+            </a:br>
+            <a:br>
+              <a:rPr lang="en-GB" sz="2800" dirty="0"/>
+            </a:br>
+            <a:r>
+              <a:rPr lang="en-GB" sz="2800" dirty="0"/>
+              <a:t>Please </a:t>
+            </a:r>
+            <a:r>
+              <a:rPr lang="en-GB" sz="2800" u="sng" dirty="0"/>
+              <a:t>do not</a:t>
+            </a:r>
+            <a:r>
+              <a:rPr lang="en-GB" sz="2800" dirty="0"/>
+              <a:t> mark your attendance until you have received an email from the Graduate School. </a:t>
+            </a:r>
+          </a:p>
+        </p:txBody>
+      </p:sp>
+      <p:sp>
+        <p:nvSpPr>
+          <p:cNvPr id="7" name="TextBox 6"/>
+          <p:cNvSpPr txBox="1"/>
           <p:nvPr/>
         </p:nvSpPr>
         <p:spPr>
           <a:xfrm>
-            <a:off x="401320" y="472966"/>
-            <a:ext cx="5778764" cy="961696"/>
+            <a:off x="552450" y="3214433"/>
+            <a:ext cx="2171700" cy="830997"/>
           </a:xfrm>
           <a:prstGeom prst="rect">
             <a:avLst/>
           </a:prstGeom>
-        </p:spPr>
-        <p:txBody>
-          <a:bodyPr anchor="b"/>
-          <a:lstStyle>
-            <a:lvl1pPr algn="l" defTabSz="457200" rtl="0" eaLnBrk="1" latinLnBrk="0" hangingPunct="1">
-              <a:lnSpc>
-                <a:spcPct val="90000"/>
-              </a:lnSpc>
-              <a:spcBef>
-                <a:spcPct val="0"/>
-              </a:spcBef>
-              <a:buNone/>
-              <a:defRPr sz="4000" b="1" i="0" kern="1200" baseline="0">
-                <a:solidFill>
-                  <a:schemeClr val="tx2"/>
-                </a:solidFill>
-                <a:latin typeface="+mj-lt"/>
-                <a:ea typeface="+mj-ea"/>
-                <a:cs typeface="MetaOT-Bold"/>
-              </a:defRPr>
-            </a:lvl1pPr>
-          </a:lstStyle>
-          <a:p>
-            <a:r>
-              <a:rPr lang="en-US" sz="3200" dirty="0">
-                <a:solidFill>
-                  <a:schemeClr val="accent3"/>
-                </a:solidFill>
-              </a:rPr>
-              <a:t>Expectations:  Covid-safe teaching environments</a:t>
-            </a:r>
-          </a:p>
-        </p:txBody>
-      </p:sp>
-      <p:sp>
-        <p:nvSpPr>
-          <p:cNvPr id="5" name="Subtitle 2"/>
-          <p:cNvSpPr>
-            <a:spLocks noGrp="1"/>
-          </p:cNvSpPr>
-          <p:nvPr>
-            <p:ph type="subTitle" idx="1"/>
-          </p:nvPr>
-        </p:nvSpPr>
-        <p:spPr>
-          <a:xfrm>
-            <a:off x="401320" y="1631731"/>
-            <a:ext cx="8490432" cy="4548352"/>
-          </a:xfrm>
-        </p:spPr>
-        <p:txBody>
-          <a:bodyPr lIns="91440" tIns="45720" rIns="91440" bIns="45720" anchor="t"/>
+          <a:noFill/>
+        </p:spPr>
+        <p:txBody>
+          <a:bodyPr wrap="square" rtlCol="0">
+            <a:spAutoFit/>
+          </a:bodyPr>
           <a:lstStyle/>
           <a:p>
-            <a:r>
-              <a:rPr lang="en-US" sz="2200" u="sng" dirty="0">
-                <a:ea typeface="+mj-lt"/>
-                <a:cs typeface="+mj-lt"/>
-              </a:rPr>
-              <a:t>Face coverings</a:t>
-            </a:r>
-          </a:p>
-          <a:p>
-            <a:pPr marL="457200" indent="-457200">
-              <a:buFont typeface="Arial" panose="020B0604020202020204" pitchFamily="34" charset="0"/>
-              <a:buChar char="•"/>
-            </a:pPr>
-            <a:r>
-              <a:rPr lang="en-GB" sz="2200" dirty="0">
-                <a:latin typeface="+mn-lt"/>
-                <a:ea typeface="Calibri" panose="020F0502020204030204" pitchFamily="34" charset="0"/>
-                <a:cs typeface="Times New Roman"/>
-              </a:rPr>
-              <a:t>You are expected to wear a face covering </a:t>
-            </a:r>
-            <a:endParaRPr lang="en-GB" sz="2200" dirty="0"/>
-          </a:p>
-          <a:p>
-            <a:pPr marL="457200" indent="-457200">
-              <a:buFont typeface="Arial" panose="020B0604020202020204" pitchFamily="34" charset="0"/>
-              <a:buChar char="•"/>
-            </a:pPr>
-            <a:r>
-              <a:rPr lang="en-US" sz="2200" dirty="0">
-                <a:ea typeface="+mj-lt"/>
-                <a:cs typeface="+mj-lt"/>
-              </a:rPr>
-              <a:t>Tutors will deliver their workshop 2 meters distance from </a:t>
-            </a:r>
-            <a:r>
-              <a:rPr lang="en-US" sz="2200">
-                <a:ea typeface="+mj-lt"/>
-                <a:cs typeface="+mj-lt"/>
-              </a:rPr>
-              <a:t>you </a:t>
-            </a:r>
-            <a:endParaRPr lang="en-US" sz="2200" dirty="0">
-              <a:ea typeface="+mj-lt"/>
-              <a:cs typeface="+mj-lt"/>
+            <a:endParaRPr lang="en-GB" sz="2400" dirty="0">
+              <a:solidFill>
+                <a:srgbClr val="002060"/>
+              </a:solidFill>
             </a:endParaRPr>
           </a:p>
           <a:p>
-            <a:endParaRPr lang="en-US" sz="2200" u="sng" dirty="0">
-              <a:latin typeface="+mn-lt"/>
-              <a:ea typeface="+mj-lt"/>
-              <a:cs typeface="+mj-lt"/>
+            <a:endParaRPr lang="en-GB" sz="2400" dirty="0">
+              <a:solidFill>
+                <a:srgbClr val="002060"/>
+              </a:solidFill>
             </a:endParaRPr>
-          </a:p>
-          <a:p>
-            <a:r>
-              <a:rPr lang="en-US" sz="2200" u="sng" dirty="0">
-                <a:latin typeface="+mn-lt"/>
-                <a:ea typeface="+mj-lt"/>
-                <a:cs typeface="+mj-lt"/>
-              </a:rPr>
-              <a:t>Hygiene</a:t>
-            </a:r>
-            <a:endParaRPr lang="en-GB" sz="2200" u="sng" dirty="0">
-              <a:latin typeface="+mn-lt"/>
-              <a:ea typeface="Calibri" panose="020F0502020204030204" pitchFamily="34" charset="0"/>
-              <a:cs typeface="Times New Roman"/>
-            </a:endParaRPr>
-          </a:p>
-          <a:p>
-            <a:pPr marL="457200" indent="-457200">
-              <a:buFont typeface="Arial" panose="020B0604020202020204" pitchFamily="34" charset="0"/>
-              <a:buChar char="•"/>
-            </a:pPr>
-            <a:r>
-              <a:rPr lang="en-US" sz="2200" dirty="0"/>
-              <a:t>Where hand </a:t>
-            </a:r>
-            <a:r>
-              <a:rPr lang="en-US" sz="2200" dirty="0" err="1"/>
-              <a:t>sanitiser</a:t>
-            </a:r>
-            <a:r>
-              <a:rPr lang="en-US" sz="2200" dirty="0"/>
-              <a:t> is available, please use it</a:t>
-            </a:r>
-          </a:p>
-          <a:p>
-            <a:pPr marL="457200" indent="-457200">
-              <a:buFont typeface="Arial" panose="020B0604020202020204" pitchFamily="34" charset="0"/>
-              <a:buChar char="•"/>
-            </a:pPr>
-            <a:r>
-              <a:rPr lang="en-US" sz="2200" dirty="0"/>
-              <a:t>Please wipe down any communal/shared course materials/equipment </a:t>
-            </a:r>
-          </a:p>
-          <a:p>
-            <a:pPr marL="457200" indent="-457200">
-              <a:buFont typeface="Arial" panose="020B0604020202020204" pitchFamily="34" charset="0"/>
-              <a:buChar char="•"/>
-            </a:pPr>
-            <a:endParaRPr lang="en-US" sz="2400" dirty="0"/>
           </a:p>
         </p:txBody>
       </p:sp>
     </p:spTree>
     <p:extLst>
       <p:ext uri="{BB962C8B-B14F-4D97-AF65-F5344CB8AC3E}">
-        <p14:creationId xmlns:p14="http://schemas.microsoft.com/office/powerpoint/2010/main" val="70908208"/>
+        <p14:creationId xmlns:p14="http://schemas.microsoft.com/office/powerpoint/2010/main" val="3686223621"/>
       </p:ext>
     </p:extLst>
   </p:cSld>
@@ -4288,8 +4210,8 @@
         </p:nvSpPr>
         <p:spPr>
           <a:xfrm>
-            <a:off x="401319" y="472966"/>
-            <a:ext cx="5558047" cy="930165"/>
+            <a:off x="401320" y="472966"/>
+            <a:ext cx="5778764" cy="961696"/>
           </a:xfrm>
           <a:prstGeom prst="rect">
             <a:avLst/>
@@ -4340,8 +4262,8 @@
         </p:nvSpPr>
         <p:spPr>
           <a:xfrm>
-            <a:off x="189186" y="1450427"/>
-            <a:ext cx="8797158" cy="4020208"/>
+            <a:off x="401320" y="1631731"/>
+            <a:ext cx="8490432" cy="4548352"/>
           </a:xfrm>
         </p:spPr>
         <p:txBody>
@@ -4349,66 +4271,115 @@
           <a:lstStyle/>
           <a:p>
             <a:r>
-              <a:rPr lang="en-US" sz="2200" u="sng" dirty="0"/>
-              <a:t>For the purpose of contact tracing</a:t>
-            </a:r>
-            <a:endParaRPr lang="en-US" sz="2200" dirty="0"/>
-          </a:p>
-          <a:p>
-            <a:endParaRPr lang="en-US" sz="2200" dirty="0"/>
-          </a:p>
-          <a:p>
-            <a:r>
-              <a:rPr lang="en-US" sz="2200" dirty="0"/>
-              <a:t>For our standard workshops:</a:t>
-            </a:r>
-          </a:p>
-          <a:p>
-            <a:pPr marL="342900" indent="-342900">
+              <a:rPr lang="en-US" sz="2200" u="sng" dirty="0">
+                <a:ea typeface="+mj-lt"/>
+                <a:cs typeface="+mj-lt"/>
+              </a:rPr>
+              <a:t>Face coverings</a:t>
+            </a:r>
+          </a:p>
+          <a:p>
+            <a:pPr marL="457200" indent="-457200">
               <a:buFont typeface="Arial" panose="020B0604020202020204" pitchFamily="34" charset="0"/>
               <a:buChar char="•"/>
             </a:pPr>
             <a:r>
-              <a:rPr lang="en-US" sz="2200" dirty="0"/>
-              <a:t>We will provide the CCT Hub with the complete list of attendees at this workshop</a:t>
-            </a:r>
-          </a:p>
-          <a:p>
-            <a:endParaRPr lang="en-US" sz="2200" dirty="0"/>
-          </a:p>
-          <a:p>
-            <a:r>
-              <a:rPr lang="en-US" sz="2200" dirty="0"/>
-              <a:t>Where our workshops are held in lecture theatres:</a:t>
-            </a:r>
-          </a:p>
-          <a:p>
-            <a:pPr marL="342900" indent="-342900">
+              <a:rPr lang="en-GB" sz="2200" dirty="0">
+                <a:latin typeface="+mn-lt"/>
+                <a:ea typeface="Calibri" panose="020F0502020204030204" pitchFamily="34" charset="0"/>
+                <a:cs typeface="Times New Roman"/>
+              </a:rPr>
+              <a:t>You are expected to wear a face covering </a:t>
+            </a:r>
+            <a:endParaRPr lang="en-GB" sz="2200" dirty="0"/>
+          </a:p>
+          <a:p>
+            <a:pPr marL="457200" indent="-457200">
               <a:buFont typeface="Arial" panose="020B0604020202020204" pitchFamily="34" charset="0"/>
               <a:buChar char="•"/>
             </a:pPr>
             <a:r>
+              <a:rPr lang="en-US" sz="2200" dirty="0">
+                <a:ea typeface="+mj-lt"/>
+                <a:cs typeface="+mj-lt"/>
+              </a:rPr>
+              <a:t>Tutors will deliver their workshop 2 meters distance from </a:t>
+            </a:r>
+            <a:r>
+              <a:rPr lang="en-US" sz="2200">
+                <a:ea typeface="+mj-lt"/>
+                <a:cs typeface="+mj-lt"/>
+              </a:rPr>
+              <a:t>you </a:t>
+            </a:r>
+            <a:endParaRPr lang="en-US" sz="2200" dirty="0">
+              <a:ea typeface="+mj-lt"/>
+              <a:cs typeface="+mj-lt"/>
+            </a:endParaRPr>
+          </a:p>
+          <a:p>
+            <a:endParaRPr lang="en-US" sz="2200" u="sng" dirty="0">
+              <a:latin typeface="+mn-lt"/>
+              <a:ea typeface="+mj-lt"/>
+              <a:cs typeface="+mj-lt"/>
+            </a:endParaRPr>
+          </a:p>
+          <a:p>
+            <a:r>
+              <a:rPr lang="en-US" sz="2200" u="sng" dirty="0">
+                <a:latin typeface="+mn-lt"/>
+                <a:ea typeface="+mj-lt"/>
+                <a:cs typeface="+mj-lt"/>
+              </a:rPr>
+              <a:t>Hygiene</a:t>
+            </a:r>
+            <a:endParaRPr lang="en-GB" sz="2200" u="sng" dirty="0">
+              <a:latin typeface="+mn-lt"/>
+              <a:ea typeface="Calibri" panose="020F0502020204030204" pitchFamily="34" charset="0"/>
+              <a:cs typeface="Times New Roman"/>
+            </a:endParaRPr>
+          </a:p>
+          <a:p>
+            <a:pPr marL="457200" indent="-457200">
+              <a:buFont typeface="Arial" panose="020B0604020202020204" pitchFamily="34" charset="0"/>
+              <a:buChar char="•"/>
+            </a:pPr>
+            <a:r>
               <a:rPr lang="en-US" sz="2200" dirty="0"/>
-              <a:t>You should keep a record of colleagues that you are sat in </a:t>
-            </a:r>
-            <a:r>
-              <a:rPr lang="en-US" sz="2200"/>
-              <a:t>close contact with </a:t>
+              <a:t>Where hand </a:t>
+            </a:r>
+            <a:r>
+              <a:rPr lang="en-US" sz="2200" dirty="0" err="1"/>
+              <a:t>sanitiser</a:t>
             </a:r>
             <a:r>
               <a:rPr lang="en-US" sz="2200" dirty="0"/>
-              <a:t>(within 2 meters)</a:t>
-            </a:r>
-          </a:p>
-          <a:p>
-            <a:endParaRPr lang="en-US" dirty="0"/>
+              <a:t> is available, please use it</a:t>
+            </a:r>
+          </a:p>
+          <a:p>
+            <a:pPr marL="457200" indent="-457200">
+              <a:buFont typeface="Arial" panose="020B0604020202020204" pitchFamily="34" charset="0"/>
+              <a:buChar char="•"/>
+            </a:pPr>
+            <a:r>
+              <a:rPr lang="en-US" sz="2200" dirty="0"/>
+              <a:t>Please wipe down any communal/shared course materials/equipment </a:t>
+            </a:r>
+          </a:p>
+          <a:p>
+            <a:pPr marL="457200" indent="-457200">
+              <a:buFont typeface="Arial" panose="020B0604020202020204" pitchFamily="34" charset="0"/>
+              <a:buChar char="•"/>
+            </a:pPr>
+            <a:endParaRPr lang="en-US" sz="2400" dirty="0"/>
           </a:p>
         </p:txBody>
       </p:sp>
     </p:spTree>
     <p:extLst>
       <p:ext uri="{BB962C8B-B14F-4D97-AF65-F5344CB8AC3E}">
-        <p14:creationId xmlns:p14="http://schemas.microsoft.com/office/powerpoint/2010/main" val="3238657636"/>
+        <p14:creationId xmlns:p14="http://schemas.microsoft.com/office/powerpoint/2010/main" val="70908208"/>
       </p:ext>
     </p:extLst>
   </p:cSld>
@@ -4437,175 +4408,141 @@
       </p:grpSpPr>
       <p:sp>
         <p:nvSpPr>
-          <p:cNvPr id="2" name="Title 1"/>
+          <p:cNvPr id="4" name="Title 1"/>
+          <p:cNvSpPr txBox="1">
+            <a:spLocks/>
+          </p:cNvSpPr>
+          <p:nvPr/>
+        </p:nvSpPr>
+        <p:spPr>
+          <a:xfrm>
+            <a:off x="401319" y="472966"/>
+            <a:ext cx="5558047" cy="930165"/>
+          </a:xfrm>
+          <a:prstGeom prst="rect">
+            <a:avLst/>
+          </a:prstGeom>
+        </p:spPr>
+        <p:txBody>
+          <a:bodyPr anchor="b"/>
+          <a:lstStyle>
+            <a:lvl1pPr algn="l" defTabSz="457200" rtl="0" eaLnBrk="1" latinLnBrk="0" hangingPunct="1">
+              <a:lnSpc>
+                <a:spcPct val="90000"/>
+              </a:lnSpc>
+              <a:spcBef>
+                <a:spcPct val="0"/>
+              </a:spcBef>
+              <a:buNone/>
+              <a:defRPr sz="4000" b="1" i="0" kern="1200" baseline="0">
+                <a:solidFill>
+                  <a:schemeClr val="tx2"/>
+                </a:solidFill>
+                <a:latin typeface="+mj-lt"/>
+                <a:ea typeface="+mj-ea"/>
+                <a:cs typeface="MetaOT-Bold"/>
+              </a:defRPr>
+            </a:lvl1pPr>
+          </a:lstStyle>
+          <a:p>
+            <a:r>
+              <a:rPr lang="en-US" sz="3200" dirty="0">
+                <a:solidFill>
+                  <a:schemeClr val="accent3"/>
+                </a:solidFill>
+              </a:rPr>
+              <a:t>Expectations:  Covid-safe teaching environments</a:t>
+            </a:r>
+          </a:p>
+        </p:txBody>
+      </p:sp>
+      <p:sp>
+        <p:nvSpPr>
+          <p:cNvPr id="5" name="Subtitle 2"/>
           <p:cNvSpPr>
             <a:spLocks noGrp="1"/>
           </p:cNvSpPr>
           <p:nvPr>
-            <p:ph type="title"/>
-          </p:nvPr>
-        </p:nvSpPr>
-        <p:spPr/>
-        <p:txBody>
-          <a:bodyPr/>
+            <p:ph type="subTitle" idx="1"/>
+          </p:nvPr>
+        </p:nvSpPr>
+        <p:spPr>
+          <a:xfrm>
+            <a:off x="189186" y="1450427"/>
+            <a:ext cx="8797158" cy="4020208"/>
+          </a:xfrm>
+        </p:spPr>
+        <p:txBody>
+          <a:bodyPr lIns="91440" tIns="45720" rIns="91440" bIns="45720" anchor="t"/>
           <a:lstStyle/>
           <a:p>
             <a:r>
-              <a:rPr lang="en-GB" sz="4000" dirty="0"/>
-              <a:t>Learning Outcomes</a:t>
-            </a:r>
-          </a:p>
-        </p:txBody>
-      </p:sp>
-      <p:sp>
-        <p:nvSpPr>
-          <p:cNvPr id="3" name="Content Placeholder 2"/>
-          <p:cNvSpPr>
-            <a:spLocks noGrp="1"/>
-          </p:cNvSpPr>
-          <p:nvPr>
-            <p:ph idx="1"/>
-          </p:nvPr>
-        </p:nvSpPr>
-        <p:spPr>
-          <a:xfrm>
-            <a:off x="457200" y="1600200"/>
-            <a:ext cx="8435280" cy="4876800"/>
-          </a:xfrm>
-        </p:spPr>
-        <p:txBody>
-          <a:bodyPr>
-            <a:normAutofit/>
-          </a:bodyPr>
-          <a:lstStyle/>
-          <a:p>
-            <a:pPr marL="514350" lvl="0" indent="-514350">
-              <a:lnSpc>
-                <a:spcPct val="107000"/>
-              </a:lnSpc>
-              <a:buAutoNum type="arabicPeriod"/>
+              <a:rPr lang="en-US" sz="2200" u="sng" dirty="0"/>
+              <a:t>For the purpose of contact tracing</a:t>
+            </a:r>
+            <a:endParaRPr lang="en-US" sz="2200" dirty="0"/>
+          </a:p>
+          <a:p>
+            <a:endParaRPr lang="en-US" sz="2200" dirty="0"/>
+          </a:p>
+          <a:p>
+            <a:r>
+              <a:rPr lang="en-US" sz="2200" dirty="0"/>
+              <a:t>For our standard workshops:</a:t>
+            </a:r>
+          </a:p>
+          <a:p>
+            <a:pPr marL="342900" indent="-342900">
+              <a:buFont typeface="Arial" panose="020B0604020202020204" pitchFamily="34" charset="0"/>
+              <a:buChar char="•"/>
             </a:pPr>
             <a:r>
-              <a:rPr lang="en-GB" sz="3000" b="1" dirty="0">
-                <a:effectLst/>
-                <a:latin typeface="Arial" panose="020B0604020202020204" pitchFamily="34" charset="0"/>
-                <a:ea typeface="Calibri" panose="020F0502020204030204" pitchFamily="34" charset="0"/>
-                <a:cs typeface="Arial" panose="020B0604020202020204" pitchFamily="34" charset="0"/>
-              </a:rPr>
-              <a:t>Define</a:t>
-            </a:r>
-            <a:r>
-              <a:rPr lang="en-GB" sz="3000" dirty="0">
-                <a:effectLst/>
-                <a:latin typeface="Arial" panose="020B0604020202020204" pitchFamily="34" charset="0"/>
-                <a:ea typeface="Calibri" panose="020F0502020204030204" pitchFamily="34" charset="0"/>
-                <a:cs typeface="Arial" panose="020B0604020202020204" pitchFamily="34" charset="0"/>
-              </a:rPr>
-              <a:t> objects and classes in relation to Python</a:t>
-            </a:r>
-          </a:p>
-          <a:p>
-            <a:pPr marL="514350" lvl="0" indent="-514350">
-              <a:lnSpc>
-                <a:spcPct val="107000"/>
-              </a:lnSpc>
-              <a:buAutoNum type="arabicPeriod"/>
+              <a:rPr lang="en-US" sz="2200" dirty="0"/>
+              <a:t>We will provide the CCT Hub with the complete list of attendees at this workshop</a:t>
+            </a:r>
+          </a:p>
+          <a:p>
+            <a:endParaRPr lang="en-US" sz="2200" dirty="0"/>
+          </a:p>
+          <a:p>
+            <a:r>
+              <a:rPr lang="en-US" sz="2200" dirty="0"/>
+              <a:t>Where our workshops are held in lecture theatres:</a:t>
+            </a:r>
+          </a:p>
+          <a:p>
+            <a:pPr marL="342900" indent="-342900">
+              <a:buFont typeface="Arial" panose="020B0604020202020204" pitchFamily="34" charset="0"/>
+              <a:buChar char="•"/>
             </a:pPr>
             <a:r>
-              <a:rPr lang="en-GB" sz="3000" b="1" dirty="0">
-                <a:effectLst/>
-                <a:latin typeface="Arial" panose="020B0604020202020204" pitchFamily="34" charset="0"/>
-                <a:ea typeface="Calibri" panose="020F0502020204030204" pitchFamily="34" charset="0"/>
-                <a:cs typeface="Arial" panose="020B0604020202020204" pitchFamily="34" charset="0"/>
-              </a:rPr>
-              <a:t>Use</a:t>
-            </a:r>
-            <a:r>
-              <a:rPr lang="en-GB" sz="3000" dirty="0">
-                <a:effectLst/>
-                <a:latin typeface="Arial" panose="020B0604020202020204" pitchFamily="34" charset="0"/>
-                <a:ea typeface="Calibri" panose="020F0502020204030204" pitchFamily="34" charset="0"/>
-                <a:cs typeface="Arial" panose="020B0604020202020204" pitchFamily="34" charset="0"/>
-              </a:rPr>
-              <a:t> key object-oriented features of Python</a:t>
-            </a:r>
-          </a:p>
-          <a:p>
-            <a:pPr marL="514350" lvl="0" indent="-514350">
-              <a:lnSpc>
-                <a:spcPct val="107000"/>
-              </a:lnSpc>
-              <a:buAutoNum type="arabicPeriod"/>
-            </a:pPr>
-            <a:r>
-              <a:rPr lang="en-GB" sz="3000" b="1" dirty="0">
-                <a:effectLst/>
-                <a:latin typeface="Arial" panose="020B0604020202020204" pitchFamily="34" charset="0"/>
-                <a:ea typeface="Calibri" panose="020F0502020204030204" pitchFamily="34" charset="0"/>
-                <a:cs typeface="Arial" panose="020B0604020202020204" pitchFamily="34" charset="0"/>
-              </a:rPr>
-              <a:t>Create</a:t>
-            </a:r>
-            <a:r>
-              <a:rPr lang="en-GB" sz="3000" dirty="0">
-                <a:effectLst/>
-                <a:latin typeface="Arial" panose="020B0604020202020204" pitchFamily="34" charset="0"/>
-                <a:ea typeface="Calibri" panose="020F0502020204030204" pitchFamily="34" charset="0"/>
-                <a:cs typeface="Arial" panose="020B0604020202020204" pitchFamily="34" charset="0"/>
-              </a:rPr>
-              <a:t> classes tailored to the task they are to perform</a:t>
-            </a:r>
-          </a:p>
-          <a:p>
-            <a:pPr marL="514350" lvl="0" indent="-514350">
-              <a:lnSpc>
-                <a:spcPct val="107000"/>
-              </a:lnSpc>
-              <a:buAutoNum type="arabicPeriod"/>
-            </a:pPr>
-            <a:r>
-              <a:rPr lang="en-GB" sz="3000" b="1" dirty="0">
-                <a:effectLst/>
-                <a:latin typeface="Arial" panose="020B0604020202020204" pitchFamily="34" charset="0"/>
-                <a:ea typeface="Calibri" panose="020F0502020204030204" pitchFamily="34" charset="0"/>
-                <a:cs typeface="Arial" panose="020B0604020202020204" pitchFamily="34" charset="0"/>
-              </a:rPr>
-              <a:t>Utilise </a:t>
-            </a:r>
-            <a:r>
-              <a:rPr lang="en-GB" sz="3000" dirty="0">
-                <a:effectLst/>
-                <a:latin typeface="Arial" panose="020B0604020202020204" pitchFamily="34" charset="0"/>
-                <a:ea typeface="Calibri" panose="020F0502020204030204" pitchFamily="34" charset="0"/>
-                <a:cs typeface="Arial" panose="020B0604020202020204" pitchFamily="34" charset="0"/>
-              </a:rPr>
-              <a:t>object-oriented strategies to plan and develop research codes</a:t>
-            </a:r>
-            <a:endParaRPr lang="en-GB" sz="3000" dirty="0">
-              <a:latin typeface="Arial" panose="020B0604020202020204" pitchFamily="34" charset="0"/>
-              <a:cs typeface="Arial" panose="020B0604020202020204" pitchFamily="34" charset="0"/>
-            </a:endParaRPr>
+              <a:rPr lang="en-US" sz="2200" dirty="0"/>
+              <a:t>You should keep a record of colleagues that you are sat in </a:t>
+            </a:r>
+            <a:r>
+              <a:rPr lang="en-US" sz="2200"/>
+              <a:t>close contact with </a:t>
+            </a:r>
+            <a:r>
+              <a:rPr lang="en-US" sz="2200" dirty="0"/>
+              <a:t>(within 2 meters)</a:t>
+            </a:r>
+          </a:p>
+          <a:p>
+            <a:endParaRPr lang="en-US" dirty="0"/>
           </a:p>
         </p:txBody>
       </p:sp>
     </p:spTree>
     <p:extLst>
       <p:ext uri="{BB962C8B-B14F-4D97-AF65-F5344CB8AC3E}">
-        <p14:creationId xmlns:p14="http://schemas.microsoft.com/office/powerpoint/2010/main" val="3248724752"/>
+        <p14:creationId xmlns:p14="http://schemas.microsoft.com/office/powerpoint/2010/main" val="3238657636"/>
       </p:ext>
     </p:extLst>
   </p:cSld>
   <p:clrMapOvr>
     <a:masterClrMapping/>
   </p:clrMapOvr>
-  <mc:AlternateContent xmlns:mc="http://schemas.openxmlformats.org/markup-compatibility/2006" xmlns:p14="http://schemas.microsoft.com/office/powerpoint/2010/main">
-    <mc:Choice Requires="p14">
-      <p:transition p14:dur="10"/>
-    </mc:Choice>
-    <mc:Fallback xmlns="">
-      <p:transition/>
-    </mc:Fallback>
-  </mc:AlternateContent>
 </p:sld>
 </file>
 
@@ -4643,7 +4580,7 @@
           <a:p>
             <a:r>
               <a:rPr lang="en-GB" sz="4000" dirty="0"/>
-              <a:t>Notebook Links</a:t>
+              <a:t>Learning Outcomes</a:t>
             </a:r>
           </a:p>
         </p:txBody>
@@ -4670,56 +4607,119 @@
           </a:bodyPr>
           <a:lstStyle/>
           <a:p>
-            <a:r>
-              <a:rPr lang="en-GB" dirty="0">
-                <a:hlinkClick r:id="rId3"/>
+            <a:pPr marL="514350" lvl="0" indent="-514350">
+              <a:lnSpc>
+                <a:spcPct val="107000"/>
+              </a:lnSpc>
+              <a:buAutoNum type="arabicPeriod"/>
+            </a:pPr>
+            <a:r>
+              <a:rPr lang="en-GB" sz="3000" b="1" dirty="0">
+                <a:effectLst/>
+                <a:latin typeface="Arial" panose="020B0604020202020204" pitchFamily="34" charset="0"/>
+                <a:ea typeface="Calibri" panose="020F0502020204030204" pitchFamily="34" charset="0"/>
+                <a:cs typeface="Arial" panose="020B0604020202020204" pitchFamily="34" charset="0"/>
               </a:rPr>
-              <a:t>Types and Objects</a:t>
-            </a:r>
-            <a:endParaRPr lang="en-GB" dirty="0"/>
-          </a:p>
-          <a:p>
-            <a:r>
-              <a:rPr lang="en-GB" dirty="0">
-                <a:hlinkClick r:id="rId4"/>
+              <a:t>Define</a:t>
+            </a:r>
+            <a:r>
+              <a:rPr lang="en-GB" sz="3000" dirty="0">
+                <a:effectLst/>
+                <a:latin typeface="Arial" panose="020B0604020202020204" pitchFamily="34" charset="0"/>
+                <a:ea typeface="Calibri" panose="020F0502020204030204" pitchFamily="34" charset="0"/>
+                <a:cs typeface="Arial" panose="020B0604020202020204" pitchFamily="34" charset="0"/>
               </a:rPr>
-              <a:t>My First Class</a:t>
-            </a:r>
-            <a:endParaRPr lang="en-GB" dirty="0"/>
-          </a:p>
-          <a:p>
-            <a:r>
-              <a:rPr lang="en-GB" dirty="0">
-                <a:hlinkClick r:id="rId5"/>
+              <a:t> objects and classes in relation to Python</a:t>
+            </a:r>
+          </a:p>
+          <a:p>
+            <a:pPr marL="514350" lvl="0" indent="-514350">
+              <a:lnSpc>
+                <a:spcPct val="107000"/>
+              </a:lnSpc>
+              <a:buAutoNum type="arabicPeriod"/>
+            </a:pPr>
+            <a:r>
+              <a:rPr lang="en-GB" sz="3000" b="1" dirty="0">
+                <a:effectLst/>
+                <a:latin typeface="Arial" panose="020B0604020202020204" pitchFamily="34" charset="0"/>
+                <a:ea typeface="Calibri" panose="020F0502020204030204" pitchFamily="34" charset="0"/>
+                <a:cs typeface="Arial" panose="020B0604020202020204" pitchFamily="34" charset="0"/>
               </a:rPr>
-              <a:t>Class Members in Detail</a:t>
-            </a:r>
-            <a:endParaRPr lang="en-GB" dirty="0"/>
-          </a:p>
-          <a:p>
-            <a:r>
-              <a:rPr lang="en-GB" dirty="0">
-                <a:hlinkClick r:id="rId6"/>
+              <a:t>Use</a:t>
+            </a:r>
+            <a:r>
+              <a:rPr lang="en-GB" sz="3000" dirty="0">
+                <a:effectLst/>
+                <a:latin typeface="Arial" panose="020B0604020202020204" pitchFamily="34" charset="0"/>
+                <a:ea typeface="Calibri" panose="020F0502020204030204" pitchFamily="34" charset="0"/>
+                <a:cs typeface="Arial" panose="020B0604020202020204" pitchFamily="34" charset="0"/>
               </a:rPr>
-              <a:t>Magic Methods</a:t>
-            </a:r>
-            <a:endParaRPr lang="en-GB" dirty="0"/>
-          </a:p>
-          <a:p>
-            <a:r>
-              <a:rPr lang="en-GB" dirty="0">
-                <a:hlinkClick r:id="rId7"/>
+              <a:t> key object-oriented features of Python</a:t>
+            </a:r>
+          </a:p>
+          <a:p>
+            <a:pPr marL="514350" lvl="0" indent="-514350">
+              <a:lnSpc>
+                <a:spcPct val="107000"/>
+              </a:lnSpc>
+              <a:buAutoNum type="arabicPeriod"/>
+            </a:pPr>
+            <a:r>
+              <a:rPr lang="en-GB" sz="3000" b="1" dirty="0">
+                <a:effectLst/>
+                <a:latin typeface="Arial" panose="020B0604020202020204" pitchFamily="34" charset="0"/>
+                <a:ea typeface="Calibri" panose="020F0502020204030204" pitchFamily="34" charset="0"/>
+                <a:cs typeface="Arial" panose="020B0604020202020204" pitchFamily="34" charset="0"/>
               </a:rPr>
-              <a:t>Properties</a:t>
-            </a:r>
-            <a:endParaRPr lang="en-GB" dirty="0"/>
+              <a:t>Create</a:t>
+            </a:r>
+            <a:r>
+              <a:rPr lang="en-GB" sz="3000" dirty="0">
+                <a:effectLst/>
+                <a:latin typeface="Arial" panose="020B0604020202020204" pitchFamily="34" charset="0"/>
+                <a:ea typeface="Calibri" panose="020F0502020204030204" pitchFamily="34" charset="0"/>
+                <a:cs typeface="Arial" panose="020B0604020202020204" pitchFamily="34" charset="0"/>
+              </a:rPr>
+              <a:t> classes tailored to the task they are to perform</a:t>
+            </a:r>
+          </a:p>
+          <a:p>
+            <a:pPr marL="514350" lvl="0" indent="-514350">
+              <a:lnSpc>
+                <a:spcPct val="107000"/>
+              </a:lnSpc>
+              <a:buAutoNum type="arabicPeriod"/>
+            </a:pPr>
+            <a:r>
+              <a:rPr lang="en-GB" sz="3000" b="1" dirty="0">
+                <a:effectLst/>
+                <a:latin typeface="Arial" panose="020B0604020202020204" pitchFamily="34" charset="0"/>
+                <a:ea typeface="Calibri" panose="020F0502020204030204" pitchFamily="34" charset="0"/>
+                <a:cs typeface="Arial" panose="020B0604020202020204" pitchFamily="34" charset="0"/>
+              </a:rPr>
+              <a:t>Utilise </a:t>
+            </a:r>
+            <a:r>
+              <a:rPr lang="en-GB" sz="3000" dirty="0">
+                <a:effectLst/>
+                <a:latin typeface="Arial" panose="020B0604020202020204" pitchFamily="34" charset="0"/>
+                <a:ea typeface="Calibri" panose="020F0502020204030204" pitchFamily="34" charset="0"/>
+                <a:cs typeface="Arial" panose="020B0604020202020204" pitchFamily="34" charset="0"/>
+              </a:rPr>
+              <a:t>object-oriented strategies to plan and develop research codes</a:t>
+            </a:r>
+            <a:endParaRPr lang="en-GB" sz="3000" dirty="0">
+              <a:latin typeface="Arial" panose="020B0604020202020204" pitchFamily="34" charset="0"/>
+              <a:cs typeface="Arial" panose="020B0604020202020204" pitchFamily="34" charset="0"/>
+            </a:endParaRPr>
           </a:p>
         </p:txBody>
       </p:sp>
     </p:spTree>
     <p:extLst>
       <p:ext uri="{BB962C8B-B14F-4D97-AF65-F5344CB8AC3E}">
-        <p14:creationId xmlns:p14="http://schemas.microsoft.com/office/powerpoint/2010/main" val="4074605344"/>
+        <p14:creationId xmlns:p14="http://schemas.microsoft.com/office/powerpoint/2010/main" val="3248724752"/>
       </p:ext>
     </p:extLst>
   </p:cSld>
@@ -4802,7 +4802,7 @@
               <a:rPr lang="en-GB" dirty="0">
                 <a:hlinkClick r:id="rId3"/>
               </a:rPr>
-              <a:t>Inheritance</a:t>
+              <a:t>Types and Objects</a:t>
             </a:r>
             <a:endParaRPr lang="en-GB" dirty="0"/>
           </a:p>
@@ -4811,7 +4811,7 @@
               <a:rPr lang="en-GB" dirty="0">
                 <a:hlinkClick r:id="rId4"/>
               </a:rPr>
-              <a:t>Polymorphism</a:t>
+              <a:t>My First Class</a:t>
             </a:r>
             <a:endParaRPr lang="en-GB" dirty="0"/>
           </a:p>
@@ -4820,7 +4820,7 @@
               <a:rPr lang="en-GB" dirty="0">
                 <a:hlinkClick r:id="rId5"/>
               </a:rPr>
-              <a:t>Object-Oriented Code Design Principles</a:t>
+              <a:t>Class Members in Detail</a:t>
             </a:r>
             <a:endParaRPr lang="en-GB" dirty="0"/>
           </a:p>
@@ -4829,7 +4829,7 @@
               <a:rPr lang="en-GB" dirty="0">
                 <a:hlinkClick r:id="rId6"/>
               </a:rPr>
-              <a:t>Objects in Objects</a:t>
+              <a:t>Magic Methods</a:t>
             </a:r>
             <a:endParaRPr lang="en-GB" dirty="0"/>
           </a:p>
@@ -4838,7 +4838,7 @@
               <a:rPr lang="en-GB" dirty="0">
                 <a:hlinkClick r:id="rId7"/>
               </a:rPr>
-              <a:t>Projects</a:t>
+              <a:t>Properties</a:t>
             </a:r>
             <a:endParaRPr lang="en-GB" dirty="0"/>
           </a:p>
@@ -4847,7 +4847,7 @@
     </p:spTree>
     <p:extLst>
       <p:ext uri="{BB962C8B-B14F-4D97-AF65-F5344CB8AC3E}">
-        <p14:creationId xmlns:p14="http://schemas.microsoft.com/office/powerpoint/2010/main" val="4175751739"/>
+        <p14:creationId xmlns:p14="http://schemas.microsoft.com/office/powerpoint/2010/main" val="4074605344"/>
       </p:ext>
     </p:extLst>
   </p:cSld>
@@ -4899,6 +4899,134 @@
           <a:p>
             <a:r>
               <a:rPr lang="en-GB" sz="4000" dirty="0"/>
+              <a:t>Notebook Links</a:t>
+            </a:r>
+          </a:p>
+        </p:txBody>
+      </p:sp>
+      <p:sp>
+        <p:nvSpPr>
+          <p:cNvPr id="3" name="Content Placeholder 2"/>
+          <p:cNvSpPr>
+            <a:spLocks noGrp="1"/>
+          </p:cNvSpPr>
+          <p:nvPr>
+            <p:ph idx="1"/>
+          </p:nvPr>
+        </p:nvSpPr>
+        <p:spPr>
+          <a:xfrm>
+            <a:off x="457200" y="1600200"/>
+            <a:ext cx="8435280" cy="4876800"/>
+          </a:xfrm>
+        </p:spPr>
+        <p:txBody>
+          <a:bodyPr>
+            <a:normAutofit/>
+          </a:bodyPr>
+          <a:lstStyle/>
+          <a:p>
+            <a:r>
+              <a:rPr lang="en-GB" dirty="0">
+                <a:hlinkClick r:id="rId3"/>
+              </a:rPr>
+              <a:t>Inheritance</a:t>
+            </a:r>
+            <a:endParaRPr lang="en-GB" dirty="0"/>
+          </a:p>
+          <a:p>
+            <a:r>
+              <a:rPr lang="en-GB" dirty="0">
+                <a:hlinkClick r:id="rId4"/>
+              </a:rPr>
+              <a:t>Polymorphism</a:t>
+            </a:r>
+            <a:endParaRPr lang="en-GB" dirty="0"/>
+          </a:p>
+          <a:p>
+            <a:r>
+              <a:rPr lang="en-GB" dirty="0">
+                <a:hlinkClick r:id="rId5"/>
+              </a:rPr>
+              <a:t>Object-Oriented Code Design Principles</a:t>
+            </a:r>
+            <a:endParaRPr lang="en-GB" dirty="0"/>
+          </a:p>
+          <a:p>
+            <a:r>
+              <a:rPr lang="en-GB" dirty="0">
+                <a:hlinkClick r:id="rId6"/>
+              </a:rPr>
+              <a:t>Objects in Objects</a:t>
+            </a:r>
+            <a:endParaRPr lang="en-GB" dirty="0"/>
+          </a:p>
+          <a:p>
+            <a:r>
+              <a:rPr lang="en-GB" dirty="0">
+                <a:hlinkClick r:id="rId7"/>
+              </a:rPr>
+              <a:t>Projects</a:t>
+            </a:r>
+            <a:endParaRPr lang="en-GB" dirty="0"/>
+          </a:p>
+        </p:txBody>
+      </p:sp>
+    </p:spTree>
+    <p:extLst>
+      <p:ext uri="{BB962C8B-B14F-4D97-AF65-F5344CB8AC3E}">
+        <p14:creationId xmlns:p14="http://schemas.microsoft.com/office/powerpoint/2010/main" val="4175751739"/>
+      </p:ext>
+    </p:extLst>
+  </p:cSld>
+  <p:clrMapOvr>
+    <a:masterClrMapping/>
+  </p:clrMapOvr>
+  <mc:AlternateContent xmlns:mc="http://schemas.openxmlformats.org/markup-compatibility/2006" xmlns:p14="http://schemas.microsoft.com/office/powerpoint/2010/main">
+    <mc:Choice Requires="p14">
+      <p:transition p14:dur="10"/>
+    </mc:Choice>
+    <mc:Fallback xmlns="">
+      <p:transition/>
+    </mc:Fallback>
+  </mc:AlternateContent>
+</p:sld>
+</file>
+
+<file path=ppt/slides/slide8.xml><?xml version="1.0" encoding="utf-8"?>
+<p:sld xmlns:a="http://schemas.openxmlformats.org/drawingml/2006/main" xmlns:r="http://schemas.openxmlformats.org/officeDocument/2006/relationships" xmlns:p="http://schemas.openxmlformats.org/presentationml/2006/main">
+  <p:cSld>
+    <p:spTree>
+      <p:nvGrpSpPr>
+        <p:cNvPr id="1" name=""/>
+        <p:cNvGrpSpPr/>
+        <p:nvPr/>
+      </p:nvGrpSpPr>
+      <p:grpSpPr>
+        <a:xfrm>
+          <a:off x="0" y="0"/>
+          <a:ext cx="0" cy="0"/>
+          <a:chOff x="0" y="0"/>
+          <a:chExt cx="0" cy="0"/>
+        </a:xfrm>
+      </p:grpSpPr>
+      <p:sp>
+        <p:nvSpPr>
+          <p:cNvPr id="2" name="Title 1"/>
+          <p:cNvSpPr>
+            <a:spLocks noGrp="1"/>
+          </p:cNvSpPr>
+          <p:nvPr>
+            <p:ph type="title"/>
+          </p:nvPr>
+        </p:nvSpPr>
+        <p:spPr/>
+        <p:txBody>
+          <a:bodyPr/>
+          <a:lstStyle/>
+          <a:p>
+            <a:r>
+              <a:rPr lang="en-GB" sz="4000" dirty="0"/>
               <a:t>Feedback</a:t>
             </a:r>
           </a:p>
@@ -4997,7 +5125,7 @@
 </p:sld>
 </file>
 
-<file path=ppt/slides/slide8.xml><?xml version="1.0" encoding="utf-8"?>
+<file path=ppt/slides/slide9.xml><?xml version="1.0" encoding="utf-8"?>
 <p:sld xmlns:a="http://schemas.openxmlformats.org/drawingml/2006/main" xmlns:r="http://schemas.openxmlformats.org/officeDocument/2006/relationships" xmlns:p="http://schemas.openxmlformats.org/presentationml/2006/main">
   <p:cSld>
     <p:spTree>

--- a/Object-Oriented Python Slides.pptx
+++ b/Object-Oriented Python Slides.pptx
@@ -406,7 +406,7 @@
           <a:p>
             <a:fld id="{88EB714B-C3CC-4216-88C1-02913905B1CF}" type="datetimeFigureOut">
               <a:rPr lang="en-GB" smtClean="0"/>
-              <a:t>12/10/2021</a:t>
+              <a:t>18/10/2021</a:t>
             </a:fld>
             <a:endParaRPr lang="en-GB"/>
           </a:p>
@@ -1871,7 +1871,7 @@
           <a:p>
             <a:fld id="{EB0080F8-EA1C-491D-963C-2C881B2F918F}" type="datetimeFigureOut">
               <a:rPr lang="en-GB" smtClean="0"/>
-              <a:t>12/10/2021</a:t>
+              <a:t>18/10/2021</a:t>
             </a:fld>
             <a:endParaRPr lang="en-GB"/>
           </a:p>
@@ -2021,7 +2021,7 @@
           <a:p>
             <a:fld id="{EB0080F8-EA1C-491D-963C-2C881B2F918F}" type="datetimeFigureOut">
               <a:rPr lang="en-GB" smtClean="0"/>
-              <a:t>12/10/2021</a:t>
+              <a:t>18/10/2021</a:t>
             </a:fld>
             <a:endParaRPr lang="en-GB"/>
           </a:p>
@@ -3554,7 +3554,7 @@
           <a:p>
             <a:fld id="{EB0080F8-EA1C-491D-963C-2C881B2F918F}" type="datetimeFigureOut">
               <a:rPr lang="en-GB" smtClean="0"/>
-              <a:t>12/10/2021</a:t>
+              <a:t>18/10/2021</a:t>
             </a:fld>
             <a:endParaRPr lang="en-GB"/>
           </a:p>
@@ -4091,7 +4091,7 @@
           </a:xfrm>
         </p:spPr>
         <p:txBody>
-          <a:bodyPr/>
+          <a:bodyPr anchor="t"/>
           <a:lstStyle/>
           <a:p>
             <a:pPr algn="ctr"/>
@@ -4110,25 +4110,7 @@
             </a:br>
             <a:r>
               <a:rPr lang="en-GB" sz="2800" dirty="0"/>
-              <a:t>After this course you will receive an email from the Graduate School administration team which will provide you with a QR code and instructions to mark your attendance at this course on Inkpath. </a:t>
-            </a:r>
-            <a:br>
-              <a:rPr lang="en-GB" sz="2800" dirty="0"/>
-            </a:br>
-            <a:br>
-              <a:rPr lang="en-GB" sz="2800" dirty="0"/>
-            </a:br>
-            <a:r>
-              <a:rPr lang="en-GB" sz="2800" dirty="0"/>
-              <a:t>Please </a:t>
-            </a:r>
-            <a:r>
-              <a:rPr lang="en-GB" sz="2800" u="sng" dirty="0"/>
-              <a:t>do not</a:t>
-            </a:r>
-            <a:r>
-              <a:rPr lang="en-GB" sz="2800" dirty="0"/>
-              <a:t> mark your attendance until you have received an email from the Graduate School. </a:t>
+              <a:t>You I will show you a QR code at the end of the session allowing you to mark your attendance on Inkpath. Please do not mark your attendance until then.</a:t>
             </a:r>
           </a:p>
         </p:txBody>

--- a/Object-Oriented Python Slides.pptx
+++ b/Object-Oriented Python Slides.pptx
@@ -406,7 +406,7 @@
           <a:p>
             <a:fld id="{88EB714B-C3CC-4216-88C1-02913905B1CF}" type="datetimeFigureOut">
               <a:rPr lang="en-GB" smtClean="0"/>
-              <a:t>18/10/2021</a:t>
+              <a:t>19/11/2021</a:t>
             </a:fld>
             <a:endParaRPr lang="en-GB"/>
           </a:p>
@@ -1871,7 +1871,7 @@
           <a:p>
             <a:fld id="{EB0080F8-EA1C-491D-963C-2C881B2F918F}" type="datetimeFigureOut">
               <a:rPr lang="en-GB" smtClean="0"/>
-              <a:t>18/10/2021</a:t>
+              <a:t>19/11/2021</a:t>
             </a:fld>
             <a:endParaRPr lang="en-GB"/>
           </a:p>
@@ -2021,7 +2021,7 @@
           <a:p>
             <a:fld id="{EB0080F8-EA1C-491D-963C-2C881B2F918F}" type="datetimeFigureOut">
               <a:rPr lang="en-GB" smtClean="0"/>
-              <a:t>18/10/2021</a:t>
+              <a:t>19/11/2021</a:t>
             </a:fld>
             <a:endParaRPr lang="en-GB"/>
           </a:p>
@@ -3554,7 +3554,7 @@
           <a:p>
             <a:fld id="{EB0080F8-EA1C-491D-963C-2C881B2F918F}" type="datetimeFigureOut">
               <a:rPr lang="en-GB" smtClean="0"/>
-              <a:t>18/10/2021</a:t>
+              <a:t>19/11/2021</a:t>
             </a:fld>
             <a:endParaRPr lang="en-GB"/>
           </a:p>
@@ -4086,8 +4086,8 @@
         </p:nvSpPr>
         <p:spPr>
           <a:xfrm>
-            <a:off x="401319" y="1431416"/>
-            <a:ext cx="8388117" cy="4549506"/>
+            <a:off x="401319" y="1090789"/>
+            <a:ext cx="8388117" cy="4676421"/>
           </a:xfrm>
         </p:spPr>
         <p:txBody>
@@ -4110,8 +4110,28 @@
             </a:br>
             <a:r>
               <a:rPr lang="en-GB" sz="2800" dirty="0"/>
-              <a:t>You I will show you a QR code at the end of the session allowing you to mark your attendance on Inkpath. Please do not mark your attendance until then.</a:t>
-            </a:r>
+              <a:t>I will show you a QR code at the end of the session allowing you to mark your attendance on Inkpath. Please do not mark your attendance until then.</a:t>
+            </a:r>
+            <a:br>
+              <a:rPr lang="en-GB" sz="2800" dirty="0"/>
+            </a:br>
+            <a:br>
+              <a:rPr lang="en-GB" sz="2800" dirty="0">
+                <a:latin typeface="Calibri" panose="020F0502020204030204" pitchFamily="34" charset="0"/>
+                <a:cs typeface="Calibri" panose="020F0502020204030204" pitchFamily="34" charset="0"/>
+              </a:rPr>
+            </a:br>
+            <a:r>
+              <a:rPr lang="en-GB" sz="2800" dirty="0">
+                <a:effectLst/>
+                <a:ea typeface="Times New Roman" panose="02020603050405020304" pitchFamily="18" charset="0"/>
+                <a:cs typeface="Calibri" panose="020F0502020204030204" pitchFamily="34" charset="0"/>
+              </a:rPr>
+              <a:t>If you are not a Postgraduate Research student and didn’t book via Inkpath, your attendance will be marked on a separate database.</a:t>
+            </a:r>
+            <a:endParaRPr lang="en-GB" sz="2800" dirty="0">
+              <a:cs typeface="Calibri" panose="020F0502020204030204" pitchFamily="34" charset="0"/>
+            </a:endParaRPr>
           </a:p>
         </p:txBody>
       </p:sp>

--- a/Object-Oriented Python Slides.pptx
+++ b/Object-Oriented Python Slides.pptx
@@ -13,8 +13,8 @@
   <p:sldIdLst>
     <p:sldId id="264" r:id="rId2"/>
     <p:sldId id="504" r:id="rId3"/>
-    <p:sldId id="258" r:id="rId4"/>
-    <p:sldId id="257" r:id="rId5"/>
+    <p:sldId id="505" r:id="rId4"/>
+    <p:sldId id="506" r:id="rId5"/>
     <p:sldId id="267" r:id="rId6"/>
     <p:sldId id="281" r:id="rId7"/>
     <p:sldId id="330" r:id="rId8"/>
@@ -125,8 +125,8 @@
           <p14:sldIdLst>
             <p14:sldId id="264"/>
             <p14:sldId id="504"/>
-            <p14:sldId id="258"/>
-            <p14:sldId id="257"/>
+            <p14:sldId id="505"/>
+            <p14:sldId id="506"/>
             <p14:sldId id="267"/>
             <p14:sldId id="281"/>
             <p14:sldId id="330"/>
@@ -406,7 +406,7 @@
           <a:p>
             <a:fld id="{88EB714B-C3CC-4216-88C1-02913905B1CF}" type="datetimeFigureOut">
               <a:rPr lang="en-GB" smtClean="0"/>
-              <a:t>19/11/2021</a:t>
+              <a:t>02/02/2022</a:t>
             </a:fld>
             <a:endParaRPr lang="en-GB"/>
           </a:p>
@@ -1871,7 +1871,7 @@
           <a:p>
             <a:fld id="{EB0080F8-EA1C-491D-963C-2C881B2F918F}" type="datetimeFigureOut">
               <a:rPr lang="en-GB" smtClean="0"/>
-              <a:t>19/11/2021</a:t>
+              <a:t>02/02/2022</a:t>
             </a:fld>
             <a:endParaRPr lang="en-GB"/>
           </a:p>
@@ -2021,7 +2021,7 @@
           <a:p>
             <a:fld id="{EB0080F8-EA1C-491D-963C-2C881B2F918F}" type="datetimeFigureOut">
               <a:rPr lang="en-GB" smtClean="0"/>
-              <a:t>19/11/2021</a:t>
+              <a:t>02/02/2022</a:t>
             </a:fld>
             <a:endParaRPr lang="en-GB"/>
           </a:p>
@@ -3554,7 +3554,7 @@
           <a:p>
             <a:fld id="{EB0080F8-EA1C-491D-963C-2C881B2F918F}" type="datetimeFigureOut">
               <a:rPr lang="en-GB" smtClean="0"/>
-              <a:t>19/11/2021</a:t>
+              <a:t>02/02/2022</a:t>
             </a:fld>
             <a:endParaRPr lang="en-GB"/>
           </a:p>
@@ -4242,7 +4242,7 @@
           </a:lstStyle>
           <a:p>
             <a:r>
-              <a:rPr lang="en-US" sz="3200" dirty="0">
+              <a:rPr lang="en-US" sz="3200">
                 <a:solidFill>
                   <a:schemeClr val="accent3"/>
                 </a:solidFill>
@@ -4273,7 +4273,7 @@
           <a:lstStyle/>
           <a:p>
             <a:r>
-              <a:rPr lang="en-US" sz="2200" u="sng" dirty="0">
+              <a:rPr lang="en-US" sz="2200" u="sng">
                 <a:ea typeface="+mj-lt"/>
                 <a:cs typeface="+mj-lt"/>
               </a:rPr>
@@ -4286,14 +4286,14 @@
               <a:buChar char="•"/>
             </a:pPr>
             <a:r>
-              <a:rPr lang="en-GB" sz="2200" dirty="0">
+              <a:rPr lang="en-GB" sz="2200">
                 <a:latin typeface="+mn-lt"/>
                 <a:ea typeface="Calibri" panose="020F0502020204030204" pitchFamily="34" charset="0"/>
                 <a:cs typeface="Times New Roman"/>
               </a:rPr>
               <a:t>You are expected to wear a face covering </a:t>
             </a:r>
-            <a:endParaRPr lang="en-GB" sz="2200" dirty="0"/>
+            <a:endParaRPr lang="en-GB" sz="2200"/>
           </a:p>
           <a:p>
             <a:pPr marL="457200" indent="-457200">
@@ -4301,26 +4301,15 @@
               <a:buChar char="•"/>
             </a:pPr>
             <a:r>
-              <a:rPr lang="en-US" sz="2200" dirty="0">
-                <a:ea typeface="+mj-lt"/>
-                <a:cs typeface="+mj-lt"/>
-              </a:rPr>
-              <a:t>Tutors will deliver their workshop 2 meters distance from </a:t>
-            </a:r>
-            <a:r>
               <a:rPr lang="en-US" sz="2200">
                 <a:ea typeface="+mj-lt"/>
                 <a:cs typeface="+mj-lt"/>
               </a:rPr>
-              <a:t>you </a:t>
-            </a:r>
-            <a:endParaRPr lang="en-US" sz="2200" dirty="0">
-              <a:ea typeface="+mj-lt"/>
-              <a:cs typeface="+mj-lt"/>
-            </a:endParaRPr>
-          </a:p>
-          <a:p>
-            <a:endParaRPr lang="en-US" sz="2200" u="sng" dirty="0">
+              <a:t>Tutors will deliver their workshop 2 meters distance from you </a:t>
+            </a:r>
+          </a:p>
+          <a:p>
+            <a:endParaRPr lang="en-US" sz="2200" u="sng">
               <a:latin typeface="+mn-lt"/>
               <a:ea typeface="+mj-lt"/>
               <a:cs typeface="+mj-lt"/>
@@ -4328,14 +4317,14 @@
           </a:p>
           <a:p>
             <a:r>
-              <a:rPr lang="en-US" sz="2200" u="sng" dirty="0">
+              <a:rPr lang="en-US" sz="2200" u="sng">
                 <a:latin typeface="+mn-lt"/>
                 <a:ea typeface="+mj-lt"/>
                 <a:cs typeface="+mj-lt"/>
               </a:rPr>
               <a:t>Hygiene</a:t>
             </a:r>
-            <a:endParaRPr lang="en-GB" sz="2200" u="sng" dirty="0">
+            <a:endParaRPr lang="en-GB" sz="2200" u="sng">
               <a:latin typeface="+mn-lt"/>
               <a:ea typeface="Calibri" panose="020F0502020204030204" pitchFamily="34" charset="0"/>
               <a:cs typeface="Times New Roman"/>
@@ -4347,15 +4336,15 @@
               <a:buChar char="•"/>
             </a:pPr>
             <a:r>
-              <a:rPr lang="en-US" sz="2200" dirty="0"/>
+              <a:rPr lang="en-US" sz="2200"/>
               <a:t>Where hand </a:t>
             </a:r>
             <a:r>
-              <a:rPr lang="en-US" sz="2200" dirty="0" err="1"/>
+              <a:rPr lang="en-US" sz="2200" err="1"/>
               <a:t>sanitiser</a:t>
             </a:r>
             <a:r>
-              <a:rPr lang="en-US" sz="2200" dirty="0"/>
+              <a:rPr lang="en-US" sz="2200"/>
               <a:t> is available, please use it</a:t>
             </a:r>
           </a:p>
@@ -4365,7 +4354,7 @@
               <a:buChar char="•"/>
             </a:pPr>
             <a:r>
-              <a:rPr lang="en-US" sz="2200" dirty="0"/>
+              <a:rPr lang="en-US" sz="2200"/>
               <a:t>Please wipe down any communal/shared course materials/equipment </a:t>
             </a:r>
           </a:p>
@@ -4374,14 +4363,14 @@
               <a:buFont typeface="Arial" panose="020B0604020202020204" pitchFamily="34" charset="0"/>
               <a:buChar char="•"/>
             </a:pPr>
-            <a:endParaRPr lang="en-US" sz="2400" dirty="0"/>
+            <a:endParaRPr lang="en-US" sz="2400"/>
           </a:p>
         </p:txBody>
       </p:sp>
     </p:spTree>
     <p:extLst>
       <p:ext uri="{BB962C8B-B14F-4D97-AF65-F5344CB8AC3E}">
-        <p14:creationId xmlns:p14="http://schemas.microsoft.com/office/powerpoint/2010/main" val="70908208"/>
+        <p14:creationId xmlns:p14="http://schemas.microsoft.com/office/powerpoint/2010/main" val="1893173768"/>
       </p:ext>
     </p:extLst>
   </p:cSld>
@@ -4448,7 +4437,7 @@
           </a:lstStyle>
           <a:p>
             <a:r>
-              <a:rPr lang="en-US" sz="3200" dirty="0">
+              <a:rPr lang="en-US" sz="3200">
                 <a:solidFill>
                   <a:schemeClr val="accent3"/>
                 </a:solidFill>
@@ -4479,17 +4468,17 @@
           <a:lstStyle/>
           <a:p>
             <a:r>
-              <a:rPr lang="en-US" sz="2200" u="sng" dirty="0"/>
+              <a:rPr lang="en-US" sz="2200" u="sng"/>
               <a:t>For the purpose of contact tracing</a:t>
             </a:r>
-            <a:endParaRPr lang="en-US" sz="2200" dirty="0"/>
-          </a:p>
-          <a:p>
-            <a:endParaRPr lang="en-US" sz="2200" dirty="0"/>
-          </a:p>
-          <a:p>
-            <a:r>
-              <a:rPr lang="en-US" sz="2200" dirty="0"/>
+            <a:endParaRPr lang="en-US" sz="2200"/>
+          </a:p>
+          <a:p>
+            <a:endParaRPr lang="en-US" sz="2200"/>
+          </a:p>
+          <a:p>
+            <a:r>
+              <a:rPr lang="en-US" sz="2200"/>
               <a:t>For our standard workshops:</a:t>
             </a:r>
           </a:p>
@@ -4499,16 +4488,16 @@
               <a:buChar char="•"/>
             </a:pPr>
             <a:r>
-              <a:rPr lang="en-US" sz="2200" dirty="0"/>
+              <a:rPr lang="en-US" sz="2200"/>
               <a:t>We will provide the CCT Hub with the complete list of attendees at this workshop</a:t>
             </a:r>
           </a:p>
           <a:p>
-            <a:endParaRPr lang="en-US" sz="2200" dirty="0"/>
-          </a:p>
-          <a:p>
-            <a:r>
-              <a:rPr lang="en-US" sz="2200" dirty="0"/>
+            <a:endParaRPr lang="en-US" sz="2200"/>
+          </a:p>
+          <a:p>
+            <a:r>
+              <a:rPr lang="en-US" sz="2200"/>
               <a:t>Where our workshops are held in lecture theatres:</a:t>
             </a:r>
           </a:p>
@@ -4518,27 +4507,19 @@
               <a:buChar char="•"/>
             </a:pPr>
             <a:r>
-              <a:rPr lang="en-US" sz="2200" dirty="0"/>
-              <a:t>You should keep a record of colleagues that you are sat in </a:t>
-            </a:r>
-            <a:r>
               <a:rPr lang="en-US" sz="2200"/>
-              <a:t>close contact with </a:t>
-            </a:r>
-            <a:r>
-              <a:rPr lang="en-US" sz="2200" dirty="0"/>
-              <a:t>(within 2 meters)</a:t>
-            </a:r>
-          </a:p>
-          <a:p>
-            <a:endParaRPr lang="en-US" dirty="0"/>
+              <a:t>You should keep a record of colleagues that you are sat in close contact with (within 2 meters)</a:t>
+            </a:r>
+          </a:p>
+          <a:p>
+            <a:endParaRPr lang="en-US"/>
           </a:p>
         </p:txBody>
       </p:sp>
     </p:spTree>
     <p:extLst>
       <p:ext uri="{BB962C8B-B14F-4D97-AF65-F5344CB8AC3E}">
-        <p14:creationId xmlns:p14="http://schemas.microsoft.com/office/powerpoint/2010/main" val="3238657636"/>
+        <p14:creationId xmlns:p14="http://schemas.microsoft.com/office/powerpoint/2010/main" val="2722861469"/>
       </p:ext>
     </p:extLst>
   </p:cSld>

--- a/Object-Oriented Python Slides.pptx
+++ b/Object-Oriented Python Slides.pptx
@@ -5,21 +5,20 @@
     <p:sldMasterId id="2147483648" r:id="rId1"/>
   </p:sldMasterIdLst>
   <p:notesMasterIdLst>
-    <p:notesMasterId r:id="rId11"/>
+    <p:notesMasterId r:id="rId10"/>
   </p:notesMasterIdLst>
   <p:handoutMasterIdLst>
-    <p:handoutMasterId r:id="rId12"/>
+    <p:handoutMasterId r:id="rId11"/>
   </p:handoutMasterIdLst>
   <p:sldIdLst>
     <p:sldId id="264" r:id="rId2"/>
     <p:sldId id="504" r:id="rId3"/>
-    <p:sldId id="505" r:id="rId4"/>
-    <p:sldId id="506" r:id="rId5"/>
-    <p:sldId id="267" r:id="rId6"/>
-    <p:sldId id="281" r:id="rId7"/>
-    <p:sldId id="330" r:id="rId8"/>
-    <p:sldId id="329" r:id="rId9"/>
-    <p:sldId id="280" r:id="rId10"/>
+    <p:sldId id="258" r:id="rId4"/>
+    <p:sldId id="267" r:id="rId5"/>
+    <p:sldId id="281" r:id="rId6"/>
+    <p:sldId id="330" r:id="rId7"/>
+    <p:sldId id="329" r:id="rId8"/>
+    <p:sldId id="280" r:id="rId9"/>
   </p:sldIdLst>
   <p:sldSz cx="9144000" cy="6858000" type="screen4x3"/>
   <p:notesSz cx="7099300" cy="10234613"/>
@@ -125,8 +124,7 @@
           <p14:sldIdLst>
             <p14:sldId id="264"/>
             <p14:sldId id="504"/>
-            <p14:sldId id="505"/>
-            <p14:sldId id="506"/>
+            <p14:sldId id="258"/>
             <p14:sldId id="267"/>
             <p14:sldId id="281"/>
             <p14:sldId id="330"/>
@@ -406,7 +404,7 @@
           <a:p>
             <a:fld id="{88EB714B-C3CC-4216-88C1-02913905B1CF}" type="datetimeFigureOut">
               <a:rPr lang="en-GB" smtClean="0"/>
-              <a:t>02/02/2022</a:t>
+              <a:t>08/03/2022</a:t>
             </a:fld>
             <a:endParaRPr lang="en-GB"/>
           </a:p>
@@ -990,7 +988,7 @@
           <a:p>
             <a:fld id="{6A641EC8-C9F8-4A58-A1A7-F7D817526EEC}" type="slidenum">
               <a:rPr lang="en-GB" smtClean="0"/>
-              <a:t>5</a:t>
+              <a:t>4</a:t>
             </a:fld>
             <a:endParaRPr lang="en-GB"/>
           </a:p>
@@ -1074,7 +1072,7 @@
           <a:p>
             <a:fld id="{6A641EC8-C9F8-4A58-A1A7-F7D817526EEC}" type="slidenum">
               <a:rPr lang="en-GB" smtClean="0"/>
-              <a:t>6</a:t>
+              <a:t>5</a:t>
             </a:fld>
             <a:endParaRPr lang="en-GB"/>
           </a:p>
@@ -1158,7 +1156,7 @@
           <a:p>
             <a:fld id="{6A641EC8-C9F8-4A58-A1A7-F7D817526EEC}" type="slidenum">
               <a:rPr lang="en-GB" smtClean="0"/>
-              <a:t>7</a:t>
+              <a:t>6</a:t>
             </a:fld>
             <a:endParaRPr lang="en-GB"/>
           </a:p>
@@ -1242,7 +1240,7 @@
           <a:p>
             <a:fld id="{6A641EC8-C9F8-4A58-A1A7-F7D817526EEC}" type="slidenum">
               <a:rPr lang="en-GB" smtClean="0"/>
-              <a:t>8</a:t>
+              <a:t>7</a:t>
             </a:fld>
             <a:endParaRPr lang="en-GB"/>
           </a:p>
@@ -1438,7 +1436,7 @@
                   <a:spcPct val="0"/>
                 </a:spcBef>
               </a:pPr>
-              <a:t>9</a:t>
+              <a:t>8</a:t>
             </a:fld>
             <a:endParaRPr lang="en-US" altLang="en-US"/>
           </a:p>
@@ -1871,7 +1869,7 @@
           <a:p>
             <a:fld id="{EB0080F8-EA1C-491D-963C-2C881B2F918F}" type="datetimeFigureOut">
               <a:rPr lang="en-GB" smtClean="0"/>
-              <a:t>02/02/2022</a:t>
+              <a:t>08/03/2022</a:t>
             </a:fld>
             <a:endParaRPr lang="en-GB"/>
           </a:p>
@@ -2021,7 +2019,7 @@
           <a:p>
             <a:fld id="{EB0080F8-EA1C-491D-963C-2C881B2F918F}" type="datetimeFigureOut">
               <a:rPr lang="en-GB" smtClean="0"/>
-              <a:t>02/02/2022</a:t>
+              <a:t>08/03/2022</a:t>
             </a:fld>
             <a:endParaRPr lang="en-GB"/>
           </a:p>
@@ -3554,7 +3552,7 @@
           <a:p>
             <a:fld id="{EB0080F8-EA1C-491D-963C-2C881B2F918F}" type="datetimeFigureOut">
               <a:rPr lang="en-GB" smtClean="0"/>
-              <a:t>02/02/2022</a:t>
+              <a:t>08/03/2022</a:t>
             </a:fld>
             <a:endParaRPr lang="en-GB"/>
           </a:p>
@@ -4274,6 +4272,9 @@
           <a:p>
             <a:r>
               <a:rPr lang="en-US" sz="2200" u="sng">
+                <a:solidFill>
+                  <a:schemeClr val="tx1"/>
+                </a:solidFill>
                 <a:ea typeface="+mj-lt"/>
                 <a:cs typeface="+mj-lt"/>
               </a:rPr>
@@ -4286,31 +4287,21 @@
               <a:buChar char="•"/>
             </a:pPr>
             <a:r>
-              <a:rPr lang="en-GB" sz="2200">
+              <a:rPr lang="en-GB" sz="2200" b="0" i="0">
+                <a:solidFill>
+                  <a:schemeClr val="tx1"/>
+                </a:solidFill>
+                <a:effectLst/>
                 <a:latin typeface="+mn-lt"/>
-                <a:ea typeface="Calibri" panose="020F0502020204030204" pitchFamily="34" charset="0"/>
-                <a:cs typeface="Times New Roman"/>
               </a:rPr>
-              <a:t>You are expected to wear a face covering </a:t>
-            </a:r>
-            <a:endParaRPr lang="en-GB" sz="2200"/>
-          </a:p>
-          <a:p>
-            <a:pPr marL="457200" indent="-457200">
-              <a:buFont typeface="Arial" panose="020B0604020202020204" pitchFamily="34" charset="0"/>
-              <a:buChar char="•"/>
-            </a:pPr>
-            <a:r>
-              <a:rPr lang="en-US" sz="2200">
-                <a:ea typeface="+mj-lt"/>
-                <a:cs typeface="+mj-lt"/>
-              </a:rPr>
-              <a:t>Tutors will deliver their workshop 2 meters distance from you </a:t>
+              <a:t>While infection rates remain high, we encourage all members of our community to continue wearing face coverings in most indoor settings on campus, including Graduate School workshops</a:t>
             </a:r>
           </a:p>
           <a:p>
             <a:endParaRPr lang="en-US" sz="2200" u="sng">
-              <a:latin typeface="+mn-lt"/>
+              <a:solidFill>
+                <a:schemeClr val="tx1"/>
+              </a:solidFill>
               <a:ea typeface="+mj-lt"/>
               <a:cs typeface="+mj-lt"/>
             </a:endParaRPr>
@@ -4318,6 +4309,9 @@
           <a:p>
             <a:r>
               <a:rPr lang="en-US" sz="2200" u="sng">
+                <a:solidFill>
+                  <a:schemeClr val="tx1"/>
+                </a:solidFill>
                 <a:latin typeface="+mn-lt"/>
                 <a:ea typeface="+mj-lt"/>
                 <a:cs typeface="+mj-lt"/>
@@ -4325,6 +4319,9 @@
               <a:t>Hygiene</a:t>
             </a:r>
             <a:endParaRPr lang="en-GB" sz="2200" u="sng">
+              <a:solidFill>
+                <a:schemeClr val="tx1"/>
+              </a:solidFill>
               <a:latin typeface="+mn-lt"/>
               <a:ea typeface="Calibri" panose="020F0502020204030204" pitchFamily="34" charset="0"/>
               <a:cs typeface="Times New Roman"/>
@@ -4336,33 +4333,31 @@
               <a:buChar char="•"/>
             </a:pPr>
             <a:r>
-              <a:rPr lang="en-US" sz="2200"/>
+              <a:rPr lang="en-US" sz="2200">
+                <a:solidFill>
+                  <a:schemeClr val="tx1"/>
+                </a:solidFill>
+              </a:rPr>
               <a:t>Where hand </a:t>
             </a:r>
             <a:r>
-              <a:rPr lang="en-US" sz="2200" err="1"/>
+              <a:rPr lang="en-US" sz="2200" err="1">
+                <a:solidFill>
+                  <a:schemeClr val="tx1"/>
+                </a:solidFill>
+              </a:rPr>
               <a:t>sanitiser</a:t>
             </a:r>
             <a:r>
-              <a:rPr lang="en-US" sz="2200"/>
+              <a:rPr lang="en-US" sz="2200">
+                <a:solidFill>
+                  <a:schemeClr val="tx1"/>
+                </a:solidFill>
+              </a:rPr>
               <a:t> is available, please use it</a:t>
             </a:r>
           </a:p>
           <a:p>
-            <a:pPr marL="457200" indent="-457200">
-              <a:buFont typeface="Arial" panose="020B0604020202020204" pitchFamily="34" charset="0"/>
-              <a:buChar char="•"/>
-            </a:pPr>
-            <a:r>
-              <a:rPr lang="en-US" sz="2200"/>
-              <a:t>Please wipe down any communal/shared course materials/equipment </a:t>
-            </a:r>
-          </a:p>
-          <a:p>
-            <a:pPr marL="457200" indent="-457200">
-              <a:buFont typeface="Arial" panose="020B0604020202020204" pitchFamily="34" charset="0"/>
-              <a:buChar char="•"/>
-            </a:pPr>
             <a:endParaRPr lang="en-US" sz="2400"/>
           </a:p>
         </p:txBody>
@@ -4370,7 +4365,7 @@
     </p:spTree>
     <p:extLst>
       <p:ext uri="{BB962C8B-B14F-4D97-AF65-F5344CB8AC3E}">
-        <p14:creationId xmlns:p14="http://schemas.microsoft.com/office/powerpoint/2010/main" val="1893173768"/>
+        <p14:creationId xmlns:p14="http://schemas.microsoft.com/office/powerpoint/2010/main" val="70908208"/>
       </p:ext>
     </p:extLst>
   </p:cSld>
@@ -4399,133 +4394,175 @@
       </p:grpSpPr>
       <p:sp>
         <p:nvSpPr>
-          <p:cNvPr id="4" name="Title 1"/>
-          <p:cNvSpPr txBox="1">
-            <a:spLocks/>
-          </p:cNvSpPr>
-          <p:nvPr/>
+          <p:cNvPr id="2" name="Title 1"/>
+          <p:cNvSpPr>
+            <a:spLocks noGrp="1"/>
+          </p:cNvSpPr>
+          <p:nvPr>
+            <p:ph type="title"/>
+          </p:nvPr>
+        </p:nvSpPr>
+        <p:spPr/>
+        <p:txBody>
+          <a:bodyPr/>
+          <a:lstStyle/>
+          <a:p>
+            <a:r>
+              <a:rPr lang="en-GB" sz="4000" dirty="0"/>
+              <a:t>Learning Outcomes</a:t>
+            </a:r>
+          </a:p>
+        </p:txBody>
+      </p:sp>
+      <p:sp>
+        <p:nvSpPr>
+          <p:cNvPr id="3" name="Content Placeholder 2"/>
+          <p:cNvSpPr>
+            <a:spLocks noGrp="1"/>
+          </p:cNvSpPr>
+          <p:nvPr>
+            <p:ph idx="1"/>
+          </p:nvPr>
         </p:nvSpPr>
         <p:spPr>
           <a:xfrm>
-            <a:off x="401319" y="472966"/>
-            <a:ext cx="5558047" cy="930165"/>
+            <a:off x="457200" y="1600200"/>
+            <a:ext cx="8435280" cy="4876800"/>
           </a:xfrm>
-          <a:prstGeom prst="rect">
-            <a:avLst/>
-          </a:prstGeom>
-        </p:spPr>
-        <p:txBody>
-          <a:bodyPr anchor="b"/>
-          <a:lstStyle>
-            <a:lvl1pPr algn="l" defTabSz="457200" rtl="0" eaLnBrk="1" latinLnBrk="0" hangingPunct="1">
+        </p:spPr>
+        <p:txBody>
+          <a:bodyPr>
+            <a:normAutofit/>
+          </a:bodyPr>
+          <a:lstStyle/>
+          <a:p>
+            <a:pPr marL="514350" lvl="0" indent="-514350">
               <a:lnSpc>
-                <a:spcPct val="90000"/>
+                <a:spcPct val="107000"/>
               </a:lnSpc>
-              <a:spcBef>
-                <a:spcPct val="0"/>
-              </a:spcBef>
-              <a:buNone/>
-              <a:defRPr sz="4000" b="1" i="0" kern="1200" baseline="0">
-                <a:solidFill>
-                  <a:schemeClr val="tx2"/>
-                </a:solidFill>
-                <a:latin typeface="+mj-lt"/>
-                <a:ea typeface="+mj-ea"/>
-                <a:cs typeface="MetaOT-Bold"/>
-              </a:defRPr>
-            </a:lvl1pPr>
-          </a:lstStyle>
-          <a:p>
-            <a:r>
-              <a:rPr lang="en-US" sz="3200">
-                <a:solidFill>
-                  <a:schemeClr val="accent3"/>
-                </a:solidFill>
+              <a:buAutoNum type="arabicPeriod"/>
+            </a:pPr>
+            <a:r>
+              <a:rPr lang="en-GB" sz="3000" b="1" dirty="0">
+                <a:effectLst/>
+                <a:latin typeface="Arial" panose="020B0604020202020204" pitchFamily="34" charset="0"/>
+                <a:ea typeface="Calibri" panose="020F0502020204030204" pitchFamily="34" charset="0"/>
+                <a:cs typeface="Arial" panose="020B0604020202020204" pitchFamily="34" charset="0"/>
               </a:rPr>
-              <a:t>Expectations:  Covid-safe teaching environments</a:t>
-            </a:r>
-          </a:p>
-        </p:txBody>
-      </p:sp>
-      <p:sp>
-        <p:nvSpPr>
-          <p:cNvPr id="5" name="Subtitle 2"/>
-          <p:cNvSpPr>
-            <a:spLocks noGrp="1"/>
-          </p:cNvSpPr>
-          <p:nvPr>
-            <p:ph type="subTitle" idx="1"/>
-          </p:nvPr>
-        </p:nvSpPr>
-        <p:spPr>
-          <a:xfrm>
-            <a:off x="189186" y="1450427"/>
-            <a:ext cx="8797158" cy="4020208"/>
-          </a:xfrm>
-        </p:spPr>
-        <p:txBody>
-          <a:bodyPr lIns="91440" tIns="45720" rIns="91440" bIns="45720" anchor="t"/>
-          <a:lstStyle/>
-          <a:p>
-            <a:r>
-              <a:rPr lang="en-US" sz="2200" u="sng"/>
-              <a:t>For the purpose of contact tracing</a:t>
-            </a:r>
-            <a:endParaRPr lang="en-US" sz="2200"/>
-          </a:p>
-          <a:p>
-            <a:endParaRPr lang="en-US" sz="2200"/>
-          </a:p>
-          <a:p>
-            <a:r>
-              <a:rPr lang="en-US" sz="2200"/>
-              <a:t>For our standard workshops:</a:t>
-            </a:r>
-          </a:p>
-          <a:p>
-            <a:pPr marL="342900" indent="-342900">
-              <a:buFont typeface="Arial" panose="020B0604020202020204" pitchFamily="34" charset="0"/>
-              <a:buChar char="•"/>
+              <a:t>Define</a:t>
+            </a:r>
+            <a:r>
+              <a:rPr lang="en-GB" sz="3000" dirty="0">
+                <a:effectLst/>
+                <a:latin typeface="Arial" panose="020B0604020202020204" pitchFamily="34" charset="0"/>
+                <a:ea typeface="Calibri" panose="020F0502020204030204" pitchFamily="34" charset="0"/>
+                <a:cs typeface="Arial" panose="020B0604020202020204" pitchFamily="34" charset="0"/>
+              </a:rPr>
+              <a:t> objects and classes in relation to Python</a:t>
+            </a:r>
+          </a:p>
+          <a:p>
+            <a:pPr marL="514350" lvl="0" indent="-514350">
+              <a:lnSpc>
+                <a:spcPct val="107000"/>
+              </a:lnSpc>
+              <a:buAutoNum type="arabicPeriod"/>
             </a:pPr>
             <a:r>
-              <a:rPr lang="en-US" sz="2200"/>
-              <a:t>We will provide the CCT Hub with the complete list of attendees at this workshop</a:t>
-            </a:r>
-          </a:p>
-          <a:p>
-            <a:endParaRPr lang="en-US" sz="2200"/>
-          </a:p>
-          <a:p>
-            <a:r>
-              <a:rPr lang="en-US" sz="2200"/>
-              <a:t>Where our workshops are held in lecture theatres:</a:t>
-            </a:r>
-          </a:p>
-          <a:p>
-            <a:pPr marL="342900" indent="-342900">
-              <a:buFont typeface="Arial" panose="020B0604020202020204" pitchFamily="34" charset="0"/>
-              <a:buChar char="•"/>
+              <a:rPr lang="en-GB" sz="3000" b="1" dirty="0">
+                <a:effectLst/>
+                <a:latin typeface="Arial" panose="020B0604020202020204" pitchFamily="34" charset="0"/>
+                <a:ea typeface="Calibri" panose="020F0502020204030204" pitchFamily="34" charset="0"/>
+                <a:cs typeface="Arial" panose="020B0604020202020204" pitchFamily="34" charset="0"/>
+              </a:rPr>
+              <a:t>Use</a:t>
+            </a:r>
+            <a:r>
+              <a:rPr lang="en-GB" sz="3000" dirty="0">
+                <a:effectLst/>
+                <a:latin typeface="Arial" panose="020B0604020202020204" pitchFamily="34" charset="0"/>
+                <a:ea typeface="Calibri" panose="020F0502020204030204" pitchFamily="34" charset="0"/>
+                <a:cs typeface="Arial" panose="020B0604020202020204" pitchFamily="34" charset="0"/>
+              </a:rPr>
+              <a:t> key object-oriented features of Python</a:t>
+            </a:r>
+          </a:p>
+          <a:p>
+            <a:pPr marL="514350" lvl="0" indent="-514350">
+              <a:lnSpc>
+                <a:spcPct val="107000"/>
+              </a:lnSpc>
+              <a:buAutoNum type="arabicPeriod"/>
             </a:pPr>
             <a:r>
-              <a:rPr lang="en-US" sz="2200"/>
-              <a:t>You should keep a record of colleagues that you are sat in close contact with (within 2 meters)</a:t>
-            </a:r>
-          </a:p>
-          <a:p>
-            <a:endParaRPr lang="en-US"/>
+              <a:rPr lang="en-GB" sz="3000" b="1" dirty="0">
+                <a:effectLst/>
+                <a:latin typeface="Arial" panose="020B0604020202020204" pitchFamily="34" charset="0"/>
+                <a:ea typeface="Calibri" panose="020F0502020204030204" pitchFamily="34" charset="0"/>
+                <a:cs typeface="Arial" panose="020B0604020202020204" pitchFamily="34" charset="0"/>
+              </a:rPr>
+              <a:t>Create</a:t>
+            </a:r>
+            <a:r>
+              <a:rPr lang="en-GB" sz="3000" dirty="0">
+                <a:effectLst/>
+                <a:latin typeface="Arial" panose="020B0604020202020204" pitchFamily="34" charset="0"/>
+                <a:ea typeface="Calibri" panose="020F0502020204030204" pitchFamily="34" charset="0"/>
+                <a:cs typeface="Arial" panose="020B0604020202020204" pitchFamily="34" charset="0"/>
+              </a:rPr>
+              <a:t> classes tailored to the task they are to perform</a:t>
+            </a:r>
+          </a:p>
+          <a:p>
+            <a:pPr marL="514350" lvl="0" indent="-514350">
+              <a:lnSpc>
+                <a:spcPct val="107000"/>
+              </a:lnSpc>
+              <a:buAutoNum type="arabicPeriod"/>
+            </a:pPr>
+            <a:r>
+              <a:rPr lang="en-GB" sz="3000" b="1" dirty="0">
+                <a:effectLst/>
+                <a:latin typeface="Arial" panose="020B0604020202020204" pitchFamily="34" charset="0"/>
+                <a:ea typeface="Calibri" panose="020F0502020204030204" pitchFamily="34" charset="0"/>
+                <a:cs typeface="Arial" panose="020B0604020202020204" pitchFamily="34" charset="0"/>
+              </a:rPr>
+              <a:t>Utilise </a:t>
+            </a:r>
+            <a:r>
+              <a:rPr lang="en-GB" sz="3000" dirty="0">
+                <a:effectLst/>
+                <a:latin typeface="Arial" panose="020B0604020202020204" pitchFamily="34" charset="0"/>
+                <a:ea typeface="Calibri" panose="020F0502020204030204" pitchFamily="34" charset="0"/>
+                <a:cs typeface="Arial" panose="020B0604020202020204" pitchFamily="34" charset="0"/>
+              </a:rPr>
+              <a:t>object-oriented strategies to plan and develop research codes</a:t>
+            </a:r>
+            <a:endParaRPr lang="en-GB" sz="3000" dirty="0">
+              <a:latin typeface="Arial" panose="020B0604020202020204" pitchFamily="34" charset="0"/>
+              <a:cs typeface="Arial" panose="020B0604020202020204" pitchFamily="34" charset="0"/>
+            </a:endParaRPr>
           </a:p>
         </p:txBody>
       </p:sp>
     </p:spTree>
     <p:extLst>
       <p:ext uri="{BB962C8B-B14F-4D97-AF65-F5344CB8AC3E}">
-        <p14:creationId xmlns:p14="http://schemas.microsoft.com/office/powerpoint/2010/main" val="2722861469"/>
+        <p14:creationId xmlns:p14="http://schemas.microsoft.com/office/powerpoint/2010/main" val="3248724752"/>
       </p:ext>
     </p:extLst>
   </p:cSld>
   <p:clrMapOvr>
     <a:masterClrMapping/>
   </p:clrMapOvr>
+  <mc:AlternateContent xmlns:mc="http://schemas.openxmlformats.org/markup-compatibility/2006" xmlns:p14="http://schemas.microsoft.com/office/powerpoint/2010/main">
+    <mc:Choice Requires="p14">
+      <p:transition p14:dur="10"/>
+    </mc:Choice>
+    <mc:Fallback xmlns="">
+      <p:transition/>
+    </mc:Fallback>
+  </mc:AlternateContent>
 </p:sld>
 </file>
 
@@ -4563,7 +4600,7 @@
           <a:p>
             <a:r>
               <a:rPr lang="en-GB" sz="4000" dirty="0"/>
-              <a:t>Learning Outcomes</a:t>
+              <a:t>Notebook Links</a:t>
             </a:r>
           </a:p>
         </p:txBody>
@@ -4590,119 +4627,56 @@
           </a:bodyPr>
           <a:lstStyle/>
           <a:p>
-            <a:pPr marL="514350" lvl="0" indent="-514350">
-              <a:lnSpc>
-                <a:spcPct val="107000"/>
-              </a:lnSpc>
-              <a:buAutoNum type="arabicPeriod"/>
-            </a:pPr>
-            <a:r>
-              <a:rPr lang="en-GB" sz="3000" b="1" dirty="0">
-                <a:effectLst/>
-                <a:latin typeface="Arial" panose="020B0604020202020204" pitchFamily="34" charset="0"/>
-                <a:ea typeface="Calibri" panose="020F0502020204030204" pitchFamily="34" charset="0"/>
-                <a:cs typeface="Arial" panose="020B0604020202020204" pitchFamily="34" charset="0"/>
+            <a:r>
+              <a:rPr lang="en-GB" dirty="0">
+                <a:hlinkClick r:id="rId3"/>
               </a:rPr>
-              <a:t>Define</a:t>
-            </a:r>
-            <a:r>
-              <a:rPr lang="en-GB" sz="3000" dirty="0">
-                <a:effectLst/>
-                <a:latin typeface="Arial" panose="020B0604020202020204" pitchFamily="34" charset="0"/>
-                <a:ea typeface="Calibri" panose="020F0502020204030204" pitchFamily="34" charset="0"/>
-                <a:cs typeface="Arial" panose="020B0604020202020204" pitchFamily="34" charset="0"/>
+              <a:t>Types and Objects</a:t>
+            </a:r>
+            <a:endParaRPr lang="en-GB" dirty="0"/>
+          </a:p>
+          <a:p>
+            <a:r>
+              <a:rPr lang="en-GB" dirty="0">
+                <a:hlinkClick r:id="rId4"/>
               </a:rPr>
-              <a:t> objects and classes in relation to Python</a:t>
-            </a:r>
-          </a:p>
-          <a:p>
-            <a:pPr marL="514350" lvl="0" indent="-514350">
-              <a:lnSpc>
-                <a:spcPct val="107000"/>
-              </a:lnSpc>
-              <a:buAutoNum type="arabicPeriod"/>
-            </a:pPr>
-            <a:r>
-              <a:rPr lang="en-GB" sz="3000" b="1" dirty="0">
-                <a:effectLst/>
-                <a:latin typeface="Arial" panose="020B0604020202020204" pitchFamily="34" charset="0"/>
-                <a:ea typeface="Calibri" panose="020F0502020204030204" pitchFamily="34" charset="0"/>
-                <a:cs typeface="Arial" panose="020B0604020202020204" pitchFamily="34" charset="0"/>
+              <a:t>My First Class</a:t>
+            </a:r>
+            <a:endParaRPr lang="en-GB" dirty="0"/>
+          </a:p>
+          <a:p>
+            <a:r>
+              <a:rPr lang="en-GB" dirty="0">
+                <a:hlinkClick r:id="rId5"/>
               </a:rPr>
-              <a:t>Use</a:t>
-            </a:r>
-            <a:r>
-              <a:rPr lang="en-GB" sz="3000" dirty="0">
-                <a:effectLst/>
-                <a:latin typeface="Arial" panose="020B0604020202020204" pitchFamily="34" charset="0"/>
-                <a:ea typeface="Calibri" panose="020F0502020204030204" pitchFamily="34" charset="0"/>
-                <a:cs typeface="Arial" panose="020B0604020202020204" pitchFamily="34" charset="0"/>
+              <a:t>Class Members in Detail</a:t>
+            </a:r>
+            <a:endParaRPr lang="en-GB" dirty="0"/>
+          </a:p>
+          <a:p>
+            <a:r>
+              <a:rPr lang="en-GB" dirty="0">
+                <a:hlinkClick r:id="rId6"/>
               </a:rPr>
-              <a:t> key object-oriented features of Python</a:t>
-            </a:r>
-          </a:p>
-          <a:p>
-            <a:pPr marL="514350" lvl="0" indent="-514350">
-              <a:lnSpc>
-                <a:spcPct val="107000"/>
-              </a:lnSpc>
-              <a:buAutoNum type="arabicPeriod"/>
-            </a:pPr>
-            <a:r>
-              <a:rPr lang="en-GB" sz="3000" b="1" dirty="0">
-                <a:effectLst/>
-                <a:latin typeface="Arial" panose="020B0604020202020204" pitchFamily="34" charset="0"/>
-                <a:ea typeface="Calibri" panose="020F0502020204030204" pitchFamily="34" charset="0"/>
-                <a:cs typeface="Arial" panose="020B0604020202020204" pitchFamily="34" charset="0"/>
+              <a:t>Magic Methods</a:t>
+            </a:r>
+            <a:endParaRPr lang="en-GB" dirty="0"/>
+          </a:p>
+          <a:p>
+            <a:r>
+              <a:rPr lang="en-GB" dirty="0">
+                <a:hlinkClick r:id="rId7"/>
               </a:rPr>
-              <a:t>Create</a:t>
-            </a:r>
-            <a:r>
-              <a:rPr lang="en-GB" sz="3000" dirty="0">
-                <a:effectLst/>
-                <a:latin typeface="Arial" panose="020B0604020202020204" pitchFamily="34" charset="0"/>
-                <a:ea typeface="Calibri" panose="020F0502020204030204" pitchFamily="34" charset="0"/>
-                <a:cs typeface="Arial" panose="020B0604020202020204" pitchFamily="34" charset="0"/>
-              </a:rPr>
-              <a:t> classes tailored to the task they are to perform</a:t>
-            </a:r>
-          </a:p>
-          <a:p>
-            <a:pPr marL="514350" lvl="0" indent="-514350">
-              <a:lnSpc>
-                <a:spcPct val="107000"/>
-              </a:lnSpc>
-              <a:buAutoNum type="arabicPeriod"/>
-            </a:pPr>
-            <a:r>
-              <a:rPr lang="en-GB" sz="3000" b="1" dirty="0">
-                <a:effectLst/>
-                <a:latin typeface="Arial" panose="020B0604020202020204" pitchFamily="34" charset="0"/>
-                <a:ea typeface="Calibri" panose="020F0502020204030204" pitchFamily="34" charset="0"/>
-                <a:cs typeface="Arial" panose="020B0604020202020204" pitchFamily="34" charset="0"/>
-              </a:rPr>
-              <a:t>Utilise </a:t>
-            </a:r>
-            <a:r>
-              <a:rPr lang="en-GB" sz="3000" dirty="0">
-                <a:effectLst/>
-                <a:latin typeface="Arial" panose="020B0604020202020204" pitchFamily="34" charset="0"/>
-                <a:ea typeface="Calibri" panose="020F0502020204030204" pitchFamily="34" charset="0"/>
-                <a:cs typeface="Arial" panose="020B0604020202020204" pitchFamily="34" charset="0"/>
-              </a:rPr>
-              <a:t>object-oriented strategies to plan and develop research codes</a:t>
-            </a:r>
-            <a:endParaRPr lang="en-GB" sz="3000" dirty="0">
-              <a:latin typeface="Arial" panose="020B0604020202020204" pitchFamily="34" charset="0"/>
-              <a:cs typeface="Arial" panose="020B0604020202020204" pitchFamily="34" charset="0"/>
-            </a:endParaRPr>
+              <a:t>Properties</a:t>
+            </a:r>
+            <a:endParaRPr lang="en-GB" dirty="0"/>
           </a:p>
         </p:txBody>
       </p:sp>
     </p:spTree>
     <p:extLst>
       <p:ext uri="{BB962C8B-B14F-4D97-AF65-F5344CB8AC3E}">
-        <p14:creationId xmlns:p14="http://schemas.microsoft.com/office/powerpoint/2010/main" val="3248724752"/>
+        <p14:creationId xmlns:p14="http://schemas.microsoft.com/office/powerpoint/2010/main" val="4074605344"/>
       </p:ext>
     </p:extLst>
   </p:cSld>
@@ -4785,7 +4759,7 @@
               <a:rPr lang="en-GB" dirty="0">
                 <a:hlinkClick r:id="rId3"/>
               </a:rPr>
-              <a:t>Types and Objects</a:t>
+              <a:t>Inheritance</a:t>
             </a:r>
             <a:endParaRPr lang="en-GB" dirty="0"/>
           </a:p>
@@ -4794,7 +4768,7 @@
               <a:rPr lang="en-GB" dirty="0">
                 <a:hlinkClick r:id="rId4"/>
               </a:rPr>
-              <a:t>My First Class</a:t>
+              <a:t>Polymorphism</a:t>
             </a:r>
             <a:endParaRPr lang="en-GB" dirty="0"/>
           </a:p>
@@ -4803,7 +4777,7 @@
               <a:rPr lang="en-GB" dirty="0">
                 <a:hlinkClick r:id="rId5"/>
               </a:rPr>
-              <a:t>Class Members in Detail</a:t>
+              <a:t>Object-Oriented Code Design Principles</a:t>
             </a:r>
             <a:endParaRPr lang="en-GB" dirty="0"/>
           </a:p>
@@ -4812,7 +4786,7 @@
               <a:rPr lang="en-GB" dirty="0">
                 <a:hlinkClick r:id="rId6"/>
               </a:rPr>
-              <a:t>Magic Methods</a:t>
+              <a:t>Objects in Objects</a:t>
             </a:r>
             <a:endParaRPr lang="en-GB" dirty="0"/>
           </a:p>
@@ -4821,7 +4795,7 @@
               <a:rPr lang="en-GB" dirty="0">
                 <a:hlinkClick r:id="rId7"/>
               </a:rPr>
-              <a:t>Properties</a:t>
+              <a:t>Projects</a:t>
             </a:r>
             <a:endParaRPr lang="en-GB" dirty="0"/>
           </a:p>
@@ -4830,7 +4804,7 @@
     </p:spTree>
     <p:extLst>
       <p:ext uri="{BB962C8B-B14F-4D97-AF65-F5344CB8AC3E}">
-        <p14:creationId xmlns:p14="http://schemas.microsoft.com/office/powerpoint/2010/main" val="4074605344"/>
+        <p14:creationId xmlns:p14="http://schemas.microsoft.com/office/powerpoint/2010/main" val="4175751739"/>
       </p:ext>
     </p:extLst>
   </p:cSld>
@@ -4882,134 +4856,6 @@
           <a:p>
             <a:r>
               <a:rPr lang="en-GB" sz="4000" dirty="0"/>
-              <a:t>Notebook Links</a:t>
-            </a:r>
-          </a:p>
-        </p:txBody>
-      </p:sp>
-      <p:sp>
-        <p:nvSpPr>
-          <p:cNvPr id="3" name="Content Placeholder 2"/>
-          <p:cNvSpPr>
-            <a:spLocks noGrp="1"/>
-          </p:cNvSpPr>
-          <p:nvPr>
-            <p:ph idx="1"/>
-          </p:nvPr>
-        </p:nvSpPr>
-        <p:spPr>
-          <a:xfrm>
-            <a:off x="457200" y="1600200"/>
-            <a:ext cx="8435280" cy="4876800"/>
-          </a:xfrm>
-        </p:spPr>
-        <p:txBody>
-          <a:bodyPr>
-            <a:normAutofit/>
-          </a:bodyPr>
-          <a:lstStyle/>
-          <a:p>
-            <a:r>
-              <a:rPr lang="en-GB" dirty="0">
-                <a:hlinkClick r:id="rId3"/>
-              </a:rPr>
-              <a:t>Inheritance</a:t>
-            </a:r>
-            <a:endParaRPr lang="en-GB" dirty="0"/>
-          </a:p>
-          <a:p>
-            <a:r>
-              <a:rPr lang="en-GB" dirty="0">
-                <a:hlinkClick r:id="rId4"/>
-              </a:rPr>
-              <a:t>Polymorphism</a:t>
-            </a:r>
-            <a:endParaRPr lang="en-GB" dirty="0"/>
-          </a:p>
-          <a:p>
-            <a:r>
-              <a:rPr lang="en-GB" dirty="0">
-                <a:hlinkClick r:id="rId5"/>
-              </a:rPr>
-              <a:t>Object-Oriented Code Design Principles</a:t>
-            </a:r>
-            <a:endParaRPr lang="en-GB" dirty="0"/>
-          </a:p>
-          <a:p>
-            <a:r>
-              <a:rPr lang="en-GB" dirty="0">
-                <a:hlinkClick r:id="rId6"/>
-              </a:rPr>
-              <a:t>Objects in Objects</a:t>
-            </a:r>
-            <a:endParaRPr lang="en-GB" dirty="0"/>
-          </a:p>
-          <a:p>
-            <a:r>
-              <a:rPr lang="en-GB" dirty="0">
-                <a:hlinkClick r:id="rId7"/>
-              </a:rPr>
-              <a:t>Projects</a:t>
-            </a:r>
-            <a:endParaRPr lang="en-GB" dirty="0"/>
-          </a:p>
-        </p:txBody>
-      </p:sp>
-    </p:spTree>
-    <p:extLst>
-      <p:ext uri="{BB962C8B-B14F-4D97-AF65-F5344CB8AC3E}">
-        <p14:creationId xmlns:p14="http://schemas.microsoft.com/office/powerpoint/2010/main" val="4175751739"/>
-      </p:ext>
-    </p:extLst>
-  </p:cSld>
-  <p:clrMapOvr>
-    <a:masterClrMapping/>
-  </p:clrMapOvr>
-  <mc:AlternateContent xmlns:mc="http://schemas.openxmlformats.org/markup-compatibility/2006" xmlns:p14="http://schemas.microsoft.com/office/powerpoint/2010/main">
-    <mc:Choice Requires="p14">
-      <p:transition p14:dur="10"/>
-    </mc:Choice>
-    <mc:Fallback xmlns="">
-      <p:transition/>
-    </mc:Fallback>
-  </mc:AlternateContent>
-</p:sld>
-</file>
-
-<file path=ppt/slides/slide8.xml><?xml version="1.0" encoding="utf-8"?>
-<p:sld xmlns:a="http://schemas.openxmlformats.org/drawingml/2006/main" xmlns:r="http://schemas.openxmlformats.org/officeDocument/2006/relationships" xmlns:p="http://schemas.openxmlformats.org/presentationml/2006/main">
-  <p:cSld>
-    <p:spTree>
-      <p:nvGrpSpPr>
-        <p:cNvPr id="1" name=""/>
-        <p:cNvGrpSpPr/>
-        <p:nvPr/>
-      </p:nvGrpSpPr>
-      <p:grpSpPr>
-        <a:xfrm>
-          <a:off x="0" y="0"/>
-          <a:ext cx="0" cy="0"/>
-          <a:chOff x="0" y="0"/>
-          <a:chExt cx="0" cy="0"/>
-        </a:xfrm>
-      </p:grpSpPr>
-      <p:sp>
-        <p:nvSpPr>
-          <p:cNvPr id="2" name="Title 1"/>
-          <p:cNvSpPr>
-            <a:spLocks noGrp="1"/>
-          </p:cNvSpPr>
-          <p:nvPr>
-            <p:ph type="title"/>
-          </p:nvPr>
-        </p:nvSpPr>
-        <p:spPr/>
-        <p:txBody>
-          <a:bodyPr/>
-          <a:lstStyle/>
-          <a:p>
-            <a:r>
-              <a:rPr lang="en-GB" sz="4000" dirty="0"/>
               <a:t>Feedback</a:t>
             </a:r>
           </a:p>
@@ -5108,7 +4954,7 @@
 </p:sld>
 </file>
 
-<file path=ppt/slides/slide9.xml><?xml version="1.0" encoding="utf-8"?>
+<file path=ppt/slides/slide8.xml><?xml version="1.0" encoding="utf-8"?>
 <p:sld xmlns:a="http://schemas.openxmlformats.org/drawingml/2006/main" xmlns:r="http://schemas.openxmlformats.org/officeDocument/2006/relationships" xmlns:p="http://schemas.openxmlformats.org/presentationml/2006/main">
   <p:cSld>
     <p:spTree>

--- a/Object-Oriented Python Slides.pptx
+++ b/Object-Oriented Python Slides.pptx
@@ -13,7 +13,7 @@
   <p:sldIdLst>
     <p:sldId id="264" r:id="rId2"/>
     <p:sldId id="504" r:id="rId3"/>
-    <p:sldId id="258" r:id="rId4"/>
+    <p:sldId id="538" r:id="rId4"/>
     <p:sldId id="267" r:id="rId5"/>
     <p:sldId id="281" r:id="rId6"/>
     <p:sldId id="330" r:id="rId7"/>
@@ -124,7 +124,7 @@
           <p14:sldIdLst>
             <p14:sldId id="264"/>
             <p14:sldId id="504"/>
-            <p14:sldId id="258"/>
+            <p14:sldId id="538"/>
             <p14:sldId id="267"/>
             <p14:sldId id="281"/>
             <p14:sldId id="330"/>
@@ -404,7 +404,7 @@
           <a:p>
             <a:fld id="{88EB714B-C3CC-4216-88C1-02913905B1CF}" type="datetimeFigureOut">
               <a:rPr lang="en-GB" smtClean="0"/>
-              <a:t>08/03/2022</a:t>
+              <a:t>08/04/2022</a:t>
             </a:fld>
             <a:endParaRPr lang="en-GB"/>
           </a:p>
@@ -1869,7 +1869,7 @@
           <a:p>
             <a:fld id="{EB0080F8-EA1C-491D-963C-2C881B2F918F}" type="datetimeFigureOut">
               <a:rPr lang="en-GB" smtClean="0"/>
-              <a:t>08/03/2022</a:t>
+              <a:t>08/04/2022</a:t>
             </a:fld>
             <a:endParaRPr lang="en-GB"/>
           </a:p>
@@ -2019,7 +2019,7 @@
           <a:p>
             <a:fld id="{EB0080F8-EA1C-491D-963C-2C881B2F918F}" type="datetimeFigureOut">
               <a:rPr lang="en-GB" smtClean="0"/>
-              <a:t>08/03/2022</a:t>
+              <a:t>08/04/2022</a:t>
             </a:fld>
             <a:endParaRPr lang="en-GB"/>
           </a:p>
@@ -3552,7 +3552,7 @@
           <a:p>
             <a:fld id="{EB0080F8-EA1C-491D-963C-2C881B2F918F}" type="datetimeFigureOut">
               <a:rPr lang="en-GB" smtClean="0"/>
-              <a:t>08/03/2022</a:t>
+              <a:t>08/04/2022</a:t>
             </a:fld>
             <a:endParaRPr lang="en-GB"/>
           </a:p>
@@ -4240,7 +4240,7 @@
           </a:lstStyle>
           <a:p>
             <a:r>
-              <a:rPr lang="en-US" sz="3200">
+              <a:rPr lang="en-US" sz="3200" dirty="0">
                 <a:solidFill>
                   <a:schemeClr val="accent3"/>
                 </a:solidFill>
@@ -4270,102 +4270,137 @@
           <a:bodyPr lIns="91440" tIns="45720" rIns="91440" bIns="45720" anchor="t"/>
           <a:lstStyle/>
           <a:p>
-            <a:r>
-              <a:rPr lang="en-US" sz="2200" u="sng">
-                <a:solidFill>
-                  <a:schemeClr val="tx1"/>
-                </a:solidFill>
-                <a:ea typeface="+mj-lt"/>
-                <a:cs typeface="+mj-lt"/>
-              </a:rPr>
-              <a:t>Face coverings</a:t>
-            </a:r>
-          </a:p>
-          <a:p>
-            <a:pPr marL="457200" indent="-457200">
+            <a:pPr marL="285750" indent="-285750">
               <a:buFont typeface="Arial" panose="020B0604020202020204" pitchFamily="34" charset="0"/>
               <a:buChar char="•"/>
             </a:pPr>
             <a:r>
-              <a:rPr lang="en-GB" sz="2200" b="0" i="0">
+              <a:rPr lang="en-GB" sz="2400" dirty="0">
                 <a:solidFill>
                   <a:schemeClr val="tx1"/>
                 </a:solidFill>
-                <a:effectLst/>
-                <a:latin typeface="+mn-lt"/>
+                <a:latin typeface="Arial" panose="020B0604020202020204" pitchFamily="34" charset="0"/>
+                <a:ea typeface="MS PGothic" panose="020B0600070205080204" pitchFamily="34" charset="-128"/>
               </a:rPr>
-              <a:t>While infection rates remain high, we encourage all members of our community to continue wearing face coverings in most indoor settings on campus, including Graduate School workshops</a:t>
-            </a:r>
-          </a:p>
-          <a:p>
-            <a:endParaRPr lang="en-US" sz="2200" u="sng">
+              <a:t>You are encouraged to wear a face covering indoors, especially in crowded, enclosed spaces, unless you are exempt.  This includes </a:t>
+            </a:r>
+            <a:r>
+              <a:rPr lang="en-GB" sz="2400" b="1" dirty="0">
+                <a:solidFill>
+                  <a:schemeClr val="tx1"/>
+                </a:solidFill>
+                <a:latin typeface="Arial" panose="020B0604020202020204" pitchFamily="34" charset="0"/>
+                <a:ea typeface="MS PGothic" panose="020B0600070205080204" pitchFamily="34" charset="-128"/>
+              </a:rPr>
+              <a:t>for Graduate School workshops</a:t>
+            </a:r>
+          </a:p>
+          <a:p>
+            <a:endParaRPr lang="en-US" sz="2400" dirty="0">
               <a:solidFill>
                 <a:schemeClr val="tx1"/>
               </a:solidFill>
-              <a:ea typeface="+mj-lt"/>
-              <a:cs typeface="+mj-lt"/>
             </a:endParaRPr>
           </a:p>
           <a:p>
-            <a:r>
-              <a:rPr lang="en-US" sz="2200" u="sng">
+            <a:pPr marL="285750" indent="-285750">
+              <a:buFont typeface="Arial" panose="020B0604020202020204" pitchFamily="34" charset="0"/>
+              <a:buChar char="•"/>
+            </a:pPr>
+            <a:r>
+              <a:rPr lang="en-GB" sz="2400" dirty="0">
                 <a:solidFill>
                   <a:schemeClr val="tx1"/>
                 </a:solidFill>
-                <a:latin typeface="+mn-lt"/>
-                <a:ea typeface="+mj-lt"/>
-                <a:cs typeface="+mj-lt"/>
+                <a:effectLst/>
+                <a:latin typeface="Arial" panose="020B0604020202020204" pitchFamily="34" charset="0"/>
+                <a:ea typeface="MS PGothic" panose="020B0600070205080204" pitchFamily="34" charset="-128"/>
               </a:rPr>
-              <a:t>Hygiene</a:t>
-            </a:r>
-            <a:endParaRPr lang="en-GB" sz="2200" u="sng">
+              <a:t>Cover your coughs and sneezes to reduce the spread of particles </a:t>
+            </a:r>
+          </a:p>
+          <a:p>
+            <a:endParaRPr lang="en-GB" sz="2400" dirty="0">
               <a:solidFill>
                 <a:schemeClr val="tx1"/>
               </a:solidFill>
-              <a:latin typeface="+mn-lt"/>
-              <a:ea typeface="Calibri" panose="020F0502020204030204" pitchFamily="34" charset="0"/>
-              <a:cs typeface="Times New Roman"/>
+              <a:effectLst/>
+              <a:latin typeface="Arial" panose="020B0604020202020204" pitchFamily="34" charset="0"/>
+              <a:ea typeface="MS PGothic" panose="020B0600070205080204" pitchFamily="34" charset="-128"/>
             </a:endParaRPr>
           </a:p>
           <a:p>
-            <a:pPr marL="457200" indent="-457200">
+            <a:pPr marL="285750" indent="-285750">
               <a:buFont typeface="Arial" panose="020B0604020202020204" pitchFamily="34" charset="0"/>
               <a:buChar char="•"/>
             </a:pPr>
             <a:r>
-              <a:rPr lang="en-US" sz="2200">
+              <a:rPr lang="en-GB" sz="2400" dirty="0">
                 <a:solidFill>
                   <a:schemeClr val="tx1"/>
                 </a:solidFill>
+                <a:latin typeface="Arial" panose="020B0604020202020204" pitchFamily="34" charset="0"/>
+                <a:ea typeface="MS PGothic" panose="020B0600070205080204" pitchFamily="34" charset="-128"/>
               </a:rPr>
-              <a:t>Where hand </a:t>
-            </a:r>
-            <a:r>
-              <a:rPr lang="en-US" sz="2200" err="1">
+              <a:t>R</a:t>
+            </a:r>
+            <a:r>
+              <a:rPr lang="en-GB" sz="2400" dirty="0">
                 <a:solidFill>
                   <a:schemeClr val="tx1"/>
                 </a:solidFill>
+                <a:effectLst/>
+                <a:latin typeface="Arial" panose="020B0604020202020204" pitchFamily="34" charset="0"/>
+                <a:ea typeface="MS PGothic" panose="020B0600070205080204" pitchFamily="34" charset="-128"/>
               </a:rPr>
-              <a:t>sanitiser</a:t>
-            </a:r>
-            <a:r>
-              <a:rPr lang="en-US" sz="2200">
+              <a:t>espect people’s wishes for extra space </a:t>
+            </a:r>
+          </a:p>
+          <a:p>
+            <a:endParaRPr lang="en-GB" sz="2400" dirty="0">
+              <a:solidFill>
+                <a:schemeClr val="tx1"/>
+              </a:solidFill>
+              <a:latin typeface="Arial" panose="020B0604020202020204" pitchFamily="34" charset="0"/>
+              <a:ea typeface="MS PGothic" panose="020B0600070205080204" pitchFamily="34" charset="-128"/>
+            </a:endParaRPr>
+          </a:p>
+          <a:p>
+            <a:pPr marL="285750" indent="-285750">
+              <a:buFont typeface="Arial" panose="020B0604020202020204" pitchFamily="34" charset="0"/>
+              <a:buChar char="•"/>
+            </a:pPr>
+            <a:r>
+              <a:rPr lang="en-GB" sz="2400" dirty="0">
                 <a:solidFill>
                   <a:schemeClr val="tx1"/>
                 </a:solidFill>
+                <a:effectLst/>
+                <a:latin typeface="Arial" panose="020B0604020202020204" pitchFamily="34" charset="0"/>
+                <a:ea typeface="MS PGothic" panose="020B0600070205080204" pitchFamily="34" charset="-128"/>
               </a:rPr>
-              <a:t> is available, please use it</a:t>
-            </a:r>
-          </a:p>
-          <a:p>
-            <a:endParaRPr lang="en-US" sz="2400"/>
+              <a:t>Use hand sanitiser where it is available to you</a:t>
+            </a:r>
+          </a:p>
+          <a:p>
+            <a:r>
+              <a:rPr lang="en-GB" sz="2400" dirty="0">
+                <a:solidFill>
+                  <a:schemeClr val="tx1"/>
+                </a:solidFill>
+                <a:effectLst/>
+                <a:latin typeface="Arial" panose="020B0604020202020204" pitchFamily="34" charset="0"/>
+                <a:ea typeface="MS PGothic" panose="020B0600070205080204" pitchFamily="34" charset="-128"/>
+              </a:rPr>
+              <a:t> </a:t>
+            </a:r>
           </a:p>
         </p:txBody>
       </p:sp>
     </p:spTree>
     <p:extLst>
       <p:ext uri="{BB962C8B-B14F-4D97-AF65-F5344CB8AC3E}">
-        <p14:creationId xmlns:p14="http://schemas.microsoft.com/office/powerpoint/2010/main" val="70908208"/>
+        <p14:creationId xmlns:p14="http://schemas.microsoft.com/office/powerpoint/2010/main" val="2596273163"/>
       </p:ext>
     </p:extLst>
   </p:cSld>

--- a/Object-Oriented Python Slides.pptx
+++ b/Object-Oriented Python Slides.pptx
@@ -5,20 +5,19 @@
     <p:sldMasterId id="2147483648" r:id="rId1"/>
   </p:sldMasterIdLst>
   <p:notesMasterIdLst>
-    <p:notesMasterId r:id="rId10"/>
+    <p:notesMasterId r:id="rId9"/>
   </p:notesMasterIdLst>
   <p:handoutMasterIdLst>
-    <p:handoutMasterId r:id="rId11"/>
+    <p:handoutMasterId r:id="rId10"/>
   </p:handoutMasterIdLst>
   <p:sldIdLst>
     <p:sldId id="264" r:id="rId2"/>
     <p:sldId id="504" r:id="rId3"/>
-    <p:sldId id="538" r:id="rId4"/>
-    <p:sldId id="267" r:id="rId5"/>
-    <p:sldId id="281" r:id="rId6"/>
-    <p:sldId id="330" r:id="rId7"/>
-    <p:sldId id="329" r:id="rId8"/>
-    <p:sldId id="280" r:id="rId9"/>
+    <p:sldId id="267" r:id="rId4"/>
+    <p:sldId id="281" r:id="rId5"/>
+    <p:sldId id="330" r:id="rId6"/>
+    <p:sldId id="329" r:id="rId7"/>
+    <p:sldId id="280" r:id="rId8"/>
   </p:sldIdLst>
   <p:sldSz cx="9144000" cy="6858000" type="screen4x3"/>
   <p:notesSz cx="7099300" cy="10234613"/>
@@ -124,7 +123,6 @@
           <p14:sldIdLst>
             <p14:sldId id="264"/>
             <p14:sldId id="504"/>
-            <p14:sldId id="538"/>
             <p14:sldId id="267"/>
             <p14:sldId id="281"/>
             <p14:sldId id="330"/>
@@ -404,7 +402,7 @@
           <a:p>
             <a:fld id="{88EB714B-C3CC-4216-88C1-02913905B1CF}" type="datetimeFigureOut">
               <a:rPr lang="en-GB" smtClean="0"/>
-              <a:t>08/04/2022</a:t>
+              <a:t>20/05/2022</a:t>
             </a:fld>
             <a:endParaRPr lang="en-GB"/>
           </a:p>
@@ -988,7 +986,7 @@
           <a:p>
             <a:fld id="{6A641EC8-C9F8-4A58-A1A7-F7D817526EEC}" type="slidenum">
               <a:rPr lang="en-GB" smtClean="0"/>
-              <a:t>4</a:t>
+              <a:t>3</a:t>
             </a:fld>
             <a:endParaRPr lang="en-GB"/>
           </a:p>
@@ -1072,7 +1070,7 @@
           <a:p>
             <a:fld id="{6A641EC8-C9F8-4A58-A1A7-F7D817526EEC}" type="slidenum">
               <a:rPr lang="en-GB" smtClean="0"/>
-              <a:t>5</a:t>
+              <a:t>4</a:t>
             </a:fld>
             <a:endParaRPr lang="en-GB"/>
           </a:p>
@@ -1156,7 +1154,7 @@
           <a:p>
             <a:fld id="{6A641EC8-C9F8-4A58-A1A7-F7D817526EEC}" type="slidenum">
               <a:rPr lang="en-GB" smtClean="0"/>
-              <a:t>6</a:t>
+              <a:t>5</a:t>
             </a:fld>
             <a:endParaRPr lang="en-GB"/>
           </a:p>
@@ -1240,7 +1238,7 @@
           <a:p>
             <a:fld id="{6A641EC8-C9F8-4A58-A1A7-F7D817526EEC}" type="slidenum">
               <a:rPr lang="en-GB" smtClean="0"/>
-              <a:t>7</a:t>
+              <a:t>6</a:t>
             </a:fld>
             <a:endParaRPr lang="en-GB"/>
           </a:p>
@@ -1436,7 +1434,7 @@
                   <a:spcPct val="0"/>
                 </a:spcBef>
               </a:pPr>
-              <a:t>8</a:t>
+              <a:t>7</a:t>
             </a:fld>
             <a:endParaRPr lang="en-US" altLang="en-US"/>
           </a:p>
@@ -1869,7 +1867,7 @@
           <a:p>
             <a:fld id="{EB0080F8-EA1C-491D-963C-2C881B2F918F}" type="datetimeFigureOut">
               <a:rPr lang="en-GB" smtClean="0"/>
-              <a:t>08/04/2022</a:t>
+              <a:t>20/05/2022</a:t>
             </a:fld>
             <a:endParaRPr lang="en-GB"/>
           </a:p>
@@ -2019,7 +2017,7 @@
           <a:p>
             <a:fld id="{EB0080F8-EA1C-491D-963C-2C881B2F918F}" type="datetimeFigureOut">
               <a:rPr lang="en-GB" smtClean="0"/>
-              <a:t>08/04/2022</a:t>
+              <a:t>20/05/2022</a:t>
             </a:fld>
             <a:endParaRPr lang="en-GB"/>
           </a:p>
@@ -3552,7 +3550,7 @@
           <a:p>
             <a:fld id="{EB0080F8-EA1C-491D-963C-2C881B2F918F}" type="datetimeFigureOut">
               <a:rPr lang="en-GB" smtClean="0"/>
-              <a:t>08/04/2022</a:t>
+              <a:t>20/05/2022</a:t>
             </a:fld>
             <a:endParaRPr lang="en-GB"/>
           </a:p>
@@ -4202,211 +4200,175 @@
       </p:grpSpPr>
       <p:sp>
         <p:nvSpPr>
-          <p:cNvPr id="4" name="Title 1"/>
-          <p:cNvSpPr txBox="1">
-            <a:spLocks/>
-          </p:cNvSpPr>
-          <p:nvPr/>
+          <p:cNvPr id="2" name="Title 1"/>
+          <p:cNvSpPr>
+            <a:spLocks noGrp="1"/>
+          </p:cNvSpPr>
+          <p:nvPr>
+            <p:ph type="title"/>
+          </p:nvPr>
+        </p:nvSpPr>
+        <p:spPr/>
+        <p:txBody>
+          <a:bodyPr/>
+          <a:lstStyle/>
+          <a:p>
+            <a:r>
+              <a:rPr lang="en-GB" sz="4000" dirty="0"/>
+              <a:t>Learning Outcomes</a:t>
+            </a:r>
+          </a:p>
+        </p:txBody>
+      </p:sp>
+      <p:sp>
+        <p:nvSpPr>
+          <p:cNvPr id="3" name="Content Placeholder 2"/>
+          <p:cNvSpPr>
+            <a:spLocks noGrp="1"/>
+          </p:cNvSpPr>
+          <p:nvPr>
+            <p:ph idx="1"/>
+          </p:nvPr>
         </p:nvSpPr>
         <p:spPr>
           <a:xfrm>
-            <a:off x="401320" y="472966"/>
-            <a:ext cx="5778764" cy="961696"/>
+            <a:off x="457200" y="1600200"/>
+            <a:ext cx="8435280" cy="4876800"/>
           </a:xfrm>
-          <a:prstGeom prst="rect">
-            <a:avLst/>
-          </a:prstGeom>
-        </p:spPr>
-        <p:txBody>
-          <a:bodyPr anchor="b"/>
-          <a:lstStyle>
-            <a:lvl1pPr algn="l" defTabSz="457200" rtl="0" eaLnBrk="1" latinLnBrk="0" hangingPunct="1">
+        </p:spPr>
+        <p:txBody>
+          <a:bodyPr>
+            <a:normAutofit/>
+          </a:bodyPr>
+          <a:lstStyle/>
+          <a:p>
+            <a:pPr marL="514350" lvl="0" indent="-514350">
               <a:lnSpc>
-                <a:spcPct val="90000"/>
+                <a:spcPct val="107000"/>
               </a:lnSpc>
-              <a:spcBef>
-                <a:spcPct val="0"/>
-              </a:spcBef>
-              <a:buNone/>
-              <a:defRPr sz="4000" b="1" i="0" kern="1200" baseline="0">
-                <a:solidFill>
-                  <a:schemeClr val="tx2"/>
-                </a:solidFill>
-                <a:latin typeface="+mj-lt"/>
-                <a:ea typeface="+mj-ea"/>
-                <a:cs typeface="MetaOT-Bold"/>
-              </a:defRPr>
-            </a:lvl1pPr>
-          </a:lstStyle>
-          <a:p>
-            <a:r>
-              <a:rPr lang="en-US" sz="3200" dirty="0">
-                <a:solidFill>
-                  <a:schemeClr val="accent3"/>
-                </a:solidFill>
-              </a:rPr>
-              <a:t>Expectations:  Covid-safe teaching environments</a:t>
-            </a:r>
-          </a:p>
-        </p:txBody>
-      </p:sp>
-      <p:sp>
-        <p:nvSpPr>
-          <p:cNvPr id="5" name="Subtitle 2"/>
-          <p:cNvSpPr>
-            <a:spLocks noGrp="1"/>
-          </p:cNvSpPr>
-          <p:nvPr>
-            <p:ph type="subTitle" idx="1"/>
-          </p:nvPr>
-        </p:nvSpPr>
-        <p:spPr>
-          <a:xfrm>
-            <a:off x="401320" y="1631731"/>
-            <a:ext cx="8490432" cy="4548352"/>
-          </a:xfrm>
-        </p:spPr>
-        <p:txBody>
-          <a:bodyPr lIns="91440" tIns="45720" rIns="91440" bIns="45720" anchor="t"/>
-          <a:lstStyle/>
-          <a:p>
-            <a:pPr marL="285750" indent="-285750">
-              <a:buFont typeface="Arial" panose="020B0604020202020204" pitchFamily="34" charset="0"/>
-              <a:buChar char="•"/>
+              <a:buAutoNum type="arabicPeriod"/>
             </a:pPr>
             <a:r>
-              <a:rPr lang="en-GB" sz="2400" dirty="0">
-                <a:solidFill>
-                  <a:schemeClr val="tx1"/>
-                </a:solidFill>
-                <a:latin typeface="Arial" panose="020B0604020202020204" pitchFamily="34" charset="0"/>
-                <a:ea typeface="MS PGothic" panose="020B0600070205080204" pitchFamily="34" charset="-128"/>
-              </a:rPr>
-              <a:t>You are encouraged to wear a face covering indoors, especially in crowded, enclosed spaces, unless you are exempt.  This includes </a:t>
-            </a:r>
-            <a:r>
-              <a:rPr lang="en-GB" sz="2400" b="1" dirty="0">
-                <a:solidFill>
-                  <a:schemeClr val="tx1"/>
-                </a:solidFill>
-                <a:latin typeface="Arial" panose="020B0604020202020204" pitchFamily="34" charset="0"/>
-                <a:ea typeface="MS PGothic" panose="020B0600070205080204" pitchFamily="34" charset="-128"/>
-              </a:rPr>
-              <a:t>for Graduate School workshops</a:t>
-            </a:r>
-          </a:p>
-          <a:p>
-            <a:endParaRPr lang="en-US" sz="2400" dirty="0">
-              <a:solidFill>
-                <a:schemeClr val="tx1"/>
-              </a:solidFill>
-            </a:endParaRPr>
-          </a:p>
-          <a:p>
-            <a:pPr marL="285750" indent="-285750">
-              <a:buFont typeface="Arial" panose="020B0604020202020204" pitchFamily="34" charset="0"/>
-              <a:buChar char="•"/>
-            </a:pPr>
-            <a:r>
-              <a:rPr lang="en-GB" sz="2400" dirty="0">
-                <a:solidFill>
-                  <a:schemeClr val="tx1"/>
-                </a:solidFill>
+              <a:rPr lang="en-GB" sz="3000" b="1" dirty="0">
                 <a:effectLst/>
                 <a:latin typeface="Arial" panose="020B0604020202020204" pitchFamily="34" charset="0"/>
-                <a:ea typeface="MS PGothic" panose="020B0600070205080204" pitchFamily="34" charset="-128"/>
+                <a:ea typeface="Calibri" panose="020F0502020204030204" pitchFamily="34" charset="0"/>
+                <a:cs typeface="Arial" panose="020B0604020202020204" pitchFamily="34" charset="0"/>
               </a:rPr>
-              <a:t>Cover your coughs and sneezes to reduce the spread of particles </a:t>
-            </a:r>
-          </a:p>
-          <a:p>
-            <a:endParaRPr lang="en-GB" sz="2400" dirty="0">
-              <a:solidFill>
-                <a:schemeClr val="tx1"/>
-              </a:solidFill>
-              <a:effectLst/>
-              <a:latin typeface="Arial" panose="020B0604020202020204" pitchFamily="34" charset="0"/>
-              <a:ea typeface="MS PGothic" panose="020B0600070205080204" pitchFamily="34" charset="-128"/>
-            </a:endParaRPr>
-          </a:p>
-          <a:p>
-            <a:pPr marL="285750" indent="-285750">
-              <a:buFont typeface="Arial" panose="020B0604020202020204" pitchFamily="34" charset="0"/>
-              <a:buChar char="•"/>
-            </a:pPr>
-            <a:r>
-              <a:rPr lang="en-GB" sz="2400" dirty="0">
-                <a:solidFill>
-                  <a:schemeClr val="tx1"/>
-                </a:solidFill>
-                <a:latin typeface="Arial" panose="020B0604020202020204" pitchFamily="34" charset="0"/>
-                <a:ea typeface="MS PGothic" panose="020B0600070205080204" pitchFamily="34" charset="-128"/>
-              </a:rPr>
-              <a:t>R</a:t>
-            </a:r>
-            <a:r>
-              <a:rPr lang="en-GB" sz="2400" dirty="0">
-                <a:solidFill>
-                  <a:schemeClr val="tx1"/>
-                </a:solidFill>
+              <a:t>Define</a:t>
+            </a:r>
+            <a:r>
+              <a:rPr lang="en-GB" sz="3000" dirty="0">
                 <a:effectLst/>
                 <a:latin typeface="Arial" panose="020B0604020202020204" pitchFamily="34" charset="0"/>
-                <a:ea typeface="MS PGothic" panose="020B0600070205080204" pitchFamily="34" charset="-128"/>
+                <a:ea typeface="Calibri" panose="020F0502020204030204" pitchFamily="34" charset="0"/>
+                <a:cs typeface="Arial" panose="020B0604020202020204" pitchFamily="34" charset="0"/>
               </a:rPr>
-              <a:t>espect people’s wishes for extra space </a:t>
-            </a:r>
-          </a:p>
-          <a:p>
-            <a:endParaRPr lang="en-GB" sz="2400" dirty="0">
-              <a:solidFill>
-                <a:schemeClr val="tx1"/>
-              </a:solidFill>
-              <a:latin typeface="Arial" panose="020B0604020202020204" pitchFamily="34" charset="0"/>
-              <a:ea typeface="MS PGothic" panose="020B0600070205080204" pitchFamily="34" charset="-128"/>
-            </a:endParaRPr>
-          </a:p>
-          <a:p>
-            <a:pPr marL="285750" indent="-285750">
-              <a:buFont typeface="Arial" panose="020B0604020202020204" pitchFamily="34" charset="0"/>
-              <a:buChar char="•"/>
+              <a:t> objects and classes in relation to Python</a:t>
+            </a:r>
+          </a:p>
+          <a:p>
+            <a:pPr marL="514350" lvl="0" indent="-514350">
+              <a:lnSpc>
+                <a:spcPct val="107000"/>
+              </a:lnSpc>
+              <a:buAutoNum type="arabicPeriod"/>
             </a:pPr>
             <a:r>
-              <a:rPr lang="en-GB" sz="2400" dirty="0">
-                <a:solidFill>
-                  <a:schemeClr val="tx1"/>
-                </a:solidFill>
+              <a:rPr lang="en-GB" sz="3000" b="1" dirty="0">
                 <a:effectLst/>
                 <a:latin typeface="Arial" panose="020B0604020202020204" pitchFamily="34" charset="0"/>
-                <a:ea typeface="MS PGothic" panose="020B0600070205080204" pitchFamily="34" charset="-128"/>
+                <a:ea typeface="Calibri" panose="020F0502020204030204" pitchFamily="34" charset="0"/>
+                <a:cs typeface="Arial" panose="020B0604020202020204" pitchFamily="34" charset="0"/>
               </a:rPr>
-              <a:t>Use hand sanitiser where it is available to you</a:t>
-            </a:r>
-          </a:p>
-          <a:p>
-            <a:r>
-              <a:rPr lang="en-GB" sz="2400" dirty="0">
-                <a:solidFill>
-                  <a:schemeClr val="tx1"/>
-                </a:solidFill>
+              <a:t>Use</a:t>
+            </a:r>
+            <a:r>
+              <a:rPr lang="en-GB" sz="3000" dirty="0">
                 <a:effectLst/>
                 <a:latin typeface="Arial" panose="020B0604020202020204" pitchFamily="34" charset="0"/>
-                <a:ea typeface="MS PGothic" panose="020B0600070205080204" pitchFamily="34" charset="-128"/>
+                <a:ea typeface="Calibri" panose="020F0502020204030204" pitchFamily="34" charset="0"/>
+                <a:cs typeface="Arial" panose="020B0604020202020204" pitchFamily="34" charset="0"/>
               </a:rPr>
-              <a:t> </a:t>
-            </a:r>
+              <a:t> key object-oriented features of Python</a:t>
+            </a:r>
+          </a:p>
+          <a:p>
+            <a:pPr marL="514350" lvl="0" indent="-514350">
+              <a:lnSpc>
+                <a:spcPct val="107000"/>
+              </a:lnSpc>
+              <a:buAutoNum type="arabicPeriod"/>
+            </a:pPr>
+            <a:r>
+              <a:rPr lang="en-GB" sz="3000" b="1" dirty="0">
+                <a:effectLst/>
+                <a:latin typeface="Arial" panose="020B0604020202020204" pitchFamily="34" charset="0"/>
+                <a:ea typeface="Calibri" panose="020F0502020204030204" pitchFamily="34" charset="0"/>
+                <a:cs typeface="Arial" panose="020B0604020202020204" pitchFamily="34" charset="0"/>
+              </a:rPr>
+              <a:t>Create</a:t>
+            </a:r>
+            <a:r>
+              <a:rPr lang="en-GB" sz="3000" dirty="0">
+                <a:effectLst/>
+                <a:latin typeface="Arial" panose="020B0604020202020204" pitchFamily="34" charset="0"/>
+                <a:ea typeface="Calibri" panose="020F0502020204030204" pitchFamily="34" charset="0"/>
+                <a:cs typeface="Arial" panose="020B0604020202020204" pitchFamily="34" charset="0"/>
+              </a:rPr>
+              <a:t> classes tailored to the task they are to perform</a:t>
+            </a:r>
+          </a:p>
+          <a:p>
+            <a:pPr marL="514350" lvl="0" indent="-514350">
+              <a:lnSpc>
+                <a:spcPct val="107000"/>
+              </a:lnSpc>
+              <a:buAutoNum type="arabicPeriod"/>
+            </a:pPr>
+            <a:r>
+              <a:rPr lang="en-GB" sz="3000" b="1" dirty="0">
+                <a:effectLst/>
+                <a:latin typeface="Arial" panose="020B0604020202020204" pitchFamily="34" charset="0"/>
+                <a:ea typeface="Calibri" panose="020F0502020204030204" pitchFamily="34" charset="0"/>
+                <a:cs typeface="Arial" panose="020B0604020202020204" pitchFamily="34" charset="0"/>
+              </a:rPr>
+              <a:t>Utilise </a:t>
+            </a:r>
+            <a:r>
+              <a:rPr lang="en-GB" sz="3000" dirty="0">
+                <a:effectLst/>
+                <a:latin typeface="Arial" panose="020B0604020202020204" pitchFamily="34" charset="0"/>
+                <a:ea typeface="Calibri" panose="020F0502020204030204" pitchFamily="34" charset="0"/>
+                <a:cs typeface="Arial" panose="020B0604020202020204" pitchFamily="34" charset="0"/>
+              </a:rPr>
+              <a:t>object-oriented strategies to plan and develop research codes</a:t>
+            </a:r>
+            <a:endParaRPr lang="en-GB" sz="3000" dirty="0">
+              <a:latin typeface="Arial" panose="020B0604020202020204" pitchFamily="34" charset="0"/>
+              <a:cs typeface="Arial" panose="020B0604020202020204" pitchFamily="34" charset="0"/>
+            </a:endParaRPr>
           </a:p>
         </p:txBody>
       </p:sp>
     </p:spTree>
     <p:extLst>
       <p:ext uri="{BB962C8B-B14F-4D97-AF65-F5344CB8AC3E}">
-        <p14:creationId xmlns:p14="http://schemas.microsoft.com/office/powerpoint/2010/main" val="2596273163"/>
+        <p14:creationId xmlns:p14="http://schemas.microsoft.com/office/powerpoint/2010/main" val="3248724752"/>
       </p:ext>
     </p:extLst>
   </p:cSld>
   <p:clrMapOvr>
     <a:masterClrMapping/>
   </p:clrMapOvr>
+  <mc:AlternateContent xmlns:mc="http://schemas.openxmlformats.org/markup-compatibility/2006" xmlns:p14="http://schemas.microsoft.com/office/powerpoint/2010/main">
+    <mc:Choice Requires="p14">
+      <p:transition p14:dur="10"/>
+    </mc:Choice>
+    <mc:Fallback xmlns="">
+      <p:transition/>
+    </mc:Fallback>
+  </mc:AlternateContent>
 </p:sld>
 </file>
 
@@ -4444,7 +4406,7 @@
           <a:p>
             <a:r>
               <a:rPr lang="en-GB" sz="4000" dirty="0"/>
-              <a:t>Learning Outcomes</a:t>
+              <a:t>Notebook Links</a:t>
             </a:r>
           </a:p>
         </p:txBody>
@@ -4471,119 +4433,56 @@
           </a:bodyPr>
           <a:lstStyle/>
           <a:p>
-            <a:pPr marL="514350" lvl="0" indent="-514350">
-              <a:lnSpc>
-                <a:spcPct val="107000"/>
-              </a:lnSpc>
-              <a:buAutoNum type="arabicPeriod"/>
-            </a:pPr>
-            <a:r>
-              <a:rPr lang="en-GB" sz="3000" b="1" dirty="0">
-                <a:effectLst/>
-                <a:latin typeface="Arial" panose="020B0604020202020204" pitchFamily="34" charset="0"/>
-                <a:ea typeface="Calibri" panose="020F0502020204030204" pitchFamily="34" charset="0"/>
-                <a:cs typeface="Arial" panose="020B0604020202020204" pitchFamily="34" charset="0"/>
+            <a:r>
+              <a:rPr lang="en-GB" dirty="0">
+                <a:hlinkClick r:id="rId3"/>
               </a:rPr>
-              <a:t>Define</a:t>
-            </a:r>
-            <a:r>
-              <a:rPr lang="en-GB" sz="3000" dirty="0">
-                <a:effectLst/>
-                <a:latin typeface="Arial" panose="020B0604020202020204" pitchFamily="34" charset="0"/>
-                <a:ea typeface="Calibri" panose="020F0502020204030204" pitchFamily="34" charset="0"/>
-                <a:cs typeface="Arial" panose="020B0604020202020204" pitchFamily="34" charset="0"/>
+              <a:t>Types and Objects</a:t>
+            </a:r>
+            <a:endParaRPr lang="en-GB" dirty="0"/>
+          </a:p>
+          <a:p>
+            <a:r>
+              <a:rPr lang="en-GB" dirty="0">
+                <a:hlinkClick r:id="rId4"/>
               </a:rPr>
-              <a:t> objects and classes in relation to Python</a:t>
-            </a:r>
-          </a:p>
-          <a:p>
-            <a:pPr marL="514350" lvl="0" indent="-514350">
-              <a:lnSpc>
-                <a:spcPct val="107000"/>
-              </a:lnSpc>
-              <a:buAutoNum type="arabicPeriod"/>
-            </a:pPr>
-            <a:r>
-              <a:rPr lang="en-GB" sz="3000" b="1" dirty="0">
-                <a:effectLst/>
-                <a:latin typeface="Arial" panose="020B0604020202020204" pitchFamily="34" charset="0"/>
-                <a:ea typeface="Calibri" panose="020F0502020204030204" pitchFamily="34" charset="0"/>
-                <a:cs typeface="Arial" panose="020B0604020202020204" pitchFamily="34" charset="0"/>
+              <a:t>My First Class</a:t>
+            </a:r>
+            <a:endParaRPr lang="en-GB" dirty="0"/>
+          </a:p>
+          <a:p>
+            <a:r>
+              <a:rPr lang="en-GB" dirty="0">
+                <a:hlinkClick r:id="rId5"/>
               </a:rPr>
-              <a:t>Use</a:t>
-            </a:r>
-            <a:r>
-              <a:rPr lang="en-GB" sz="3000" dirty="0">
-                <a:effectLst/>
-                <a:latin typeface="Arial" panose="020B0604020202020204" pitchFamily="34" charset="0"/>
-                <a:ea typeface="Calibri" panose="020F0502020204030204" pitchFamily="34" charset="0"/>
-                <a:cs typeface="Arial" panose="020B0604020202020204" pitchFamily="34" charset="0"/>
+              <a:t>Class Members in Detail</a:t>
+            </a:r>
+            <a:endParaRPr lang="en-GB" dirty="0"/>
+          </a:p>
+          <a:p>
+            <a:r>
+              <a:rPr lang="en-GB" dirty="0">
+                <a:hlinkClick r:id="rId6"/>
               </a:rPr>
-              <a:t> key object-oriented features of Python</a:t>
-            </a:r>
-          </a:p>
-          <a:p>
-            <a:pPr marL="514350" lvl="0" indent="-514350">
-              <a:lnSpc>
-                <a:spcPct val="107000"/>
-              </a:lnSpc>
-              <a:buAutoNum type="arabicPeriod"/>
-            </a:pPr>
-            <a:r>
-              <a:rPr lang="en-GB" sz="3000" b="1" dirty="0">
-                <a:effectLst/>
-                <a:latin typeface="Arial" panose="020B0604020202020204" pitchFamily="34" charset="0"/>
-                <a:ea typeface="Calibri" panose="020F0502020204030204" pitchFamily="34" charset="0"/>
-                <a:cs typeface="Arial" panose="020B0604020202020204" pitchFamily="34" charset="0"/>
+              <a:t>Magic Methods</a:t>
+            </a:r>
+            <a:endParaRPr lang="en-GB" dirty="0"/>
+          </a:p>
+          <a:p>
+            <a:r>
+              <a:rPr lang="en-GB" dirty="0">
+                <a:hlinkClick r:id="rId7"/>
               </a:rPr>
-              <a:t>Create</a:t>
-            </a:r>
-            <a:r>
-              <a:rPr lang="en-GB" sz="3000" dirty="0">
-                <a:effectLst/>
-                <a:latin typeface="Arial" panose="020B0604020202020204" pitchFamily="34" charset="0"/>
-                <a:ea typeface="Calibri" panose="020F0502020204030204" pitchFamily="34" charset="0"/>
-                <a:cs typeface="Arial" panose="020B0604020202020204" pitchFamily="34" charset="0"/>
-              </a:rPr>
-              <a:t> classes tailored to the task they are to perform</a:t>
-            </a:r>
-          </a:p>
-          <a:p>
-            <a:pPr marL="514350" lvl="0" indent="-514350">
-              <a:lnSpc>
-                <a:spcPct val="107000"/>
-              </a:lnSpc>
-              <a:buAutoNum type="arabicPeriod"/>
-            </a:pPr>
-            <a:r>
-              <a:rPr lang="en-GB" sz="3000" b="1" dirty="0">
-                <a:effectLst/>
-                <a:latin typeface="Arial" panose="020B0604020202020204" pitchFamily="34" charset="0"/>
-                <a:ea typeface="Calibri" panose="020F0502020204030204" pitchFamily="34" charset="0"/>
-                <a:cs typeface="Arial" panose="020B0604020202020204" pitchFamily="34" charset="0"/>
-              </a:rPr>
-              <a:t>Utilise </a:t>
-            </a:r>
-            <a:r>
-              <a:rPr lang="en-GB" sz="3000" dirty="0">
-                <a:effectLst/>
-                <a:latin typeface="Arial" panose="020B0604020202020204" pitchFamily="34" charset="0"/>
-                <a:ea typeface="Calibri" panose="020F0502020204030204" pitchFamily="34" charset="0"/>
-                <a:cs typeface="Arial" panose="020B0604020202020204" pitchFamily="34" charset="0"/>
-              </a:rPr>
-              <a:t>object-oriented strategies to plan and develop research codes</a:t>
-            </a:r>
-            <a:endParaRPr lang="en-GB" sz="3000" dirty="0">
-              <a:latin typeface="Arial" panose="020B0604020202020204" pitchFamily="34" charset="0"/>
-              <a:cs typeface="Arial" panose="020B0604020202020204" pitchFamily="34" charset="0"/>
-            </a:endParaRPr>
+              <a:t>Properties</a:t>
+            </a:r>
+            <a:endParaRPr lang="en-GB" dirty="0"/>
           </a:p>
         </p:txBody>
       </p:sp>
     </p:spTree>
     <p:extLst>
       <p:ext uri="{BB962C8B-B14F-4D97-AF65-F5344CB8AC3E}">
-        <p14:creationId xmlns:p14="http://schemas.microsoft.com/office/powerpoint/2010/main" val="3248724752"/>
+        <p14:creationId xmlns:p14="http://schemas.microsoft.com/office/powerpoint/2010/main" val="4074605344"/>
       </p:ext>
     </p:extLst>
   </p:cSld>
@@ -4666,7 +4565,7 @@
               <a:rPr lang="en-GB" dirty="0">
                 <a:hlinkClick r:id="rId3"/>
               </a:rPr>
-              <a:t>Types and Objects</a:t>
+              <a:t>Inheritance</a:t>
             </a:r>
             <a:endParaRPr lang="en-GB" dirty="0"/>
           </a:p>
@@ -4675,7 +4574,7 @@
               <a:rPr lang="en-GB" dirty="0">
                 <a:hlinkClick r:id="rId4"/>
               </a:rPr>
-              <a:t>My First Class</a:t>
+              <a:t>Polymorphism</a:t>
             </a:r>
             <a:endParaRPr lang="en-GB" dirty="0"/>
           </a:p>
@@ -4684,7 +4583,7 @@
               <a:rPr lang="en-GB" dirty="0">
                 <a:hlinkClick r:id="rId5"/>
               </a:rPr>
-              <a:t>Class Members in Detail</a:t>
+              <a:t>Object-Oriented Code Design Principles</a:t>
             </a:r>
             <a:endParaRPr lang="en-GB" dirty="0"/>
           </a:p>
@@ -4693,7 +4592,7 @@
               <a:rPr lang="en-GB" dirty="0">
                 <a:hlinkClick r:id="rId6"/>
               </a:rPr>
-              <a:t>Magic Methods</a:t>
+              <a:t>Objects in Objects</a:t>
             </a:r>
             <a:endParaRPr lang="en-GB" dirty="0"/>
           </a:p>
@@ -4702,7 +4601,7 @@
               <a:rPr lang="en-GB" dirty="0">
                 <a:hlinkClick r:id="rId7"/>
               </a:rPr>
-              <a:t>Properties</a:t>
+              <a:t>Projects</a:t>
             </a:r>
             <a:endParaRPr lang="en-GB" dirty="0"/>
           </a:p>
@@ -4711,7 +4610,7 @@
     </p:spTree>
     <p:extLst>
       <p:ext uri="{BB962C8B-B14F-4D97-AF65-F5344CB8AC3E}">
-        <p14:creationId xmlns:p14="http://schemas.microsoft.com/office/powerpoint/2010/main" val="4074605344"/>
+        <p14:creationId xmlns:p14="http://schemas.microsoft.com/office/powerpoint/2010/main" val="4175751739"/>
       </p:ext>
     </p:extLst>
   </p:cSld>
@@ -4763,134 +4662,6 @@
           <a:p>
             <a:r>
               <a:rPr lang="en-GB" sz="4000" dirty="0"/>
-              <a:t>Notebook Links</a:t>
-            </a:r>
-          </a:p>
-        </p:txBody>
-      </p:sp>
-      <p:sp>
-        <p:nvSpPr>
-          <p:cNvPr id="3" name="Content Placeholder 2"/>
-          <p:cNvSpPr>
-            <a:spLocks noGrp="1"/>
-          </p:cNvSpPr>
-          <p:nvPr>
-            <p:ph idx="1"/>
-          </p:nvPr>
-        </p:nvSpPr>
-        <p:spPr>
-          <a:xfrm>
-            <a:off x="457200" y="1600200"/>
-            <a:ext cx="8435280" cy="4876800"/>
-          </a:xfrm>
-        </p:spPr>
-        <p:txBody>
-          <a:bodyPr>
-            <a:normAutofit/>
-          </a:bodyPr>
-          <a:lstStyle/>
-          <a:p>
-            <a:r>
-              <a:rPr lang="en-GB" dirty="0">
-                <a:hlinkClick r:id="rId3"/>
-              </a:rPr>
-              <a:t>Inheritance</a:t>
-            </a:r>
-            <a:endParaRPr lang="en-GB" dirty="0"/>
-          </a:p>
-          <a:p>
-            <a:r>
-              <a:rPr lang="en-GB" dirty="0">
-                <a:hlinkClick r:id="rId4"/>
-              </a:rPr>
-              <a:t>Polymorphism</a:t>
-            </a:r>
-            <a:endParaRPr lang="en-GB" dirty="0"/>
-          </a:p>
-          <a:p>
-            <a:r>
-              <a:rPr lang="en-GB" dirty="0">
-                <a:hlinkClick r:id="rId5"/>
-              </a:rPr>
-              <a:t>Object-Oriented Code Design Principles</a:t>
-            </a:r>
-            <a:endParaRPr lang="en-GB" dirty="0"/>
-          </a:p>
-          <a:p>
-            <a:r>
-              <a:rPr lang="en-GB" dirty="0">
-                <a:hlinkClick r:id="rId6"/>
-              </a:rPr>
-              <a:t>Objects in Objects</a:t>
-            </a:r>
-            <a:endParaRPr lang="en-GB" dirty="0"/>
-          </a:p>
-          <a:p>
-            <a:r>
-              <a:rPr lang="en-GB" dirty="0">
-                <a:hlinkClick r:id="rId7"/>
-              </a:rPr>
-              <a:t>Projects</a:t>
-            </a:r>
-            <a:endParaRPr lang="en-GB" dirty="0"/>
-          </a:p>
-        </p:txBody>
-      </p:sp>
-    </p:spTree>
-    <p:extLst>
-      <p:ext uri="{BB962C8B-B14F-4D97-AF65-F5344CB8AC3E}">
-        <p14:creationId xmlns:p14="http://schemas.microsoft.com/office/powerpoint/2010/main" val="4175751739"/>
-      </p:ext>
-    </p:extLst>
-  </p:cSld>
-  <p:clrMapOvr>
-    <a:masterClrMapping/>
-  </p:clrMapOvr>
-  <mc:AlternateContent xmlns:mc="http://schemas.openxmlformats.org/markup-compatibility/2006" xmlns:p14="http://schemas.microsoft.com/office/powerpoint/2010/main">
-    <mc:Choice Requires="p14">
-      <p:transition p14:dur="10"/>
-    </mc:Choice>
-    <mc:Fallback xmlns="">
-      <p:transition/>
-    </mc:Fallback>
-  </mc:AlternateContent>
-</p:sld>
-</file>
-
-<file path=ppt/slides/slide7.xml><?xml version="1.0" encoding="utf-8"?>
-<p:sld xmlns:a="http://schemas.openxmlformats.org/drawingml/2006/main" xmlns:r="http://schemas.openxmlformats.org/officeDocument/2006/relationships" xmlns:p="http://schemas.openxmlformats.org/presentationml/2006/main">
-  <p:cSld>
-    <p:spTree>
-      <p:nvGrpSpPr>
-        <p:cNvPr id="1" name=""/>
-        <p:cNvGrpSpPr/>
-        <p:nvPr/>
-      </p:nvGrpSpPr>
-      <p:grpSpPr>
-        <a:xfrm>
-          <a:off x="0" y="0"/>
-          <a:ext cx="0" cy="0"/>
-          <a:chOff x="0" y="0"/>
-          <a:chExt cx="0" cy="0"/>
-        </a:xfrm>
-      </p:grpSpPr>
-      <p:sp>
-        <p:nvSpPr>
-          <p:cNvPr id="2" name="Title 1"/>
-          <p:cNvSpPr>
-            <a:spLocks noGrp="1"/>
-          </p:cNvSpPr>
-          <p:nvPr>
-            <p:ph type="title"/>
-          </p:nvPr>
-        </p:nvSpPr>
-        <p:spPr/>
-        <p:txBody>
-          <a:bodyPr/>
-          <a:lstStyle/>
-          <a:p>
-            <a:r>
-              <a:rPr lang="en-GB" sz="4000" dirty="0"/>
               <a:t>Feedback</a:t>
             </a:r>
           </a:p>
@@ -4989,7 +4760,7 @@
 </p:sld>
 </file>
 
-<file path=ppt/slides/slide8.xml><?xml version="1.0" encoding="utf-8"?>
+<file path=ppt/slides/slide7.xml><?xml version="1.0" encoding="utf-8"?>
 <p:sld xmlns:a="http://schemas.openxmlformats.org/drawingml/2006/main" xmlns:r="http://schemas.openxmlformats.org/officeDocument/2006/relationships" xmlns:p="http://schemas.openxmlformats.org/presentationml/2006/main">
   <p:cSld>
     <p:spTree>

--- a/Object-Oriented Python Slides.pptx
+++ b/Object-Oriented Python Slides.pptx
@@ -5,19 +5,18 @@
     <p:sldMasterId id="2147483648" r:id="rId1"/>
   </p:sldMasterIdLst>
   <p:notesMasterIdLst>
-    <p:notesMasterId r:id="rId9"/>
+    <p:notesMasterId r:id="rId8"/>
   </p:notesMasterIdLst>
   <p:handoutMasterIdLst>
-    <p:handoutMasterId r:id="rId10"/>
+    <p:handoutMasterId r:id="rId9"/>
   </p:handoutMasterIdLst>
   <p:sldIdLst>
     <p:sldId id="264" r:id="rId2"/>
     <p:sldId id="504" r:id="rId3"/>
     <p:sldId id="267" r:id="rId4"/>
     <p:sldId id="281" r:id="rId5"/>
-    <p:sldId id="330" r:id="rId6"/>
-    <p:sldId id="329" r:id="rId7"/>
-    <p:sldId id="280" r:id="rId8"/>
+    <p:sldId id="335" r:id="rId6"/>
+    <p:sldId id="280" r:id="rId7"/>
   </p:sldIdLst>
   <p:sldSz cx="9144000" cy="6858000" type="screen4x3"/>
   <p:notesSz cx="7099300" cy="10234613"/>
@@ -125,8 +124,7 @@
             <p14:sldId id="504"/>
             <p14:sldId id="267"/>
             <p14:sldId id="281"/>
-            <p14:sldId id="330"/>
-            <p14:sldId id="329"/>
+            <p14:sldId id="335"/>
             <p14:sldId id="280"/>
           </p14:sldIdLst>
         </p14:section>
@@ -151,6 +149,56 @@
     </p:ext>
   </p:extLst>
 </p:presentation>
+</file>
+
+<file path=ppt/revisionInfo.xml><?xml version="1.0" encoding="utf-8"?>
+<p1510:revInfo xmlns:a="http://schemas.openxmlformats.org/drawingml/2006/main" xmlns:r="http://schemas.openxmlformats.org/officeDocument/2006/relationships" xmlns:p1510="http://schemas.microsoft.com/office/powerpoint/2015/10/main">
+  <p1510:revLst>
+    <p1510:client id="{55559956-1D96-4635-A111-BCA7954A3E28}" v="4" dt="2022-10-10T15:30:18.251"/>
+  </p1510:revLst>
+</p1510:revInfo>
+</file>
+
+<file path=ppt/changesInfos/changesInfo1.xml><?xml version="1.0" encoding="utf-8"?>
+<pc:chgInfo xmlns:a="http://schemas.openxmlformats.org/drawingml/2006/main" xmlns:r="http://schemas.openxmlformats.org/officeDocument/2006/relationships" xmlns:ac="http://schemas.microsoft.com/office/drawing/2013/main/command" xmlns:pc="http://schemas.microsoft.com/office/powerpoint/2013/main/command">
+  <pc:docChgLst>
+    <pc:chgData name="Cooling, Chris" userId="6dcf99c9-2ba5-410a-8445-0893a3d1421f" providerId="ADAL" clId="{55559956-1D96-4635-A111-BCA7954A3E28}"/>
+    <pc:docChg chg="addSld delSld modSld modSection">
+      <pc:chgData name="Cooling, Chris" userId="6dcf99c9-2ba5-410a-8445-0893a3d1421f" providerId="ADAL" clId="{55559956-1D96-4635-A111-BCA7954A3E28}" dt="2022-10-10T15:29:42.826" v="3"/>
+      <pc:docMkLst>
+        <pc:docMk/>
+      </pc:docMkLst>
+      <pc:sldChg chg="add del">
+        <pc:chgData name="Cooling, Chris" userId="6dcf99c9-2ba5-410a-8445-0893a3d1421f" providerId="ADAL" clId="{55559956-1D96-4635-A111-BCA7954A3E28}" dt="2022-10-10T15:29:42.826" v="3"/>
+        <pc:sldMkLst>
+          <pc:docMk/>
+          <pc:sldMk cId="4074605344" sldId="281"/>
+        </pc:sldMkLst>
+      </pc:sldChg>
+      <pc:sldChg chg="del">
+        <pc:chgData name="Cooling, Chris" userId="6dcf99c9-2ba5-410a-8445-0893a3d1421f" providerId="ADAL" clId="{55559956-1D96-4635-A111-BCA7954A3E28}" dt="2022-10-10T15:29:14.871" v="0" actId="47"/>
+        <pc:sldMkLst>
+          <pc:docMk/>
+          <pc:sldMk cId="2122788927" sldId="329"/>
+        </pc:sldMkLst>
+      </pc:sldChg>
+      <pc:sldChg chg="del">
+        <pc:chgData name="Cooling, Chris" userId="6dcf99c9-2ba5-410a-8445-0893a3d1421f" providerId="ADAL" clId="{55559956-1D96-4635-A111-BCA7954A3E28}" dt="2022-10-10T15:29:40.920" v="2" actId="47"/>
+        <pc:sldMkLst>
+          <pc:docMk/>
+          <pc:sldMk cId="4175751739" sldId="330"/>
+        </pc:sldMkLst>
+      </pc:sldChg>
+      <pc:sldChg chg="add">
+        <pc:chgData name="Cooling, Chris" userId="6dcf99c9-2ba5-410a-8445-0893a3d1421f" providerId="ADAL" clId="{55559956-1D96-4635-A111-BCA7954A3E28}" dt="2022-10-10T15:29:16.516" v="1"/>
+        <pc:sldMkLst>
+          <pc:docMk/>
+          <pc:sldMk cId="466020703" sldId="335"/>
+        </pc:sldMkLst>
+      </pc:sldChg>
+    </pc:docChg>
+  </pc:docChgLst>
+</pc:chgInfo>
 </file>
 
 <file path=ppt/handoutMasters/handoutMaster1.xml><?xml version="1.0" encoding="utf-8"?>
@@ -402,7 +450,7 @@
           <a:p>
             <a:fld id="{88EB714B-C3CC-4216-88C1-02913905B1CF}" type="datetimeFigureOut">
               <a:rPr lang="en-GB" smtClean="0"/>
-              <a:t>20/05/2022</a:t>
+              <a:t>10/10/2022</a:t>
             </a:fld>
             <a:endParaRPr lang="en-GB"/>
           </a:p>
@@ -1163,7 +1211,7 @@
     </p:spTree>
     <p:extLst>
       <p:ext uri="{BB962C8B-B14F-4D97-AF65-F5344CB8AC3E}">
-        <p14:creationId xmlns:p14="http://schemas.microsoft.com/office/powerpoint/2010/main" val="751740247"/>
+        <p14:creationId xmlns:p14="http://schemas.microsoft.com/office/powerpoint/2010/main" val="1492413823"/>
       </p:ext>
     </p:extLst>
   </p:cSld>
@@ -1192,90 +1240,6 @@
       </p:grpSpPr>
       <p:sp>
         <p:nvSpPr>
-          <p:cNvPr id="2" name="Slide Image Placeholder 1"/>
-          <p:cNvSpPr>
-            <a:spLocks noGrp="1" noRot="1" noChangeAspect="1"/>
-          </p:cNvSpPr>
-          <p:nvPr>
-            <p:ph type="sldImg"/>
-          </p:nvPr>
-        </p:nvSpPr>
-        <p:spPr/>
-      </p:sp>
-      <p:sp>
-        <p:nvSpPr>
-          <p:cNvPr id="3" name="Notes Placeholder 2"/>
-          <p:cNvSpPr>
-            <a:spLocks noGrp="1"/>
-          </p:cNvSpPr>
-          <p:nvPr>
-            <p:ph type="body" idx="1"/>
-          </p:nvPr>
-        </p:nvSpPr>
-        <p:spPr/>
-        <p:txBody>
-          <a:bodyPr/>
-          <a:lstStyle/>
-          <a:p>
-            <a:endParaRPr lang="en-GB" dirty="0"/>
-          </a:p>
-        </p:txBody>
-      </p:sp>
-      <p:sp>
-        <p:nvSpPr>
-          <p:cNvPr id="4" name="Slide Number Placeholder 3"/>
-          <p:cNvSpPr>
-            <a:spLocks noGrp="1"/>
-          </p:cNvSpPr>
-          <p:nvPr>
-            <p:ph type="sldNum" sz="quarter" idx="10"/>
-          </p:nvPr>
-        </p:nvSpPr>
-        <p:spPr/>
-        <p:txBody>
-          <a:bodyPr/>
-          <a:lstStyle/>
-          <a:p>
-            <a:fld id="{6A641EC8-C9F8-4A58-A1A7-F7D817526EEC}" type="slidenum">
-              <a:rPr lang="en-GB" smtClean="0"/>
-              <a:t>6</a:t>
-            </a:fld>
-            <a:endParaRPr lang="en-GB"/>
-          </a:p>
-        </p:txBody>
-      </p:sp>
-    </p:spTree>
-    <p:extLst>
-      <p:ext uri="{BB962C8B-B14F-4D97-AF65-F5344CB8AC3E}">
-        <p14:creationId xmlns:p14="http://schemas.microsoft.com/office/powerpoint/2010/main" val="1492413823"/>
-      </p:ext>
-    </p:extLst>
-  </p:cSld>
-  <p:clrMapOvr>
-    <a:masterClrMapping/>
-  </p:clrMapOvr>
-</p:notes>
-</file>
-
-<file path=ppt/notesSlides/notesSlide6.xml><?xml version="1.0" encoding="utf-8"?>
-<p:notes xmlns:a="http://schemas.openxmlformats.org/drawingml/2006/main" xmlns:r="http://schemas.openxmlformats.org/officeDocument/2006/relationships" xmlns:p="http://schemas.openxmlformats.org/presentationml/2006/main">
-  <p:cSld>
-    <p:spTree>
-      <p:nvGrpSpPr>
-        <p:cNvPr id="1" name=""/>
-        <p:cNvGrpSpPr/>
-        <p:nvPr/>
-      </p:nvGrpSpPr>
-      <p:grpSpPr>
-        <a:xfrm>
-          <a:off x="0" y="0"/>
-          <a:ext cx="0" cy="0"/>
-          <a:chOff x="0" y="0"/>
-          <a:chExt cx="0" cy="0"/>
-        </a:xfrm>
-      </p:grpSpPr>
-      <p:sp>
-        <p:nvSpPr>
           <p:cNvPr id="108546" name="Rectangle 7"/>
           <p:cNvSpPr>
             <a:spLocks noGrp="1" noChangeArrowheads="1"/>
@@ -1434,7 +1398,7 @@
                   <a:spcPct val="0"/>
                 </a:spcBef>
               </a:pPr>
-              <a:t>7</a:t>
+              <a:t>6</a:t>
             </a:fld>
             <a:endParaRPr lang="en-US" altLang="en-US"/>
           </a:p>
@@ -1867,7 +1831,7 @@
           <a:p>
             <a:fld id="{EB0080F8-EA1C-491D-963C-2C881B2F918F}" type="datetimeFigureOut">
               <a:rPr lang="en-GB" smtClean="0"/>
-              <a:t>20/05/2022</a:t>
+              <a:t>10/10/2022</a:t>
             </a:fld>
             <a:endParaRPr lang="en-GB"/>
           </a:p>
@@ -2017,7 +1981,7 @@
           <a:p>
             <a:fld id="{EB0080F8-EA1C-491D-963C-2C881B2F918F}" type="datetimeFigureOut">
               <a:rPr lang="en-GB" smtClean="0"/>
-              <a:t>20/05/2022</a:t>
+              <a:t>10/10/2022</a:t>
             </a:fld>
             <a:endParaRPr lang="en-GB"/>
           </a:p>
@@ -3550,7 +3514,7 @@
           <a:p>
             <a:fld id="{EB0080F8-EA1C-491D-963C-2C881B2F918F}" type="datetimeFigureOut">
               <a:rPr lang="en-GB" smtClean="0"/>
-              <a:t>20/05/2022</a:t>
+              <a:t>10/10/2022</a:t>
             </a:fld>
             <a:endParaRPr lang="en-GB"/>
           </a:p>
@@ -4406,7 +4370,7 @@
           <a:p>
             <a:r>
               <a:rPr lang="en-GB" sz="4000" dirty="0"/>
-              <a:t>Notebook Links</a:t>
+              <a:t>Course Materials</a:t>
             </a:r>
           </a:p>
         </p:txBody>
@@ -4433,49 +4397,89 @@
           </a:bodyPr>
           <a:lstStyle/>
           <a:p>
-            <a:r>
-              <a:rPr lang="en-GB" dirty="0">
+            <a:pPr algn="l">
+              <a:buFont typeface="Arial" panose="020B0604020202020204" pitchFamily="34" charset="0"/>
+              <a:buChar char="•"/>
+            </a:pPr>
+            <a:r>
+              <a:rPr lang="en-GB" b="0" i="0" u="none" strike="noStrike" dirty="0">
+                <a:effectLst/>
+              </a:rPr>
+              <a:t>The course materials are stored in a </a:t>
+            </a:r>
+            <a:r>
+              <a:rPr lang="en-GB" b="0" i="0" u="none" strike="noStrike" dirty="0">
+                <a:effectLst/>
                 <a:hlinkClick r:id="rId3"/>
               </a:rPr>
-              <a:t>Types and Objects</a:t>
-            </a:r>
-            <a:endParaRPr lang="en-GB" dirty="0"/>
-          </a:p>
-          <a:p>
+              <a:t>GitHub repository</a:t>
+            </a:r>
+            <a:endParaRPr lang="en-GB" b="0" i="0" u="none" strike="noStrike" dirty="0">
+              <a:effectLst/>
+            </a:endParaRPr>
+          </a:p>
+          <a:p>
+            <a:pPr algn="l">
+              <a:buFont typeface="Arial" panose="020B0604020202020204" pitchFamily="34" charset="0"/>
+              <a:buChar char="•"/>
+            </a:pPr>
+            <a:r>
+              <a:rPr lang="en-GB" dirty="0"/>
+              <a:t>Instructions for using the materials are found in the </a:t>
+            </a:r>
             <a:r>
               <a:rPr lang="en-GB" dirty="0">
                 <a:hlinkClick r:id="rId4"/>
               </a:rPr>
-              <a:t>My First Class</a:t>
+              <a:t>readme</a:t>
             </a:r>
             <a:endParaRPr lang="en-GB" dirty="0"/>
           </a:p>
           <a:p>
-            <a:r>
-              <a:rPr lang="en-GB" dirty="0">
-                <a:hlinkClick r:id="rId5"/>
+            <a:pPr algn="l">
+              <a:buFont typeface="Arial" panose="020B0604020202020204" pitchFamily="34" charset="0"/>
+              <a:buChar char="•"/>
+            </a:pPr>
+            <a:r>
+              <a:rPr lang="en-GB" dirty="0"/>
+              <a:t>Links to open the course notebooks in </a:t>
+            </a:r>
+            <a:r>
+              <a:rPr lang="en-GB" dirty="0" err="1"/>
+              <a:t>Colab</a:t>
+            </a:r>
+            <a:r>
+              <a:rPr lang="en-GB" dirty="0"/>
+              <a:t> are at the bottom of the readme</a:t>
+            </a:r>
+          </a:p>
+          <a:p>
+            <a:pPr algn="l">
+              <a:buFont typeface="Arial" panose="020B0604020202020204" pitchFamily="34" charset="0"/>
+              <a:buChar char="•"/>
+            </a:pPr>
+            <a:r>
+              <a:rPr lang="en-GB" b="0" i="0" dirty="0">
+                <a:effectLst/>
               </a:rPr>
-              <a:t>Class Members in Detail</a:t>
-            </a:r>
-            <a:endParaRPr lang="en-GB" dirty="0"/>
-          </a:p>
-          <a:p>
-            <a:r>
-              <a:rPr lang="en-GB" dirty="0">
-                <a:hlinkClick r:id="rId6"/>
+              <a:t>The materials can also be </a:t>
+            </a:r>
+            <a:r>
+              <a:rPr lang="en-GB" dirty="0"/>
+              <a:t>downloaded and run locally</a:t>
+            </a:r>
+          </a:p>
+          <a:p>
+            <a:pPr algn="l">
+              <a:buFont typeface="Arial" panose="020B0604020202020204" pitchFamily="34" charset="0"/>
+              <a:buChar char="•"/>
+            </a:pPr>
+            <a:r>
+              <a:rPr lang="en-GB" b="0" i="0" dirty="0">
+                <a:effectLst/>
               </a:rPr>
-              <a:t>Magic Methods</a:t>
-            </a:r>
-            <a:endParaRPr lang="en-GB" dirty="0"/>
-          </a:p>
-          <a:p>
-            <a:r>
-              <a:rPr lang="en-GB" dirty="0">
-                <a:hlinkClick r:id="rId7"/>
-              </a:rPr>
-              <a:t>Properties</a:t>
-            </a:r>
-            <a:endParaRPr lang="en-GB" dirty="0"/>
+              <a:t>You can also star/fork the repository</a:t>
+            </a:r>
           </a:p>
         </p:txBody>
       </p:sp>
@@ -4517,6 +4521,36 @@
           <a:chExt cx="0" cy="0"/>
         </a:xfrm>
       </p:grpSpPr>
+      <p:pic>
+        <p:nvPicPr>
+          <p:cNvPr id="5" name="Picture 4" descr="Qr code&#10;&#10;Description automatically generated">
+            <a:extLst>
+              <a:ext uri="{FF2B5EF4-FFF2-40B4-BE49-F238E27FC236}">
+                <a16:creationId xmlns:a16="http://schemas.microsoft.com/office/drawing/2014/main" id="{6EC95C70-AC70-4FEA-AC75-84A729884BE8}"/>
+              </a:ext>
+            </a:extLst>
+          </p:cNvPr>
+          <p:cNvPicPr>
+            <a:picLocks noChangeAspect="1"/>
+          </p:cNvPicPr>
+          <p:nvPr/>
+        </p:nvPicPr>
+        <p:blipFill>
+          <a:blip r:embed="rId3"/>
+          <a:stretch>
+            <a:fillRect/>
+          </a:stretch>
+        </p:blipFill>
+        <p:spPr>
+          <a:xfrm>
+            <a:off x="3111335" y="3921107"/>
+            <a:ext cx="2921330" cy="2921330"/>
+          </a:xfrm>
+          <a:prstGeom prst="rect">
+            <a:avLst/>
+          </a:prstGeom>
+        </p:spPr>
+      </p:pic>
       <p:sp>
         <p:nvSpPr>
           <p:cNvPr id="2" name="Title 1"/>
@@ -4534,7 +4568,7 @@
           <a:p>
             <a:r>
               <a:rPr lang="en-GB" sz="4000" dirty="0"/>
-              <a:t>Notebook Links</a:t>
+              <a:t>Feedback</a:t>
             </a:r>
           </a:p>
         </p:txBody>
@@ -4552,65 +4586,57 @@
         <p:spPr>
           <a:xfrm>
             <a:off x="457200" y="1600200"/>
-            <a:ext cx="8435280" cy="4876800"/>
+            <a:ext cx="8435280" cy="2787732"/>
           </a:xfrm>
         </p:spPr>
         <p:txBody>
           <a:bodyPr>
-            <a:normAutofit/>
+            <a:normAutofit lnSpcReduction="10000"/>
           </a:bodyPr>
           <a:lstStyle/>
           <a:p>
             <a:r>
-              <a:rPr lang="en-GB" dirty="0">
-                <a:hlinkClick r:id="rId3"/>
-              </a:rPr>
-              <a:t>Inheritance</a:t>
-            </a:r>
-            <a:endParaRPr lang="en-GB" dirty="0"/>
-          </a:p>
-          <a:p>
-            <a:r>
-              <a:rPr lang="en-GB" dirty="0">
+              <a:rPr lang="en-GB" sz="3000" dirty="0"/>
+              <a:t>Once you’ve completed this course, please provide feedback</a:t>
+            </a:r>
+          </a:p>
+          <a:p>
+            <a:pPr lvl="1"/>
+            <a:r>
+              <a:rPr lang="en-GB" sz="2600" dirty="0"/>
+              <a:t>The link is </a:t>
+            </a:r>
+            <a:r>
+              <a:rPr lang="en-GB" sz="2600" dirty="0">
                 <a:hlinkClick r:id="rId4"/>
               </a:rPr>
-              <a:t>Polymorphism</a:t>
-            </a:r>
-            <a:endParaRPr lang="en-GB" dirty="0"/>
-          </a:p>
-          <a:p>
-            <a:r>
-              <a:rPr lang="en-GB" dirty="0">
-                <a:hlinkClick r:id="rId5"/>
-              </a:rPr>
-              <a:t>Object-Oriented Code Design Principles</a:t>
-            </a:r>
-            <a:endParaRPr lang="en-GB" dirty="0"/>
-          </a:p>
-          <a:p>
-            <a:r>
-              <a:rPr lang="en-GB" dirty="0">
-                <a:hlinkClick r:id="rId6"/>
-              </a:rPr>
-              <a:t>Objects in Objects</a:t>
-            </a:r>
-            <a:endParaRPr lang="en-GB" dirty="0"/>
-          </a:p>
-          <a:p>
-            <a:r>
-              <a:rPr lang="en-GB" dirty="0">
-                <a:hlinkClick r:id="rId7"/>
-              </a:rPr>
-              <a:t>Projects</a:t>
-            </a:r>
-            <a:endParaRPr lang="en-GB" dirty="0"/>
+              <a:t>https://tinyurl.com/rcds2022-23</a:t>
+            </a:r>
+            <a:endParaRPr lang="en-GB" sz="2600" dirty="0"/>
+          </a:p>
+          <a:p>
+            <a:pPr lvl="1"/>
+            <a:r>
+              <a:rPr lang="en-GB" sz="2600" dirty="0"/>
+              <a:t>You should also have received an email with this link</a:t>
+            </a:r>
+          </a:p>
+          <a:p>
+            <a:pPr lvl="1"/>
+            <a:r>
+              <a:rPr lang="en-GB" sz="2600" dirty="0"/>
+              <a:t>This helps us improve the class for future students</a:t>
+            </a:r>
+          </a:p>
+          <a:p>
+            <a:endParaRPr lang="en-GB" sz="3000" dirty="0"/>
           </a:p>
         </p:txBody>
       </p:sp>
     </p:spTree>
     <p:extLst>
       <p:ext uri="{BB962C8B-B14F-4D97-AF65-F5344CB8AC3E}">
-        <p14:creationId xmlns:p14="http://schemas.microsoft.com/office/powerpoint/2010/main" val="4175751739"/>
+        <p14:creationId xmlns:p14="http://schemas.microsoft.com/office/powerpoint/2010/main" val="466020703"/>
       </p:ext>
     </p:extLst>
   </p:cSld>
@@ -4629,138 +4655,6 @@
 </file>
 
 <file path=ppt/slides/slide6.xml><?xml version="1.0" encoding="utf-8"?>
-<p:sld xmlns:a="http://schemas.openxmlformats.org/drawingml/2006/main" xmlns:r="http://schemas.openxmlformats.org/officeDocument/2006/relationships" xmlns:p="http://schemas.openxmlformats.org/presentationml/2006/main">
-  <p:cSld>
-    <p:spTree>
-      <p:nvGrpSpPr>
-        <p:cNvPr id="1" name=""/>
-        <p:cNvGrpSpPr/>
-        <p:nvPr/>
-      </p:nvGrpSpPr>
-      <p:grpSpPr>
-        <a:xfrm>
-          <a:off x="0" y="0"/>
-          <a:ext cx="0" cy="0"/>
-          <a:chOff x="0" y="0"/>
-          <a:chExt cx="0" cy="0"/>
-        </a:xfrm>
-      </p:grpSpPr>
-      <p:sp>
-        <p:nvSpPr>
-          <p:cNvPr id="2" name="Title 1"/>
-          <p:cNvSpPr>
-            <a:spLocks noGrp="1"/>
-          </p:cNvSpPr>
-          <p:nvPr>
-            <p:ph type="title"/>
-          </p:nvPr>
-        </p:nvSpPr>
-        <p:spPr/>
-        <p:txBody>
-          <a:bodyPr/>
-          <a:lstStyle/>
-          <a:p>
-            <a:r>
-              <a:rPr lang="en-GB" sz="4000" dirty="0"/>
-              <a:t>Feedback</a:t>
-            </a:r>
-          </a:p>
-        </p:txBody>
-      </p:sp>
-      <p:sp>
-        <p:nvSpPr>
-          <p:cNvPr id="3" name="Content Placeholder 2"/>
-          <p:cNvSpPr>
-            <a:spLocks noGrp="1"/>
-          </p:cNvSpPr>
-          <p:nvPr>
-            <p:ph idx="1"/>
-          </p:nvPr>
-        </p:nvSpPr>
-        <p:spPr>
-          <a:xfrm>
-            <a:off x="457200" y="1600200"/>
-            <a:ext cx="8435280" cy="4876800"/>
-          </a:xfrm>
-        </p:spPr>
-        <p:txBody>
-          <a:bodyPr>
-            <a:normAutofit/>
-          </a:bodyPr>
-          <a:lstStyle/>
-          <a:p>
-            <a:r>
-              <a:rPr lang="en-GB" sz="3000" dirty="0"/>
-              <a:t>Once you’ve completed this course, please provide feedback</a:t>
-            </a:r>
-          </a:p>
-          <a:p>
-            <a:pPr lvl="1"/>
-            <a:r>
-              <a:rPr lang="en-GB" sz="2600" dirty="0"/>
-              <a:t>The link is </a:t>
-            </a:r>
-            <a:r>
-              <a:rPr lang="en-GB" sz="2600" u="sng" dirty="0">
-                <a:solidFill>
-                  <a:srgbClr val="000000"/>
-                </a:solidFill>
-                <a:effectLst/>
-                <a:latin typeface="+mj-lt"/>
-                <a:ea typeface="Times New Roman" panose="02020603050405020304" pitchFamily="18" charset="0"/>
-                <a:cs typeface="Calibri" panose="020F0502020204030204" pitchFamily="34" charset="0"/>
-                <a:hlinkClick r:id="rId3"/>
-              </a:rPr>
-              <a:t>tinyurl.com/rcds2021-22</a:t>
-            </a:r>
-            <a:endParaRPr lang="en-GB" sz="2600" dirty="0">
-              <a:effectLst/>
-              <a:latin typeface="+mj-lt"/>
-              <a:ea typeface="Times New Roman" panose="02020603050405020304" pitchFamily="18" charset="0"/>
-              <a:cs typeface="Times New Roman" panose="02020603050405020304" pitchFamily="18" charset="0"/>
-            </a:endParaRPr>
-          </a:p>
-          <a:p>
-            <a:pPr lvl="1"/>
-            <a:r>
-              <a:rPr lang="en-GB" sz="2600" dirty="0"/>
-              <a:t>You should also have received an email with this link</a:t>
-            </a:r>
-          </a:p>
-          <a:p>
-            <a:pPr lvl="1"/>
-            <a:r>
-              <a:rPr lang="en-GB" sz="2600" dirty="0"/>
-              <a:t>This helps us improve the class for future students</a:t>
-            </a:r>
-          </a:p>
-          <a:p>
-            <a:endParaRPr lang="en-GB" sz="3000" dirty="0"/>
-          </a:p>
-        </p:txBody>
-      </p:sp>
-    </p:spTree>
-    <p:extLst>
-      <p:ext uri="{BB962C8B-B14F-4D97-AF65-F5344CB8AC3E}">
-        <p14:creationId xmlns:p14="http://schemas.microsoft.com/office/powerpoint/2010/main" val="2122788927"/>
-      </p:ext>
-    </p:extLst>
-  </p:cSld>
-  <p:clrMapOvr>
-    <a:masterClrMapping/>
-  </p:clrMapOvr>
-  <mc:AlternateContent xmlns:mc="http://schemas.openxmlformats.org/markup-compatibility/2006" xmlns:p14="http://schemas.microsoft.com/office/powerpoint/2010/main">
-    <mc:Choice Requires="p14">
-      <p:transition p14:dur="10"/>
-    </mc:Choice>
-    <mc:Fallback xmlns="">
-      <p:transition/>
-    </mc:Fallback>
-  </mc:AlternateContent>
-</p:sld>
-</file>
-
-<file path=ppt/slides/slide7.xml><?xml version="1.0" encoding="utf-8"?>
 <p:sld xmlns:a="http://schemas.openxmlformats.org/drawingml/2006/main" xmlns:r="http://schemas.openxmlformats.org/officeDocument/2006/relationships" xmlns:p="http://schemas.openxmlformats.org/presentationml/2006/main">
   <p:cSld>
     <p:spTree>

--- a/Object-Oriented Python Slides.pptx
+++ b/Object-Oriented Python Slides.pptx
@@ -12,7 +12,7 @@
   </p:handoutMasterIdLst>
   <p:sldIdLst>
     <p:sldId id="264" r:id="rId2"/>
-    <p:sldId id="504" r:id="rId3"/>
+    <p:sldId id="505" r:id="rId3"/>
     <p:sldId id="267" r:id="rId4"/>
     <p:sldId id="281" r:id="rId5"/>
     <p:sldId id="335" r:id="rId6"/>
@@ -121,7 +121,7 @@
         <p14:section name="Introduction" id="{45EEEAF5-8C61-4410-A3AB-B2CD0B57ECF0}">
           <p14:sldIdLst>
             <p14:sldId id="264"/>
-            <p14:sldId id="504"/>
+            <p14:sldId id="505"/>
             <p14:sldId id="267"/>
             <p14:sldId id="281"/>
             <p14:sldId id="335"/>
@@ -154,13 +154,36 @@
 <file path=ppt/revisionInfo.xml><?xml version="1.0" encoding="utf-8"?>
 <p1510:revInfo xmlns:a="http://schemas.openxmlformats.org/drawingml/2006/main" xmlns:r="http://schemas.openxmlformats.org/officeDocument/2006/relationships" xmlns:p1510="http://schemas.microsoft.com/office/powerpoint/2015/10/main">
   <p1510:revLst>
-    <p1510:client id="{55559956-1D96-4635-A111-BCA7954A3E28}" v="4" dt="2022-10-10T15:30:18.251"/>
+    <p1510:client id="{7FB86297-AC6E-4207-90BE-6C575687C64D}" v="1" dt="2023-02-24T16:44:24.332"/>
   </p1510:revLst>
 </p1510:revInfo>
 </file>
 
 <file path=ppt/changesInfos/changesInfo1.xml><?xml version="1.0" encoding="utf-8"?>
 <pc:chgInfo xmlns:a="http://schemas.openxmlformats.org/drawingml/2006/main" xmlns:r="http://schemas.openxmlformats.org/officeDocument/2006/relationships" xmlns:ac="http://schemas.microsoft.com/office/drawing/2013/main/command" xmlns:pc="http://schemas.microsoft.com/office/powerpoint/2013/main/command">
+  <pc:docChgLst>
+    <pc:chgData name="Cooling, Chris" userId="6dcf99c9-2ba5-410a-8445-0893a3d1421f" providerId="ADAL" clId="{7FB86297-AC6E-4207-90BE-6C575687C64D}"/>
+    <pc:docChg chg="addSld delSld modSld modSection">
+      <pc:chgData name="Cooling, Chris" userId="6dcf99c9-2ba5-410a-8445-0893a3d1421f" providerId="ADAL" clId="{7FB86297-AC6E-4207-90BE-6C575687C64D}" dt="2023-02-24T16:44:26.223" v="1" actId="47"/>
+      <pc:docMkLst>
+        <pc:docMk/>
+      </pc:docMkLst>
+      <pc:sldChg chg="del">
+        <pc:chgData name="Cooling, Chris" userId="6dcf99c9-2ba5-410a-8445-0893a3d1421f" providerId="ADAL" clId="{7FB86297-AC6E-4207-90BE-6C575687C64D}" dt="2023-02-24T16:44:26.223" v="1" actId="47"/>
+        <pc:sldMkLst>
+          <pc:docMk/>
+          <pc:sldMk cId="3686223621" sldId="504"/>
+        </pc:sldMkLst>
+      </pc:sldChg>
+      <pc:sldChg chg="add">
+        <pc:chgData name="Cooling, Chris" userId="6dcf99c9-2ba5-410a-8445-0893a3d1421f" providerId="ADAL" clId="{7FB86297-AC6E-4207-90BE-6C575687C64D}" dt="2023-02-24T16:44:24.330" v="0"/>
+        <pc:sldMkLst>
+          <pc:docMk/>
+          <pc:sldMk cId="1791241115" sldId="505"/>
+        </pc:sldMkLst>
+      </pc:sldChg>
+    </pc:docChg>
+  </pc:docChgLst>
   <pc:docChgLst>
     <pc:chgData name="Cooling, Chris" userId="6dcf99c9-2ba5-410a-8445-0893a3d1421f" providerId="ADAL" clId="{55559956-1D96-4635-A111-BCA7954A3E28}"/>
     <pc:docChg chg="addSld delSld modSld modSection">
@@ -450,7 +473,7 @@
           <a:p>
             <a:fld id="{88EB714B-C3CC-4216-88C1-02913905B1CF}" type="datetimeFigureOut">
               <a:rPr lang="en-GB" smtClean="0"/>
-              <a:t>10/10/2022</a:t>
+              <a:t>24/02/2023</a:t>
             </a:fld>
             <a:endParaRPr lang="en-GB"/>
           </a:p>
@@ -1013,6 +1036,29 @@
           <a:bodyPr/>
           <a:lstStyle/>
           <a:p>
+            <a:pPr marL="0" marR="0" lvl="0" indent="0" algn="l" defTabSz="914400" rtl="0" eaLnBrk="1" fontAlgn="auto" latinLnBrk="0" hangingPunct="1">
+              <a:lnSpc>
+                <a:spcPct val="100000"/>
+              </a:lnSpc>
+              <a:spcBef>
+                <a:spcPts val="0"/>
+              </a:spcBef>
+              <a:spcAft>
+                <a:spcPts val="0"/>
+              </a:spcAft>
+              <a:buClrTx/>
+              <a:buSzTx/>
+              <a:buFontTx/>
+              <a:buNone/>
+              <a:tabLst/>
+              <a:defRPr/>
+            </a:pPr>
+            <a:r>
+              <a:rPr lang="en-GB" dirty="0"/>
+              <a:t>No additional notes.</a:t>
+            </a:r>
+          </a:p>
+          <a:p>
             <a:endParaRPr lang="en-GB" dirty="0"/>
           </a:p>
         </p:txBody>
@@ -1024,7 +1070,7 @@
             <a:spLocks noGrp="1"/>
           </p:cNvSpPr>
           <p:nvPr>
-            <p:ph type="sldNum" sz="quarter" idx="10"/>
+            <p:ph type="sldNum" sz="quarter" idx="5"/>
           </p:nvPr>
         </p:nvSpPr>
         <p:spPr/>
@@ -1032,9 +1078,9 @@
           <a:bodyPr/>
           <a:lstStyle/>
           <a:p>
-            <a:fld id="{6A641EC8-C9F8-4A58-A1A7-F7D817526EEC}" type="slidenum">
+            <a:fld id="{3AE2EC8F-0D0C-480E-9701-891381D03195}" type="slidenum">
               <a:rPr lang="en-GB" smtClean="0"/>
-              <a:t>3</a:t>
+              <a:t>2</a:t>
             </a:fld>
             <a:endParaRPr lang="en-GB"/>
           </a:p>
@@ -1043,7 +1089,7 @@
     </p:spTree>
     <p:extLst>
       <p:ext uri="{BB962C8B-B14F-4D97-AF65-F5344CB8AC3E}">
-        <p14:creationId xmlns:p14="http://schemas.microsoft.com/office/powerpoint/2010/main" val="2283586298"/>
+        <p14:creationId xmlns:p14="http://schemas.microsoft.com/office/powerpoint/2010/main" val="2116338273"/>
       </p:ext>
     </p:extLst>
   </p:cSld>
@@ -1118,7 +1164,7 @@
           <a:p>
             <a:fld id="{6A641EC8-C9F8-4A58-A1A7-F7D817526EEC}" type="slidenum">
               <a:rPr lang="en-GB" smtClean="0"/>
-              <a:t>4</a:t>
+              <a:t>3</a:t>
             </a:fld>
             <a:endParaRPr lang="en-GB"/>
           </a:p>
@@ -1127,7 +1173,7 @@
     </p:spTree>
     <p:extLst>
       <p:ext uri="{BB962C8B-B14F-4D97-AF65-F5344CB8AC3E}">
-        <p14:creationId xmlns:p14="http://schemas.microsoft.com/office/powerpoint/2010/main" val="4146208164"/>
+        <p14:creationId xmlns:p14="http://schemas.microsoft.com/office/powerpoint/2010/main" val="2283586298"/>
       </p:ext>
     </p:extLst>
   </p:cSld>
@@ -1202,6 +1248,90 @@
           <a:p>
             <a:fld id="{6A641EC8-C9F8-4A58-A1A7-F7D817526EEC}" type="slidenum">
               <a:rPr lang="en-GB" smtClean="0"/>
+              <a:t>4</a:t>
+            </a:fld>
+            <a:endParaRPr lang="en-GB"/>
+          </a:p>
+        </p:txBody>
+      </p:sp>
+    </p:spTree>
+    <p:extLst>
+      <p:ext uri="{BB962C8B-B14F-4D97-AF65-F5344CB8AC3E}">
+        <p14:creationId xmlns:p14="http://schemas.microsoft.com/office/powerpoint/2010/main" val="4146208164"/>
+      </p:ext>
+    </p:extLst>
+  </p:cSld>
+  <p:clrMapOvr>
+    <a:masterClrMapping/>
+  </p:clrMapOvr>
+</p:notes>
+</file>
+
+<file path=ppt/notesSlides/notesSlide5.xml><?xml version="1.0" encoding="utf-8"?>
+<p:notes xmlns:a="http://schemas.openxmlformats.org/drawingml/2006/main" xmlns:r="http://schemas.openxmlformats.org/officeDocument/2006/relationships" xmlns:p="http://schemas.openxmlformats.org/presentationml/2006/main">
+  <p:cSld>
+    <p:spTree>
+      <p:nvGrpSpPr>
+        <p:cNvPr id="1" name=""/>
+        <p:cNvGrpSpPr/>
+        <p:nvPr/>
+      </p:nvGrpSpPr>
+      <p:grpSpPr>
+        <a:xfrm>
+          <a:off x="0" y="0"/>
+          <a:ext cx="0" cy="0"/>
+          <a:chOff x="0" y="0"/>
+          <a:chExt cx="0" cy="0"/>
+        </a:xfrm>
+      </p:grpSpPr>
+      <p:sp>
+        <p:nvSpPr>
+          <p:cNvPr id="2" name="Slide Image Placeholder 1"/>
+          <p:cNvSpPr>
+            <a:spLocks noGrp="1" noRot="1" noChangeAspect="1"/>
+          </p:cNvSpPr>
+          <p:nvPr>
+            <p:ph type="sldImg"/>
+          </p:nvPr>
+        </p:nvSpPr>
+        <p:spPr/>
+      </p:sp>
+      <p:sp>
+        <p:nvSpPr>
+          <p:cNvPr id="3" name="Notes Placeholder 2"/>
+          <p:cNvSpPr>
+            <a:spLocks noGrp="1"/>
+          </p:cNvSpPr>
+          <p:nvPr>
+            <p:ph type="body" idx="1"/>
+          </p:nvPr>
+        </p:nvSpPr>
+        <p:spPr/>
+        <p:txBody>
+          <a:bodyPr/>
+          <a:lstStyle/>
+          <a:p>
+            <a:endParaRPr lang="en-GB" dirty="0"/>
+          </a:p>
+        </p:txBody>
+      </p:sp>
+      <p:sp>
+        <p:nvSpPr>
+          <p:cNvPr id="4" name="Slide Number Placeholder 3"/>
+          <p:cNvSpPr>
+            <a:spLocks noGrp="1"/>
+          </p:cNvSpPr>
+          <p:nvPr>
+            <p:ph type="sldNum" sz="quarter" idx="10"/>
+          </p:nvPr>
+        </p:nvSpPr>
+        <p:spPr/>
+        <p:txBody>
+          <a:bodyPr/>
+          <a:lstStyle/>
+          <a:p>
+            <a:fld id="{6A641EC8-C9F8-4A58-A1A7-F7D817526EEC}" type="slidenum">
+              <a:rPr lang="en-GB" smtClean="0"/>
               <a:t>5</a:t>
             </a:fld>
             <a:endParaRPr lang="en-GB"/>
@@ -1221,7 +1351,7 @@
 </p:notes>
 </file>
 
-<file path=ppt/notesSlides/notesSlide5.xml><?xml version="1.0" encoding="utf-8"?>
+<file path=ppt/notesSlides/notesSlide6.xml><?xml version="1.0" encoding="utf-8"?>
 <p:notes xmlns:a="http://schemas.openxmlformats.org/drawingml/2006/main" xmlns:r="http://schemas.openxmlformats.org/officeDocument/2006/relationships" xmlns:p="http://schemas.openxmlformats.org/presentationml/2006/main">
   <p:cSld>
     <p:spTree>
@@ -1831,7 +1961,7 @@
           <a:p>
             <a:fld id="{EB0080F8-EA1C-491D-963C-2C881B2F918F}" type="datetimeFigureOut">
               <a:rPr lang="en-GB" smtClean="0"/>
-              <a:t>10/10/2022</a:t>
+              <a:t>24/02/2023</a:t>
             </a:fld>
             <a:endParaRPr lang="en-GB"/>
           </a:p>
@@ -1981,7 +2111,7 @@
           <a:p>
             <a:fld id="{EB0080F8-EA1C-491D-963C-2C881B2F918F}" type="datetimeFigureOut">
               <a:rPr lang="en-GB" smtClean="0"/>
-              <a:t>10/10/2022</a:t>
+              <a:t>24/02/2023</a:t>
             </a:fld>
             <a:endParaRPr lang="en-GB"/>
           </a:p>
@@ -3514,7 +3644,7 @@
           <a:p>
             <a:fld id="{EB0080F8-EA1C-491D-963C-2C881B2F918F}" type="datetimeFigureOut">
               <a:rPr lang="en-GB" smtClean="0"/>
-              <a:t>10/10/2022</a:t>
+              <a:t>24/02/2023</a:t>
             </a:fld>
             <a:endParaRPr lang="en-GB"/>
           </a:p>
@@ -4046,12 +4176,12 @@
         </p:nvSpPr>
         <p:spPr>
           <a:xfrm>
-            <a:off x="401319" y="1090789"/>
-            <a:ext cx="8388117" cy="4676421"/>
+            <a:off x="401319" y="1431416"/>
+            <a:ext cx="8388117" cy="4549506"/>
           </a:xfrm>
         </p:spPr>
         <p:txBody>
-          <a:bodyPr anchor="t"/>
+          <a:bodyPr/>
           <a:lstStyle/>
           <a:p>
             <a:pPr algn="ctr"/>
@@ -4087,11 +4217,9 @@
                 <a:ea typeface="Times New Roman" panose="02020603050405020304" pitchFamily="18" charset="0"/>
                 <a:cs typeface="Calibri" panose="020F0502020204030204" pitchFamily="34" charset="0"/>
               </a:rPr>
-              <a:t>If you are not a Postgraduate Research student and didn’t book via Inkpath, your attendance will be marked on a separate database.</a:t>
-            </a:r>
-            <a:endParaRPr lang="en-GB" sz="2800" dirty="0">
-              <a:cs typeface="Calibri" panose="020F0502020204030204" pitchFamily="34" charset="0"/>
-            </a:endParaRPr>
+              <a:t>If you are a Postgraduate Research student, this is required for receiving your Graduate School credit for this course.</a:t>
+            </a:r>
+            <a:endParaRPr lang="en-GB" sz="2800" dirty="0"/>
           </a:p>
         </p:txBody>
       </p:sp>
@@ -4135,7 +4263,7 @@
     </p:spTree>
     <p:extLst>
       <p:ext uri="{BB962C8B-B14F-4D97-AF65-F5344CB8AC3E}">
-        <p14:creationId xmlns:p14="http://schemas.microsoft.com/office/powerpoint/2010/main" val="3686223621"/>
+        <p14:creationId xmlns:p14="http://schemas.microsoft.com/office/powerpoint/2010/main" val="1791241115"/>
       </p:ext>
     </p:extLst>
   </p:cSld>

--- a/Object-Oriented Python Slides.pptx
+++ b/Object-Oriented Python Slides.pptx
@@ -151,14 +151,6 @@
 </p:presentation>
 </file>
 
-<file path=ppt/revisionInfo.xml><?xml version="1.0" encoding="utf-8"?>
-<p1510:revInfo xmlns:a="http://schemas.openxmlformats.org/drawingml/2006/main" xmlns:r="http://schemas.openxmlformats.org/officeDocument/2006/relationships" xmlns:p1510="http://schemas.microsoft.com/office/powerpoint/2015/10/main">
-  <p1510:revLst>
-    <p1510:client id="{7FB86297-AC6E-4207-90BE-6C575687C64D}" v="1" dt="2023-02-24T16:44:24.332"/>
-  </p1510:revLst>
-</p1510:revInfo>
-</file>
-
 <file path=ppt/changesInfos/changesInfo1.xml><?xml version="1.0" encoding="utf-8"?>
 <pc:chgInfo xmlns:a="http://schemas.openxmlformats.org/drawingml/2006/main" xmlns:r="http://schemas.openxmlformats.org/officeDocument/2006/relationships" xmlns:ac="http://schemas.microsoft.com/office/drawing/2013/main/command" xmlns:pc="http://schemas.microsoft.com/office/powerpoint/2013/main/command">
   <pc:docChgLst>
@@ -221,6 +213,30 @@
       </pc:sldChg>
     </pc:docChg>
   </pc:docChgLst>
+  <pc:docChgLst>
+    <pc:chgData name="Cooling, Chris" userId="6dcf99c9-2ba5-410a-8445-0893a3d1421f" providerId="ADAL" clId="{E8ED290E-0A31-4448-AE1B-BC3087B9DA87}"/>
+    <pc:docChg chg="modSld">
+      <pc:chgData name="Cooling, Chris" userId="6dcf99c9-2ba5-410a-8445-0893a3d1421f" providerId="ADAL" clId="{E8ED290E-0A31-4448-AE1B-BC3087B9DA87}" dt="2023-11-03T15:58:15.976" v="0"/>
+      <pc:docMkLst>
+        <pc:docMk/>
+      </pc:docMkLst>
+      <pc:sldChg chg="modSp mod">
+        <pc:chgData name="Cooling, Chris" userId="6dcf99c9-2ba5-410a-8445-0893a3d1421f" providerId="ADAL" clId="{E8ED290E-0A31-4448-AE1B-BC3087B9DA87}" dt="2023-11-03T15:58:15.976" v="0"/>
+        <pc:sldMkLst>
+          <pc:docMk/>
+          <pc:sldMk cId="466020703" sldId="335"/>
+        </pc:sldMkLst>
+        <pc:spChg chg="mod">
+          <ac:chgData name="Cooling, Chris" userId="6dcf99c9-2ba5-410a-8445-0893a3d1421f" providerId="ADAL" clId="{E8ED290E-0A31-4448-AE1B-BC3087B9DA87}" dt="2023-11-03T15:58:15.976" v="0"/>
+          <ac:spMkLst>
+            <pc:docMk/>
+            <pc:sldMk cId="466020703" sldId="335"/>
+            <ac:spMk id="3" creationId="{00000000-0000-0000-0000-000000000000}"/>
+          </ac:spMkLst>
+        </pc:spChg>
+      </pc:sldChg>
+    </pc:docChg>
+  </pc:docChgLst>
 </pc:chgInfo>
 </file>
 
@@ -473,7 +489,7 @@
           <a:p>
             <a:fld id="{88EB714B-C3CC-4216-88C1-02913905B1CF}" type="datetimeFigureOut">
               <a:rPr lang="en-GB" smtClean="0"/>
-              <a:t>24/02/2023</a:t>
+              <a:t>03/11/2023</a:t>
             </a:fld>
             <a:endParaRPr lang="en-GB"/>
           </a:p>
@@ -1961,7 +1977,7 @@
           <a:p>
             <a:fld id="{EB0080F8-EA1C-491D-963C-2C881B2F918F}" type="datetimeFigureOut">
               <a:rPr lang="en-GB" smtClean="0"/>
-              <a:t>24/02/2023</a:t>
+              <a:t>03/11/2023</a:t>
             </a:fld>
             <a:endParaRPr lang="en-GB"/>
           </a:p>
@@ -2111,7 +2127,7 @@
           <a:p>
             <a:fld id="{EB0080F8-EA1C-491D-963C-2C881B2F918F}" type="datetimeFigureOut">
               <a:rPr lang="en-GB" smtClean="0"/>
-              <a:t>24/02/2023</a:t>
+              <a:t>03/11/2023</a:t>
             </a:fld>
             <a:endParaRPr lang="en-GB"/>
           </a:p>
@@ -3644,7 +3660,7 @@
           <a:p>
             <a:fld id="{EB0080F8-EA1C-491D-963C-2C881B2F918F}" type="datetimeFigureOut">
               <a:rPr lang="en-GB" smtClean="0"/>
-              <a:t>24/02/2023</a:t>
+              <a:t>03/11/2023</a:t>
             </a:fld>
             <a:endParaRPr lang="en-GB"/>
           </a:p>
@@ -4732,21 +4748,38 @@
             <a:pPr lvl="1"/>
             <a:r>
               <a:rPr lang="en-GB" sz="2600" dirty="0"/>
-              <a:t>The link is </a:t>
-            </a:r>
-            <a:r>
-              <a:rPr lang="en-GB" sz="2600" dirty="0">
+              <a:t>The link </a:t>
+            </a:r>
+            <a:r>
+              <a:rPr lang="en-GB" sz="2600"/>
+              <a:t>is </a:t>
+            </a:r>
+            <a:r>
+              <a:rPr lang="en-GB" sz="2600" b="0" i="0" u="sng">
+                <a:solidFill>
+                  <a:srgbClr val="0563C1"/>
+                </a:solidFill>
+                <a:effectLst/>
                 <a:hlinkClick r:id="rId4"/>
               </a:rPr>
-              <a:t>https://tinyurl.com/rcds2022-23</a:t>
-            </a:r>
-            <a:endParaRPr lang="en-GB" sz="2600" dirty="0"/>
+              <a:t>https://tinyurl.com/feedback-rcds</a:t>
+            </a:r>
+            <a:endParaRPr lang="en-GB" sz="2600" b="0" i="0" u="sng">
+              <a:solidFill>
+                <a:srgbClr val="0563C1"/>
+              </a:solidFill>
+              <a:effectLst/>
+            </a:endParaRPr>
           </a:p>
           <a:p>
             <a:pPr lvl="1"/>
             <a:r>
+              <a:rPr lang="en-GB" sz="2600"/>
+              <a:t>You </a:t>
+            </a:r>
+            <a:r>
               <a:rPr lang="en-GB" sz="2600" dirty="0"/>
-              <a:t>You should also have received an email with this link</a:t>
+              <a:t>should also have received an email with this link</a:t>
             </a:r>
           </a:p>
           <a:p>

--- a/Object-Oriented Python Slides.pptx
+++ b/Object-Oriented Python Slides.pptx
@@ -139,8 +139,7 @@
 <file path=ppt/revisionInfo.xml><?xml version="1.0" encoding="utf-8"?>
 <p1510:revInfo xmlns:a="http://schemas.openxmlformats.org/drawingml/2006/main" xmlns:r="http://schemas.openxmlformats.org/officeDocument/2006/relationships" xmlns:p1510="http://schemas.microsoft.com/office/powerpoint/2015/10/main">
   <p1510:revLst>
-    <p1510:client id="{03CF33AC-D9E4-491F-8963-DAB5E6081A01}" v="84" dt="2024-10-16T09:04:52.321"/>
-    <p1510:client id="{0D9F6B5F-15DB-4E57-8EA3-ECCAF60652A5}" v="4" dt="2024-10-16T09:44:18.805"/>
+    <p1510:client id="{0D9F6B5F-15DB-4E57-8EA3-ECCAF60652A5}" v="5" dt="2024-10-25T13:44:44.211"/>
   </p1510:revLst>
 </p1510:revInfo>
 </file>
@@ -4803,7 +4802,7 @@
           <a:p>
             <a:fld id="{D2E0D2A8-8F95-47C2-ABE1-A779F5A43C98}" type="datetimeFigureOut">
               <a:rPr lang="en-US" smtClean="0"/>
-              <a:t>10/16/2024</a:t>
+              <a:t>10/25/2024</a:t>
             </a:fld>
             <a:endParaRPr lang="en-US"/>
           </a:p>
@@ -5795,9 +5794,9 @@
           <a:bodyPr/>
           <a:lstStyle/>
           <a:p>
-            <a:fld id="{32DA68FE-35E0-4C63-B55D-7E4144F39E69}" type="datetime1">
+            <a:fld id="{26D0C729-5A37-40DD-9CDC-8B388CCE4C2F}" type="datetime1">
               <a:rPr lang="en-GB" smtClean="0"/>
-              <a:t>16/10/2024</a:t>
+              <a:t>25/10/2024</a:t>
             </a:fld>
             <a:endParaRPr lang="en-GB"/>
           </a:p>
@@ -5826,7 +5825,7 @@
           <a:p>
             <a:r>
               <a:rPr lang="en-GB"/>
-              <a:t>Introduction to Fortran</a:t>
+              <a:t>Object-Oriented Python</a:t>
             </a:r>
             <a:endParaRPr lang="en-GB" dirty="0"/>
           </a:p>
@@ -6121,9 +6120,9 @@
           <a:bodyPr/>
           <a:lstStyle/>
           <a:p>
-            <a:fld id="{ACAE6301-47B1-4E38-A42E-FF88C8E2547E}" type="datetime1">
+            <a:fld id="{6D45E34C-5776-4279-8BFE-FE2E7CA29873}" type="datetime1">
               <a:rPr lang="en-GB" smtClean="0"/>
-              <a:t>16/10/2024</a:t>
+              <a:t>25/10/2024</a:t>
             </a:fld>
             <a:endParaRPr lang="en-GB"/>
           </a:p>
@@ -6152,7 +6151,7 @@
           <a:p>
             <a:r>
               <a:rPr lang="en-GB"/>
-              <a:t>Introduction to Fortran</a:t>
+              <a:t>Object-Oriented Python</a:t>
             </a:r>
             <a:endParaRPr lang="en-GB" dirty="0"/>
           </a:p>
@@ -6449,9 +6448,9 @@
           <a:bodyPr/>
           <a:lstStyle/>
           <a:p>
-            <a:fld id="{60CE9BE8-7102-4F25-9608-875CE36DCE2C}" type="datetime1">
+            <a:fld id="{877B3B00-54D7-4143-95D6-8167151765FD}" type="datetime1">
               <a:rPr lang="en-GB" smtClean="0"/>
-              <a:t>16/10/2024</a:t>
+              <a:t>25/10/2024</a:t>
             </a:fld>
             <a:endParaRPr lang="en-GB"/>
           </a:p>
@@ -6480,7 +6479,7 @@
           <a:p>
             <a:r>
               <a:rPr lang="en-GB"/>
-              <a:t>Introduction to Fortran</a:t>
+              <a:t>Object-Oriented Python</a:t>
             </a:r>
             <a:endParaRPr lang="en-GB" dirty="0"/>
           </a:p>
@@ -6825,9 +6824,9 @@
           <a:bodyPr/>
           <a:lstStyle/>
           <a:p>
-            <a:fld id="{7FFE0D53-2649-4A6A-B728-0624D2A8C82F}" type="datetime1">
+            <a:fld id="{0CD86CA6-B995-4246-983D-7B5A33A7298A}" type="datetime1">
               <a:rPr lang="en-GB" smtClean="0"/>
-              <a:t>16/10/2024</a:t>
+              <a:t>25/10/2024</a:t>
             </a:fld>
             <a:endParaRPr lang="en-GB"/>
           </a:p>
@@ -6856,7 +6855,7 @@
           <a:p>
             <a:r>
               <a:rPr lang="en-GB"/>
-              <a:t>Introduction to Fortran</a:t>
+              <a:t>Object-Oriented Python</a:t>
             </a:r>
           </a:p>
         </p:txBody>
@@ -7208,9 +7207,9 @@
           <a:bodyPr/>
           <a:lstStyle/>
           <a:p>
-            <a:fld id="{1E0F9E6D-467C-4E97-B6D3-4AEC11D733E3}" type="datetime1">
+            <a:fld id="{3994E97F-D128-46D4-801A-0A77EC4D8531}" type="datetime1">
               <a:rPr lang="en-GB" smtClean="0"/>
-              <a:t>16/10/2024</a:t>
+              <a:t>25/10/2024</a:t>
             </a:fld>
             <a:endParaRPr lang="en-GB"/>
           </a:p>
@@ -7239,7 +7238,7 @@
           <a:p>
             <a:r>
               <a:rPr lang="en-GB"/>
-              <a:t>Introduction to Fortran</a:t>
+              <a:t>Object-Oriented Python</a:t>
             </a:r>
           </a:p>
         </p:txBody>
@@ -7593,9 +7592,9 @@
           <a:bodyPr/>
           <a:lstStyle/>
           <a:p>
-            <a:fld id="{6B814A64-A4A4-4D05-8C32-14D248CB5579}" type="datetime1">
+            <a:fld id="{57C0D196-1235-48DC-9681-3F93BFF3C624}" type="datetime1">
               <a:rPr lang="en-GB" smtClean="0"/>
-              <a:t>16/10/2024</a:t>
+              <a:t>25/10/2024</a:t>
             </a:fld>
             <a:endParaRPr lang="en-GB"/>
           </a:p>
@@ -7624,7 +7623,7 @@
           <a:p>
             <a:r>
               <a:rPr lang="en-GB"/>
-              <a:t>Introduction to Fortran</a:t>
+              <a:t>Object-Oriented Python</a:t>
             </a:r>
           </a:p>
         </p:txBody>
@@ -7820,9 +7819,9 @@
           <a:bodyPr/>
           <a:lstStyle/>
           <a:p>
-            <a:fld id="{EF7AD603-E356-462E-8CD3-ACD880ADAC9C}" type="datetime1">
+            <a:fld id="{CC874FA4-E102-40C1-A640-8FFA78D9BFDA}" type="datetime1">
               <a:rPr lang="en-GB" smtClean="0"/>
-              <a:t>16/10/2024</a:t>
+              <a:t>25/10/2024</a:t>
             </a:fld>
             <a:endParaRPr lang="en-GB"/>
           </a:p>
@@ -7851,7 +7850,7 @@
           <a:p>
             <a:r>
               <a:rPr lang="en-GB"/>
-              <a:t>Introduction to Fortran</a:t>
+              <a:t>Object-Oriented Python</a:t>
             </a:r>
             <a:endParaRPr lang="en-GB" dirty="0"/>
           </a:p>
@@ -8318,9 +8317,9 @@
           <a:bodyPr/>
           <a:lstStyle/>
           <a:p>
-            <a:fld id="{F2FA34D9-5BC3-49E0-8995-8830C5E40F86}" type="datetime1">
+            <a:fld id="{DB7CE38A-04FB-40C0-AE21-1BD9402CACCE}" type="datetime1">
               <a:rPr lang="en-GB" smtClean="0"/>
-              <a:t>16/10/2024</a:t>
+              <a:t>25/10/2024</a:t>
             </a:fld>
             <a:endParaRPr lang="en-GB"/>
           </a:p>
@@ -8349,7 +8348,7 @@
           <a:p>
             <a:r>
               <a:rPr lang="en-GB"/>
-              <a:t>Introduction to Fortran</a:t>
+              <a:t>Object-Oriented Python</a:t>
             </a:r>
             <a:endParaRPr lang="en-GB" dirty="0"/>
           </a:p>
@@ -8818,9 +8817,9 @@
           <a:bodyPr/>
           <a:lstStyle/>
           <a:p>
-            <a:fld id="{EA8A7FF5-6086-41FA-A1AC-70237306CE6F}" type="datetime1">
+            <a:fld id="{CB596225-2873-49DA-BE54-8E60F1F5C568}" type="datetime1">
               <a:rPr lang="en-GB" smtClean="0"/>
-              <a:t>16/10/2024</a:t>
+              <a:t>25/10/2024</a:t>
             </a:fld>
             <a:endParaRPr lang="en-GB"/>
           </a:p>
@@ -8849,7 +8848,7 @@
           <a:p>
             <a:r>
               <a:rPr lang="en-GB"/>
-              <a:t>Introduction to Fortran</a:t>
+              <a:t>Object-Oriented Python</a:t>
             </a:r>
             <a:endParaRPr lang="en-GB" dirty="0"/>
           </a:p>
@@ -9308,9 +9307,9 @@
           <a:bodyPr/>
           <a:lstStyle/>
           <a:p>
-            <a:fld id="{B357A878-FC9F-4066-9AC7-68B8CF7A61B8}" type="datetime1">
+            <a:fld id="{6322DEA7-E78A-458E-A1CE-6F0CB73659BD}" type="datetime1">
               <a:rPr lang="en-GB" smtClean="0"/>
-              <a:t>16/10/2024</a:t>
+              <a:t>25/10/2024</a:t>
             </a:fld>
             <a:endParaRPr lang="en-GB"/>
           </a:p>
@@ -9339,7 +9338,7 @@
           <a:p>
             <a:r>
               <a:rPr lang="en-GB"/>
-              <a:t>Introduction to Fortran</a:t>
+              <a:t>Object-Oriented Python</a:t>
             </a:r>
             <a:endParaRPr lang="en-GB" dirty="0"/>
           </a:p>
@@ -10119,9 +10118,9 @@
           <a:bodyPr/>
           <a:lstStyle/>
           <a:p>
-            <a:fld id="{4723A53D-0705-4632-B587-1143AC72FBD3}" type="datetime1">
+            <a:fld id="{097B4C58-C265-459F-8810-5F3758737CF2}" type="datetime1">
               <a:rPr lang="en-GB" smtClean="0"/>
-              <a:t>16/10/2024</a:t>
+              <a:t>25/10/2024</a:t>
             </a:fld>
             <a:endParaRPr lang="en-GB"/>
           </a:p>
@@ -10150,7 +10149,7 @@
           <a:p>
             <a:r>
               <a:rPr lang="en-GB"/>
-              <a:t>Introduction to Fortran</a:t>
+              <a:t>Object-Oriented Python</a:t>
             </a:r>
             <a:endParaRPr lang="en-GB" dirty="0"/>
           </a:p>
@@ -10736,9 +10735,9 @@
           <a:bodyPr/>
           <a:lstStyle/>
           <a:p>
-            <a:fld id="{6816C2BA-1BDF-4758-AF67-EF9ECF794495}" type="datetime1">
+            <a:fld id="{9AB4A26B-A4AE-43B8-8115-566A67A60FEB}" type="datetime1">
               <a:rPr lang="en-GB" smtClean="0"/>
-              <a:t>16/10/2024</a:t>
+              <a:t>25/10/2024</a:t>
             </a:fld>
             <a:endParaRPr lang="en-GB"/>
           </a:p>
@@ -10767,7 +10766,7 @@
           <a:p>
             <a:r>
               <a:rPr lang="en-GB"/>
-              <a:t>Introduction to Fortran</a:t>
+              <a:t>Object-Oriented Python</a:t>
             </a:r>
             <a:endParaRPr lang="en-GB" dirty="0"/>
           </a:p>
@@ -11356,9 +11355,9 @@
           <a:bodyPr/>
           <a:lstStyle/>
           <a:p>
-            <a:fld id="{5D5850D4-55A6-48B3-8EBA-06F44CE8ACE0}" type="datetime1">
+            <a:fld id="{0042EB0C-D8AA-443E-8074-DAD9C69EE2C7}" type="datetime1">
               <a:rPr lang="en-GB" smtClean="0"/>
-              <a:t>16/10/2024</a:t>
+              <a:t>25/10/2024</a:t>
             </a:fld>
             <a:endParaRPr lang="en-GB"/>
           </a:p>
@@ -11387,7 +11386,7 @@
           <a:p>
             <a:r>
               <a:rPr lang="en-GB"/>
-              <a:t>Introduction to Fortran</a:t>
+              <a:t>Object-Oriented Python</a:t>
             </a:r>
             <a:endParaRPr lang="en-GB" dirty="0"/>
           </a:p>
@@ -11527,9 +11526,9 @@
           <a:bodyPr/>
           <a:lstStyle/>
           <a:p>
-            <a:fld id="{8BAE2621-AABD-4469-B26D-59098756F71C}" type="datetime1">
+            <a:fld id="{1956E3D1-0B69-4309-B778-6B3823023285}" type="datetime1">
               <a:rPr lang="en-GB" smtClean="0"/>
-              <a:t>16/10/2024</a:t>
+              <a:t>25/10/2024</a:t>
             </a:fld>
             <a:endParaRPr lang="en-GB"/>
           </a:p>
@@ -11558,7 +11557,7 @@
           <a:p>
             <a:r>
               <a:rPr lang="en-GB"/>
-              <a:t>Introduction to Fortran</a:t>
+              <a:t>Object-Oriented Python</a:t>
             </a:r>
             <a:endParaRPr lang="en-GB" dirty="0"/>
           </a:p>
@@ -11700,9 +11699,9 @@
           <a:bodyPr/>
           <a:lstStyle/>
           <a:p>
-            <a:fld id="{0877AD66-B699-406C-98B6-C6D40B69B665}" type="datetime1">
+            <a:fld id="{F9AD2CCC-8140-4FF8-9F1A-081B446FB4CA}" type="datetime1">
               <a:rPr lang="en-GB" smtClean="0"/>
-              <a:t>16/10/2024</a:t>
+              <a:t>25/10/2024</a:t>
             </a:fld>
             <a:endParaRPr lang="en-GB"/>
           </a:p>
@@ -11731,7 +11730,7 @@
           <a:p>
             <a:r>
               <a:rPr lang="en-GB"/>
-              <a:t>Introduction to Fortran</a:t>
+              <a:t>Object-Oriented Python</a:t>
             </a:r>
             <a:endParaRPr lang="en-GB" dirty="0"/>
           </a:p>
@@ -11879,9 +11878,9 @@
             </a:lvl1pPr>
           </a:lstStyle>
           <a:p>
-            <a:fld id="{1CBCC50E-5DC9-48F1-BD30-63FFB77F2CB5}" type="datetime1">
+            <a:fld id="{2986CD58-A1B4-40EE-80FD-151654530AB8}" type="datetime1">
               <a:rPr lang="en-GB" smtClean="0"/>
-              <a:t>16/10/2024</a:t>
+              <a:t>25/10/2024</a:t>
             </a:fld>
             <a:endParaRPr lang="en-GB" dirty="0"/>
           </a:p>
@@ -11918,7 +11917,7 @@
           <a:p>
             <a:r>
               <a:rPr lang="en-GB"/>
-              <a:t>Introduction to Fortran</a:t>
+              <a:t>Object-Oriented Python</a:t>
             </a:r>
             <a:endParaRPr lang="en-GB" dirty="0"/>
           </a:p>
@@ -12073,9 +12072,9 @@
             </a:lvl1pPr>
           </a:lstStyle>
           <a:p>
-            <a:fld id="{C0140273-5355-4941-A561-FEB1BF7807AA}" type="datetime1">
+            <a:fld id="{C212E1F2-41B3-427E-BA47-09DBAC0F51DB}" type="datetime1">
               <a:rPr lang="en-GB" smtClean="0"/>
-              <a:t>16/10/2024</a:t>
+              <a:t>25/10/2024</a:t>
             </a:fld>
             <a:endParaRPr lang="en-GB" dirty="0"/>
           </a:p>
@@ -12112,7 +12111,7 @@
           <a:p>
             <a:r>
               <a:rPr lang="en-GB"/>
-              <a:t>Introduction to Fortran</a:t>
+              <a:t>Object-Oriented Python</a:t>
             </a:r>
             <a:endParaRPr lang="en-GB" dirty="0"/>
           </a:p>
@@ -12353,9 +12352,9 @@
             </a:lvl1pPr>
           </a:lstStyle>
           <a:p>
-            <a:fld id="{FC4D92B1-2CEF-4B06-9391-EDDEEBE2192F}" type="datetime1">
+            <a:fld id="{3ABF5D21-8110-4596-B00D-690620D41BAD}" type="datetime1">
               <a:rPr lang="en-GB" smtClean="0"/>
-              <a:t>16/10/2024</a:t>
+              <a:t>25/10/2024</a:t>
             </a:fld>
             <a:endParaRPr lang="en-GB" dirty="0"/>
           </a:p>
@@ -12392,7 +12391,7 @@
           <a:p>
             <a:r>
               <a:rPr lang="en-GB"/>
-              <a:t>Introduction to Fortran</a:t>
+              <a:t>Object-Oriented Python</a:t>
             </a:r>
             <a:endParaRPr lang="en-GB" dirty="0"/>
           </a:p>
@@ -12634,9 +12633,9 @@
             </a:lvl1pPr>
           </a:lstStyle>
           <a:p>
-            <a:fld id="{4A451508-E484-4BE6-BA12-C15123FC5E22}" type="datetime1">
+            <a:fld id="{A89E0DC0-5138-4385-BB07-0004F1B32103}" type="datetime1">
               <a:rPr lang="en-GB" smtClean="0"/>
-              <a:t>16/10/2024</a:t>
+              <a:t>25/10/2024</a:t>
             </a:fld>
             <a:endParaRPr lang="en-GB" dirty="0"/>
           </a:p>
@@ -12673,7 +12672,7 @@
           <a:p>
             <a:r>
               <a:rPr lang="en-GB"/>
-              <a:t>Introduction to Fortran</a:t>
+              <a:t>Object-Oriented Python</a:t>
             </a:r>
             <a:endParaRPr lang="en-GB" dirty="0"/>
           </a:p>
@@ -12914,9 +12913,9 @@
             </a:lvl1pPr>
           </a:lstStyle>
           <a:p>
-            <a:fld id="{A68544DF-6A57-4FD8-AE5D-8F7A6A16674B}" type="datetime1">
+            <a:fld id="{5F8C2391-DC95-4CDD-85B3-5622CC7E4CC1}" type="datetime1">
               <a:rPr lang="en-GB" smtClean="0"/>
-              <a:t>16/10/2024</a:t>
+              <a:t>25/10/2024</a:t>
             </a:fld>
             <a:endParaRPr lang="en-GB" dirty="0"/>
           </a:p>
@@ -12953,7 +12952,7 @@
           <a:p>
             <a:r>
               <a:rPr lang="en-GB"/>
-              <a:t>Introduction to Fortran</a:t>
+              <a:t>Object-Oriented Python</a:t>
             </a:r>
             <a:endParaRPr lang="en-GB" dirty="0"/>
           </a:p>
@@ -13390,9 +13389,9 @@
             </a:lvl1pPr>
           </a:lstStyle>
           <a:p>
-            <a:fld id="{0163C9A6-2A3C-4EFB-AB7A-782D179938E9}" type="datetime1">
+            <a:fld id="{FD08E480-FEB1-4DA4-93D3-345EF9983B90}" type="datetime1">
               <a:rPr lang="en-GB" smtClean="0"/>
-              <a:t>16/10/2024</a:t>
+              <a:t>25/10/2024</a:t>
             </a:fld>
             <a:endParaRPr lang="en-GB" dirty="0"/>
           </a:p>
@@ -13429,7 +13428,7 @@
           <a:p>
             <a:r>
               <a:rPr lang="en-GB"/>
-              <a:t>Introduction to Fortran</a:t>
+              <a:t>Object-Oriented Python</a:t>
             </a:r>
             <a:endParaRPr lang="en-GB" dirty="0"/>
           </a:p>
@@ -13670,9 +13669,9 @@
             </a:lvl1pPr>
           </a:lstStyle>
           <a:p>
-            <a:fld id="{51BD37BB-1143-4AD6-A6DE-870C5009A408}" type="datetime1">
+            <a:fld id="{2517508C-67D3-4CC3-A6BB-9C5AEDF12701}" type="datetime1">
               <a:rPr lang="en-GB" smtClean="0"/>
-              <a:t>16/10/2024</a:t>
+              <a:t>25/10/2024</a:t>
             </a:fld>
             <a:endParaRPr lang="en-GB" dirty="0"/>
           </a:p>
@@ -13709,7 +13708,7 @@
           <a:p>
             <a:r>
               <a:rPr lang="en-GB"/>
-              <a:t>Introduction to Fortran</a:t>
+              <a:t>Object-Oriented Python</a:t>
             </a:r>
             <a:endParaRPr lang="en-GB" dirty="0"/>
           </a:p>
@@ -13950,9 +13949,9 @@
             </a:lvl1pPr>
           </a:lstStyle>
           <a:p>
-            <a:fld id="{4E3F2BB6-F59A-4765-9282-DEDF930A58E5}" type="datetime1">
+            <a:fld id="{79292F56-129A-47BF-B058-ED71F1B7C3B9}" type="datetime1">
               <a:rPr lang="en-GB" smtClean="0"/>
-              <a:t>16/10/2024</a:t>
+              <a:t>25/10/2024</a:t>
             </a:fld>
             <a:endParaRPr lang="en-GB" dirty="0"/>
           </a:p>
@@ -13989,7 +13988,7 @@
           <a:p>
             <a:r>
               <a:rPr lang="en-GB"/>
-              <a:t>Introduction to Fortran</a:t>
+              <a:t>Object-Oriented Python</a:t>
             </a:r>
             <a:endParaRPr lang="en-GB" dirty="0"/>
           </a:p>
@@ -14214,9 +14213,9 @@
           <a:bodyPr/>
           <a:lstStyle/>
           <a:p>
-            <a:fld id="{9267B220-D710-480A-9F0E-1B99697D4B76}" type="datetime1">
+            <a:fld id="{4625DF37-1F15-467A-952B-3EF8CC402E34}" type="datetime1">
               <a:rPr lang="en-GB" smtClean="0"/>
-              <a:t>16/10/2024</a:t>
+              <a:t>25/10/2024</a:t>
             </a:fld>
             <a:endParaRPr lang="en-GB"/>
           </a:p>
@@ -14245,7 +14244,7 @@
           <a:p>
             <a:r>
               <a:rPr lang="en-GB"/>
-              <a:t>Introduction to Fortran</a:t>
+              <a:t>Object-Oriented Python</a:t>
             </a:r>
             <a:endParaRPr lang="en-GB" dirty="0"/>
           </a:p>
@@ -14602,9 +14601,9 @@
           <a:bodyPr/>
           <a:lstStyle/>
           <a:p>
-            <a:fld id="{463F635F-85CE-48F5-B29E-A69BA01F5913}" type="datetime1">
+            <a:fld id="{76245253-3330-43BB-A039-93C697D52231}" type="datetime1">
               <a:rPr lang="en-GB" smtClean="0"/>
-              <a:t>16/10/2024</a:t>
+              <a:t>25/10/2024</a:t>
             </a:fld>
             <a:endParaRPr lang="en-GB"/>
           </a:p>
@@ -14633,7 +14632,7 @@
           <a:p>
             <a:r>
               <a:rPr lang="en-GB"/>
-              <a:t>Introduction to Fortran</a:t>
+              <a:t>Object-Oriented Python</a:t>
             </a:r>
             <a:endParaRPr lang="en-GB" dirty="0"/>
           </a:p>
@@ -14984,9 +14983,9 @@
           <a:bodyPr/>
           <a:lstStyle/>
           <a:p>
-            <a:fld id="{3C09A8BF-1C0C-47E0-81BF-29E8EC8A04C0}" type="datetime1">
+            <a:fld id="{89E1CE39-4A65-4F6D-807A-37E989F3645A}" type="datetime1">
               <a:rPr lang="en-GB" smtClean="0"/>
-              <a:t>16/10/2024</a:t>
+              <a:t>25/10/2024</a:t>
             </a:fld>
             <a:endParaRPr lang="en-GB"/>
           </a:p>
@@ -15015,7 +15014,7 @@
           <a:p>
             <a:r>
               <a:rPr lang="en-GB"/>
-              <a:t>Introduction to Fortran</a:t>
+              <a:t>Object-Oriented Python</a:t>
             </a:r>
             <a:endParaRPr lang="en-GB" dirty="0"/>
           </a:p>
@@ -15356,9 +15355,9 @@
           <a:bodyPr/>
           <a:lstStyle/>
           <a:p>
-            <a:fld id="{75705C4E-C301-49FE-817A-C72B8467D22C}" type="datetime1">
+            <a:fld id="{69FBDBCD-B147-4ECF-A8FD-372D470FD749}" type="datetime1">
               <a:rPr lang="en-GB" smtClean="0"/>
-              <a:t>16/10/2024</a:t>
+              <a:t>25/10/2024</a:t>
             </a:fld>
             <a:endParaRPr lang="en-GB"/>
           </a:p>
@@ -15387,7 +15386,7 @@
           <a:p>
             <a:r>
               <a:rPr lang="en-GB"/>
-              <a:t>Introduction to Fortran</a:t>
+              <a:t>Object-Oriented Python</a:t>
             </a:r>
             <a:endParaRPr lang="en-GB" dirty="0"/>
           </a:p>
@@ -15763,9 +15762,9 @@
           <a:bodyPr/>
           <a:lstStyle/>
           <a:p>
-            <a:fld id="{9D7F5417-1340-4936-893F-33FDA83AB755}" type="datetime1">
+            <a:fld id="{966B2588-DEB0-419E-8A25-9D5150395014}" type="datetime1">
               <a:rPr lang="en-GB" smtClean="0"/>
-              <a:t>16/10/2024</a:t>
+              <a:t>25/10/2024</a:t>
             </a:fld>
             <a:endParaRPr lang="en-GB"/>
           </a:p>
@@ -15794,7 +15793,7 @@
           <a:p>
             <a:r>
               <a:rPr lang="en-GB"/>
-              <a:t>Introduction to Fortran</a:t>
+              <a:t>Object-Oriented Python</a:t>
             </a:r>
             <a:endParaRPr lang="en-GB" dirty="0"/>
           </a:p>
@@ -16172,9 +16171,9 @@
           <a:bodyPr/>
           <a:lstStyle/>
           <a:p>
-            <a:fld id="{8C2EAA56-45D2-4B0C-BE18-733F5D3F41E1}" type="datetime1">
+            <a:fld id="{3F764614-B332-40A1-8103-4C6B1102A7C5}" type="datetime1">
               <a:rPr lang="en-GB" smtClean="0"/>
-              <a:t>16/10/2024</a:t>
+              <a:t>25/10/2024</a:t>
             </a:fld>
             <a:endParaRPr lang="en-GB"/>
           </a:p>
@@ -16203,7 +16202,7 @@
           <a:p>
             <a:r>
               <a:rPr lang="en-GB"/>
-              <a:t>Introduction to Fortran</a:t>
+              <a:t>Object-Oriented Python</a:t>
             </a:r>
             <a:endParaRPr lang="en-GB" dirty="0"/>
           </a:p>
@@ -16571,9 +16570,9 @@
           <a:bodyPr/>
           <a:lstStyle/>
           <a:p>
-            <a:fld id="{F8627E84-3412-4D77-8163-04EB81761086}" type="datetime1">
+            <a:fld id="{F2CD686A-F915-4BA4-AC0C-7CA1E3730085}" type="datetime1">
               <a:rPr lang="en-GB" smtClean="0"/>
-              <a:t>16/10/2024</a:t>
+              <a:t>25/10/2024</a:t>
             </a:fld>
             <a:endParaRPr lang="en-GB"/>
           </a:p>
@@ -16602,7 +16601,7 @@
           <a:p>
             <a:r>
               <a:rPr lang="en-GB"/>
-              <a:t>Introduction to Fortran</a:t>
+              <a:t>Object-Oriented Python</a:t>
             </a:r>
             <a:endParaRPr lang="en-GB" dirty="0"/>
           </a:p>
@@ -17369,9 +17368,9 @@
           <a:bodyPr/>
           <a:lstStyle/>
           <a:p>
-            <a:fld id="{E07C0731-B05A-4708-851B-89F1301C65B4}" type="datetime1">
+            <a:fld id="{24761076-B3B2-4A7A-839A-ED569A7E5CF1}" type="datetime1">
               <a:rPr lang="en-GB" smtClean="0"/>
-              <a:t>16/10/2024</a:t>
+              <a:t>25/10/2024</a:t>
             </a:fld>
             <a:endParaRPr lang="en-GB"/>
           </a:p>
@@ -17400,7 +17399,7 @@
           <a:p>
             <a:r>
               <a:rPr lang="en-GB"/>
-              <a:t>Introduction to Fortran</a:t>
+              <a:t>Object-Oriented Python</a:t>
             </a:r>
             <a:endParaRPr lang="en-GB" dirty="0"/>
           </a:p>
@@ -17973,9 +17972,9 @@
           <a:bodyPr/>
           <a:lstStyle/>
           <a:p>
-            <a:fld id="{9C2109FA-7EAB-446C-9425-99916FBF51F8}" type="datetime1">
+            <a:fld id="{3ABD5DD8-DC06-4AA0-B06D-82116EB6A301}" type="datetime1">
               <a:rPr lang="en-GB" smtClean="0"/>
-              <a:t>16/10/2024</a:t>
+              <a:t>25/10/2024</a:t>
             </a:fld>
             <a:endParaRPr lang="en-GB"/>
           </a:p>
@@ -18004,7 +18003,7 @@
           <a:p>
             <a:r>
               <a:rPr lang="en-GB"/>
-              <a:t>Introduction to Fortran</a:t>
+              <a:t>Object-Oriented Python</a:t>
             </a:r>
             <a:endParaRPr lang="en-GB" dirty="0"/>
           </a:p>
@@ -18567,9 +18566,9 @@
           <a:bodyPr/>
           <a:lstStyle/>
           <a:p>
-            <a:fld id="{404CCB9A-3E6F-4E9E-9D03-9DE0FE512382}" type="datetime1">
+            <a:fld id="{FD03EE26-0CE2-4EB3-8EB5-AD0A6FFA3AA1}" type="datetime1">
               <a:rPr lang="en-GB" smtClean="0"/>
-              <a:t>16/10/2024</a:t>
+              <a:t>25/10/2024</a:t>
             </a:fld>
             <a:endParaRPr lang="en-GB"/>
           </a:p>
@@ -18598,7 +18597,7 @@
           <a:p>
             <a:r>
               <a:rPr lang="en-GB"/>
-              <a:t>Introduction to Fortran</a:t>
+              <a:t>Object-Oriented Python</a:t>
             </a:r>
             <a:endParaRPr lang="en-GB" dirty="0"/>
           </a:p>
@@ -18904,9 +18903,9 @@
           <a:bodyPr/>
           <a:lstStyle/>
           <a:p>
-            <a:fld id="{FBF7CCFE-73F6-489F-BB2C-970D664306E2}" type="datetime1">
+            <a:fld id="{A862CFBD-D7EA-4D2C-ABE5-F2B686101393}" type="datetime1">
               <a:rPr lang="en-GB" smtClean="0"/>
-              <a:t>16/10/2024</a:t>
+              <a:t>25/10/2024</a:t>
             </a:fld>
             <a:endParaRPr lang="en-GB"/>
           </a:p>
@@ -18935,7 +18934,7 @@
           <a:p>
             <a:r>
               <a:rPr lang="en-GB"/>
-              <a:t>Introduction to Fortran</a:t>
+              <a:t>Object-Oriented Python</a:t>
             </a:r>
             <a:endParaRPr lang="en-GB" dirty="0"/>
           </a:p>
@@ -19243,9 +19242,9 @@
           <a:bodyPr/>
           <a:lstStyle/>
           <a:p>
-            <a:fld id="{0CEBB5BF-8840-4120-8906-E582A74DA247}" type="datetime1">
+            <a:fld id="{F0F61BA6-4F8C-4CC7-BF2C-A1962FAC9D2F}" type="datetime1">
               <a:rPr lang="en-GB" smtClean="0"/>
-              <a:t>16/10/2024</a:t>
+              <a:t>25/10/2024</a:t>
             </a:fld>
             <a:endParaRPr lang="en-GB"/>
           </a:p>
@@ -19274,7 +19273,7 @@
           <a:p>
             <a:r>
               <a:rPr lang="en-GB"/>
-              <a:t>Introduction to Fortran</a:t>
+              <a:t>Object-Oriented Python</a:t>
             </a:r>
             <a:endParaRPr lang="en-GB" dirty="0"/>
           </a:p>
@@ -19572,9 +19571,9 @@
           <a:bodyPr/>
           <a:lstStyle/>
           <a:p>
-            <a:fld id="{5A543189-0BC2-4A91-8403-4CC6A26329C2}" type="datetime1">
+            <a:fld id="{4FD4A053-58B9-429E-8347-138F435F3BEA}" type="datetime1">
               <a:rPr lang="en-GB" smtClean="0"/>
-              <a:t>16/10/2024</a:t>
+              <a:t>25/10/2024</a:t>
             </a:fld>
             <a:endParaRPr lang="en-GB"/>
           </a:p>
@@ -19603,7 +19602,7 @@
           <a:p>
             <a:r>
               <a:rPr lang="en-GB"/>
-              <a:t>Introduction to Fortran</a:t>
+              <a:t>Object-Oriented Python</a:t>
             </a:r>
             <a:endParaRPr lang="en-GB" dirty="0"/>
           </a:p>
@@ -19909,9 +19908,9 @@
           <a:bodyPr/>
           <a:lstStyle/>
           <a:p>
-            <a:fld id="{4AD4B7D3-E1EC-48CA-BB38-F3BB3372FA79}" type="datetime1">
+            <a:fld id="{49826EA7-4609-43A7-A4B1-7438D0D23393}" type="datetime1">
               <a:rPr lang="en-GB" smtClean="0"/>
-              <a:t>16/10/2024</a:t>
+              <a:t>25/10/2024</a:t>
             </a:fld>
             <a:endParaRPr lang="en-GB"/>
           </a:p>
@@ -19940,7 +19939,7 @@
           <a:p>
             <a:r>
               <a:rPr lang="en-GB"/>
-              <a:t>Introduction to Fortran</a:t>
+              <a:t>Object-Oriented Python</a:t>
             </a:r>
             <a:endParaRPr lang="en-GB" dirty="0"/>
           </a:p>
@@ -20248,9 +20247,9 @@
           <a:bodyPr/>
           <a:lstStyle/>
           <a:p>
-            <a:fld id="{2DA41761-0263-40E9-8B43-FE05F2F266E9}" type="datetime1">
+            <a:fld id="{A03A9840-2B1D-4A4E-AFD3-189A116FCD3B}" type="datetime1">
               <a:rPr lang="en-GB" smtClean="0"/>
-              <a:t>16/10/2024</a:t>
+              <a:t>25/10/2024</a:t>
             </a:fld>
             <a:endParaRPr lang="en-GB"/>
           </a:p>
@@ -20279,7 +20278,7 @@
           <a:p>
             <a:r>
               <a:rPr lang="en-GB"/>
-              <a:t>Introduction to Fortran</a:t>
+              <a:t>Object-Oriented Python</a:t>
             </a:r>
             <a:endParaRPr lang="en-GB" dirty="0"/>
           </a:p>
@@ -20577,9 +20576,9 @@
           <a:bodyPr/>
           <a:lstStyle/>
           <a:p>
-            <a:fld id="{3FABE1CC-504A-41EA-8A0D-C0C11C5DAE8D}" type="datetime1">
+            <a:fld id="{4BFAB262-CDEB-4601-B30C-8AF7919A8C73}" type="datetime1">
               <a:rPr lang="en-GB" smtClean="0"/>
-              <a:t>16/10/2024</a:t>
+              <a:t>25/10/2024</a:t>
             </a:fld>
             <a:endParaRPr lang="en-GB"/>
           </a:p>
@@ -20608,7 +20607,7 @@
           <a:p>
             <a:r>
               <a:rPr lang="en-GB"/>
-              <a:t>Introduction to Fortran</a:t>
+              <a:t>Object-Oriented Python</a:t>
             </a:r>
             <a:endParaRPr lang="en-GB" dirty="0"/>
           </a:p>
@@ -20815,9 +20814,9 @@
           <a:bodyPr/>
           <a:lstStyle/>
           <a:p>
-            <a:fld id="{0B7FF3BA-8A3A-4FF6-8E38-6F0EF3689765}" type="datetime1">
+            <a:fld id="{43C05929-88AC-4DA2-B26E-EA9F511B6CAF}" type="datetime1">
               <a:rPr lang="en-GB" smtClean="0"/>
-              <a:t>16/10/2024</a:t>
+              <a:t>25/10/2024</a:t>
             </a:fld>
             <a:endParaRPr lang="en-GB"/>
           </a:p>
@@ -20846,7 +20845,7 @@
           <a:p>
             <a:r>
               <a:rPr lang="en-GB"/>
-              <a:t>Introduction to Fortran</a:t>
+              <a:t>Object-Oriented Python</a:t>
             </a:r>
             <a:endParaRPr lang="en-GB" dirty="0"/>
           </a:p>
@@ -21251,9 +21250,9 @@
           <a:bodyPr/>
           <a:lstStyle/>
           <a:p>
-            <a:fld id="{1C4C0C84-A4AC-4F4E-85D7-49DC96D3608B}" type="datetime1">
+            <a:fld id="{080A9C63-0884-4C59-BC3A-8EA464C259FE}" type="datetime1">
               <a:rPr lang="en-GB" smtClean="0"/>
-              <a:t>16/10/2024</a:t>
+              <a:t>25/10/2024</a:t>
             </a:fld>
             <a:endParaRPr lang="en-GB"/>
           </a:p>
@@ -21282,7 +21281,7 @@
           <a:p>
             <a:r>
               <a:rPr lang="en-GB"/>
-              <a:t>Introduction to Fortran</a:t>
+              <a:t>Object-Oriented Python</a:t>
             </a:r>
             <a:endParaRPr lang="en-GB" dirty="0"/>
           </a:p>
@@ -21789,9 +21788,9 @@
           <a:bodyPr/>
           <a:lstStyle/>
           <a:p>
-            <a:fld id="{77A567A4-7E6C-4258-A739-CDFE096FE298}" type="datetime1">
+            <a:fld id="{37E6F06C-D98B-4ED0-B36E-A9440B681372}" type="datetime1">
               <a:rPr lang="en-GB" smtClean="0"/>
-              <a:t>16/10/2024</a:t>
+              <a:t>25/10/2024</a:t>
             </a:fld>
             <a:endParaRPr lang="en-GB"/>
           </a:p>
@@ -21820,7 +21819,7 @@
           <a:p>
             <a:r>
               <a:rPr lang="en-GB"/>
-              <a:t>Introduction to Fortran</a:t>
+              <a:t>Object-Oriented Python</a:t>
             </a:r>
             <a:endParaRPr lang="en-GB" dirty="0"/>
           </a:p>
@@ -22068,9 +22067,9 @@
           <a:bodyPr/>
           <a:lstStyle/>
           <a:p>
-            <a:fld id="{EF267122-F2A0-493F-9503-B91EAC92A4A8}" type="datetime1">
+            <a:fld id="{BC056B02-2BCE-4CBD-8529-60CD5C31AB4F}" type="datetime1">
               <a:rPr lang="en-GB" smtClean="0"/>
-              <a:t>16/10/2024</a:t>
+              <a:t>25/10/2024</a:t>
             </a:fld>
             <a:endParaRPr lang="en-GB"/>
           </a:p>
@@ -22099,7 +22098,7 @@
           <a:p>
             <a:r>
               <a:rPr lang="en-GB"/>
-              <a:t>Introduction to Fortran</a:t>
+              <a:t>Object-Oriented Python</a:t>
             </a:r>
             <a:endParaRPr lang="en-GB" dirty="0"/>
           </a:p>
@@ -22353,9 +22352,9 @@
           <a:bodyPr/>
           <a:lstStyle/>
           <a:p>
-            <a:fld id="{54C04FEB-BD28-43EB-99B6-C402968411E5}" type="datetime1">
+            <a:fld id="{55BF84B0-2792-4098-8BFC-FE56786E8DD3}" type="datetime1">
               <a:rPr lang="en-GB" smtClean="0"/>
-              <a:t>16/10/2024</a:t>
+              <a:t>25/10/2024</a:t>
             </a:fld>
             <a:endParaRPr lang="en-GB"/>
           </a:p>
@@ -22384,7 +22383,7 @@
           <a:p>
             <a:r>
               <a:rPr lang="en-GB"/>
-              <a:t>Introduction to Fortran</a:t>
+              <a:t>Object-Oriented Python</a:t>
             </a:r>
             <a:endParaRPr lang="en-GB" dirty="0"/>
           </a:p>
@@ -22646,9 +22645,9 @@
             </a:lvl1pPr>
           </a:lstStyle>
           <a:p>
-            <a:fld id="{3FCFA596-EF70-43F5-9709-8482BAFAA7E0}" type="datetime1">
+            <a:fld id="{F8F69455-A916-405C-B798-3245D66DA589}" type="datetime1">
               <a:rPr lang="en-GB" smtClean="0"/>
-              <a:t>16/10/2024</a:t>
+              <a:t>25/10/2024</a:t>
             </a:fld>
             <a:endParaRPr lang="en-GB"/>
           </a:p>
@@ -22685,7 +22684,7 @@
           <a:p>
             <a:r>
               <a:rPr lang="en-GB"/>
-              <a:t>Introduction to Fortran</a:t>
+              <a:t>Object-Oriented Python</a:t>
             </a:r>
             <a:endParaRPr lang="en-GB" dirty="0"/>
           </a:p>
@@ -23063,9 +23062,9 @@
             </a:lvl1pPr>
           </a:lstStyle>
           <a:p>
-            <a:fld id="{BCC715E1-D0BB-4D3D-91B7-4007BDA25E50}" type="datetime1">
+            <a:fld id="{0513E68C-0FD1-40CD-B847-F01B185C1B8A}" type="datetime1">
               <a:rPr lang="en-GB" smtClean="0"/>
-              <a:t>16/10/2024</a:t>
+              <a:t>25/10/2024</a:t>
             </a:fld>
             <a:endParaRPr lang="en-GB" dirty="0"/>
           </a:p>
@@ -23112,7 +23111,7 @@
           <a:p>
             <a:r>
               <a:rPr lang="en-GB"/>
-              <a:t>Introduction to Fortran</a:t>
+              <a:t>Object-Oriented Python</a:t>
             </a:r>
             <a:endParaRPr lang="en-GB" dirty="0"/>
           </a:p>
@@ -23851,9 +23850,9 @@
           <a:bodyPr/>
           <a:lstStyle/>
           <a:p>
-            <a:fld id="{17C7E698-6411-43D8-BBAC-7FA3F2F21909}" type="datetime1">
+            <a:fld id="{C073E7F5-C14B-4B44-89E7-0CC8BD3B3101}" type="datetime1">
               <a:rPr lang="en-GB" smtClean="0"/>
-              <a:t>16/10/2024</a:t>
+              <a:t>25/10/2024</a:t>
             </a:fld>
             <a:endParaRPr lang="en-GB"/>
           </a:p>
@@ -23887,7 +23886,7 @@
           <a:p>
             <a:r>
               <a:rPr lang="en-GB"/>
-              <a:t>Introduction to Fortran</a:t>
+              <a:t>Object-Oriented Python</a:t>
             </a:r>
             <a:endParaRPr lang="en-GB" dirty="0"/>
           </a:p>
@@ -24159,9 +24158,9 @@
           <a:bodyPr/>
           <a:lstStyle/>
           <a:p>
-            <a:fld id="{4B4BC937-2805-4BE1-9C10-C67D8B6C9243}" type="datetime1">
+            <a:fld id="{CFA0BB66-F904-44EE-A71B-3CF2790AEE67}" type="datetime1">
               <a:rPr lang="en-GB" smtClean="0"/>
-              <a:t>16/10/2024</a:t>
+              <a:t>25/10/2024</a:t>
             </a:fld>
             <a:endParaRPr lang="en-GB"/>
           </a:p>
@@ -24194,9 +24193,10 @@
           <a:lstStyle/>
           <a:p>
             <a:r>
-              <a:rPr lang="en-GB" dirty="0"/>
-              <a:t>Introduction to Fortran</a:t>
-            </a:r>
+              <a:rPr lang="en-GB"/>
+              <a:t>Object-Oriented Python</a:t>
+            </a:r>
+            <a:endParaRPr lang="en-GB" dirty="0"/>
           </a:p>
         </p:txBody>
       </p:sp>
@@ -24494,9 +24494,9 @@
           <a:bodyPr/>
           <a:lstStyle/>
           <a:p>
-            <a:fld id="{4B4BC937-2805-4BE1-9C10-C67D8B6C9243}" type="datetime1">
+            <a:fld id="{A860B0CB-853D-4586-A5B8-BE4C833B7925}" type="datetime1">
               <a:rPr lang="en-GB" smtClean="0"/>
-              <a:t>16/10/2024</a:t>
+              <a:t>25/10/2024</a:t>
             </a:fld>
             <a:endParaRPr lang="en-GB"/>
           </a:p>
@@ -24529,9 +24529,10 @@
           <a:lstStyle/>
           <a:p>
             <a:r>
-              <a:rPr lang="en-GB" dirty="0"/>
-              <a:t>Introduction to Fortran</a:t>
-            </a:r>
+              <a:rPr lang="en-GB"/>
+              <a:t>Object-Oriented Python</a:t>
+            </a:r>
+            <a:endParaRPr lang="en-GB" dirty="0"/>
           </a:p>
         </p:txBody>
       </p:sp>
@@ -24663,9 +24664,9 @@
           <a:bodyPr/>
           <a:lstStyle/>
           <a:p>
-            <a:fld id="{4B4BC937-2805-4BE1-9C10-C67D8B6C9243}" type="datetime1">
+            <a:fld id="{0E4F1E17-D54C-4B55-AC2C-6731CE607EDB}" type="datetime1">
               <a:rPr lang="en-GB" smtClean="0"/>
-              <a:t>16/10/2024</a:t>
+              <a:t>25/10/2024</a:t>
             </a:fld>
             <a:endParaRPr lang="en-GB"/>
           </a:p>
@@ -24698,9 +24699,10 @@
           <a:lstStyle/>
           <a:p>
             <a:r>
-              <a:rPr lang="en-GB" dirty="0"/>
-              <a:t>Introduction to Fortran</a:t>
-            </a:r>
+              <a:rPr lang="en-GB"/>
+              <a:t>Object-Oriented Python</a:t>
+            </a:r>
+            <a:endParaRPr lang="en-GB" dirty="0"/>
           </a:p>
         </p:txBody>
       </p:sp>
@@ -24970,9 +24972,9 @@
           <a:bodyPr/>
           <a:lstStyle/>
           <a:p>
-            <a:fld id="{63896447-BAB6-4DC5-9580-7E3F4D046868}" type="datetime1">
+            <a:fld id="{83BE5F1A-818B-4078-9A07-1CDD7583D7A6}" type="datetime1">
               <a:rPr lang="en-GB" smtClean="0"/>
-              <a:t>16/10/2024</a:t>
+              <a:t>25/10/2024</a:t>
             </a:fld>
             <a:endParaRPr lang="en-GB"/>
           </a:p>
@@ -25001,7 +25003,7 @@
           <a:p>
             <a:r>
               <a:rPr lang="en-GB"/>
-              <a:t>Introduction to Fortran</a:t>
+              <a:t>Object-Oriented Python</a:t>
             </a:r>
             <a:endParaRPr lang="en-GB" dirty="0"/>
           </a:p>

--- a/Object-Oriented Python Slides.pptx
+++ b/Object-Oriented Python Slides.pptx
@@ -139,13 +139,45 @@
 <file path=ppt/revisionInfo.xml><?xml version="1.0" encoding="utf-8"?>
 <p1510:revInfo xmlns:a="http://schemas.openxmlformats.org/drawingml/2006/main" xmlns:r="http://schemas.openxmlformats.org/officeDocument/2006/relationships" xmlns:p1510="http://schemas.microsoft.com/office/powerpoint/2015/10/main">
   <p1510:revLst>
-    <p1510:client id="{0D9F6B5F-15DB-4E57-8EA3-ECCAF60652A5}" v="5" dt="2024-10-25T13:44:44.211"/>
+    <p1510:client id="{46F604E5-C787-4523-A971-495238BD851A}" v="1" dt="2025-10-16T13:18:05.888"/>
   </p1510:revLst>
 </p1510:revInfo>
 </file>
 
 <file path=ppt/changesInfos/changesInfo1.xml><?xml version="1.0" encoding="utf-8"?>
 <pc:chgInfo xmlns:a="http://schemas.openxmlformats.org/drawingml/2006/main" xmlns:r="http://schemas.openxmlformats.org/officeDocument/2006/relationships" xmlns:ac="http://schemas.microsoft.com/office/drawing/2013/main/command" xmlns:pc="http://schemas.microsoft.com/office/powerpoint/2013/main/command">
+  <pc:docChgLst>
+    <pc:chgData name="Cooling, Chris" userId="6dcf99c9-2ba5-410a-8445-0893a3d1421f" providerId="ADAL" clId="{46F604E5-C787-4523-A971-495238BD851A}"/>
+    <pc:docChg chg="custSel modSld">
+      <pc:chgData name="Cooling, Chris" userId="6dcf99c9-2ba5-410a-8445-0893a3d1421f" providerId="ADAL" clId="{46F604E5-C787-4523-A971-495238BD851A}" dt="2025-10-16T13:18:14.911" v="5" actId="1076"/>
+      <pc:docMkLst>
+        <pc:docMk/>
+      </pc:docMkLst>
+      <pc:sldChg chg="addSp delSp modSp mod">
+        <pc:chgData name="Cooling, Chris" userId="6dcf99c9-2ba5-410a-8445-0893a3d1421f" providerId="ADAL" clId="{46F604E5-C787-4523-A971-495238BD851A}" dt="2025-10-16T13:18:14.911" v="5" actId="1076"/>
+        <pc:sldMkLst>
+          <pc:docMk/>
+          <pc:sldMk cId="1507190070" sldId="359"/>
+        </pc:sldMkLst>
+        <pc:picChg chg="del">
+          <ac:chgData name="Cooling, Chris" userId="6dcf99c9-2ba5-410a-8445-0893a3d1421f" providerId="ADAL" clId="{46F604E5-C787-4523-A971-495238BD851A}" dt="2025-10-16T13:18:05.475" v="0" actId="478"/>
+          <ac:picMkLst>
+            <pc:docMk/>
+            <pc:sldMk cId="1507190070" sldId="359"/>
+            <ac:picMk id="4" creationId="{89D60691-669D-C1E1-2567-473D504575B3}"/>
+          </ac:picMkLst>
+        </pc:picChg>
+        <pc:picChg chg="add mod">
+          <ac:chgData name="Cooling, Chris" userId="6dcf99c9-2ba5-410a-8445-0893a3d1421f" providerId="ADAL" clId="{46F604E5-C787-4523-A971-495238BD851A}" dt="2025-10-16T13:18:14.911" v="5" actId="1076"/>
+          <ac:picMkLst>
+            <pc:docMk/>
+            <pc:sldMk cId="1507190070" sldId="359"/>
+            <ac:picMk id="10" creationId="{C8E74B1A-4BA3-A5D7-0F71-8CB8F1D75081}"/>
+          </ac:picMkLst>
+        </pc:picChg>
+      </pc:sldChg>
+    </pc:docChg>
+  </pc:docChgLst>
   <pc:docChgLst>
     <pc:chgData name="Cooling, Chris" userId="6dcf99c9-2ba5-410a-8445-0893a3d1421f" providerId="ADAL" clId="{0D9F6B5F-15DB-4E57-8EA3-ECCAF60652A5}"/>
     <pc:docChg chg="undo custSel addSld delSld modSld">
@@ -159,22 +191,6 @@
           <pc:docMk/>
           <pc:sldMk cId="3212729572" sldId="323"/>
         </pc:sldMkLst>
-        <pc:spChg chg="mod">
-          <ac:chgData name="Cooling, Chris" userId="6dcf99c9-2ba5-410a-8445-0893a3d1421f" providerId="ADAL" clId="{0D9F6B5F-15DB-4E57-8EA3-ECCAF60652A5}" dt="2024-10-16T09:26:41.214" v="29" actId="20577"/>
-          <ac:spMkLst>
-            <pc:docMk/>
-            <pc:sldMk cId="3212729572" sldId="323"/>
-            <ac:spMk id="2" creationId="{82F30BFE-CB41-E791-4D9C-03A91DA1441E}"/>
-          </ac:spMkLst>
-        </pc:spChg>
-        <pc:spChg chg="mod">
-          <ac:chgData name="Cooling, Chris" userId="6dcf99c9-2ba5-410a-8445-0893a3d1421f" providerId="ADAL" clId="{0D9F6B5F-15DB-4E57-8EA3-ECCAF60652A5}" dt="2024-10-16T09:26:57.732" v="76" actId="20577"/>
-          <ac:spMkLst>
-            <pc:docMk/>
-            <pc:sldMk cId="3212729572" sldId="323"/>
-            <ac:spMk id="3" creationId="{F5239DCA-92DD-EBA0-CA5E-0801020A1879}"/>
-          </ac:spMkLst>
-        </pc:spChg>
       </pc:sldChg>
       <pc:sldChg chg="del">
         <pc:chgData name="Cooling, Chris" userId="6dcf99c9-2ba5-410a-8445-0893a3d1421f" providerId="ADAL" clId="{0D9F6B5F-15DB-4E57-8EA3-ECCAF60652A5}" dt="2024-10-16T09:27:27.541" v="77" actId="47"/>
@@ -196,14 +212,6 @@
           <pc:docMk/>
           <pc:sldMk cId="16407505" sldId="361"/>
         </pc:sldMkLst>
-        <pc:spChg chg="mod">
-          <ac:chgData name="Cooling, Chris" userId="6dcf99c9-2ba5-410a-8445-0893a3d1421f" providerId="ADAL" clId="{0D9F6B5F-15DB-4E57-8EA3-ECCAF60652A5}" dt="2024-10-16T09:28:16.822" v="80" actId="255"/>
-          <ac:spMkLst>
-            <pc:docMk/>
-            <pc:sldMk cId="16407505" sldId="361"/>
-            <ac:spMk id="3" creationId="{3059243C-26C4-B42B-1D89-75DB3A5CA945}"/>
-          </ac:spMkLst>
-        </pc:spChg>
       </pc:sldChg>
       <pc:sldChg chg="del">
         <pc:chgData name="Cooling, Chris" userId="6dcf99c9-2ba5-410a-8445-0893a3d1421f" providerId="ADAL" clId="{0D9F6B5F-15DB-4E57-8EA3-ECCAF60652A5}" dt="2024-10-16T09:29:05.308" v="81" actId="47"/>
@@ -519,14 +527,6 @@
           <pc:docMk/>
           <pc:sldMk cId="4288594215" sldId="407"/>
         </pc:sldMkLst>
-        <pc:spChg chg="mod">
-          <ac:chgData name="Cooling, Chris" userId="6dcf99c9-2ba5-410a-8445-0893a3d1421f" providerId="ADAL" clId="{0D9F6B5F-15DB-4E57-8EA3-ECCAF60652A5}" dt="2024-10-16T09:46:46.470" v="416" actId="20577"/>
-          <ac:spMkLst>
-            <pc:docMk/>
-            <pc:sldMk cId="4288594215" sldId="407"/>
-            <ac:spMk id="3" creationId="{AE72B19A-BAEF-7DAE-DDC1-54394DA86691}"/>
-          </ac:spMkLst>
-        </pc:spChg>
       </pc:sldChg>
       <pc:sldChg chg="modSp add mod">
         <pc:chgData name="Cooling, Chris" userId="6dcf99c9-2ba5-410a-8445-0893a3d1421f" providerId="ADAL" clId="{0D9F6B5F-15DB-4E57-8EA3-ECCAF60652A5}" dt="2024-10-16T09:30:04.626" v="103" actId="113"/>
@@ -534,22 +534,6 @@
           <pc:docMk/>
           <pc:sldMk cId="3343614994" sldId="408"/>
         </pc:sldMkLst>
-        <pc:spChg chg="mod">
-          <ac:chgData name="Cooling, Chris" userId="6dcf99c9-2ba5-410a-8445-0893a3d1421f" providerId="ADAL" clId="{0D9F6B5F-15DB-4E57-8EA3-ECCAF60652A5}" dt="2024-10-16T09:29:38.502" v="99" actId="20577"/>
-          <ac:spMkLst>
-            <pc:docMk/>
-            <pc:sldMk cId="3343614994" sldId="408"/>
-            <ac:spMk id="2" creationId="{6F5D226D-AEEE-9CAD-EC6D-58B1E3EBB257}"/>
-          </ac:spMkLst>
-        </pc:spChg>
-        <pc:spChg chg="mod">
-          <ac:chgData name="Cooling, Chris" userId="6dcf99c9-2ba5-410a-8445-0893a3d1421f" providerId="ADAL" clId="{0D9F6B5F-15DB-4E57-8EA3-ECCAF60652A5}" dt="2024-10-16T09:30:04.626" v="103" actId="113"/>
-          <ac:spMkLst>
-            <pc:docMk/>
-            <pc:sldMk cId="3343614994" sldId="408"/>
-            <ac:spMk id="3" creationId="{3059243C-26C4-B42B-1D89-75DB3A5CA945}"/>
-          </ac:spMkLst>
-        </pc:spChg>
       </pc:sldChg>
     </pc:docChg>
   </pc:docChgLst>
@@ -657,38 +641,6 @@
           <pc:docMk/>
           <pc:sldMk cId="3227858941" sldId="281"/>
         </pc:sldMkLst>
-        <pc:spChg chg="mod ord">
-          <ac:chgData name="Cooling, Chris" userId="6dcf99c9-2ba5-410a-8445-0893a3d1421f" providerId="ADAL" clId="{03CF33AC-D9E4-491F-8963-DAB5E6081A01}" dt="2024-10-09T08:24:11.115" v="67" actId="700"/>
-          <ac:spMkLst>
-            <pc:docMk/>
-            <pc:sldMk cId="3227858941" sldId="281"/>
-            <ac:spMk id="2" creationId="{00000000-0000-0000-0000-000000000000}"/>
-          </ac:spMkLst>
-        </pc:spChg>
-        <pc:spChg chg="mod ord">
-          <ac:chgData name="Cooling, Chris" userId="6dcf99c9-2ba5-410a-8445-0893a3d1421f" providerId="ADAL" clId="{03CF33AC-D9E4-491F-8963-DAB5E6081A01}" dt="2024-10-09T08:24:11.115" v="67" actId="700"/>
-          <ac:spMkLst>
-            <pc:docMk/>
-            <pc:sldMk cId="3227858941" sldId="281"/>
-            <ac:spMk id="3" creationId="{00000000-0000-0000-0000-000000000000}"/>
-          </ac:spMkLst>
-        </pc:spChg>
-        <pc:spChg chg="add mod ord">
-          <ac:chgData name="Cooling, Chris" userId="6dcf99c9-2ba5-410a-8445-0893a3d1421f" providerId="ADAL" clId="{03CF33AC-D9E4-491F-8963-DAB5E6081A01}" dt="2024-10-09T08:24:11.115" v="67" actId="700"/>
-          <ac:spMkLst>
-            <pc:docMk/>
-            <pc:sldMk cId="3227858941" sldId="281"/>
-            <ac:spMk id="4" creationId="{9E9803C0-9E51-C843-3768-D5C13466E163}"/>
-          </ac:spMkLst>
-        </pc:spChg>
-        <pc:spChg chg="mod">
-          <ac:chgData name="Cooling, Chris" userId="6dcf99c9-2ba5-410a-8445-0893a3d1421f" providerId="ADAL" clId="{03CF33AC-D9E4-491F-8963-DAB5E6081A01}" dt="2024-10-09T08:15:51.225" v="51" actId="1076"/>
-          <ac:spMkLst>
-            <pc:docMk/>
-            <pc:sldMk cId="3227858941" sldId="281"/>
-            <ac:spMk id="4" creationId="{FCF0BFC0-F728-C67C-BBA4-5F32D64C08C8}"/>
-          </ac:spMkLst>
-        </pc:spChg>
       </pc:sldChg>
       <pc:sldChg chg="modSp add del mod">
         <pc:chgData name="Cooling, Chris" userId="6dcf99c9-2ba5-410a-8445-0893a3d1421f" providerId="ADAL" clId="{03CF33AC-D9E4-491F-8963-DAB5E6081A01}" dt="2024-10-09T08:24:54.016" v="77"/>
@@ -696,14 +648,6 @@
           <pc:docMk/>
           <pc:sldMk cId="766773942" sldId="282"/>
         </pc:sldMkLst>
-        <pc:spChg chg="mod">
-          <ac:chgData name="Cooling, Chris" userId="6dcf99c9-2ba5-410a-8445-0893a3d1421f" providerId="ADAL" clId="{03CF33AC-D9E4-491F-8963-DAB5E6081A01}" dt="2024-10-09T08:14:36.019" v="47" actId="12"/>
-          <ac:spMkLst>
-            <pc:docMk/>
-            <pc:sldMk cId="766773942" sldId="282"/>
-            <ac:spMk id="3" creationId="{00000000-0000-0000-0000-000000000000}"/>
-          </ac:spMkLst>
-        </pc:spChg>
       </pc:sldChg>
       <pc:sldChg chg="modSp add del mod">
         <pc:chgData name="Cooling, Chris" userId="6dcf99c9-2ba5-410a-8445-0893a3d1421f" providerId="ADAL" clId="{03CF33AC-D9E4-491F-8963-DAB5E6081A01}" dt="2024-10-09T08:24:54.016" v="77"/>
@@ -711,14 +655,6 @@
           <pc:docMk/>
           <pc:sldMk cId="812463129" sldId="283"/>
         </pc:sldMkLst>
-        <pc:spChg chg="mod">
-          <ac:chgData name="Cooling, Chris" userId="6dcf99c9-2ba5-410a-8445-0893a3d1421f" providerId="ADAL" clId="{03CF33AC-D9E4-491F-8963-DAB5E6081A01}" dt="2024-10-09T08:14:55.354" v="50" actId="12"/>
-          <ac:spMkLst>
-            <pc:docMk/>
-            <pc:sldMk cId="812463129" sldId="283"/>
-            <ac:spMk id="3" creationId="{00000000-0000-0000-0000-000000000000}"/>
-          </ac:spMkLst>
-        </pc:spChg>
       </pc:sldChg>
       <pc:sldChg chg="add del">
         <pc:chgData name="Cooling, Chris" userId="6dcf99c9-2ba5-410a-8445-0893a3d1421f" providerId="ADAL" clId="{03CF33AC-D9E4-491F-8963-DAB5E6081A01}" dt="2024-10-09T08:24:54.016" v="77"/>
@@ -789,14 +725,6 @@
           <pc:docMk/>
           <pc:sldMk cId="3140181227" sldId="292"/>
         </pc:sldMkLst>
-        <pc:spChg chg="mod">
-          <ac:chgData name="Cooling, Chris" userId="6dcf99c9-2ba5-410a-8445-0893a3d1421f" providerId="ADAL" clId="{03CF33AC-D9E4-491F-8963-DAB5E6081A01}" dt="2024-10-09T08:24:54.016" v="77"/>
-          <ac:spMkLst>
-            <pc:docMk/>
-            <pc:sldMk cId="3140181227" sldId="292"/>
-            <ac:spMk id="3" creationId="{00000000-0000-0000-0000-000000000000}"/>
-          </ac:spMkLst>
-        </pc:spChg>
       </pc:sldChg>
       <pc:sldChg chg="del">
         <pc:chgData name="Cooling, Chris" userId="6dcf99c9-2ba5-410a-8445-0893a3d1421f" providerId="ADAL" clId="{03CF33AC-D9E4-491F-8963-DAB5E6081A01}" dt="2024-10-07T10:01:12.048" v="12" actId="47"/>
@@ -846,14 +774,6 @@
           <pc:docMk/>
           <pc:sldMk cId="2849987525" sldId="296"/>
         </pc:sldMkLst>
-        <pc:spChg chg="mod">
-          <ac:chgData name="Cooling, Chris" userId="6dcf99c9-2ba5-410a-8445-0893a3d1421f" providerId="ADAL" clId="{03CF33AC-D9E4-491F-8963-DAB5E6081A01}" dt="2024-10-09T08:24:54.016" v="77"/>
-          <ac:spMkLst>
-            <pc:docMk/>
-            <pc:sldMk cId="2849987525" sldId="296"/>
-            <ac:spMk id="3" creationId="{00000000-0000-0000-0000-000000000000}"/>
-          </ac:spMkLst>
-        </pc:spChg>
       </pc:sldChg>
       <pc:sldChg chg="add del">
         <pc:chgData name="Cooling, Chris" userId="6dcf99c9-2ba5-410a-8445-0893a3d1421f" providerId="ADAL" clId="{03CF33AC-D9E4-491F-8963-DAB5E6081A01}" dt="2024-10-09T08:24:54.016" v="77"/>
@@ -903,14 +823,6 @@
           <pc:docMk/>
           <pc:sldMk cId="3357951532" sldId="300"/>
         </pc:sldMkLst>
-        <pc:spChg chg="mod">
-          <ac:chgData name="Cooling, Chris" userId="6dcf99c9-2ba5-410a-8445-0893a3d1421f" providerId="ADAL" clId="{03CF33AC-D9E4-491F-8963-DAB5E6081A01}" dt="2024-10-09T08:24:54.016" v="77"/>
-          <ac:spMkLst>
-            <pc:docMk/>
-            <pc:sldMk cId="3357951532" sldId="300"/>
-            <ac:spMk id="3" creationId="{00000000-0000-0000-0000-000000000000}"/>
-          </ac:spMkLst>
-        </pc:spChg>
       </pc:sldChg>
       <pc:sldChg chg="add del">
         <pc:chgData name="Cooling, Chris" userId="6dcf99c9-2ba5-410a-8445-0893a3d1421f" providerId="ADAL" clId="{03CF33AC-D9E4-491F-8963-DAB5E6081A01}" dt="2024-10-09T08:24:54.016" v="77"/>
@@ -974,14 +886,6 @@
           <pc:docMk/>
           <pc:sldMk cId="1390760873" sldId="307"/>
         </pc:sldMkLst>
-        <pc:spChg chg="mod">
-          <ac:chgData name="Cooling, Chris" userId="6dcf99c9-2ba5-410a-8445-0893a3d1421f" providerId="ADAL" clId="{03CF33AC-D9E4-491F-8963-DAB5E6081A01}" dt="2024-10-09T08:24:54.016" v="77"/>
-          <ac:spMkLst>
-            <pc:docMk/>
-            <pc:sldMk cId="1390760873" sldId="307"/>
-            <ac:spMk id="3" creationId="{00000000-0000-0000-0000-000000000000}"/>
-          </ac:spMkLst>
-        </pc:spChg>
       </pc:sldChg>
       <pc:sldChg chg="del">
         <pc:chgData name="Cooling, Chris" userId="6dcf99c9-2ba5-410a-8445-0893a3d1421f" providerId="ADAL" clId="{03CF33AC-D9E4-491F-8963-DAB5E6081A01}" dt="2024-10-07T10:01:12.048" v="12" actId="47"/>
@@ -1052,14 +956,6 @@
           <pc:docMk/>
           <pc:sldMk cId="2539671263" sldId="312"/>
         </pc:sldMkLst>
-        <pc:spChg chg="mod">
-          <ac:chgData name="Cooling, Chris" userId="6dcf99c9-2ba5-410a-8445-0893a3d1421f" providerId="ADAL" clId="{03CF33AC-D9E4-491F-8963-DAB5E6081A01}" dt="2024-10-09T08:24:54.016" v="77"/>
-          <ac:spMkLst>
-            <pc:docMk/>
-            <pc:sldMk cId="2539671263" sldId="312"/>
-            <ac:spMk id="3" creationId="{00000000-0000-0000-0000-000000000000}"/>
-          </ac:spMkLst>
-        </pc:spChg>
       </pc:sldChg>
       <pc:sldChg chg="add del">
         <pc:chgData name="Cooling, Chris" userId="6dcf99c9-2ba5-410a-8445-0893a3d1421f" providerId="ADAL" clId="{03CF33AC-D9E4-491F-8963-DAB5E6081A01}" dt="2024-10-09T08:24:54.016" v="77"/>
@@ -1179,22 +1075,6 @@
           <pc:docMk/>
           <pc:sldMk cId="474143756" sldId="324"/>
         </pc:sldMkLst>
-        <pc:spChg chg="mod">
-          <ac:chgData name="Cooling, Chris" userId="6dcf99c9-2ba5-410a-8445-0893a3d1421f" providerId="ADAL" clId="{03CF33AC-D9E4-491F-8963-DAB5E6081A01}" dt="2024-10-07T10:00:38.738" v="9" actId="20577"/>
-          <ac:spMkLst>
-            <pc:docMk/>
-            <pc:sldMk cId="474143756" sldId="324"/>
-            <ac:spMk id="2" creationId="{A6773C91-78F6-7FD7-669E-A1FEF5EAC302}"/>
-          </ac:spMkLst>
-        </pc:spChg>
-        <pc:spChg chg="mod">
-          <ac:chgData name="Cooling, Chris" userId="6dcf99c9-2ba5-410a-8445-0893a3d1421f" providerId="ADAL" clId="{03CF33AC-D9E4-491F-8963-DAB5E6081A01}" dt="2024-10-07T10:00:45.879" v="10"/>
-          <ac:spMkLst>
-            <pc:docMk/>
-            <pc:sldMk cId="474143756" sldId="324"/>
-            <ac:spMk id="3" creationId="{C1E4D7A8-3CEC-9DE0-CCD4-3A1A94F609C4}"/>
-          </ac:spMkLst>
-        </pc:spChg>
       </pc:sldChg>
       <pc:sldChg chg="modSp add del mod">
         <pc:chgData name="Cooling, Chris" userId="6dcf99c9-2ba5-410a-8445-0893a3d1421f" providerId="ADAL" clId="{03CF33AC-D9E4-491F-8963-DAB5E6081A01}" dt="2024-10-09T08:24:54.016" v="77"/>
@@ -1202,14 +1082,6 @@
           <pc:docMk/>
           <pc:sldMk cId="3173781080" sldId="325"/>
         </pc:sldMkLst>
-        <pc:spChg chg="mod">
-          <ac:chgData name="Cooling, Chris" userId="6dcf99c9-2ba5-410a-8445-0893a3d1421f" providerId="ADAL" clId="{03CF33AC-D9E4-491F-8963-DAB5E6081A01}" dt="2024-10-09T08:24:54.016" v="77"/>
-          <ac:spMkLst>
-            <pc:docMk/>
-            <pc:sldMk cId="3173781080" sldId="325"/>
-            <ac:spMk id="6" creationId="{C94459EB-B5CC-4128-A805-FCBCD2C4D3F5}"/>
-          </ac:spMkLst>
-        </pc:spChg>
       </pc:sldChg>
       <pc:sldChg chg="del">
         <pc:chgData name="Cooling, Chris" userId="6dcf99c9-2ba5-410a-8445-0893a3d1421f" providerId="ADAL" clId="{03CF33AC-D9E4-491F-8963-DAB5E6081A01}" dt="2024-10-07T10:00:23.468" v="1" actId="47"/>
@@ -1350,14 +1222,6 @@
           <pc:docMk/>
           <pc:sldMk cId="16407505" sldId="361"/>
         </pc:sldMkLst>
-        <pc:spChg chg="mod">
-          <ac:chgData name="Cooling, Chris" userId="6dcf99c9-2ba5-410a-8445-0893a3d1421f" providerId="ADAL" clId="{03CF33AC-D9E4-491F-8963-DAB5E6081A01}" dt="2024-10-07T10:02:34.276" v="23" actId="12"/>
-          <ac:spMkLst>
-            <pc:docMk/>
-            <pc:sldMk cId="16407505" sldId="361"/>
-            <ac:spMk id="3" creationId="{3059243C-26C4-B42B-1D89-75DB3A5CA945}"/>
-          </ac:spMkLst>
-        </pc:spChg>
       </pc:sldChg>
       <pc:sldChg chg="addSp delSp modSp add mod modNotesTx">
         <pc:chgData name="Cooling, Chris" userId="6dcf99c9-2ba5-410a-8445-0893a3d1421f" providerId="ADAL" clId="{03CF33AC-D9E4-491F-8963-DAB5E6081A01}" dt="2024-10-09T08:27:38.886" v="95"/>
@@ -1365,46 +1229,6 @@
           <pc:docMk/>
           <pc:sldMk cId="650368403" sldId="362"/>
         </pc:sldMkLst>
-        <pc:spChg chg="mod">
-          <ac:chgData name="Cooling, Chris" userId="6dcf99c9-2ba5-410a-8445-0893a3d1421f" providerId="ADAL" clId="{03CF33AC-D9E4-491F-8963-DAB5E6081A01}" dt="2024-10-09T08:27:07.188" v="83"/>
-          <ac:spMkLst>
-            <pc:docMk/>
-            <pc:sldMk cId="650368403" sldId="362"/>
-            <ac:spMk id="2" creationId="{6F5D226D-AEEE-9CAD-EC6D-58B1E3EBB257}"/>
-          </ac:spMkLst>
-        </pc:spChg>
-        <pc:spChg chg="add del mod">
-          <ac:chgData name="Cooling, Chris" userId="6dcf99c9-2ba5-410a-8445-0893a3d1421f" providerId="ADAL" clId="{03CF33AC-D9E4-491F-8963-DAB5E6081A01}" dt="2024-10-09T08:27:34.071" v="94" actId="20577"/>
-          <ac:spMkLst>
-            <pc:docMk/>
-            <pc:sldMk cId="650368403" sldId="362"/>
-            <ac:spMk id="3" creationId="{3059243C-26C4-B42B-1D89-75DB3A5CA945}"/>
-          </ac:spMkLst>
-        </pc:spChg>
-        <pc:spChg chg="add mod">
-          <ac:chgData name="Cooling, Chris" userId="6dcf99c9-2ba5-410a-8445-0893a3d1421f" providerId="ADAL" clId="{03CF33AC-D9E4-491F-8963-DAB5E6081A01}" dt="2024-10-09T08:27:01.316" v="82"/>
-          <ac:spMkLst>
-            <pc:docMk/>
-            <pc:sldMk cId="650368403" sldId="362"/>
-            <ac:spMk id="4" creationId="{C22526AD-D8BF-906B-CB7C-E61D6ACF299C}"/>
-          </ac:spMkLst>
-        </pc:spChg>
-        <pc:spChg chg="add mod">
-          <ac:chgData name="Cooling, Chris" userId="6dcf99c9-2ba5-410a-8445-0893a3d1421f" providerId="ADAL" clId="{03CF33AC-D9E4-491F-8963-DAB5E6081A01}" dt="2024-10-09T08:27:01.316" v="82"/>
-          <ac:spMkLst>
-            <pc:docMk/>
-            <pc:sldMk cId="650368403" sldId="362"/>
-            <ac:spMk id="8" creationId="{DC0361AF-2943-2CFD-8210-A59481D2129D}"/>
-          </ac:spMkLst>
-        </pc:spChg>
-        <pc:spChg chg="add del mod">
-          <ac:chgData name="Cooling, Chris" userId="6dcf99c9-2ba5-410a-8445-0893a3d1421f" providerId="ADAL" clId="{03CF33AC-D9E4-491F-8963-DAB5E6081A01}" dt="2024-10-09T08:27:00.560" v="81" actId="478"/>
-          <ac:spMkLst>
-            <pc:docMk/>
-            <pc:sldMk cId="650368403" sldId="362"/>
-            <ac:spMk id="10" creationId="{7EBA705B-BCC2-B6DC-A48E-08243D0D6434}"/>
-          </ac:spMkLst>
-        </pc:spChg>
       </pc:sldChg>
       <pc:sldChg chg="add del">
         <pc:chgData name="Cooling, Chris" userId="6dcf99c9-2ba5-410a-8445-0893a3d1421f" providerId="ADAL" clId="{03CF33AC-D9E4-491F-8963-DAB5E6081A01}" dt="2024-10-09T08:24:54.016" v="77"/>
@@ -1433,22 +1257,6 @@
           <pc:docMk/>
           <pc:sldMk cId="3498346720" sldId="363"/>
         </pc:sldMkLst>
-        <pc:spChg chg="mod">
-          <ac:chgData name="Cooling, Chris" userId="6dcf99c9-2ba5-410a-8445-0893a3d1421f" providerId="ADAL" clId="{03CF33AC-D9E4-491F-8963-DAB5E6081A01}" dt="2024-10-09T08:28:01.105" v="97"/>
-          <ac:spMkLst>
-            <pc:docMk/>
-            <pc:sldMk cId="3498346720" sldId="363"/>
-            <ac:spMk id="2" creationId="{6F5D226D-AEEE-9CAD-EC6D-58B1E3EBB257}"/>
-          </ac:spMkLst>
-        </pc:spChg>
-        <pc:spChg chg="mod">
-          <ac:chgData name="Cooling, Chris" userId="6dcf99c9-2ba5-410a-8445-0893a3d1421f" providerId="ADAL" clId="{03CF33AC-D9E4-491F-8963-DAB5E6081A01}" dt="2024-10-09T08:28:09.765" v="99" actId="12"/>
-          <ac:spMkLst>
-            <pc:docMk/>
-            <pc:sldMk cId="3498346720" sldId="363"/>
-            <ac:spMk id="3" creationId="{3059243C-26C4-B42B-1D89-75DB3A5CA945}"/>
-          </ac:spMkLst>
-        </pc:spChg>
       </pc:sldChg>
       <pc:sldChg chg="addSp modSp add mod modNotesTx">
         <pc:chgData name="Cooling, Chris" userId="6dcf99c9-2ba5-410a-8445-0893a3d1421f" providerId="ADAL" clId="{03CF33AC-D9E4-491F-8963-DAB5E6081A01}" dt="2024-10-09T08:30:11.711" v="127" actId="1076"/>
@@ -1456,30 +1264,6 @@
           <pc:docMk/>
           <pc:sldMk cId="721571596" sldId="364"/>
         </pc:sldMkLst>
-        <pc:spChg chg="mod">
-          <ac:chgData name="Cooling, Chris" userId="6dcf99c9-2ba5-410a-8445-0893a3d1421f" providerId="ADAL" clId="{03CF33AC-D9E4-491F-8963-DAB5E6081A01}" dt="2024-10-09T08:28:23.149" v="101"/>
-          <ac:spMkLst>
-            <pc:docMk/>
-            <pc:sldMk cId="721571596" sldId="364"/>
-            <ac:spMk id="2" creationId="{6F5D226D-AEEE-9CAD-EC6D-58B1E3EBB257}"/>
-          </ac:spMkLst>
-        </pc:spChg>
-        <pc:spChg chg="mod">
-          <ac:chgData name="Cooling, Chris" userId="6dcf99c9-2ba5-410a-8445-0893a3d1421f" providerId="ADAL" clId="{03CF33AC-D9E4-491F-8963-DAB5E6081A01}" dt="2024-10-09T08:30:03.270" v="125" actId="14100"/>
-          <ac:spMkLst>
-            <pc:docMk/>
-            <pc:sldMk cId="721571596" sldId="364"/>
-            <ac:spMk id="3" creationId="{3059243C-26C4-B42B-1D89-75DB3A5CA945}"/>
-          </ac:spMkLst>
-        </pc:spChg>
-        <pc:picChg chg="add mod">
-          <ac:chgData name="Cooling, Chris" userId="6dcf99c9-2ba5-410a-8445-0893a3d1421f" providerId="ADAL" clId="{03CF33AC-D9E4-491F-8963-DAB5E6081A01}" dt="2024-10-09T08:30:11.711" v="127" actId="1076"/>
-          <ac:picMkLst>
-            <pc:docMk/>
-            <pc:sldMk cId="721571596" sldId="364"/>
-            <ac:picMk id="4" creationId="{274F5A2E-E462-9E35-580B-A7465582C67C}"/>
-          </ac:picMkLst>
-        </pc:picChg>
       </pc:sldChg>
       <pc:sldChg chg="modSp add del mod">
         <pc:chgData name="Cooling, Chris" userId="6dcf99c9-2ba5-410a-8445-0893a3d1421f" providerId="ADAL" clId="{03CF33AC-D9E4-491F-8963-DAB5E6081A01}" dt="2024-10-09T08:23:15.889" v="66" actId="47"/>
@@ -1487,14 +1271,6 @@
           <pc:docMk/>
           <pc:sldMk cId="3248724752" sldId="364"/>
         </pc:sldMkLst>
-        <pc:spChg chg="mod">
-          <ac:chgData name="Cooling, Chris" userId="6dcf99c9-2ba5-410a-8445-0893a3d1421f" providerId="ADAL" clId="{03CF33AC-D9E4-491F-8963-DAB5E6081A01}" dt="2024-10-09T08:22:55.278" v="59" actId="27636"/>
-          <ac:spMkLst>
-            <pc:docMk/>
-            <pc:sldMk cId="3248724752" sldId="364"/>
-            <ac:spMk id="3" creationId="{00000000-0000-0000-0000-000000000000}"/>
-          </ac:spMkLst>
-        </pc:spChg>
       </pc:sldChg>
       <pc:sldChg chg="addSp delSp modSp add mod modNotesTx">
         <pc:chgData name="Cooling, Chris" userId="6dcf99c9-2ba5-410a-8445-0893a3d1421f" providerId="ADAL" clId="{03CF33AC-D9E4-491F-8963-DAB5E6081A01}" dt="2024-10-09T08:31:43.076" v="140"/>
@@ -1502,86 +1278,6 @@
           <pc:docMk/>
           <pc:sldMk cId="1370984878" sldId="365"/>
         </pc:sldMkLst>
-        <pc:spChg chg="mod">
-          <ac:chgData name="Cooling, Chris" userId="6dcf99c9-2ba5-410a-8445-0893a3d1421f" providerId="ADAL" clId="{03CF33AC-D9E4-491F-8963-DAB5E6081A01}" dt="2024-10-09T08:30:37.590" v="129"/>
-          <ac:spMkLst>
-            <pc:docMk/>
-            <pc:sldMk cId="1370984878" sldId="365"/>
-            <ac:spMk id="2" creationId="{6F5D226D-AEEE-9CAD-EC6D-58B1E3EBB257}"/>
-          </ac:spMkLst>
-        </pc:spChg>
-        <pc:spChg chg="del">
-          <ac:chgData name="Cooling, Chris" userId="6dcf99c9-2ba5-410a-8445-0893a3d1421f" providerId="ADAL" clId="{03CF33AC-D9E4-491F-8963-DAB5E6081A01}" dt="2024-10-09T08:30:42.213" v="130" actId="478"/>
-          <ac:spMkLst>
-            <pc:docMk/>
-            <pc:sldMk cId="1370984878" sldId="365"/>
-            <ac:spMk id="3" creationId="{3059243C-26C4-B42B-1D89-75DB3A5CA945}"/>
-          </ac:spMkLst>
-        </pc:spChg>
-        <pc:spChg chg="add del mod">
-          <ac:chgData name="Cooling, Chris" userId="6dcf99c9-2ba5-410a-8445-0893a3d1421f" providerId="ADAL" clId="{03CF33AC-D9E4-491F-8963-DAB5E6081A01}" dt="2024-10-09T08:30:47.136" v="131" actId="478"/>
-          <ac:spMkLst>
-            <pc:docMk/>
-            <pc:sldMk cId="1370984878" sldId="365"/>
-            <ac:spMk id="9" creationId="{A7F87D6A-7917-269E-7382-DD0EE51428F2}"/>
-          </ac:spMkLst>
-        </pc:spChg>
-        <pc:spChg chg="add mod">
-          <ac:chgData name="Cooling, Chris" userId="6dcf99c9-2ba5-410a-8445-0893a3d1421f" providerId="ADAL" clId="{03CF33AC-D9E4-491F-8963-DAB5E6081A01}" dt="2024-10-09T08:31:12.978" v="138" actId="14100"/>
-          <ac:spMkLst>
-            <pc:docMk/>
-            <pc:sldMk cId="1370984878" sldId="365"/>
-            <ac:spMk id="11" creationId="{AFF91950-1AA8-690D-E10C-C1EF24BD098A}"/>
-          </ac:spMkLst>
-        </pc:spChg>
-        <pc:spChg chg="add mod">
-          <ac:chgData name="Cooling, Chris" userId="6dcf99c9-2ba5-410a-8445-0893a3d1421f" providerId="ADAL" clId="{03CF33AC-D9E4-491F-8963-DAB5E6081A01}" dt="2024-10-09T08:31:12.978" v="138" actId="14100"/>
-          <ac:spMkLst>
-            <pc:docMk/>
-            <pc:sldMk cId="1370984878" sldId="365"/>
-            <ac:spMk id="12" creationId="{03BB056E-FA4C-88CA-D889-84DCC65C5BDE}"/>
-          </ac:spMkLst>
-        </pc:spChg>
-        <pc:spChg chg="add mod">
-          <ac:chgData name="Cooling, Chris" userId="6dcf99c9-2ba5-410a-8445-0893a3d1421f" providerId="ADAL" clId="{03CF33AC-D9E4-491F-8963-DAB5E6081A01}" dt="2024-10-09T08:31:12.978" v="138" actId="14100"/>
-          <ac:spMkLst>
-            <pc:docMk/>
-            <pc:sldMk cId="1370984878" sldId="365"/>
-            <ac:spMk id="13" creationId="{B68CDB8A-31BC-BAA4-F072-4F4279B6043A}"/>
-          </ac:spMkLst>
-        </pc:spChg>
-        <pc:spChg chg="add mod">
-          <ac:chgData name="Cooling, Chris" userId="6dcf99c9-2ba5-410a-8445-0893a3d1421f" providerId="ADAL" clId="{03CF33AC-D9E4-491F-8963-DAB5E6081A01}" dt="2024-10-09T08:31:12.978" v="138" actId="14100"/>
-          <ac:spMkLst>
-            <pc:docMk/>
-            <pc:sldMk cId="1370984878" sldId="365"/>
-            <ac:spMk id="14" creationId="{70584652-2811-EDBD-FC7A-0F10405A2352}"/>
-          </ac:spMkLst>
-        </pc:spChg>
-        <pc:spChg chg="add mod">
-          <ac:chgData name="Cooling, Chris" userId="6dcf99c9-2ba5-410a-8445-0893a3d1421f" providerId="ADAL" clId="{03CF33AC-D9E4-491F-8963-DAB5E6081A01}" dt="2024-10-09T08:31:12.978" v="138" actId="14100"/>
-          <ac:spMkLst>
-            <pc:docMk/>
-            <pc:sldMk cId="1370984878" sldId="365"/>
-            <ac:spMk id="15" creationId="{1ED331C2-96D3-8178-7327-27C9B5C17FA9}"/>
-          </ac:spMkLst>
-        </pc:spChg>
-        <pc:graphicFrameChg chg="add mod modGraphic">
-          <ac:chgData name="Cooling, Chris" userId="6dcf99c9-2ba5-410a-8445-0893a3d1421f" providerId="ADAL" clId="{03CF33AC-D9E4-491F-8963-DAB5E6081A01}" dt="2024-10-09T08:31:12.978" v="138" actId="14100"/>
-          <ac:graphicFrameMkLst>
-            <pc:docMk/>
-            <pc:sldMk cId="1370984878" sldId="365"/>
-            <ac:graphicFrameMk id="10" creationId="{64CFDCD5-BBA9-6ED0-CD8F-D3A2C53B09CB}"/>
-          </ac:graphicFrameMkLst>
-        </pc:graphicFrameChg>
-        <pc:picChg chg="del">
-          <ac:chgData name="Cooling, Chris" userId="6dcf99c9-2ba5-410a-8445-0893a3d1421f" providerId="ADAL" clId="{03CF33AC-D9E4-491F-8963-DAB5E6081A01}" dt="2024-10-09T08:30:48.131" v="132" actId="478"/>
-          <ac:picMkLst>
-            <pc:docMk/>
-            <pc:sldMk cId="1370984878" sldId="365"/>
-            <ac:picMk id="4" creationId="{274F5A2E-E462-9E35-580B-A7465582C67C}"/>
-          </ac:picMkLst>
-        </pc:picChg>
       </pc:sldChg>
       <pc:sldChg chg="add del">
         <pc:chgData name="Cooling, Chris" userId="6dcf99c9-2ba5-410a-8445-0893a3d1421f" providerId="ADAL" clId="{03CF33AC-D9E4-491F-8963-DAB5E6081A01}" dt="2024-10-09T08:29:41.131" v="122" actId="47"/>
@@ -1610,62 +1306,6 @@
           <pc:docMk/>
           <pc:sldMk cId="2862336388" sldId="366"/>
         </pc:sldMkLst>
-        <pc:spChg chg="add mod">
-          <ac:chgData name="Cooling, Chris" userId="6dcf99c9-2ba5-410a-8445-0893a3d1421f" providerId="ADAL" clId="{03CF33AC-D9E4-491F-8963-DAB5E6081A01}" dt="2024-10-09T08:43:00.265" v="182" actId="14100"/>
-          <ac:spMkLst>
-            <pc:docMk/>
-            <pc:sldMk cId="2862336388" sldId="366"/>
-            <ac:spMk id="3" creationId="{C721DE20-D793-5101-4263-6B0AEF084494}"/>
-          </ac:spMkLst>
-        </pc:spChg>
-        <pc:spChg chg="del">
-          <ac:chgData name="Cooling, Chris" userId="6dcf99c9-2ba5-410a-8445-0893a3d1421f" providerId="ADAL" clId="{03CF33AC-D9E4-491F-8963-DAB5E6081A01}" dt="2024-10-09T08:32:10.518" v="141" actId="478"/>
-          <ac:spMkLst>
-            <pc:docMk/>
-            <pc:sldMk cId="2862336388" sldId="366"/>
-            <ac:spMk id="11" creationId="{AFF91950-1AA8-690D-E10C-C1EF24BD098A}"/>
-          </ac:spMkLst>
-        </pc:spChg>
-        <pc:spChg chg="del">
-          <ac:chgData name="Cooling, Chris" userId="6dcf99c9-2ba5-410a-8445-0893a3d1421f" providerId="ADAL" clId="{03CF33AC-D9E4-491F-8963-DAB5E6081A01}" dt="2024-10-09T08:32:10.518" v="141" actId="478"/>
-          <ac:spMkLst>
-            <pc:docMk/>
-            <pc:sldMk cId="2862336388" sldId="366"/>
-            <ac:spMk id="12" creationId="{03BB056E-FA4C-88CA-D889-84DCC65C5BDE}"/>
-          </ac:spMkLst>
-        </pc:spChg>
-        <pc:spChg chg="del">
-          <ac:chgData name="Cooling, Chris" userId="6dcf99c9-2ba5-410a-8445-0893a3d1421f" providerId="ADAL" clId="{03CF33AC-D9E4-491F-8963-DAB5E6081A01}" dt="2024-10-09T08:32:10.518" v="141" actId="478"/>
-          <ac:spMkLst>
-            <pc:docMk/>
-            <pc:sldMk cId="2862336388" sldId="366"/>
-            <ac:spMk id="13" creationId="{B68CDB8A-31BC-BAA4-F072-4F4279B6043A}"/>
-          </ac:spMkLst>
-        </pc:spChg>
-        <pc:spChg chg="del">
-          <ac:chgData name="Cooling, Chris" userId="6dcf99c9-2ba5-410a-8445-0893a3d1421f" providerId="ADAL" clId="{03CF33AC-D9E4-491F-8963-DAB5E6081A01}" dt="2024-10-09T08:32:10.518" v="141" actId="478"/>
-          <ac:spMkLst>
-            <pc:docMk/>
-            <pc:sldMk cId="2862336388" sldId="366"/>
-            <ac:spMk id="14" creationId="{70584652-2811-EDBD-FC7A-0F10405A2352}"/>
-          </ac:spMkLst>
-        </pc:spChg>
-        <pc:spChg chg="del">
-          <ac:chgData name="Cooling, Chris" userId="6dcf99c9-2ba5-410a-8445-0893a3d1421f" providerId="ADAL" clId="{03CF33AC-D9E4-491F-8963-DAB5E6081A01}" dt="2024-10-09T08:32:10.518" v="141" actId="478"/>
-          <ac:spMkLst>
-            <pc:docMk/>
-            <pc:sldMk cId="2862336388" sldId="366"/>
-            <ac:spMk id="15" creationId="{1ED331C2-96D3-8178-7327-27C9B5C17FA9}"/>
-          </ac:spMkLst>
-        </pc:spChg>
-        <pc:graphicFrameChg chg="del">
-          <ac:chgData name="Cooling, Chris" userId="6dcf99c9-2ba5-410a-8445-0893a3d1421f" providerId="ADAL" clId="{03CF33AC-D9E4-491F-8963-DAB5E6081A01}" dt="2024-10-09T08:32:10.518" v="141" actId="478"/>
-          <ac:graphicFrameMkLst>
-            <pc:docMk/>
-            <pc:sldMk cId="2862336388" sldId="366"/>
-            <ac:graphicFrameMk id="10" creationId="{64CFDCD5-BBA9-6ED0-CD8F-D3A2C53B09CB}"/>
-          </ac:graphicFrameMkLst>
-        </pc:graphicFrameChg>
       </pc:sldChg>
       <pc:sldChg chg="modSp add mod modNotesTx">
         <pc:chgData name="Cooling, Chris" userId="6dcf99c9-2ba5-410a-8445-0893a3d1421f" providerId="ADAL" clId="{03CF33AC-D9E4-491F-8963-DAB5E6081A01}" dt="2024-10-09T08:42:45.098" v="181" actId="14100"/>
@@ -1673,22 +1313,6 @@
           <pc:docMk/>
           <pc:sldMk cId="49263487" sldId="367"/>
         </pc:sldMkLst>
-        <pc:spChg chg="mod">
-          <ac:chgData name="Cooling, Chris" userId="6dcf99c9-2ba5-410a-8445-0893a3d1421f" providerId="ADAL" clId="{03CF33AC-D9E4-491F-8963-DAB5E6081A01}" dt="2024-10-09T08:33:10.239" v="150"/>
-          <ac:spMkLst>
-            <pc:docMk/>
-            <pc:sldMk cId="49263487" sldId="367"/>
-            <ac:spMk id="2" creationId="{6F5D226D-AEEE-9CAD-EC6D-58B1E3EBB257}"/>
-          </ac:spMkLst>
-        </pc:spChg>
-        <pc:spChg chg="mod">
-          <ac:chgData name="Cooling, Chris" userId="6dcf99c9-2ba5-410a-8445-0893a3d1421f" providerId="ADAL" clId="{03CF33AC-D9E4-491F-8963-DAB5E6081A01}" dt="2024-10-09T08:42:45.098" v="181" actId="14100"/>
-          <ac:spMkLst>
-            <pc:docMk/>
-            <pc:sldMk cId="49263487" sldId="367"/>
-            <ac:spMk id="3" creationId="{C721DE20-D793-5101-4263-6B0AEF084494}"/>
-          </ac:spMkLst>
-        </pc:spChg>
       </pc:sldChg>
       <pc:sldChg chg="add del">
         <pc:chgData name="Cooling, Chris" userId="6dcf99c9-2ba5-410a-8445-0893a3d1421f" providerId="ADAL" clId="{03CF33AC-D9E4-491F-8963-DAB5E6081A01}" dt="2024-10-09T08:23:15.889" v="66" actId="47"/>
@@ -1710,38 +1334,6 @@
           <pc:docMk/>
           <pc:sldMk cId="3636830078" sldId="368"/>
         </pc:sldMkLst>
-        <pc:spChg chg="mod">
-          <ac:chgData name="Cooling, Chris" userId="6dcf99c9-2ba5-410a-8445-0893a3d1421f" providerId="ADAL" clId="{03CF33AC-D9E4-491F-8963-DAB5E6081A01}" dt="2024-10-09T08:35:23.052" v="163"/>
-          <ac:spMkLst>
-            <pc:docMk/>
-            <pc:sldMk cId="3636830078" sldId="368"/>
-            <ac:spMk id="2" creationId="{6F5D226D-AEEE-9CAD-EC6D-58B1E3EBB257}"/>
-          </ac:spMkLst>
-        </pc:spChg>
-        <pc:spChg chg="mod">
-          <ac:chgData name="Cooling, Chris" userId="6dcf99c9-2ba5-410a-8445-0893a3d1421f" providerId="ADAL" clId="{03CF33AC-D9E4-491F-8963-DAB5E6081A01}" dt="2024-10-09T08:42:38.126" v="180" actId="14100"/>
-          <ac:spMkLst>
-            <pc:docMk/>
-            <pc:sldMk cId="3636830078" sldId="368"/>
-            <ac:spMk id="3" creationId="{C721DE20-D793-5101-4263-6B0AEF084494}"/>
-          </ac:spMkLst>
-        </pc:spChg>
-        <pc:spChg chg="add mod">
-          <ac:chgData name="Cooling, Chris" userId="6dcf99c9-2ba5-410a-8445-0893a3d1421f" providerId="ADAL" clId="{03CF33AC-D9E4-491F-8963-DAB5E6081A01}" dt="2024-10-09T08:34:45.579" v="161" actId="1076"/>
-          <ac:spMkLst>
-            <pc:docMk/>
-            <pc:sldMk cId="3636830078" sldId="368"/>
-            <ac:spMk id="4" creationId="{B8846200-1CB5-F0BA-3F56-EAC79910A7C7}"/>
-          </ac:spMkLst>
-        </pc:spChg>
-        <pc:spChg chg="add mod">
-          <ac:chgData name="Cooling, Chris" userId="6dcf99c9-2ba5-410a-8445-0893a3d1421f" providerId="ADAL" clId="{03CF33AC-D9E4-491F-8963-DAB5E6081A01}" dt="2024-10-09T08:34:45.579" v="161" actId="1076"/>
-          <ac:spMkLst>
-            <pc:docMk/>
-            <pc:sldMk cId="3636830078" sldId="368"/>
-            <ac:spMk id="8" creationId="{7595EE44-1F34-D7DB-EA76-6B59A5ABEACA}"/>
-          </ac:spMkLst>
-        </pc:spChg>
       </pc:sldChg>
       <pc:sldChg chg="addSp delSp modSp add mod modNotesTx">
         <pc:chgData name="Cooling, Chris" userId="6dcf99c9-2ba5-410a-8445-0893a3d1421f" providerId="ADAL" clId="{03CF33AC-D9E4-491F-8963-DAB5E6081A01}" dt="2024-10-09T08:49:02.679" v="916" actId="20577"/>
@@ -1749,126 +1341,6 @@
           <pc:docMk/>
           <pc:sldMk cId="1646575661" sldId="369"/>
         </pc:sldMkLst>
-        <pc:spChg chg="mod">
-          <ac:chgData name="Cooling, Chris" userId="6dcf99c9-2ba5-410a-8445-0893a3d1421f" providerId="ADAL" clId="{03CF33AC-D9E4-491F-8963-DAB5E6081A01}" dt="2024-10-09T08:35:43.970" v="166"/>
-          <ac:spMkLst>
-            <pc:docMk/>
-            <pc:sldMk cId="1646575661" sldId="369"/>
-            <ac:spMk id="2" creationId="{6F5D226D-AEEE-9CAD-EC6D-58B1E3EBB257}"/>
-          </ac:spMkLst>
-        </pc:spChg>
-        <pc:spChg chg="mod">
-          <ac:chgData name="Cooling, Chris" userId="6dcf99c9-2ba5-410a-8445-0893a3d1421f" providerId="ADAL" clId="{03CF33AC-D9E4-491F-8963-DAB5E6081A01}" dt="2024-10-09T08:43:28.335" v="183" actId="255"/>
-          <ac:spMkLst>
-            <pc:docMk/>
-            <pc:sldMk cId="1646575661" sldId="369"/>
-            <ac:spMk id="3" creationId="{C721DE20-D793-5101-4263-6B0AEF084494}"/>
-          </ac:spMkLst>
-        </pc:spChg>
-        <pc:spChg chg="del">
-          <ac:chgData name="Cooling, Chris" userId="6dcf99c9-2ba5-410a-8445-0893a3d1421f" providerId="ADAL" clId="{03CF33AC-D9E4-491F-8963-DAB5E6081A01}" dt="2024-10-09T08:35:38.382" v="165" actId="478"/>
-          <ac:spMkLst>
-            <pc:docMk/>
-            <pc:sldMk cId="1646575661" sldId="369"/>
-            <ac:spMk id="4" creationId="{B8846200-1CB5-F0BA-3F56-EAC79910A7C7}"/>
-          </ac:spMkLst>
-        </pc:spChg>
-        <pc:spChg chg="del">
-          <ac:chgData name="Cooling, Chris" userId="6dcf99c9-2ba5-410a-8445-0893a3d1421f" providerId="ADAL" clId="{03CF33AC-D9E4-491F-8963-DAB5E6081A01}" dt="2024-10-09T08:35:38.382" v="165" actId="478"/>
-          <ac:spMkLst>
-            <pc:docMk/>
-            <pc:sldMk cId="1646575661" sldId="369"/>
-            <ac:spMk id="8" creationId="{7595EE44-1F34-D7DB-EA76-6B59A5ABEACA}"/>
-          </ac:spMkLst>
-        </pc:spChg>
-        <pc:spChg chg="add mod">
-          <ac:chgData name="Cooling, Chris" userId="6dcf99c9-2ba5-410a-8445-0893a3d1421f" providerId="ADAL" clId="{03CF33AC-D9E4-491F-8963-DAB5E6081A01}" dt="2024-10-09T08:44:36.158" v="192" actId="164"/>
-          <ac:spMkLst>
-            <pc:docMk/>
-            <pc:sldMk cId="1646575661" sldId="369"/>
-            <ac:spMk id="9" creationId="{5ABF131A-4E5B-F69E-C427-66B1BC696763}"/>
-          </ac:spMkLst>
-        </pc:spChg>
-        <pc:spChg chg="add mod">
-          <ac:chgData name="Cooling, Chris" userId="6dcf99c9-2ba5-410a-8445-0893a3d1421f" providerId="ADAL" clId="{03CF33AC-D9E4-491F-8963-DAB5E6081A01}" dt="2024-10-09T08:44:36.158" v="192" actId="164"/>
-          <ac:spMkLst>
-            <pc:docMk/>
-            <pc:sldMk cId="1646575661" sldId="369"/>
-            <ac:spMk id="10" creationId="{4176775E-D08E-8496-424F-F3C2301DE0AC}"/>
-          </ac:spMkLst>
-        </pc:spChg>
-        <pc:spChg chg="add mod">
-          <ac:chgData name="Cooling, Chris" userId="6dcf99c9-2ba5-410a-8445-0893a3d1421f" providerId="ADAL" clId="{03CF33AC-D9E4-491F-8963-DAB5E6081A01}" dt="2024-10-09T08:44:36.158" v="192" actId="164"/>
-          <ac:spMkLst>
-            <pc:docMk/>
-            <pc:sldMk cId="1646575661" sldId="369"/>
-            <ac:spMk id="11" creationId="{4E0C45F4-E339-70C9-0826-89EBEDCE342B}"/>
-          </ac:spMkLst>
-        </pc:spChg>
-        <pc:spChg chg="add mod">
-          <ac:chgData name="Cooling, Chris" userId="6dcf99c9-2ba5-410a-8445-0893a3d1421f" providerId="ADAL" clId="{03CF33AC-D9E4-491F-8963-DAB5E6081A01}" dt="2024-10-09T08:44:36.158" v="192" actId="164"/>
-          <ac:spMkLst>
-            <pc:docMk/>
-            <pc:sldMk cId="1646575661" sldId="369"/>
-            <ac:spMk id="12" creationId="{18742A83-D198-65ED-D7BE-B838B0B76AD3}"/>
-          </ac:spMkLst>
-        </pc:spChg>
-        <pc:spChg chg="add mod">
-          <ac:chgData name="Cooling, Chris" userId="6dcf99c9-2ba5-410a-8445-0893a3d1421f" providerId="ADAL" clId="{03CF33AC-D9E4-491F-8963-DAB5E6081A01}" dt="2024-10-09T08:44:36.158" v="192" actId="164"/>
-          <ac:spMkLst>
-            <pc:docMk/>
-            <pc:sldMk cId="1646575661" sldId="369"/>
-            <ac:spMk id="13" creationId="{2D86DB33-9863-EB63-81EB-9FC92CA552EE}"/>
-          </ac:spMkLst>
-        </pc:spChg>
-        <pc:grpChg chg="add mod">
-          <ac:chgData name="Cooling, Chris" userId="6dcf99c9-2ba5-410a-8445-0893a3d1421f" providerId="ADAL" clId="{03CF33AC-D9E4-491F-8963-DAB5E6081A01}" dt="2024-10-09T08:44:25.497" v="191" actId="164"/>
-          <ac:grpSpMkLst>
-            <pc:docMk/>
-            <pc:sldMk cId="1646575661" sldId="369"/>
-            <ac:grpSpMk id="18" creationId="{419DBE5F-B2BB-D3DB-1D92-766DB67268A1}"/>
-          </ac:grpSpMkLst>
-        </pc:grpChg>
-        <pc:grpChg chg="add mod">
-          <ac:chgData name="Cooling, Chris" userId="6dcf99c9-2ba5-410a-8445-0893a3d1421f" providerId="ADAL" clId="{03CF33AC-D9E4-491F-8963-DAB5E6081A01}" dt="2024-10-09T08:44:40.752" v="193" actId="1076"/>
-          <ac:grpSpMkLst>
-            <pc:docMk/>
-            <pc:sldMk cId="1646575661" sldId="369"/>
-            <ac:grpSpMk id="19" creationId="{93D3F2FA-678E-746B-2318-996358992078}"/>
-          </ac:grpSpMkLst>
-        </pc:grpChg>
-        <pc:cxnChg chg="add mod">
-          <ac:chgData name="Cooling, Chris" userId="6dcf99c9-2ba5-410a-8445-0893a3d1421f" providerId="ADAL" clId="{03CF33AC-D9E4-491F-8963-DAB5E6081A01}" dt="2024-10-09T08:44:36.158" v="192" actId="164"/>
-          <ac:cxnSpMkLst>
-            <pc:docMk/>
-            <pc:sldMk cId="1646575661" sldId="369"/>
-            <ac:cxnSpMk id="14" creationId="{F4F2A2EB-F24E-0D99-2C2E-3CD1DE4B35BE}"/>
-          </ac:cxnSpMkLst>
-        </pc:cxnChg>
-        <pc:cxnChg chg="add mod">
-          <ac:chgData name="Cooling, Chris" userId="6dcf99c9-2ba5-410a-8445-0893a3d1421f" providerId="ADAL" clId="{03CF33AC-D9E4-491F-8963-DAB5E6081A01}" dt="2024-10-09T08:44:36.158" v="192" actId="164"/>
-          <ac:cxnSpMkLst>
-            <pc:docMk/>
-            <pc:sldMk cId="1646575661" sldId="369"/>
-            <ac:cxnSpMk id="15" creationId="{64B302C9-9F13-4FDE-D82F-60087064430D}"/>
-          </ac:cxnSpMkLst>
-        </pc:cxnChg>
-        <pc:cxnChg chg="add mod">
-          <ac:chgData name="Cooling, Chris" userId="6dcf99c9-2ba5-410a-8445-0893a3d1421f" providerId="ADAL" clId="{03CF33AC-D9E4-491F-8963-DAB5E6081A01}" dt="2024-10-09T08:44:36.158" v="192" actId="164"/>
-          <ac:cxnSpMkLst>
-            <pc:docMk/>
-            <pc:sldMk cId="1646575661" sldId="369"/>
-            <ac:cxnSpMk id="16" creationId="{5DB58FD8-F994-A9A7-1026-B1C3DCA36D12}"/>
-          </ac:cxnSpMkLst>
-        </pc:cxnChg>
-        <pc:cxnChg chg="add mod">
-          <ac:chgData name="Cooling, Chris" userId="6dcf99c9-2ba5-410a-8445-0893a3d1421f" providerId="ADAL" clId="{03CF33AC-D9E4-491F-8963-DAB5E6081A01}" dt="2024-10-09T08:44:36.158" v="192" actId="164"/>
-          <ac:cxnSpMkLst>
-            <pc:docMk/>
-            <pc:sldMk cId="1646575661" sldId="369"/>
-            <ac:cxnSpMk id="17" creationId="{E7282B08-9CF9-A51E-356E-6E7C14875A1E}"/>
-          </ac:cxnSpMkLst>
-        </pc:cxnChg>
       </pc:sldChg>
       <pc:sldChg chg="add del">
         <pc:chgData name="Cooling, Chris" userId="6dcf99c9-2ba5-410a-8445-0893a3d1421f" providerId="ADAL" clId="{03CF33AC-D9E4-491F-8963-DAB5E6081A01}" dt="2024-10-09T08:23:15.889" v="66" actId="47"/>
@@ -1883,110 +1355,6 @@
           <pc:docMk/>
           <pc:sldMk cId="919066874" sldId="370"/>
         </pc:sldMkLst>
-        <pc:spChg chg="mod">
-          <ac:chgData name="Cooling, Chris" userId="6dcf99c9-2ba5-410a-8445-0893a3d1421f" providerId="ADAL" clId="{03CF33AC-D9E4-491F-8963-DAB5E6081A01}" dt="2024-10-09T08:43:52.064" v="185"/>
-          <ac:spMkLst>
-            <pc:docMk/>
-            <pc:sldMk cId="919066874" sldId="370"/>
-            <ac:spMk id="2" creationId="{6F5D226D-AEEE-9CAD-EC6D-58B1E3EBB257}"/>
-          </ac:spMkLst>
-        </pc:spChg>
-        <pc:spChg chg="mod">
-          <ac:chgData name="Cooling, Chris" userId="6dcf99c9-2ba5-410a-8445-0893a3d1421f" providerId="ADAL" clId="{03CF33AC-D9E4-491F-8963-DAB5E6081A01}" dt="2024-10-09T08:45:13.632" v="196" actId="20577"/>
-          <ac:spMkLst>
-            <pc:docMk/>
-            <pc:sldMk cId="919066874" sldId="370"/>
-            <ac:spMk id="3" creationId="{C721DE20-D793-5101-4263-6B0AEF084494}"/>
-          </ac:spMkLst>
-        </pc:spChg>
-        <pc:spChg chg="add mod">
-          <ac:chgData name="Cooling, Chris" userId="6dcf99c9-2ba5-410a-8445-0893a3d1421f" providerId="ADAL" clId="{03CF33AC-D9E4-491F-8963-DAB5E6081A01}" dt="2024-10-09T08:58:53.849" v="1261"/>
-          <ac:spMkLst>
-            <pc:docMk/>
-            <pc:sldMk cId="919066874" sldId="370"/>
-            <ac:spMk id="4" creationId="{86ECBA19-7598-B6F2-BC47-0EECF4A9A068}"/>
-          </ac:spMkLst>
-        </pc:spChg>
-        <pc:spChg chg="add mod">
-          <ac:chgData name="Cooling, Chris" userId="6dcf99c9-2ba5-410a-8445-0893a3d1421f" providerId="ADAL" clId="{03CF33AC-D9E4-491F-8963-DAB5E6081A01}" dt="2024-10-09T08:58:53.849" v="1261"/>
-          <ac:spMkLst>
-            <pc:docMk/>
-            <pc:sldMk cId="919066874" sldId="370"/>
-            <ac:spMk id="8" creationId="{55F214A7-3D2D-312D-4686-A332005EA535}"/>
-          </ac:spMkLst>
-        </pc:spChg>
-        <pc:spChg chg="del">
-          <ac:chgData name="Cooling, Chris" userId="6dcf99c9-2ba5-410a-8445-0893a3d1421f" providerId="ADAL" clId="{03CF33AC-D9E4-491F-8963-DAB5E6081A01}" dt="2024-10-09T08:44:06.313" v="187" actId="478"/>
-          <ac:spMkLst>
-            <pc:docMk/>
-            <pc:sldMk cId="919066874" sldId="370"/>
-            <ac:spMk id="9" creationId="{5ABF131A-4E5B-F69E-C427-66B1BC696763}"/>
-          </ac:spMkLst>
-        </pc:spChg>
-        <pc:spChg chg="del">
-          <ac:chgData name="Cooling, Chris" userId="6dcf99c9-2ba5-410a-8445-0893a3d1421f" providerId="ADAL" clId="{03CF33AC-D9E4-491F-8963-DAB5E6081A01}" dt="2024-10-09T08:44:06.313" v="187" actId="478"/>
-          <ac:spMkLst>
-            <pc:docMk/>
-            <pc:sldMk cId="919066874" sldId="370"/>
-            <ac:spMk id="10" creationId="{4176775E-D08E-8496-424F-F3C2301DE0AC}"/>
-          </ac:spMkLst>
-        </pc:spChg>
-        <pc:spChg chg="del">
-          <ac:chgData name="Cooling, Chris" userId="6dcf99c9-2ba5-410a-8445-0893a3d1421f" providerId="ADAL" clId="{03CF33AC-D9E4-491F-8963-DAB5E6081A01}" dt="2024-10-09T08:44:06.313" v="187" actId="478"/>
-          <ac:spMkLst>
-            <pc:docMk/>
-            <pc:sldMk cId="919066874" sldId="370"/>
-            <ac:spMk id="11" creationId="{4E0C45F4-E339-70C9-0826-89EBEDCE342B}"/>
-          </ac:spMkLst>
-        </pc:spChg>
-        <pc:spChg chg="del">
-          <ac:chgData name="Cooling, Chris" userId="6dcf99c9-2ba5-410a-8445-0893a3d1421f" providerId="ADAL" clId="{03CF33AC-D9E4-491F-8963-DAB5E6081A01}" dt="2024-10-09T08:44:06.313" v="187" actId="478"/>
-          <ac:spMkLst>
-            <pc:docMk/>
-            <pc:sldMk cId="919066874" sldId="370"/>
-            <ac:spMk id="12" creationId="{18742A83-D198-65ED-D7BE-B838B0B76AD3}"/>
-          </ac:spMkLst>
-        </pc:spChg>
-        <pc:spChg chg="del">
-          <ac:chgData name="Cooling, Chris" userId="6dcf99c9-2ba5-410a-8445-0893a3d1421f" providerId="ADAL" clId="{03CF33AC-D9E4-491F-8963-DAB5E6081A01}" dt="2024-10-09T08:44:06.313" v="187" actId="478"/>
-          <ac:spMkLst>
-            <pc:docMk/>
-            <pc:sldMk cId="919066874" sldId="370"/>
-            <ac:spMk id="13" creationId="{2D86DB33-9863-EB63-81EB-9FC92CA552EE}"/>
-          </ac:spMkLst>
-        </pc:spChg>
-        <pc:cxnChg chg="del mod">
-          <ac:chgData name="Cooling, Chris" userId="6dcf99c9-2ba5-410a-8445-0893a3d1421f" providerId="ADAL" clId="{03CF33AC-D9E4-491F-8963-DAB5E6081A01}" dt="2024-10-09T08:44:06.313" v="187" actId="478"/>
-          <ac:cxnSpMkLst>
-            <pc:docMk/>
-            <pc:sldMk cId="919066874" sldId="370"/>
-            <ac:cxnSpMk id="14" creationId="{F4F2A2EB-F24E-0D99-2C2E-3CD1DE4B35BE}"/>
-          </ac:cxnSpMkLst>
-        </pc:cxnChg>
-        <pc:cxnChg chg="del mod">
-          <ac:chgData name="Cooling, Chris" userId="6dcf99c9-2ba5-410a-8445-0893a3d1421f" providerId="ADAL" clId="{03CF33AC-D9E4-491F-8963-DAB5E6081A01}" dt="2024-10-09T08:44:06.313" v="187" actId="478"/>
-          <ac:cxnSpMkLst>
-            <pc:docMk/>
-            <pc:sldMk cId="919066874" sldId="370"/>
-            <ac:cxnSpMk id="15" creationId="{64B302C9-9F13-4FDE-D82F-60087064430D}"/>
-          </ac:cxnSpMkLst>
-        </pc:cxnChg>
-        <pc:cxnChg chg="del mod">
-          <ac:chgData name="Cooling, Chris" userId="6dcf99c9-2ba5-410a-8445-0893a3d1421f" providerId="ADAL" clId="{03CF33AC-D9E4-491F-8963-DAB5E6081A01}" dt="2024-10-09T08:44:06.313" v="187" actId="478"/>
-          <ac:cxnSpMkLst>
-            <pc:docMk/>
-            <pc:sldMk cId="919066874" sldId="370"/>
-            <ac:cxnSpMk id="16" creationId="{5DB58FD8-F994-A9A7-1026-B1C3DCA36D12}"/>
-          </ac:cxnSpMkLst>
-        </pc:cxnChg>
-        <pc:cxnChg chg="del mod">
-          <ac:chgData name="Cooling, Chris" userId="6dcf99c9-2ba5-410a-8445-0893a3d1421f" providerId="ADAL" clId="{03CF33AC-D9E4-491F-8963-DAB5E6081A01}" dt="2024-10-09T08:44:06.313" v="187" actId="478"/>
-          <ac:cxnSpMkLst>
-            <pc:docMk/>
-            <pc:sldMk cId="919066874" sldId="370"/>
-            <ac:cxnSpMk id="17" creationId="{E7282B08-9CF9-A51E-356E-6E7C14875A1E}"/>
-          </ac:cxnSpMkLst>
-        </pc:cxnChg>
       </pc:sldChg>
       <pc:sldChg chg="add del">
         <pc:chgData name="Cooling, Chris" userId="6dcf99c9-2ba5-410a-8445-0893a3d1421f" providerId="ADAL" clId="{03CF33AC-D9E4-491F-8963-DAB5E6081A01}" dt="2024-10-09T08:23:15.889" v="66" actId="47"/>
@@ -2008,22 +1376,6 @@
           <pc:docMk/>
           <pc:sldMk cId="3388074364" sldId="371"/>
         </pc:sldMkLst>
-        <pc:spChg chg="mod">
-          <ac:chgData name="Cooling, Chris" userId="6dcf99c9-2ba5-410a-8445-0893a3d1421f" providerId="ADAL" clId="{03CF33AC-D9E4-491F-8963-DAB5E6081A01}" dt="2024-10-09T08:55:32.457" v="1251"/>
-          <ac:spMkLst>
-            <pc:docMk/>
-            <pc:sldMk cId="3388074364" sldId="371"/>
-            <ac:spMk id="2" creationId="{6F5D226D-AEEE-9CAD-EC6D-58B1E3EBB257}"/>
-          </ac:spMkLst>
-        </pc:spChg>
-        <pc:spChg chg="mod">
-          <ac:chgData name="Cooling, Chris" userId="6dcf99c9-2ba5-410a-8445-0893a3d1421f" providerId="ADAL" clId="{03CF33AC-D9E4-491F-8963-DAB5E6081A01}" dt="2024-10-09T08:55:53.105" v="1255" actId="14100"/>
-          <ac:spMkLst>
-            <pc:docMk/>
-            <pc:sldMk cId="3388074364" sldId="371"/>
-            <ac:spMk id="3" creationId="{C721DE20-D793-5101-4263-6B0AEF084494}"/>
-          </ac:spMkLst>
-        </pc:spChg>
       </pc:sldChg>
       <pc:sldChg chg="add del">
         <pc:chgData name="Cooling, Chris" userId="6dcf99c9-2ba5-410a-8445-0893a3d1421f" providerId="ADAL" clId="{03CF33AC-D9E4-491F-8963-DAB5E6081A01}" dt="2024-10-09T08:23:15.889" v="66" actId="47"/>
@@ -2038,30 +1390,6 @@
           <pc:docMk/>
           <pc:sldMk cId="2099201432" sldId="372"/>
         </pc:sldMkLst>
-        <pc:spChg chg="mod">
-          <ac:chgData name="Cooling, Chris" userId="6dcf99c9-2ba5-410a-8445-0893a3d1421f" providerId="ADAL" clId="{03CF33AC-D9E4-491F-8963-DAB5E6081A01}" dt="2024-10-09T08:59:30.077" v="1267" actId="6549"/>
-          <ac:spMkLst>
-            <pc:docMk/>
-            <pc:sldMk cId="2099201432" sldId="372"/>
-            <ac:spMk id="3" creationId="{C721DE20-D793-5101-4263-6B0AEF084494}"/>
-          </ac:spMkLst>
-        </pc:spChg>
-        <pc:spChg chg="add mod">
-          <ac:chgData name="Cooling, Chris" userId="6dcf99c9-2ba5-410a-8445-0893a3d1421f" providerId="ADAL" clId="{03CF33AC-D9E4-491F-8963-DAB5E6081A01}" dt="2024-10-09T08:59:08.001" v="1262"/>
-          <ac:spMkLst>
-            <pc:docMk/>
-            <pc:sldMk cId="2099201432" sldId="372"/>
-            <ac:spMk id="4" creationId="{BB465009-09AA-C488-6E4D-00A542FAC18A}"/>
-          </ac:spMkLst>
-        </pc:spChg>
-        <pc:spChg chg="add del mod">
-          <ac:chgData name="Cooling, Chris" userId="6dcf99c9-2ba5-410a-8445-0893a3d1421f" providerId="ADAL" clId="{03CF33AC-D9E4-491F-8963-DAB5E6081A01}" dt="2024-10-09T08:59:14.651" v="1263" actId="478"/>
-          <ac:spMkLst>
-            <pc:docMk/>
-            <pc:sldMk cId="2099201432" sldId="372"/>
-            <ac:spMk id="8" creationId="{3CE3076F-E3F6-661B-F263-84839C2822FE}"/>
-          </ac:spMkLst>
-        </pc:spChg>
       </pc:sldChg>
       <pc:sldChg chg="delSp modSp add mod modNotesTx">
         <pc:chgData name="Cooling, Chris" userId="6dcf99c9-2ba5-410a-8445-0893a3d1421f" providerId="ADAL" clId="{03CF33AC-D9E4-491F-8963-DAB5E6081A01}" dt="2024-10-09T09:05:25.364" v="1283"/>
@@ -2069,30 +1397,6 @@
           <pc:docMk/>
           <pc:sldMk cId="1204830268" sldId="373"/>
         </pc:sldMkLst>
-        <pc:spChg chg="mod">
-          <ac:chgData name="Cooling, Chris" userId="6dcf99c9-2ba5-410a-8445-0893a3d1421f" providerId="ADAL" clId="{03CF33AC-D9E4-491F-8963-DAB5E6081A01}" dt="2024-10-09T08:59:55.607" v="1269"/>
-          <ac:spMkLst>
-            <pc:docMk/>
-            <pc:sldMk cId="1204830268" sldId="373"/>
-            <ac:spMk id="2" creationId="{6F5D226D-AEEE-9CAD-EC6D-58B1E3EBB257}"/>
-          </ac:spMkLst>
-        </pc:spChg>
-        <pc:spChg chg="mod">
-          <ac:chgData name="Cooling, Chris" userId="6dcf99c9-2ba5-410a-8445-0893a3d1421f" providerId="ADAL" clId="{03CF33AC-D9E4-491F-8963-DAB5E6081A01}" dt="2024-10-09T09:00:23.215" v="1274" actId="14100"/>
-          <ac:spMkLst>
-            <pc:docMk/>
-            <pc:sldMk cId="1204830268" sldId="373"/>
-            <ac:spMk id="3" creationId="{C721DE20-D793-5101-4263-6B0AEF084494}"/>
-          </ac:spMkLst>
-        </pc:spChg>
-        <pc:spChg chg="del">
-          <ac:chgData name="Cooling, Chris" userId="6dcf99c9-2ba5-410a-8445-0893a3d1421f" providerId="ADAL" clId="{03CF33AC-D9E4-491F-8963-DAB5E6081A01}" dt="2024-10-09T08:59:59.400" v="1270" actId="478"/>
-          <ac:spMkLst>
-            <pc:docMk/>
-            <pc:sldMk cId="1204830268" sldId="373"/>
-            <ac:spMk id="4" creationId="{BB465009-09AA-C488-6E4D-00A542FAC18A}"/>
-          </ac:spMkLst>
-        </pc:spChg>
       </pc:sldChg>
       <pc:sldChg chg="add del">
         <pc:chgData name="Cooling, Chris" userId="6dcf99c9-2ba5-410a-8445-0893a3d1421f" providerId="ADAL" clId="{03CF33AC-D9E4-491F-8963-DAB5E6081A01}" dt="2024-10-09T08:23:15.889" v="66" actId="47"/>
@@ -2114,22 +1418,6 @@
           <pc:docMk/>
           <pc:sldMk cId="1108594804" sldId="374"/>
         </pc:sldMkLst>
-        <pc:spChg chg="mod">
-          <ac:chgData name="Cooling, Chris" userId="6dcf99c9-2ba5-410a-8445-0893a3d1421f" providerId="ADAL" clId="{03CF33AC-D9E4-491F-8963-DAB5E6081A01}" dt="2024-10-09T09:01:21.759" v="1278"/>
-          <ac:spMkLst>
-            <pc:docMk/>
-            <pc:sldMk cId="1108594804" sldId="374"/>
-            <ac:spMk id="2" creationId="{6F5D226D-AEEE-9CAD-EC6D-58B1E3EBB257}"/>
-          </ac:spMkLst>
-        </pc:spChg>
-        <pc:spChg chg="mod">
-          <ac:chgData name="Cooling, Chris" userId="6dcf99c9-2ba5-410a-8445-0893a3d1421f" providerId="ADAL" clId="{03CF33AC-D9E4-491F-8963-DAB5E6081A01}" dt="2024-10-09T09:01:34.866" v="1281" actId="15"/>
-          <ac:spMkLst>
-            <pc:docMk/>
-            <pc:sldMk cId="1108594804" sldId="374"/>
-            <ac:spMk id="3" creationId="{C721DE20-D793-5101-4263-6B0AEF084494}"/>
-          </ac:spMkLst>
-        </pc:spChg>
       </pc:sldChg>
       <pc:sldChg chg="new del">
         <pc:chgData name="Cooling, Chris" userId="6dcf99c9-2ba5-410a-8445-0893a3d1421f" providerId="ADAL" clId="{03CF33AC-D9E4-491F-8963-DAB5E6081A01}" dt="2024-10-09T09:01:09.430" v="1276" actId="2696"/>
@@ -2144,46 +1432,6 @@
           <pc:docMk/>
           <pc:sldMk cId="2224630467" sldId="375"/>
         </pc:sldMkLst>
-        <pc:spChg chg="mod">
-          <ac:chgData name="Cooling, Chris" userId="6dcf99c9-2ba5-410a-8445-0893a3d1421f" providerId="ADAL" clId="{03CF33AC-D9E4-491F-8963-DAB5E6081A01}" dt="2024-10-09T09:05:55.212" v="1285"/>
-          <ac:spMkLst>
-            <pc:docMk/>
-            <pc:sldMk cId="2224630467" sldId="375"/>
-            <ac:spMk id="2" creationId="{6F5D226D-AEEE-9CAD-EC6D-58B1E3EBB257}"/>
-          </ac:spMkLst>
-        </pc:spChg>
-        <pc:spChg chg="mod">
-          <ac:chgData name="Cooling, Chris" userId="6dcf99c9-2ba5-410a-8445-0893a3d1421f" providerId="ADAL" clId="{03CF33AC-D9E4-491F-8963-DAB5E6081A01}" dt="2024-10-09T09:07:53.255" v="1300" actId="12"/>
-          <ac:spMkLst>
-            <pc:docMk/>
-            <pc:sldMk cId="2224630467" sldId="375"/>
-            <ac:spMk id="3" creationId="{C721DE20-D793-5101-4263-6B0AEF084494}"/>
-          </ac:spMkLst>
-        </pc:spChg>
-        <pc:spChg chg="add mod">
-          <ac:chgData name="Cooling, Chris" userId="6dcf99c9-2ba5-410a-8445-0893a3d1421f" providerId="ADAL" clId="{03CF33AC-D9E4-491F-8963-DAB5E6081A01}" dt="2024-10-09T09:06:55.187" v="1294"/>
-          <ac:spMkLst>
-            <pc:docMk/>
-            <pc:sldMk cId="2224630467" sldId="375"/>
-            <ac:spMk id="8" creationId="{D16C161C-A56C-C427-F95E-D663E99E25C1}"/>
-          </ac:spMkLst>
-        </pc:spChg>
-        <pc:spChg chg="add mod">
-          <ac:chgData name="Cooling, Chris" userId="6dcf99c9-2ba5-410a-8445-0893a3d1421f" providerId="ADAL" clId="{03CF33AC-D9E4-491F-8963-DAB5E6081A01}" dt="2024-10-09T09:06:55.187" v="1294"/>
-          <ac:spMkLst>
-            <pc:docMk/>
-            <pc:sldMk cId="2224630467" sldId="375"/>
-            <ac:spMk id="9" creationId="{649A0BA4-89F6-5DCB-AA98-7C5E9D06BD76}"/>
-          </ac:spMkLst>
-        </pc:spChg>
-        <pc:graphicFrameChg chg="add mod modGraphic">
-          <ac:chgData name="Cooling, Chris" userId="6dcf99c9-2ba5-410a-8445-0893a3d1421f" providerId="ADAL" clId="{03CF33AC-D9E4-491F-8963-DAB5E6081A01}" dt="2024-10-09T09:06:41.805" v="1293" actId="14100"/>
-          <ac:graphicFrameMkLst>
-            <pc:docMk/>
-            <pc:sldMk cId="2224630467" sldId="375"/>
-            <ac:graphicFrameMk id="4" creationId="{49F002EE-F7B4-A54D-8796-A68257964AD7}"/>
-          </ac:graphicFrameMkLst>
-        </pc:graphicFrameChg>
       </pc:sldChg>
       <pc:sldChg chg="modSp add del mod">
         <pc:chgData name="Cooling, Chris" userId="6dcf99c9-2ba5-410a-8445-0893a3d1421f" providerId="ADAL" clId="{03CF33AC-D9E4-491F-8963-DAB5E6081A01}" dt="2024-10-09T08:23:15.889" v="66" actId="47"/>
@@ -2191,14 +1439,6 @@
           <pc:docMk/>
           <pc:sldMk cId="3140181227" sldId="375"/>
         </pc:sldMkLst>
-        <pc:spChg chg="mod">
-          <ac:chgData name="Cooling, Chris" userId="6dcf99c9-2ba5-410a-8445-0893a3d1421f" providerId="ADAL" clId="{03CF33AC-D9E4-491F-8963-DAB5E6081A01}" dt="2024-10-09T08:22:55.283" v="60" actId="27636"/>
-          <ac:spMkLst>
-            <pc:docMk/>
-            <pc:sldMk cId="3140181227" sldId="375"/>
-            <ac:spMk id="3" creationId="{00000000-0000-0000-0000-000000000000}"/>
-          </ac:spMkLst>
-        </pc:spChg>
       </pc:sldChg>
       <pc:sldChg chg="add del">
         <pc:chgData name="Cooling, Chris" userId="6dcf99c9-2ba5-410a-8445-0893a3d1421f" providerId="ADAL" clId="{03CF33AC-D9E4-491F-8963-DAB5E6081A01}" dt="2024-10-09T08:23:15.889" v="66" actId="47"/>
@@ -2213,54 +1453,6 @@
           <pc:docMk/>
           <pc:sldMk cId="3847659151" sldId="376"/>
         </pc:sldMkLst>
-        <pc:spChg chg="mod">
-          <ac:chgData name="Cooling, Chris" userId="6dcf99c9-2ba5-410a-8445-0893a3d1421f" providerId="ADAL" clId="{03CF33AC-D9E4-491F-8963-DAB5E6081A01}" dt="2024-10-09T09:07:36.583" v="1298"/>
-          <ac:spMkLst>
-            <pc:docMk/>
-            <pc:sldMk cId="3847659151" sldId="376"/>
-            <ac:spMk id="2" creationId="{6F5D226D-AEEE-9CAD-EC6D-58B1E3EBB257}"/>
-          </ac:spMkLst>
-        </pc:spChg>
-        <pc:spChg chg="mod">
-          <ac:chgData name="Cooling, Chris" userId="6dcf99c9-2ba5-410a-8445-0893a3d1421f" providerId="ADAL" clId="{03CF33AC-D9E4-491F-8963-DAB5E6081A01}" dt="2024-10-09T09:09:04.119" v="1303" actId="12"/>
-          <ac:spMkLst>
-            <pc:docMk/>
-            <pc:sldMk cId="3847659151" sldId="376"/>
-            <ac:spMk id="3" creationId="{C721DE20-D793-5101-4263-6B0AEF084494}"/>
-          </ac:spMkLst>
-        </pc:spChg>
-        <pc:spChg chg="del">
-          <ac:chgData name="Cooling, Chris" userId="6dcf99c9-2ba5-410a-8445-0893a3d1421f" providerId="ADAL" clId="{03CF33AC-D9E4-491F-8963-DAB5E6081A01}" dt="2024-10-09T09:10:34.059" v="1310" actId="478"/>
-          <ac:spMkLst>
-            <pc:docMk/>
-            <pc:sldMk cId="3847659151" sldId="376"/>
-            <ac:spMk id="8" creationId="{D16C161C-A56C-C427-F95E-D663E99E25C1}"/>
-          </ac:spMkLst>
-        </pc:spChg>
-        <pc:spChg chg="add mod">
-          <ac:chgData name="Cooling, Chris" userId="6dcf99c9-2ba5-410a-8445-0893a3d1421f" providerId="ADAL" clId="{03CF33AC-D9E4-491F-8963-DAB5E6081A01}" dt="2024-10-09T09:11:29.913" v="1314" actId="20577"/>
-          <ac:spMkLst>
-            <pc:docMk/>
-            <pc:sldMk cId="3847659151" sldId="376"/>
-            <ac:spMk id="11" creationId="{3CE2047C-E83D-84F9-02C3-26704590B789}"/>
-          </ac:spMkLst>
-        </pc:spChg>
-        <pc:graphicFrameChg chg="del">
-          <ac:chgData name="Cooling, Chris" userId="6dcf99c9-2ba5-410a-8445-0893a3d1421f" providerId="ADAL" clId="{03CF33AC-D9E4-491F-8963-DAB5E6081A01}" dt="2024-10-09T09:08:53.204" v="1301" actId="478"/>
-          <ac:graphicFrameMkLst>
-            <pc:docMk/>
-            <pc:sldMk cId="3847659151" sldId="376"/>
-            <ac:graphicFrameMk id="4" creationId="{49F002EE-F7B4-A54D-8796-A68257964AD7}"/>
-          </ac:graphicFrameMkLst>
-        </pc:graphicFrameChg>
-        <pc:graphicFrameChg chg="add mod">
-          <ac:chgData name="Cooling, Chris" userId="6dcf99c9-2ba5-410a-8445-0893a3d1421f" providerId="ADAL" clId="{03CF33AC-D9E4-491F-8963-DAB5E6081A01}" dt="2024-10-09T09:09:26.559" v="1305" actId="1076"/>
-          <ac:graphicFrameMkLst>
-            <pc:docMk/>
-            <pc:sldMk cId="3847659151" sldId="376"/>
-            <ac:graphicFrameMk id="10" creationId="{35C43D64-E259-8D04-A44A-57BB85A9027A}"/>
-          </ac:graphicFrameMkLst>
-        </pc:graphicFrameChg>
       </pc:sldChg>
       <pc:sldChg chg="addSp delSp modSp add mod ord modNotesTx">
         <pc:chgData name="Cooling, Chris" userId="6dcf99c9-2ba5-410a-8445-0893a3d1421f" providerId="ADAL" clId="{03CF33AC-D9E4-491F-8963-DAB5E6081A01}" dt="2024-10-09T13:09:12.741" v="2832" actId="20577"/>
@@ -2268,54 +1460,6 @@
           <pc:docMk/>
           <pc:sldMk cId="2673447316" sldId="377"/>
         </pc:sldMkLst>
-        <pc:spChg chg="mod">
-          <ac:chgData name="Cooling, Chris" userId="6dcf99c9-2ba5-410a-8445-0893a3d1421f" providerId="ADAL" clId="{03CF33AC-D9E4-491F-8963-DAB5E6081A01}" dt="2024-10-09T09:15:49.019" v="1318"/>
-          <ac:spMkLst>
-            <pc:docMk/>
-            <pc:sldMk cId="2673447316" sldId="377"/>
-            <ac:spMk id="2" creationId="{6F5D226D-AEEE-9CAD-EC6D-58B1E3EBB257}"/>
-          </ac:spMkLst>
-        </pc:spChg>
-        <pc:spChg chg="del">
-          <ac:chgData name="Cooling, Chris" userId="6dcf99c9-2ba5-410a-8445-0893a3d1421f" providerId="ADAL" clId="{03CF33AC-D9E4-491F-8963-DAB5E6081A01}" dt="2024-10-09T09:15:56.566" v="1319" actId="478"/>
-          <ac:spMkLst>
-            <pc:docMk/>
-            <pc:sldMk cId="2673447316" sldId="377"/>
-            <ac:spMk id="3" creationId="{C721DE20-D793-5101-4263-6B0AEF084494}"/>
-          </ac:spMkLst>
-        </pc:spChg>
-        <pc:spChg chg="del">
-          <ac:chgData name="Cooling, Chris" userId="6dcf99c9-2ba5-410a-8445-0893a3d1421f" providerId="ADAL" clId="{03CF33AC-D9E4-491F-8963-DAB5E6081A01}" dt="2024-10-09T09:17:17.875" v="1326" actId="478"/>
-          <ac:spMkLst>
-            <pc:docMk/>
-            <pc:sldMk cId="2673447316" sldId="377"/>
-            <ac:spMk id="9" creationId="{649A0BA4-89F6-5DCB-AA98-7C5E9D06BD76}"/>
-          </ac:spMkLst>
-        </pc:spChg>
-        <pc:spChg chg="add del mod">
-          <ac:chgData name="Cooling, Chris" userId="6dcf99c9-2ba5-410a-8445-0893a3d1421f" providerId="ADAL" clId="{03CF33AC-D9E4-491F-8963-DAB5E6081A01}" dt="2024-10-09T09:15:59.844" v="1320" actId="478"/>
-          <ac:spMkLst>
-            <pc:docMk/>
-            <pc:sldMk cId="2673447316" sldId="377"/>
-            <ac:spMk id="11" creationId="{EDA2A8D8-0E49-46A8-DB7B-2CA5F6272A41}"/>
-          </ac:spMkLst>
-        </pc:spChg>
-        <pc:graphicFrameChg chg="del">
-          <ac:chgData name="Cooling, Chris" userId="6dcf99c9-2ba5-410a-8445-0893a3d1421f" providerId="ADAL" clId="{03CF33AC-D9E4-491F-8963-DAB5E6081A01}" dt="2024-10-09T09:15:56.566" v="1319" actId="478"/>
-          <ac:graphicFrameMkLst>
-            <pc:docMk/>
-            <pc:sldMk cId="2673447316" sldId="377"/>
-            <ac:graphicFrameMk id="4" creationId="{49F002EE-F7B4-A54D-8796-A68257964AD7}"/>
-          </ac:graphicFrameMkLst>
-        </pc:graphicFrameChg>
-        <pc:graphicFrameChg chg="add mod modGraphic">
-          <ac:chgData name="Cooling, Chris" userId="6dcf99c9-2ba5-410a-8445-0893a3d1421f" providerId="ADAL" clId="{03CF33AC-D9E4-491F-8963-DAB5E6081A01}" dt="2024-10-09T13:04:47.646" v="2625" actId="14734"/>
-          <ac:graphicFrameMkLst>
-            <pc:docMk/>
-            <pc:sldMk cId="2673447316" sldId="377"/>
-            <ac:graphicFrameMk id="12" creationId="{5CBA93B7-2C18-B34A-C476-55D1B1323A5E}"/>
-          </ac:graphicFrameMkLst>
-        </pc:graphicFrameChg>
       </pc:sldChg>
       <pc:sldChg chg="modSp add del mod">
         <pc:chgData name="Cooling, Chris" userId="6dcf99c9-2ba5-410a-8445-0893a3d1421f" providerId="ADAL" clId="{03CF33AC-D9E4-491F-8963-DAB5E6081A01}" dt="2024-10-09T08:23:15.889" v="66" actId="47"/>
@@ -2323,14 +1467,6 @@
           <pc:docMk/>
           <pc:sldMk cId="2849987525" sldId="377"/>
         </pc:sldMkLst>
-        <pc:spChg chg="mod">
-          <ac:chgData name="Cooling, Chris" userId="6dcf99c9-2ba5-410a-8445-0893a3d1421f" providerId="ADAL" clId="{03CF33AC-D9E4-491F-8963-DAB5E6081A01}" dt="2024-10-09T08:22:55.287" v="61" actId="27636"/>
-          <ac:spMkLst>
-            <pc:docMk/>
-            <pc:sldMk cId="2849987525" sldId="377"/>
-            <ac:spMk id="3" creationId="{00000000-0000-0000-0000-000000000000}"/>
-          </ac:spMkLst>
-        </pc:spChg>
       </pc:sldChg>
       <pc:sldChg chg="add del">
         <pc:chgData name="Cooling, Chris" userId="6dcf99c9-2ba5-410a-8445-0893a3d1421f" providerId="ADAL" clId="{03CF33AC-D9E4-491F-8963-DAB5E6081A01}" dt="2024-10-09T08:23:15.889" v="66" actId="47"/>
@@ -2345,38 +1481,6 @@
           <pc:docMk/>
           <pc:sldMk cId="3995649870" sldId="378"/>
         </pc:sldMkLst>
-        <pc:spChg chg="mod">
-          <ac:chgData name="Cooling, Chris" userId="6dcf99c9-2ba5-410a-8445-0893a3d1421f" providerId="ADAL" clId="{03CF33AC-D9E4-491F-8963-DAB5E6081A01}" dt="2024-10-09T09:17:50.286" v="1330"/>
-          <ac:spMkLst>
-            <pc:docMk/>
-            <pc:sldMk cId="3995649870" sldId="378"/>
-            <ac:spMk id="2" creationId="{6F5D226D-AEEE-9CAD-EC6D-58B1E3EBB257}"/>
-          </ac:spMkLst>
-        </pc:spChg>
-        <pc:spChg chg="add mod">
-          <ac:chgData name="Cooling, Chris" userId="6dcf99c9-2ba5-410a-8445-0893a3d1421f" providerId="ADAL" clId="{03CF33AC-D9E4-491F-8963-DAB5E6081A01}" dt="2024-10-09T09:18:31.201" v="1339" actId="14100"/>
-          <ac:spMkLst>
-            <pc:docMk/>
-            <pc:sldMk cId="3995649870" sldId="378"/>
-            <ac:spMk id="3" creationId="{6157602F-3093-6C86-1337-21F19F301CE4}"/>
-          </ac:spMkLst>
-        </pc:spChg>
-        <pc:spChg chg="del">
-          <ac:chgData name="Cooling, Chris" userId="6dcf99c9-2ba5-410a-8445-0893a3d1421f" providerId="ADAL" clId="{03CF33AC-D9E4-491F-8963-DAB5E6081A01}" dt="2024-10-09T09:18:44.708" v="1341" actId="478"/>
-          <ac:spMkLst>
-            <pc:docMk/>
-            <pc:sldMk cId="3995649870" sldId="378"/>
-            <ac:spMk id="8" creationId="{D16C161C-A56C-C427-F95E-D663E99E25C1}"/>
-          </ac:spMkLst>
-        </pc:spChg>
-        <pc:graphicFrameChg chg="del">
-          <ac:chgData name="Cooling, Chris" userId="6dcf99c9-2ba5-410a-8445-0893a3d1421f" providerId="ADAL" clId="{03CF33AC-D9E4-491F-8963-DAB5E6081A01}" dt="2024-10-09T09:17:55.806" v="1331" actId="478"/>
-          <ac:graphicFrameMkLst>
-            <pc:docMk/>
-            <pc:sldMk cId="3995649870" sldId="378"/>
-            <ac:graphicFrameMk id="12" creationId="{5CBA93B7-2C18-B34A-C476-55D1B1323A5E}"/>
-          </ac:graphicFrameMkLst>
-        </pc:graphicFrameChg>
       </pc:sldChg>
       <pc:sldChg chg="addSp delSp modSp add mod modNotesTx">
         <pc:chgData name="Cooling, Chris" userId="6dcf99c9-2ba5-410a-8445-0893a3d1421f" providerId="ADAL" clId="{03CF33AC-D9E4-491F-8963-DAB5E6081A01}" dt="2024-10-09T09:22:04.273" v="1354"/>
@@ -2384,102 +1488,6 @@
           <pc:docMk/>
           <pc:sldMk cId="606499370" sldId="379"/>
         </pc:sldMkLst>
-        <pc:spChg chg="mod">
-          <ac:chgData name="Cooling, Chris" userId="6dcf99c9-2ba5-410a-8445-0893a3d1421f" providerId="ADAL" clId="{03CF33AC-D9E4-491F-8963-DAB5E6081A01}" dt="2024-10-09T09:19:34.194" v="1343"/>
-          <ac:spMkLst>
-            <pc:docMk/>
-            <pc:sldMk cId="606499370" sldId="379"/>
-            <ac:spMk id="2" creationId="{6F5D226D-AEEE-9CAD-EC6D-58B1E3EBB257}"/>
-          </ac:spMkLst>
-        </pc:spChg>
-        <pc:spChg chg="del mod">
-          <ac:chgData name="Cooling, Chris" userId="6dcf99c9-2ba5-410a-8445-0893a3d1421f" providerId="ADAL" clId="{03CF33AC-D9E4-491F-8963-DAB5E6081A01}" dt="2024-10-09T09:20:01.640" v="1345" actId="478"/>
-          <ac:spMkLst>
-            <pc:docMk/>
-            <pc:sldMk cId="606499370" sldId="379"/>
-            <ac:spMk id="3" creationId="{6157602F-3093-6C86-1337-21F19F301CE4}"/>
-          </ac:spMkLst>
-        </pc:spChg>
-        <pc:spChg chg="add del mod">
-          <ac:chgData name="Cooling, Chris" userId="6dcf99c9-2ba5-410a-8445-0893a3d1421f" providerId="ADAL" clId="{03CF33AC-D9E4-491F-8963-DAB5E6081A01}" dt="2024-10-09T09:20:13.885" v="1348" actId="478"/>
-          <ac:spMkLst>
-            <pc:docMk/>
-            <pc:sldMk cId="606499370" sldId="379"/>
-            <ac:spMk id="8" creationId="{170C6E42-6604-2F25-7E8F-254778624ADB}"/>
-          </ac:spMkLst>
-        </pc:spChg>
-        <pc:spChg chg="add mod">
-          <ac:chgData name="Cooling, Chris" userId="6dcf99c9-2ba5-410a-8445-0893a3d1421f" providerId="ADAL" clId="{03CF33AC-D9E4-491F-8963-DAB5E6081A01}" dt="2024-10-09T09:20:45.152" v="1350" actId="14100"/>
-          <ac:spMkLst>
-            <pc:docMk/>
-            <pc:sldMk cId="606499370" sldId="379"/>
-            <ac:spMk id="10" creationId="{EFC98D82-71F0-E954-66D1-7D4DCC4D59A5}"/>
-          </ac:spMkLst>
-        </pc:spChg>
-        <pc:spChg chg="add mod">
-          <ac:chgData name="Cooling, Chris" userId="6dcf99c9-2ba5-410a-8445-0893a3d1421f" providerId="ADAL" clId="{03CF33AC-D9E4-491F-8963-DAB5E6081A01}" dt="2024-10-09T09:20:49.460" v="1351" actId="14100"/>
-          <ac:spMkLst>
-            <pc:docMk/>
-            <pc:sldMk cId="606499370" sldId="379"/>
-            <ac:spMk id="11" creationId="{B5F5C449-40E0-7BD4-ACE5-E3FD5E106321}"/>
-          </ac:spMkLst>
-        </pc:spChg>
-        <pc:spChg chg="add mod">
-          <ac:chgData name="Cooling, Chris" userId="6dcf99c9-2ba5-410a-8445-0893a3d1421f" providerId="ADAL" clId="{03CF33AC-D9E4-491F-8963-DAB5E6081A01}" dt="2024-10-09T09:20:52.469" v="1352" actId="14100"/>
-          <ac:spMkLst>
-            <pc:docMk/>
-            <pc:sldMk cId="606499370" sldId="379"/>
-            <ac:spMk id="12" creationId="{DF55004C-251E-E36B-DF70-74919067C6CA}"/>
-          </ac:spMkLst>
-        </pc:spChg>
-        <pc:spChg chg="add mod">
-          <ac:chgData name="Cooling, Chris" userId="6dcf99c9-2ba5-410a-8445-0893a3d1421f" providerId="ADAL" clId="{03CF33AC-D9E4-491F-8963-DAB5E6081A01}" dt="2024-10-09T09:20:09.064" v="1347" actId="14100"/>
-          <ac:spMkLst>
-            <pc:docMk/>
-            <pc:sldMk cId="606499370" sldId="379"/>
-            <ac:spMk id="16" creationId="{2312D05D-8308-144B-21AB-A1DE9AD0C685}"/>
-          </ac:spMkLst>
-        </pc:spChg>
-        <pc:spChg chg="add mod">
-          <ac:chgData name="Cooling, Chris" userId="6dcf99c9-2ba5-410a-8445-0893a3d1421f" providerId="ADAL" clId="{03CF33AC-D9E4-491F-8963-DAB5E6081A01}" dt="2024-10-09T09:22:04.273" v="1354"/>
-          <ac:spMkLst>
-            <pc:docMk/>
-            <pc:sldMk cId="606499370" sldId="379"/>
-            <ac:spMk id="21" creationId="{3EF02EC7-08E8-F4F1-85BA-B64EC3336509}"/>
-          </ac:spMkLst>
-        </pc:spChg>
-        <pc:graphicFrameChg chg="add mod modGraphic">
-          <ac:chgData name="Cooling, Chris" userId="6dcf99c9-2ba5-410a-8445-0893a3d1421f" providerId="ADAL" clId="{03CF33AC-D9E4-491F-8963-DAB5E6081A01}" dt="2024-10-09T09:20:09.064" v="1347" actId="14100"/>
-          <ac:graphicFrameMkLst>
-            <pc:docMk/>
-            <pc:sldMk cId="606499370" sldId="379"/>
-            <ac:graphicFrameMk id="9" creationId="{2052E3E3-8791-3777-5D5E-FC442DEC77BC}"/>
-          </ac:graphicFrameMkLst>
-        </pc:graphicFrameChg>
-        <pc:cxnChg chg="add mod">
-          <ac:chgData name="Cooling, Chris" userId="6dcf99c9-2ba5-410a-8445-0893a3d1421f" providerId="ADAL" clId="{03CF33AC-D9E4-491F-8963-DAB5E6081A01}" dt="2024-10-09T09:20:45.152" v="1350" actId="14100"/>
-          <ac:cxnSpMkLst>
-            <pc:docMk/>
-            <pc:sldMk cId="606499370" sldId="379"/>
-            <ac:cxnSpMk id="13" creationId="{64FD6267-A0A0-D7F2-C1C4-B9271E1A7A21}"/>
-          </ac:cxnSpMkLst>
-        </pc:cxnChg>
-        <pc:cxnChg chg="add mod">
-          <ac:chgData name="Cooling, Chris" userId="6dcf99c9-2ba5-410a-8445-0893a3d1421f" providerId="ADAL" clId="{03CF33AC-D9E4-491F-8963-DAB5E6081A01}" dt="2024-10-09T09:20:49.460" v="1351" actId="14100"/>
-          <ac:cxnSpMkLst>
-            <pc:docMk/>
-            <pc:sldMk cId="606499370" sldId="379"/>
-            <ac:cxnSpMk id="14" creationId="{FE940325-8B5A-D98C-18A3-E86B08493256}"/>
-          </ac:cxnSpMkLst>
-        </pc:cxnChg>
-        <pc:cxnChg chg="add mod">
-          <ac:chgData name="Cooling, Chris" userId="6dcf99c9-2ba5-410a-8445-0893a3d1421f" providerId="ADAL" clId="{03CF33AC-D9E4-491F-8963-DAB5E6081A01}" dt="2024-10-09T09:20:52.469" v="1352" actId="14100"/>
-          <ac:cxnSpMkLst>
-            <pc:docMk/>
-            <pc:sldMk cId="606499370" sldId="379"/>
-            <ac:cxnSpMk id="15" creationId="{0AE14AA3-D4C4-59FF-36D7-5793478ABB60}"/>
-          </ac:cxnSpMkLst>
-        </pc:cxnChg>
       </pc:sldChg>
       <pc:sldChg chg="add del">
         <pc:chgData name="Cooling, Chris" userId="6dcf99c9-2ba5-410a-8445-0893a3d1421f" providerId="ADAL" clId="{03CF33AC-D9E4-491F-8963-DAB5E6081A01}" dt="2024-10-09T08:23:15.889" v="66" actId="47"/>
@@ -2494,166 +1502,6 @@
           <pc:docMk/>
           <pc:sldMk cId="534930278" sldId="380"/>
         </pc:sldMkLst>
-        <pc:spChg chg="mod">
-          <ac:chgData name="Cooling, Chris" userId="6dcf99c9-2ba5-410a-8445-0893a3d1421f" providerId="ADAL" clId="{03CF33AC-D9E4-491F-8963-DAB5E6081A01}" dt="2024-10-09T09:26:37.687" v="1375" actId="20577"/>
-          <ac:spMkLst>
-            <pc:docMk/>
-            <pc:sldMk cId="534930278" sldId="380"/>
-            <ac:spMk id="2" creationId="{6F5D226D-AEEE-9CAD-EC6D-58B1E3EBB257}"/>
-          </ac:spMkLst>
-        </pc:spChg>
-        <pc:spChg chg="add del mod">
-          <ac:chgData name="Cooling, Chris" userId="6dcf99c9-2ba5-410a-8445-0893a3d1421f" providerId="ADAL" clId="{03CF33AC-D9E4-491F-8963-DAB5E6081A01}" dt="2024-10-09T09:26:45.277" v="1376" actId="478"/>
-          <ac:spMkLst>
-            <pc:docMk/>
-            <pc:sldMk cId="534930278" sldId="380"/>
-            <ac:spMk id="4" creationId="{E22AC764-A68F-0E1D-B6B1-EC718E03D016}"/>
-          </ac:spMkLst>
-        </pc:spChg>
-        <pc:spChg chg="add del mod">
-          <ac:chgData name="Cooling, Chris" userId="6dcf99c9-2ba5-410a-8445-0893a3d1421f" providerId="ADAL" clId="{03CF33AC-D9E4-491F-8963-DAB5E6081A01}" dt="2024-10-09T09:26:45.277" v="1376" actId="478"/>
-          <ac:spMkLst>
-            <pc:docMk/>
-            <pc:sldMk cId="534930278" sldId="380"/>
-            <ac:spMk id="8" creationId="{1A07DDC9-36F5-61B6-B241-EC89DC24F7B9}"/>
-          </ac:spMkLst>
-        </pc:spChg>
-        <pc:spChg chg="del">
-          <ac:chgData name="Cooling, Chris" userId="6dcf99c9-2ba5-410a-8445-0893a3d1421f" providerId="ADAL" clId="{03CF33AC-D9E4-491F-8963-DAB5E6081A01}" dt="2024-10-09T09:23:07.189" v="1356" actId="478"/>
-          <ac:spMkLst>
-            <pc:docMk/>
-            <pc:sldMk cId="534930278" sldId="380"/>
-            <ac:spMk id="10" creationId="{EFC98D82-71F0-E954-66D1-7D4DCC4D59A5}"/>
-          </ac:spMkLst>
-        </pc:spChg>
-        <pc:spChg chg="del">
-          <ac:chgData name="Cooling, Chris" userId="6dcf99c9-2ba5-410a-8445-0893a3d1421f" providerId="ADAL" clId="{03CF33AC-D9E4-491F-8963-DAB5E6081A01}" dt="2024-10-09T09:23:07.189" v="1356" actId="478"/>
-          <ac:spMkLst>
-            <pc:docMk/>
-            <pc:sldMk cId="534930278" sldId="380"/>
-            <ac:spMk id="11" creationId="{B5F5C449-40E0-7BD4-ACE5-E3FD5E106321}"/>
-          </ac:spMkLst>
-        </pc:spChg>
-        <pc:spChg chg="del">
-          <ac:chgData name="Cooling, Chris" userId="6dcf99c9-2ba5-410a-8445-0893a3d1421f" providerId="ADAL" clId="{03CF33AC-D9E4-491F-8963-DAB5E6081A01}" dt="2024-10-09T09:23:07.189" v="1356" actId="478"/>
-          <ac:spMkLst>
-            <pc:docMk/>
-            <pc:sldMk cId="534930278" sldId="380"/>
-            <ac:spMk id="12" creationId="{DF55004C-251E-E36B-DF70-74919067C6CA}"/>
-          </ac:spMkLst>
-        </pc:spChg>
-        <pc:spChg chg="del">
-          <ac:chgData name="Cooling, Chris" userId="6dcf99c9-2ba5-410a-8445-0893a3d1421f" providerId="ADAL" clId="{03CF33AC-D9E4-491F-8963-DAB5E6081A01}" dt="2024-10-09T09:23:07.189" v="1356" actId="478"/>
-          <ac:spMkLst>
-            <pc:docMk/>
-            <pc:sldMk cId="534930278" sldId="380"/>
-            <ac:spMk id="16" creationId="{2312D05D-8308-144B-21AB-A1DE9AD0C685}"/>
-          </ac:spMkLst>
-        </pc:spChg>
-        <pc:spChg chg="add del mod">
-          <ac:chgData name="Cooling, Chris" userId="6dcf99c9-2ba5-410a-8445-0893a3d1421f" providerId="ADAL" clId="{03CF33AC-D9E4-491F-8963-DAB5E6081A01}" dt="2024-10-09T09:26:45.277" v="1376" actId="478"/>
-          <ac:spMkLst>
-            <pc:docMk/>
-            <pc:sldMk cId="534930278" sldId="380"/>
-            <ac:spMk id="19" creationId="{6199CFF2-1547-8825-3F52-F1DF7E9FCA5F}"/>
-          </ac:spMkLst>
-        </pc:spChg>
-        <pc:spChg chg="add del mod">
-          <ac:chgData name="Cooling, Chris" userId="6dcf99c9-2ba5-410a-8445-0893a3d1421f" providerId="ADAL" clId="{03CF33AC-D9E4-491F-8963-DAB5E6081A01}" dt="2024-10-09T09:26:50.185" v="1377" actId="478"/>
-          <ac:spMkLst>
-            <pc:docMk/>
-            <pc:sldMk cId="534930278" sldId="380"/>
-            <ac:spMk id="22" creationId="{FDF9D213-36D6-8469-482F-9B0C52C1CD1D}"/>
-          </ac:spMkLst>
-        </pc:spChg>
-        <pc:spChg chg="add del mod">
-          <ac:chgData name="Cooling, Chris" userId="6dcf99c9-2ba5-410a-8445-0893a3d1421f" providerId="ADAL" clId="{03CF33AC-D9E4-491F-8963-DAB5E6081A01}" dt="2024-10-09T09:25:24.561" v="1362" actId="478"/>
-          <ac:spMkLst>
-            <pc:docMk/>
-            <pc:sldMk cId="534930278" sldId="380"/>
-            <ac:spMk id="23" creationId="{B22A7F75-C208-38AF-0486-F96C15635BAF}"/>
-          </ac:spMkLst>
-        </pc:spChg>
-        <pc:spChg chg="add mod">
-          <ac:chgData name="Cooling, Chris" userId="6dcf99c9-2ba5-410a-8445-0893a3d1421f" providerId="ADAL" clId="{03CF33AC-D9E4-491F-8963-DAB5E6081A01}" dt="2024-10-09T09:29:00.286" v="1382"/>
-          <ac:spMkLst>
-            <pc:docMk/>
-            <pc:sldMk cId="534930278" sldId="380"/>
-            <ac:spMk id="29" creationId="{28540F58-C931-0B2E-AB27-0CB47361198A}"/>
-          </ac:spMkLst>
-        </pc:spChg>
-        <pc:graphicFrameChg chg="add del mod modGraphic">
-          <ac:chgData name="Cooling, Chris" userId="6dcf99c9-2ba5-410a-8445-0893a3d1421f" providerId="ADAL" clId="{03CF33AC-D9E4-491F-8963-DAB5E6081A01}" dt="2024-10-09T09:26:45.277" v="1376" actId="478"/>
-          <ac:graphicFrameMkLst>
-            <pc:docMk/>
-            <pc:sldMk cId="534930278" sldId="380"/>
-            <ac:graphicFrameMk id="3" creationId="{D6CC7615-3405-EF05-950A-96669E4261AF}"/>
-          </ac:graphicFrameMkLst>
-        </pc:graphicFrameChg>
-        <pc:graphicFrameChg chg="del">
-          <ac:chgData name="Cooling, Chris" userId="6dcf99c9-2ba5-410a-8445-0893a3d1421f" providerId="ADAL" clId="{03CF33AC-D9E4-491F-8963-DAB5E6081A01}" dt="2024-10-09T09:23:07.189" v="1356" actId="478"/>
-          <ac:graphicFrameMkLst>
-            <pc:docMk/>
-            <pc:sldMk cId="534930278" sldId="380"/>
-            <ac:graphicFrameMk id="9" creationId="{2052E3E3-8791-3777-5D5E-FC442DEC77BC}"/>
-          </ac:graphicFrameMkLst>
-        </pc:graphicFrameChg>
-        <pc:graphicFrameChg chg="add mod modGraphic">
-          <ac:chgData name="Cooling, Chris" userId="6dcf99c9-2ba5-410a-8445-0893a3d1421f" providerId="ADAL" clId="{03CF33AC-D9E4-491F-8963-DAB5E6081A01}" dt="2024-10-09T09:27:04.295" v="1380" actId="14100"/>
-          <ac:graphicFrameMkLst>
-            <pc:docMk/>
-            <pc:sldMk cId="534930278" sldId="380"/>
-            <ac:graphicFrameMk id="28" creationId="{D940666D-1A22-5A61-43BE-D150174F045B}"/>
-          </ac:graphicFrameMkLst>
-        </pc:graphicFrameChg>
-        <pc:cxnChg chg="del mod">
-          <ac:chgData name="Cooling, Chris" userId="6dcf99c9-2ba5-410a-8445-0893a3d1421f" providerId="ADAL" clId="{03CF33AC-D9E4-491F-8963-DAB5E6081A01}" dt="2024-10-09T09:23:07.189" v="1356" actId="478"/>
-          <ac:cxnSpMkLst>
-            <pc:docMk/>
-            <pc:sldMk cId="534930278" sldId="380"/>
-            <ac:cxnSpMk id="13" creationId="{64FD6267-A0A0-D7F2-C1C4-B9271E1A7A21}"/>
-          </ac:cxnSpMkLst>
-        </pc:cxnChg>
-        <pc:cxnChg chg="del mod">
-          <ac:chgData name="Cooling, Chris" userId="6dcf99c9-2ba5-410a-8445-0893a3d1421f" providerId="ADAL" clId="{03CF33AC-D9E4-491F-8963-DAB5E6081A01}" dt="2024-10-09T09:23:07.189" v="1356" actId="478"/>
-          <ac:cxnSpMkLst>
-            <pc:docMk/>
-            <pc:sldMk cId="534930278" sldId="380"/>
-            <ac:cxnSpMk id="14" creationId="{FE940325-8B5A-D98C-18A3-E86B08493256}"/>
-          </ac:cxnSpMkLst>
-        </pc:cxnChg>
-        <pc:cxnChg chg="del mod">
-          <ac:chgData name="Cooling, Chris" userId="6dcf99c9-2ba5-410a-8445-0893a3d1421f" providerId="ADAL" clId="{03CF33AC-D9E4-491F-8963-DAB5E6081A01}" dt="2024-10-09T09:23:07.189" v="1356" actId="478"/>
-          <ac:cxnSpMkLst>
-            <pc:docMk/>
-            <pc:sldMk cId="534930278" sldId="380"/>
-            <ac:cxnSpMk id="15" creationId="{0AE14AA3-D4C4-59FF-36D7-5793478ABB60}"/>
-          </ac:cxnSpMkLst>
-        </pc:cxnChg>
-        <pc:cxnChg chg="add del mod">
-          <ac:chgData name="Cooling, Chris" userId="6dcf99c9-2ba5-410a-8445-0893a3d1421f" providerId="ADAL" clId="{03CF33AC-D9E4-491F-8963-DAB5E6081A01}" dt="2024-10-09T09:26:45.277" v="1376" actId="478"/>
-          <ac:cxnSpMkLst>
-            <pc:docMk/>
-            <pc:sldMk cId="534930278" sldId="380"/>
-            <ac:cxnSpMk id="17" creationId="{4440CEAC-2CAE-950E-4B42-2356F02A7378}"/>
-          </ac:cxnSpMkLst>
-        </pc:cxnChg>
-        <pc:cxnChg chg="add del mod">
-          <ac:chgData name="Cooling, Chris" userId="6dcf99c9-2ba5-410a-8445-0893a3d1421f" providerId="ADAL" clId="{03CF33AC-D9E4-491F-8963-DAB5E6081A01}" dt="2024-10-09T09:26:45.277" v="1376" actId="478"/>
-          <ac:cxnSpMkLst>
-            <pc:docMk/>
-            <pc:sldMk cId="534930278" sldId="380"/>
-            <ac:cxnSpMk id="18" creationId="{0AD884FA-A416-EBB9-CF38-78973C139E6B}"/>
-          </ac:cxnSpMkLst>
-        </pc:cxnChg>
-        <pc:cxnChg chg="add del mod">
-          <ac:chgData name="Cooling, Chris" userId="6dcf99c9-2ba5-410a-8445-0893a3d1421f" providerId="ADAL" clId="{03CF33AC-D9E4-491F-8963-DAB5E6081A01}" dt="2024-10-09T09:26:45.277" v="1376" actId="478"/>
-          <ac:cxnSpMkLst>
-            <pc:docMk/>
-            <pc:sldMk cId="534930278" sldId="380"/>
-            <ac:cxnSpMk id="20" creationId="{D8DC515E-07D0-0431-F35C-AACF5D1D1688}"/>
-          </ac:cxnSpMkLst>
-        </pc:cxnChg>
       </pc:sldChg>
       <pc:sldChg chg="add del">
         <pc:chgData name="Cooling, Chris" userId="6dcf99c9-2ba5-410a-8445-0893a3d1421f" providerId="ADAL" clId="{03CF33AC-D9E4-491F-8963-DAB5E6081A01}" dt="2024-10-09T08:23:15.889" v="66" actId="47"/>
@@ -2668,38 +1516,6 @@
           <pc:docMk/>
           <pc:sldMk cId="2605189886" sldId="381"/>
         </pc:sldMkLst>
-        <pc:spChg chg="mod">
-          <ac:chgData name="Cooling, Chris" userId="6dcf99c9-2ba5-410a-8445-0893a3d1421f" providerId="ADAL" clId="{03CF33AC-D9E4-491F-8963-DAB5E6081A01}" dt="2024-10-09T09:30:27.814" v="1384"/>
-          <ac:spMkLst>
-            <pc:docMk/>
-            <pc:sldMk cId="2605189886" sldId="381"/>
-            <ac:spMk id="2" creationId="{6F5D226D-AEEE-9CAD-EC6D-58B1E3EBB257}"/>
-          </ac:spMkLst>
-        </pc:spChg>
-        <pc:spChg chg="add mod">
-          <ac:chgData name="Cooling, Chris" userId="6dcf99c9-2ba5-410a-8445-0893a3d1421f" providerId="ADAL" clId="{03CF33AC-D9E4-491F-8963-DAB5E6081A01}" dt="2024-10-09T09:31:23.708" v="1405" actId="14100"/>
-          <ac:spMkLst>
-            <pc:docMk/>
-            <pc:sldMk cId="2605189886" sldId="381"/>
-            <ac:spMk id="3" creationId="{2C7A6954-5AE7-6E35-86E6-C550777AAF6E}"/>
-          </ac:spMkLst>
-        </pc:spChg>
-        <pc:spChg chg="del">
-          <ac:chgData name="Cooling, Chris" userId="6dcf99c9-2ba5-410a-8445-0893a3d1421f" providerId="ADAL" clId="{03CF33AC-D9E4-491F-8963-DAB5E6081A01}" dt="2024-10-09T09:30:47.800" v="1392" actId="478"/>
-          <ac:spMkLst>
-            <pc:docMk/>
-            <pc:sldMk cId="2605189886" sldId="381"/>
-            <ac:spMk id="29" creationId="{28540F58-C931-0B2E-AB27-0CB47361198A}"/>
-          </ac:spMkLst>
-        </pc:spChg>
-        <pc:graphicFrameChg chg="del">
-          <ac:chgData name="Cooling, Chris" userId="6dcf99c9-2ba5-410a-8445-0893a3d1421f" providerId="ADAL" clId="{03CF33AC-D9E4-491F-8963-DAB5E6081A01}" dt="2024-10-09T09:30:31.822" v="1385" actId="478"/>
-          <ac:graphicFrameMkLst>
-            <pc:docMk/>
-            <pc:sldMk cId="2605189886" sldId="381"/>
-            <ac:graphicFrameMk id="28" creationId="{D940666D-1A22-5A61-43BE-D150174F045B}"/>
-          </ac:graphicFrameMkLst>
-        </pc:graphicFrameChg>
       </pc:sldChg>
       <pc:sldChg chg="add del">
         <pc:chgData name="Cooling, Chris" userId="6dcf99c9-2ba5-410a-8445-0893a3d1421f" providerId="ADAL" clId="{03CF33AC-D9E4-491F-8963-DAB5E6081A01}" dt="2024-10-09T08:23:15.889" v="66" actId="47"/>
@@ -2714,14 +1530,6 @@
           <pc:docMk/>
           <pc:sldMk cId="3357951532" sldId="382"/>
         </pc:sldMkLst>
-        <pc:spChg chg="mod">
-          <ac:chgData name="Cooling, Chris" userId="6dcf99c9-2ba5-410a-8445-0893a3d1421f" providerId="ADAL" clId="{03CF33AC-D9E4-491F-8963-DAB5E6081A01}" dt="2024-10-09T08:22:55.290" v="62" actId="27636"/>
-          <ac:spMkLst>
-            <pc:docMk/>
-            <pc:sldMk cId="3357951532" sldId="382"/>
-            <ac:spMk id="3" creationId="{00000000-0000-0000-0000-000000000000}"/>
-          </ac:spMkLst>
-        </pc:spChg>
       </pc:sldChg>
       <pc:sldChg chg="delSp modSp add mod modNotesTx">
         <pc:chgData name="Cooling, Chris" userId="6dcf99c9-2ba5-410a-8445-0893a3d1421f" providerId="ADAL" clId="{03CF33AC-D9E4-491F-8963-DAB5E6081A01}" dt="2024-10-09T09:35:08.883" v="1424" actId="20577"/>
@@ -2729,30 +1537,6 @@
           <pc:docMk/>
           <pc:sldMk cId="3637714125" sldId="382"/>
         </pc:sldMkLst>
-        <pc:spChg chg="mod">
-          <ac:chgData name="Cooling, Chris" userId="6dcf99c9-2ba5-410a-8445-0893a3d1421f" providerId="ADAL" clId="{03CF33AC-D9E4-491F-8963-DAB5E6081A01}" dt="2024-10-09T09:33:19.657" v="1408"/>
-          <ac:spMkLst>
-            <pc:docMk/>
-            <pc:sldMk cId="3637714125" sldId="382"/>
-            <ac:spMk id="2" creationId="{6F5D226D-AEEE-9CAD-EC6D-58B1E3EBB257}"/>
-          </ac:spMkLst>
-        </pc:spChg>
-        <pc:spChg chg="mod">
-          <ac:chgData name="Cooling, Chris" userId="6dcf99c9-2ba5-410a-8445-0893a3d1421f" providerId="ADAL" clId="{03CF33AC-D9E4-491F-8963-DAB5E6081A01}" dt="2024-10-09T09:34:47.105" v="1422" actId="6549"/>
-          <ac:spMkLst>
-            <pc:docMk/>
-            <pc:sldMk cId="3637714125" sldId="382"/>
-            <ac:spMk id="3" creationId="{2C7A6954-5AE7-6E35-86E6-C550777AAF6E}"/>
-          </ac:spMkLst>
-        </pc:spChg>
-        <pc:spChg chg="del">
-          <ac:chgData name="Cooling, Chris" userId="6dcf99c9-2ba5-410a-8445-0893a3d1421f" providerId="ADAL" clId="{03CF33AC-D9E4-491F-8963-DAB5E6081A01}" dt="2024-10-09T09:33:23.163" v="1409" actId="478"/>
-          <ac:spMkLst>
-            <pc:docMk/>
-            <pc:sldMk cId="3637714125" sldId="382"/>
-            <ac:spMk id="21" creationId="{3EF02EC7-08E8-F4F1-85BA-B64EC3336509}"/>
-          </ac:spMkLst>
-        </pc:spChg>
       </pc:sldChg>
       <pc:sldChg chg="add del">
         <pc:chgData name="Cooling, Chris" userId="6dcf99c9-2ba5-410a-8445-0893a3d1421f" providerId="ADAL" clId="{03CF33AC-D9E4-491F-8963-DAB5E6081A01}" dt="2024-10-09T08:23:15.889" v="66" actId="47"/>
@@ -2767,22 +1551,6 @@
           <pc:docMk/>
           <pc:sldMk cId="1793681033" sldId="383"/>
         </pc:sldMkLst>
-        <pc:spChg chg="mod">
-          <ac:chgData name="Cooling, Chris" userId="6dcf99c9-2ba5-410a-8445-0893a3d1421f" providerId="ADAL" clId="{03CF33AC-D9E4-491F-8963-DAB5E6081A01}" dt="2024-10-09T09:35:58.816" v="1426"/>
-          <ac:spMkLst>
-            <pc:docMk/>
-            <pc:sldMk cId="1793681033" sldId="383"/>
-            <ac:spMk id="2" creationId="{6F5D226D-AEEE-9CAD-EC6D-58B1E3EBB257}"/>
-          </ac:spMkLst>
-        </pc:spChg>
-        <pc:spChg chg="mod">
-          <ac:chgData name="Cooling, Chris" userId="6dcf99c9-2ba5-410a-8445-0893a3d1421f" providerId="ADAL" clId="{03CF33AC-D9E4-491F-8963-DAB5E6081A01}" dt="2024-10-09T09:36:47.858" v="1435" actId="6549"/>
-          <ac:spMkLst>
-            <pc:docMk/>
-            <pc:sldMk cId="1793681033" sldId="383"/>
-            <ac:spMk id="3" creationId="{2C7A6954-5AE7-6E35-86E6-C550777AAF6E}"/>
-          </ac:spMkLst>
-        </pc:spChg>
       </pc:sldChg>
       <pc:sldChg chg="add del">
         <pc:chgData name="Cooling, Chris" userId="6dcf99c9-2ba5-410a-8445-0893a3d1421f" providerId="ADAL" clId="{03CF33AC-D9E4-491F-8963-DAB5E6081A01}" dt="2024-10-09T08:23:15.889" v="66" actId="47"/>
@@ -2797,30 +1565,6 @@
           <pc:docMk/>
           <pc:sldMk cId="170370874" sldId="384"/>
         </pc:sldMkLst>
-        <pc:spChg chg="mod">
-          <ac:chgData name="Cooling, Chris" userId="6dcf99c9-2ba5-410a-8445-0893a3d1421f" providerId="ADAL" clId="{03CF33AC-D9E4-491F-8963-DAB5E6081A01}" dt="2024-10-09T09:37:48.148" v="1438"/>
-          <ac:spMkLst>
-            <pc:docMk/>
-            <pc:sldMk cId="170370874" sldId="384"/>
-            <ac:spMk id="2" creationId="{6F5D226D-AEEE-9CAD-EC6D-58B1E3EBB257}"/>
-          </ac:spMkLst>
-        </pc:spChg>
-        <pc:spChg chg="mod">
-          <ac:chgData name="Cooling, Chris" userId="6dcf99c9-2ba5-410a-8445-0893a3d1421f" providerId="ADAL" clId="{03CF33AC-D9E4-491F-8963-DAB5E6081A01}" dt="2024-10-09T09:38:00.753" v="1440" actId="12"/>
-          <ac:spMkLst>
-            <pc:docMk/>
-            <pc:sldMk cId="170370874" sldId="384"/>
-            <ac:spMk id="3" creationId="{2C7A6954-5AE7-6E35-86E6-C550777AAF6E}"/>
-          </ac:spMkLst>
-        </pc:spChg>
-        <pc:spChg chg="add mod">
-          <ac:chgData name="Cooling, Chris" userId="6dcf99c9-2ba5-410a-8445-0893a3d1421f" providerId="ADAL" clId="{03CF33AC-D9E4-491F-8963-DAB5E6081A01}" dt="2024-10-09T13:14:34.201" v="2939"/>
-          <ac:spMkLst>
-            <pc:docMk/>
-            <pc:sldMk cId="170370874" sldId="384"/>
-            <ac:spMk id="4" creationId="{72D8A833-023F-2D77-14EA-88A7D7AE3B5C}"/>
-          </ac:spMkLst>
-        </pc:spChg>
       </pc:sldChg>
       <pc:sldChg chg="add del">
         <pc:chgData name="Cooling, Chris" userId="6dcf99c9-2ba5-410a-8445-0893a3d1421f" providerId="ADAL" clId="{03CF33AC-D9E4-491F-8963-DAB5E6081A01}" dt="2024-10-09T08:23:15.889" v="66" actId="47"/>
@@ -2835,30 +1579,6 @@
           <pc:docMk/>
           <pc:sldMk cId="3374749885" sldId="385"/>
         </pc:sldMkLst>
-        <pc:spChg chg="mod">
-          <ac:chgData name="Cooling, Chris" userId="6dcf99c9-2ba5-410a-8445-0893a3d1421f" providerId="ADAL" clId="{03CF33AC-D9E4-491F-8963-DAB5E6081A01}" dt="2024-10-09T09:39:06.242" v="1443"/>
-          <ac:spMkLst>
-            <pc:docMk/>
-            <pc:sldMk cId="3374749885" sldId="385"/>
-            <ac:spMk id="2" creationId="{6F5D226D-AEEE-9CAD-EC6D-58B1E3EBB257}"/>
-          </ac:spMkLst>
-        </pc:spChg>
-        <pc:spChg chg="mod">
-          <ac:chgData name="Cooling, Chris" userId="6dcf99c9-2ba5-410a-8445-0893a3d1421f" providerId="ADAL" clId="{03CF33AC-D9E4-491F-8963-DAB5E6081A01}" dt="2024-10-09T09:40:10.279" v="1451" actId="15"/>
-          <ac:spMkLst>
-            <pc:docMk/>
-            <pc:sldMk cId="3374749885" sldId="385"/>
-            <ac:spMk id="3" creationId="{2C7A6954-5AE7-6E35-86E6-C550777AAF6E}"/>
-          </ac:spMkLst>
-        </pc:spChg>
-        <pc:spChg chg="add mod">
-          <ac:chgData name="Cooling, Chris" userId="6dcf99c9-2ba5-410a-8445-0893a3d1421f" providerId="ADAL" clId="{03CF33AC-D9E4-491F-8963-DAB5E6081A01}" dt="2024-10-09T09:41:39.087" v="1453"/>
-          <ac:spMkLst>
-            <pc:docMk/>
-            <pc:sldMk cId="3374749885" sldId="385"/>
-            <ac:spMk id="4" creationId="{6752BAFB-471C-F1A5-E7EC-CFB7C4AD7547}"/>
-          </ac:spMkLst>
-        </pc:spChg>
       </pc:sldChg>
       <pc:sldChg chg="modSp add del mod">
         <pc:chgData name="Cooling, Chris" userId="6dcf99c9-2ba5-410a-8445-0893a3d1421f" providerId="ADAL" clId="{03CF33AC-D9E4-491F-8963-DAB5E6081A01}" dt="2024-10-09T08:23:15.889" v="66" actId="47"/>
@@ -2866,14 +1586,6 @@
           <pc:docMk/>
           <pc:sldMk cId="3173781080" sldId="386"/>
         </pc:sldMkLst>
-        <pc:spChg chg="mod">
-          <ac:chgData name="Cooling, Chris" userId="6dcf99c9-2ba5-410a-8445-0893a3d1421f" providerId="ADAL" clId="{03CF33AC-D9E4-491F-8963-DAB5E6081A01}" dt="2024-10-09T08:22:55.294" v="63" actId="27636"/>
-          <ac:spMkLst>
-            <pc:docMk/>
-            <pc:sldMk cId="3173781080" sldId="386"/>
-            <ac:spMk id="6" creationId="{C94459EB-B5CC-4128-A805-FCBCD2C4D3F5}"/>
-          </ac:spMkLst>
-        </pc:spChg>
       </pc:sldChg>
       <pc:sldChg chg="delSp modSp add mod modNotesTx">
         <pc:chgData name="Cooling, Chris" userId="6dcf99c9-2ba5-410a-8445-0893a3d1421f" providerId="ADAL" clId="{03CF33AC-D9E4-491F-8963-DAB5E6081A01}" dt="2024-10-09T13:16:33.468" v="3050" actId="478"/>
@@ -2881,30 +1593,6 @@
           <pc:docMk/>
           <pc:sldMk cId="3981322899" sldId="386"/>
         </pc:sldMkLst>
-        <pc:spChg chg="mod">
-          <ac:chgData name="Cooling, Chris" userId="6dcf99c9-2ba5-410a-8445-0893a3d1421f" providerId="ADAL" clId="{03CF33AC-D9E4-491F-8963-DAB5E6081A01}" dt="2024-10-09T09:43:36.052" v="1455"/>
-          <ac:spMkLst>
-            <pc:docMk/>
-            <pc:sldMk cId="3981322899" sldId="386"/>
-            <ac:spMk id="2" creationId="{6F5D226D-AEEE-9CAD-EC6D-58B1E3EBB257}"/>
-          </ac:spMkLst>
-        </pc:spChg>
-        <pc:spChg chg="mod">
-          <ac:chgData name="Cooling, Chris" userId="6dcf99c9-2ba5-410a-8445-0893a3d1421f" providerId="ADAL" clId="{03CF33AC-D9E4-491F-8963-DAB5E6081A01}" dt="2024-10-09T09:43:54.030" v="1459" actId="12"/>
-          <ac:spMkLst>
-            <pc:docMk/>
-            <pc:sldMk cId="3981322899" sldId="386"/>
-            <ac:spMk id="3" creationId="{2C7A6954-5AE7-6E35-86E6-C550777AAF6E}"/>
-          </ac:spMkLst>
-        </pc:spChg>
-        <pc:spChg chg="del">
-          <ac:chgData name="Cooling, Chris" userId="6dcf99c9-2ba5-410a-8445-0893a3d1421f" providerId="ADAL" clId="{03CF33AC-D9E4-491F-8963-DAB5E6081A01}" dt="2024-10-09T13:16:33.468" v="3050" actId="478"/>
-          <ac:spMkLst>
-            <pc:docMk/>
-            <pc:sldMk cId="3981322899" sldId="386"/>
-            <ac:spMk id="4" creationId="{6752BAFB-471C-F1A5-E7EC-CFB7C4AD7547}"/>
-          </ac:spMkLst>
-        </pc:spChg>
       </pc:sldChg>
       <pc:sldChg chg="modSp add del mod">
         <pc:chgData name="Cooling, Chris" userId="6dcf99c9-2ba5-410a-8445-0893a3d1421f" providerId="ADAL" clId="{03CF33AC-D9E4-491F-8963-DAB5E6081A01}" dt="2024-10-09T08:23:15.889" v="66" actId="47"/>
@@ -2912,14 +1600,6 @@
           <pc:docMk/>
           <pc:sldMk cId="1390760873" sldId="387"/>
         </pc:sldMkLst>
-        <pc:spChg chg="mod">
-          <ac:chgData name="Cooling, Chris" userId="6dcf99c9-2ba5-410a-8445-0893a3d1421f" providerId="ADAL" clId="{03CF33AC-D9E4-491F-8963-DAB5E6081A01}" dt="2024-10-09T08:22:55.297" v="64" actId="27636"/>
-          <ac:spMkLst>
-            <pc:docMk/>
-            <pc:sldMk cId="1390760873" sldId="387"/>
-            <ac:spMk id="3" creationId="{00000000-0000-0000-0000-000000000000}"/>
-          </ac:spMkLst>
-        </pc:spChg>
       </pc:sldChg>
       <pc:sldChg chg="addSp modSp add mod modNotesTx">
         <pc:chgData name="Cooling, Chris" userId="6dcf99c9-2ba5-410a-8445-0893a3d1421f" providerId="ADAL" clId="{03CF33AC-D9E4-491F-8963-DAB5E6081A01}" dt="2024-10-09T13:17:06.658" v="3109" actId="20577"/>
@@ -2927,30 +1607,6 @@
           <pc:docMk/>
           <pc:sldMk cId="2197734974" sldId="387"/>
         </pc:sldMkLst>
-        <pc:spChg chg="mod">
-          <ac:chgData name="Cooling, Chris" userId="6dcf99c9-2ba5-410a-8445-0893a3d1421f" providerId="ADAL" clId="{03CF33AC-D9E4-491F-8963-DAB5E6081A01}" dt="2024-10-09T09:46:03.196" v="1462"/>
-          <ac:spMkLst>
-            <pc:docMk/>
-            <pc:sldMk cId="2197734974" sldId="387"/>
-            <ac:spMk id="2" creationId="{6F5D226D-AEEE-9CAD-EC6D-58B1E3EBB257}"/>
-          </ac:spMkLst>
-        </pc:spChg>
-        <pc:spChg chg="mod">
-          <ac:chgData name="Cooling, Chris" userId="6dcf99c9-2ba5-410a-8445-0893a3d1421f" providerId="ADAL" clId="{03CF33AC-D9E4-491F-8963-DAB5E6081A01}" dt="2024-10-09T09:46:13.177" v="1470" actId="20577"/>
-          <ac:spMkLst>
-            <pc:docMk/>
-            <pc:sldMk cId="2197734974" sldId="387"/>
-            <ac:spMk id="3" creationId="{2C7A6954-5AE7-6E35-86E6-C550777AAF6E}"/>
-          </ac:spMkLst>
-        </pc:spChg>
-        <pc:spChg chg="add mod">
-          <ac:chgData name="Cooling, Chris" userId="6dcf99c9-2ba5-410a-8445-0893a3d1421f" providerId="ADAL" clId="{03CF33AC-D9E4-491F-8963-DAB5E6081A01}" dt="2024-10-09T09:46:49.890" v="1471"/>
-          <ac:spMkLst>
-            <pc:docMk/>
-            <pc:sldMk cId="2197734974" sldId="387"/>
-            <ac:spMk id="8" creationId="{B2F02F4C-44FC-7B71-BFAF-C09A34AAA1F6}"/>
-          </ac:spMkLst>
-        </pc:spChg>
       </pc:sldChg>
       <pc:sldChg chg="delSp modSp add mod modNotesTx">
         <pc:chgData name="Cooling, Chris" userId="6dcf99c9-2ba5-410a-8445-0893a3d1421f" providerId="ADAL" clId="{03CF33AC-D9E4-491F-8963-DAB5E6081A01}" dt="2024-10-09T09:49:11.307" v="1482" actId="478"/>
@@ -2958,38 +1614,6 @@
           <pc:docMk/>
           <pc:sldMk cId="3191437002" sldId="388"/>
         </pc:sldMkLst>
-        <pc:spChg chg="mod">
-          <ac:chgData name="Cooling, Chris" userId="6dcf99c9-2ba5-410a-8445-0893a3d1421f" providerId="ADAL" clId="{03CF33AC-D9E4-491F-8963-DAB5E6081A01}" dt="2024-10-09T09:47:53.613" v="1474"/>
-          <ac:spMkLst>
-            <pc:docMk/>
-            <pc:sldMk cId="3191437002" sldId="388"/>
-            <ac:spMk id="2" creationId="{6F5D226D-AEEE-9CAD-EC6D-58B1E3EBB257}"/>
-          </ac:spMkLst>
-        </pc:spChg>
-        <pc:spChg chg="mod">
-          <ac:chgData name="Cooling, Chris" userId="6dcf99c9-2ba5-410a-8445-0893a3d1421f" providerId="ADAL" clId="{03CF33AC-D9E4-491F-8963-DAB5E6081A01}" dt="2024-10-09T09:48:18.478" v="1480" actId="255"/>
-          <ac:spMkLst>
-            <pc:docMk/>
-            <pc:sldMk cId="3191437002" sldId="388"/>
-            <ac:spMk id="3" creationId="{2C7A6954-5AE7-6E35-86E6-C550777AAF6E}"/>
-          </ac:spMkLst>
-        </pc:spChg>
-        <pc:spChg chg="del">
-          <ac:chgData name="Cooling, Chris" userId="6dcf99c9-2ba5-410a-8445-0893a3d1421f" providerId="ADAL" clId="{03CF33AC-D9E4-491F-8963-DAB5E6081A01}" dt="2024-10-09T09:49:11.307" v="1482" actId="478"/>
-          <ac:spMkLst>
-            <pc:docMk/>
-            <pc:sldMk cId="3191437002" sldId="388"/>
-            <ac:spMk id="4" creationId="{6752BAFB-471C-F1A5-E7EC-CFB7C4AD7547}"/>
-          </ac:spMkLst>
-        </pc:spChg>
-        <pc:spChg chg="del">
-          <ac:chgData name="Cooling, Chris" userId="6dcf99c9-2ba5-410a-8445-0893a3d1421f" providerId="ADAL" clId="{03CF33AC-D9E4-491F-8963-DAB5E6081A01}" dt="2024-10-09T09:49:11.307" v="1482" actId="478"/>
-          <ac:spMkLst>
-            <pc:docMk/>
-            <pc:sldMk cId="3191437002" sldId="388"/>
-            <ac:spMk id="8" creationId="{B2F02F4C-44FC-7B71-BFAF-C09A34AAA1F6}"/>
-          </ac:spMkLst>
-        </pc:spChg>
       </pc:sldChg>
       <pc:sldChg chg="add del">
         <pc:chgData name="Cooling, Chris" userId="6dcf99c9-2ba5-410a-8445-0893a3d1421f" providerId="ADAL" clId="{03CF33AC-D9E4-491F-8963-DAB5E6081A01}" dt="2024-10-09T08:23:15.889" v="66" actId="47"/>
@@ -3011,126 +1635,6 @@
           <pc:docMk/>
           <pc:sldMk cId="3717795031" sldId="389"/>
         </pc:sldMkLst>
-        <pc:spChg chg="mod">
-          <ac:chgData name="Cooling, Chris" userId="6dcf99c9-2ba5-410a-8445-0893a3d1421f" providerId="ADAL" clId="{03CF33AC-D9E4-491F-8963-DAB5E6081A01}" dt="2024-10-09T09:49:37.897" v="1486"/>
-          <ac:spMkLst>
-            <pc:docMk/>
-            <pc:sldMk cId="3717795031" sldId="389"/>
-            <ac:spMk id="2" creationId="{6F5D226D-AEEE-9CAD-EC6D-58B1E3EBB257}"/>
-          </ac:spMkLst>
-        </pc:spChg>
-        <pc:spChg chg="mod">
-          <ac:chgData name="Cooling, Chris" userId="6dcf99c9-2ba5-410a-8445-0893a3d1421f" providerId="ADAL" clId="{03CF33AC-D9E4-491F-8963-DAB5E6081A01}" dt="2024-10-09T09:49:54.403" v="1490" actId="12"/>
-          <ac:spMkLst>
-            <pc:docMk/>
-            <pc:sldMk cId="3717795031" sldId="389"/>
-            <ac:spMk id="3" creationId="{2C7A6954-5AE7-6E35-86E6-C550777AAF6E}"/>
-          </ac:spMkLst>
-        </pc:spChg>
-        <pc:spChg chg="del">
-          <ac:chgData name="Cooling, Chris" userId="6dcf99c9-2ba5-410a-8445-0893a3d1421f" providerId="ADAL" clId="{03CF33AC-D9E4-491F-8963-DAB5E6081A01}" dt="2024-10-09T09:50:01.846" v="1491" actId="478"/>
-          <ac:spMkLst>
-            <pc:docMk/>
-            <pc:sldMk cId="3717795031" sldId="389"/>
-            <ac:spMk id="8" creationId="{B2F02F4C-44FC-7B71-BFAF-C09A34AAA1F6}"/>
-          </ac:spMkLst>
-        </pc:spChg>
-        <pc:spChg chg="add mod">
-          <ac:chgData name="Cooling, Chris" userId="6dcf99c9-2ba5-410a-8445-0893a3d1421f" providerId="ADAL" clId="{03CF33AC-D9E4-491F-8963-DAB5E6081A01}" dt="2024-10-09T09:50:16.972" v="1493" actId="164"/>
-          <ac:spMkLst>
-            <pc:docMk/>
-            <pc:sldMk cId="3717795031" sldId="389"/>
-            <ac:spMk id="9" creationId="{CB727721-203D-DCAB-53D1-0659A8C53E73}"/>
-          </ac:spMkLst>
-        </pc:spChg>
-        <pc:spChg chg="add mod">
-          <ac:chgData name="Cooling, Chris" userId="6dcf99c9-2ba5-410a-8445-0893a3d1421f" providerId="ADAL" clId="{03CF33AC-D9E4-491F-8963-DAB5E6081A01}" dt="2024-10-09T09:50:34.481" v="1496" actId="14100"/>
-          <ac:spMkLst>
-            <pc:docMk/>
-            <pc:sldMk cId="3717795031" sldId="389"/>
-            <ac:spMk id="10" creationId="{D136FC7D-86B2-4EBD-026F-477CB4F5893D}"/>
-          </ac:spMkLst>
-        </pc:spChg>
-        <pc:spChg chg="add mod">
-          <ac:chgData name="Cooling, Chris" userId="6dcf99c9-2ba5-410a-8445-0893a3d1421f" providerId="ADAL" clId="{03CF33AC-D9E4-491F-8963-DAB5E6081A01}" dt="2024-10-09T09:50:16.972" v="1493" actId="164"/>
-          <ac:spMkLst>
-            <pc:docMk/>
-            <pc:sldMk cId="3717795031" sldId="389"/>
-            <ac:spMk id="12" creationId="{CC1BE921-DA10-A591-7942-75AFF4A68885}"/>
-          </ac:spMkLst>
-        </pc:spChg>
-        <pc:spChg chg="add mod">
-          <ac:chgData name="Cooling, Chris" userId="6dcf99c9-2ba5-410a-8445-0893a3d1421f" providerId="ADAL" clId="{03CF33AC-D9E4-491F-8963-DAB5E6081A01}" dt="2024-10-09T09:50:16.972" v="1493" actId="164"/>
-          <ac:spMkLst>
-            <pc:docMk/>
-            <pc:sldMk cId="3717795031" sldId="389"/>
-            <ac:spMk id="13" creationId="{BD126265-4006-01F3-8D2F-B3E54B885444}"/>
-          </ac:spMkLst>
-        </pc:spChg>
-        <pc:spChg chg="add mod">
-          <ac:chgData name="Cooling, Chris" userId="6dcf99c9-2ba5-410a-8445-0893a3d1421f" providerId="ADAL" clId="{03CF33AC-D9E4-491F-8963-DAB5E6081A01}" dt="2024-10-09T09:50:16.972" v="1493" actId="164"/>
-          <ac:spMkLst>
-            <pc:docMk/>
-            <pc:sldMk cId="3717795031" sldId="389"/>
-            <ac:spMk id="14" creationId="{C6A9055D-174B-7E1D-E5AF-E639DC90D8F2}"/>
-          </ac:spMkLst>
-        </pc:spChg>
-        <pc:spChg chg="add mod">
-          <ac:chgData name="Cooling, Chris" userId="6dcf99c9-2ba5-410a-8445-0893a3d1421f" providerId="ADAL" clId="{03CF33AC-D9E4-491F-8963-DAB5E6081A01}" dt="2024-10-09T09:50:31.221" v="1495" actId="14100"/>
-          <ac:spMkLst>
-            <pc:docMk/>
-            <pc:sldMk cId="3717795031" sldId="389"/>
-            <ac:spMk id="18" creationId="{C4E34B17-C2F6-B9C1-E9EF-E287FD223EB0}"/>
-          </ac:spMkLst>
-        </pc:spChg>
-        <pc:grpChg chg="add mod">
-          <ac:chgData name="Cooling, Chris" userId="6dcf99c9-2ba5-410a-8445-0893a3d1421f" providerId="ADAL" clId="{03CF33AC-D9E4-491F-8963-DAB5E6081A01}" dt="2024-10-09T09:50:24.116" v="1494" actId="1076"/>
-          <ac:grpSpMkLst>
-            <pc:docMk/>
-            <pc:sldMk cId="3717795031" sldId="389"/>
-            <ac:grpSpMk id="20" creationId="{22F86E47-B257-40F2-E6DD-13F1D48E3D27}"/>
-          </ac:grpSpMkLst>
-        </pc:grpChg>
-        <pc:cxnChg chg="add mod">
-          <ac:chgData name="Cooling, Chris" userId="6dcf99c9-2ba5-410a-8445-0893a3d1421f" providerId="ADAL" clId="{03CF33AC-D9E4-491F-8963-DAB5E6081A01}" dt="2024-10-09T09:50:34.481" v="1496" actId="14100"/>
-          <ac:cxnSpMkLst>
-            <pc:docMk/>
-            <pc:sldMk cId="3717795031" sldId="389"/>
-            <ac:cxnSpMk id="11" creationId="{E71CE9D9-6009-991C-C0AB-8FFC216B8657}"/>
-          </ac:cxnSpMkLst>
-        </pc:cxnChg>
-        <pc:cxnChg chg="add mod">
-          <ac:chgData name="Cooling, Chris" userId="6dcf99c9-2ba5-410a-8445-0893a3d1421f" providerId="ADAL" clId="{03CF33AC-D9E4-491F-8963-DAB5E6081A01}" dt="2024-10-09T09:50:16.972" v="1493" actId="164"/>
-          <ac:cxnSpMkLst>
-            <pc:docMk/>
-            <pc:sldMk cId="3717795031" sldId="389"/>
-            <ac:cxnSpMk id="15" creationId="{5ABBCD5C-040F-0BAD-E2CE-5A9968287BB0}"/>
-          </ac:cxnSpMkLst>
-        </pc:cxnChg>
-        <pc:cxnChg chg="add mod">
-          <ac:chgData name="Cooling, Chris" userId="6dcf99c9-2ba5-410a-8445-0893a3d1421f" providerId="ADAL" clId="{03CF33AC-D9E4-491F-8963-DAB5E6081A01}" dt="2024-10-09T09:50:16.972" v="1493" actId="164"/>
-          <ac:cxnSpMkLst>
-            <pc:docMk/>
-            <pc:sldMk cId="3717795031" sldId="389"/>
-            <ac:cxnSpMk id="16" creationId="{65DA8078-6C2E-F76C-5C50-82BD632376B7}"/>
-          </ac:cxnSpMkLst>
-        </pc:cxnChg>
-        <pc:cxnChg chg="add mod">
-          <ac:chgData name="Cooling, Chris" userId="6dcf99c9-2ba5-410a-8445-0893a3d1421f" providerId="ADAL" clId="{03CF33AC-D9E4-491F-8963-DAB5E6081A01}" dt="2024-10-09T09:50:16.972" v="1493" actId="164"/>
-          <ac:cxnSpMkLst>
-            <pc:docMk/>
-            <pc:sldMk cId="3717795031" sldId="389"/>
-            <ac:cxnSpMk id="17" creationId="{7C879297-9A0E-199A-ACDC-1D9F521BEA26}"/>
-          </ac:cxnSpMkLst>
-        </pc:cxnChg>
-        <pc:cxnChg chg="add mod">
-          <ac:chgData name="Cooling, Chris" userId="6dcf99c9-2ba5-410a-8445-0893a3d1421f" providerId="ADAL" clId="{03CF33AC-D9E4-491F-8963-DAB5E6081A01}" dt="2024-10-09T09:50:31.221" v="1495" actId="14100"/>
-          <ac:cxnSpMkLst>
-            <pc:docMk/>
-            <pc:sldMk cId="3717795031" sldId="389"/>
-            <ac:cxnSpMk id="19" creationId="{2A320908-08F4-CD87-C3D2-337EEE2B8D89}"/>
-          </ac:cxnSpMkLst>
-        </pc:cxnChg>
       </pc:sldChg>
       <pc:sldChg chg="add del">
         <pc:chgData name="Cooling, Chris" userId="6dcf99c9-2ba5-410a-8445-0893a3d1421f" providerId="ADAL" clId="{03CF33AC-D9E4-491F-8963-DAB5E6081A01}" dt="2024-10-09T08:23:15.889" v="66" actId="47"/>
@@ -3145,126 +1649,6 @@
           <pc:docMk/>
           <pc:sldMk cId="2876155974" sldId="390"/>
         </pc:sldMkLst>
-        <pc:spChg chg="mod">
-          <ac:chgData name="Cooling, Chris" userId="6dcf99c9-2ba5-410a-8445-0893a3d1421f" providerId="ADAL" clId="{03CF33AC-D9E4-491F-8963-DAB5E6081A01}" dt="2024-10-09T09:51:50.919" v="1499"/>
-          <ac:spMkLst>
-            <pc:docMk/>
-            <pc:sldMk cId="2876155974" sldId="390"/>
-            <ac:spMk id="2" creationId="{6F5D226D-AEEE-9CAD-EC6D-58B1E3EBB257}"/>
-          </ac:spMkLst>
-        </pc:spChg>
-        <pc:spChg chg="mod">
-          <ac:chgData name="Cooling, Chris" userId="6dcf99c9-2ba5-410a-8445-0893a3d1421f" providerId="ADAL" clId="{03CF33AC-D9E4-491F-8963-DAB5E6081A01}" dt="2024-10-09T09:52:03.877" v="1501" actId="12"/>
-          <ac:spMkLst>
-            <pc:docMk/>
-            <pc:sldMk cId="2876155974" sldId="390"/>
-            <ac:spMk id="3" creationId="{2C7A6954-5AE7-6E35-86E6-C550777AAF6E}"/>
-          </ac:spMkLst>
-        </pc:spChg>
-        <pc:spChg chg="add mod">
-          <ac:chgData name="Cooling, Chris" userId="6dcf99c9-2ba5-410a-8445-0893a3d1421f" providerId="ADAL" clId="{03CF33AC-D9E4-491F-8963-DAB5E6081A01}" dt="2024-10-09T09:52:28.103" v="1504" actId="164"/>
-          <ac:spMkLst>
-            <pc:docMk/>
-            <pc:sldMk cId="2876155974" sldId="390"/>
-            <ac:spMk id="8" creationId="{2E0BDEE4-5ED5-8472-675E-ECC6BF29BCCA}"/>
-          </ac:spMkLst>
-        </pc:spChg>
-        <pc:spChg chg="add mod">
-          <ac:chgData name="Cooling, Chris" userId="6dcf99c9-2ba5-410a-8445-0893a3d1421f" providerId="ADAL" clId="{03CF33AC-D9E4-491F-8963-DAB5E6081A01}" dt="2024-10-09T09:52:28.103" v="1504" actId="164"/>
-          <ac:spMkLst>
-            <pc:docMk/>
-            <pc:sldMk cId="2876155974" sldId="390"/>
-            <ac:spMk id="21" creationId="{7BACC61B-1BA4-897E-D53D-046C369EA426}"/>
-          </ac:spMkLst>
-        </pc:spChg>
-        <pc:spChg chg="add mod">
-          <ac:chgData name="Cooling, Chris" userId="6dcf99c9-2ba5-410a-8445-0893a3d1421f" providerId="ADAL" clId="{03CF33AC-D9E4-491F-8963-DAB5E6081A01}" dt="2024-10-09T09:52:28.103" v="1504" actId="164"/>
-          <ac:spMkLst>
-            <pc:docMk/>
-            <pc:sldMk cId="2876155974" sldId="390"/>
-            <ac:spMk id="23" creationId="{74C23D45-6A24-B34E-192E-C8560CE1EFDB}"/>
-          </ac:spMkLst>
-        </pc:spChg>
-        <pc:spChg chg="add mod">
-          <ac:chgData name="Cooling, Chris" userId="6dcf99c9-2ba5-410a-8445-0893a3d1421f" providerId="ADAL" clId="{03CF33AC-D9E4-491F-8963-DAB5E6081A01}" dt="2024-10-09T09:54:00.666" v="1507"/>
-          <ac:spMkLst>
-            <pc:docMk/>
-            <pc:sldMk cId="2876155974" sldId="390"/>
-            <ac:spMk id="26" creationId="{2718813A-6BEB-F6F1-1FCA-8D3D4A053E31}"/>
-          </ac:spMkLst>
-        </pc:spChg>
-        <pc:grpChg chg="del">
-          <ac:chgData name="Cooling, Chris" userId="6dcf99c9-2ba5-410a-8445-0893a3d1421f" providerId="ADAL" clId="{03CF33AC-D9E4-491F-8963-DAB5E6081A01}" dt="2024-10-09T09:52:12.346" v="1502" actId="478"/>
-          <ac:grpSpMkLst>
-            <pc:docMk/>
-            <pc:sldMk cId="2876155974" sldId="390"/>
-            <ac:grpSpMk id="20" creationId="{22F86E47-B257-40F2-E6DD-13F1D48E3D27}"/>
-          </ac:grpSpMkLst>
-        </pc:grpChg>
-        <pc:grpChg chg="add mod">
-          <ac:chgData name="Cooling, Chris" userId="6dcf99c9-2ba5-410a-8445-0893a3d1421f" providerId="ADAL" clId="{03CF33AC-D9E4-491F-8963-DAB5E6081A01}" dt="2024-10-09T09:52:35.162" v="1505" actId="1076"/>
-          <ac:grpSpMkLst>
-            <pc:docMk/>
-            <pc:sldMk cId="2876155974" sldId="390"/>
-            <ac:grpSpMk id="25" creationId="{A546A2A0-0407-ADBF-5724-8D0FF10384F8}"/>
-          </ac:grpSpMkLst>
-        </pc:grpChg>
-        <pc:cxnChg chg="mod">
-          <ac:chgData name="Cooling, Chris" userId="6dcf99c9-2ba5-410a-8445-0893a3d1421f" providerId="ADAL" clId="{03CF33AC-D9E4-491F-8963-DAB5E6081A01}" dt="2024-10-09T09:52:12.346" v="1502" actId="478"/>
-          <ac:cxnSpMkLst>
-            <pc:docMk/>
-            <pc:sldMk cId="2876155974" sldId="390"/>
-            <ac:cxnSpMk id="11" creationId="{E71CE9D9-6009-991C-C0AB-8FFC216B8657}"/>
-          </ac:cxnSpMkLst>
-        </pc:cxnChg>
-        <pc:cxnChg chg="mod">
-          <ac:chgData name="Cooling, Chris" userId="6dcf99c9-2ba5-410a-8445-0893a3d1421f" providerId="ADAL" clId="{03CF33AC-D9E4-491F-8963-DAB5E6081A01}" dt="2024-10-09T09:52:12.346" v="1502" actId="478"/>
-          <ac:cxnSpMkLst>
-            <pc:docMk/>
-            <pc:sldMk cId="2876155974" sldId="390"/>
-            <ac:cxnSpMk id="15" creationId="{5ABBCD5C-040F-0BAD-E2CE-5A9968287BB0}"/>
-          </ac:cxnSpMkLst>
-        </pc:cxnChg>
-        <pc:cxnChg chg="mod">
-          <ac:chgData name="Cooling, Chris" userId="6dcf99c9-2ba5-410a-8445-0893a3d1421f" providerId="ADAL" clId="{03CF33AC-D9E4-491F-8963-DAB5E6081A01}" dt="2024-10-09T09:52:12.346" v="1502" actId="478"/>
-          <ac:cxnSpMkLst>
-            <pc:docMk/>
-            <pc:sldMk cId="2876155974" sldId="390"/>
-            <ac:cxnSpMk id="16" creationId="{65DA8078-6C2E-F76C-5C50-82BD632376B7}"/>
-          </ac:cxnSpMkLst>
-        </pc:cxnChg>
-        <pc:cxnChg chg="mod">
-          <ac:chgData name="Cooling, Chris" userId="6dcf99c9-2ba5-410a-8445-0893a3d1421f" providerId="ADAL" clId="{03CF33AC-D9E4-491F-8963-DAB5E6081A01}" dt="2024-10-09T09:52:12.346" v="1502" actId="478"/>
-          <ac:cxnSpMkLst>
-            <pc:docMk/>
-            <pc:sldMk cId="2876155974" sldId="390"/>
-            <ac:cxnSpMk id="17" creationId="{7C879297-9A0E-199A-ACDC-1D9F521BEA26}"/>
-          </ac:cxnSpMkLst>
-        </pc:cxnChg>
-        <pc:cxnChg chg="mod">
-          <ac:chgData name="Cooling, Chris" userId="6dcf99c9-2ba5-410a-8445-0893a3d1421f" providerId="ADAL" clId="{03CF33AC-D9E4-491F-8963-DAB5E6081A01}" dt="2024-10-09T09:52:12.346" v="1502" actId="478"/>
-          <ac:cxnSpMkLst>
-            <pc:docMk/>
-            <pc:sldMk cId="2876155974" sldId="390"/>
-            <ac:cxnSpMk id="19" creationId="{2A320908-08F4-CD87-C3D2-337EEE2B8D89}"/>
-          </ac:cxnSpMkLst>
-        </pc:cxnChg>
-        <pc:cxnChg chg="add mod">
-          <ac:chgData name="Cooling, Chris" userId="6dcf99c9-2ba5-410a-8445-0893a3d1421f" providerId="ADAL" clId="{03CF33AC-D9E4-491F-8963-DAB5E6081A01}" dt="2024-10-09T09:52:28.103" v="1504" actId="164"/>
-          <ac:cxnSpMkLst>
-            <pc:docMk/>
-            <pc:sldMk cId="2876155974" sldId="390"/>
-            <ac:cxnSpMk id="22" creationId="{F8B1625E-0DC8-0C7C-9ACA-7C7C7D4D8DA0}"/>
-          </ac:cxnSpMkLst>
-        </pc:cxnChg>
-        <pc:cxnChg chg="add mod">
-          <ac:chgData name="Cooling, Chris" userId="6dcf99c9-2ba5-410a-8445-0893a3d1421f" providerId="ADAL" clId="{03CF33AC-D9E4-491F-8963-DAB5E6081A01}" dt="2024-10-09T09:52:28.103" v="1504" actId="164"/>
-          <ac:cxnSpMkLst>
-            <pc:docMk/>
-            <pc:sldMk cId="2876155974" sldId="390"/>
-            <ac:cxnSpMk id="24" creationId="{1E6D017D-7BF5-3B6B-EFB5-EAC80FB776A0}"/>
-          </ac:cxnSpMkLst>
-        </pc:cxnChg>
       </pc:sldChg>
       <pc:sldChg chg="add del">
         <pc:chgData name="Cooling, Chris" userId="6dcf99c9-2ba5-410a-8445-0893a3d1421f" providerId="ADAL" clId="{03CF33AC-D9E4-491F-8963-DAB5E6081A01}" dt="2024-10-09T08:23:15.889" v="66" actId="47"/>
@@ -3279,62 +1663,6 @@
           <pc:docMk/>
           <pc:sldMk cId="3530089354" sldId="391"/>
         </pc:sldMkLst>
-        <pc:spChg chg="mod">
-          <ac:chgData name="Cooling, Chris" userId="6dcf99c9-2ba5-410a-8445-0893a3d1421f" providerId="ADAL" clId="{03CF33AC-D9E4-491F-8963-DAB5E6081A01}" dt="2024-10-09T09:54:58.832" v="1509"/>
-          <ac:spMkLst>
-            <pc:docMk/>
-            <pc:sldMk cId="3530089354" sldId="391"/>
-            <ac:spMk id="2" creationId="{6F5D226D-AEEE-9CAD-EC6D-58B1E3EBB257}"/>
-          </ac:spMkLst>
-        </pc:spChg>
-        <pc:spChg chg="mod">
-          <ac:chgData name="Cooling, Chris" userId="6dcf99c9-2ba5-410a-8445-0893a3d1421f" providerId="ADAL" clId="{03CF33AC-D9E4-491F-8963-DAB5E6081A01}" dt="2024-10-09T09:55:24.547" v="1516" actId="14100"/>
-          <ac:spMkLst>
-            <pc:docMk/>
-            <pc:sldMk cId="3530089354" sldId="391"/>
-            <ac:spMk id="3" creationId="{2C7A6954-5AE7-6E35-86E6-C550777AAF6E}"/>
-          </ac:spMkLst>
-        </pc:spChg>
-        <pc:spChg chg="del">
-          <ac:chgData name="Cooling, Chris" userId="6dcf99c9-2ba5-410a-8445-0893a3d1421f" providerId="ADAL" clId="{03CF33AC-D9E4-491F-8963-DAB5E6081A01}" dt="2024-10-09T09:55:02.868" v="1510" actId="478"/>
-          <ac:spMkLst>
-            <pc:docMk/>
-            <pc:sldMk cId="3530089354" sldId="391"/>
-            <ac:spMk id="4" creationId="{6752BAFB-471C-F1A5-E7EC-CFB7C4AD7547}"/>
-          </ac:spMkLst>
-        </pc:spChg>
-        <pc:spChg chg="del">
-          <ac:chgData name="Cooling, Chris" userId="6dcf99c9-2ba5-410a-8445-0893a3d1421f" providerId="ADAL" clId="{03CF33AC-D9E4-491F-8963-DAB5E6081A01}" dt="2024-10-09T09:55:02.868" v="1510" actId="478"/>
-          <ac:spMkLst>
-            <pc:docMk/>
-            <pc:sldMk cId="3530089354" sldId="391"/>
-            <ac:spMk id="26" creationId="{2718813A-6BEB-F6F1-1FCA-8D3D4A053E31}"/>
-          </ac:spMkLst>
-        </pc:spChg>
-        <pc:grpChg chg="del">
-          <ac:chgData name="Cooling, Chris" userId="6dcf99c9-2ba5-410a-8445-0893a3d1421f" providerId="ADAL" clId="{03CF33AC-D9E4-491F-8963-DAB5E6081A01}" dt="2024-10-09T09:55:14.238" v="1513" actId="478"/>
-          <ac:grpSpMkLst>
-            <pc:docMk/>
-            <pc:sldMk cId="3530089354" sldId="391"/>
-            <ac:grpSpMk id="25" creationId="{A546A2A0-0407-ADBF-5724-8D0FF10384F8}"/>
-          </ac:grpSpMkLst>
-        </pc:grpChg>
-        <pc:cxnChg chg="mod">
-          <ac:chgData name="Cooling, Chris" userId="6dcf99c9-2ba5-410a-8445-0893a3d1421f" providerId="ADAL" clId="{03CF33AC-D9E4-491F-8963-DAB5E6081A01}" dt="2024-10-09T09:55:14.238" v="1513" actId="478"/>
-          <ac:cxnSpMkLst>
-            <pc:docMk/>
-            <pc:sldMk cId="3530089354" sldId="391"/>
-            <ac:cxnSpMk id="22" creationId="{F8B1625E-0DC8-0C7C-9ACA-7C7C7D4D8DA0}"/>
-          </ac:cxnSpMkLst>
-        </pc:cxnChg>
-        <pc:cxnChg chg="mod">
-          <ac:chgData name="Cooling, Chris" userId="6dcf99c9-2ba5-410a-8445-0893a3d1421f" providerId="ADAL" clId="{03CF33AC-D9E4-491F-8963-DAB5E6081A01}" dt="2024-10-09T09:55:14.238" v="1513" actId="478"/>
-          <ac:cxnSpMkLst>
-            <pc:docMk/>
-            <pc:sldMk cId="3530089354" sldId="391"/>
-            <ac:cxnSpMk id="24" creationId="{1E6D017D-7BF5-3B6B-EFB5-EAC80FB776A0}"/>
-          </ac:cxnSpMkLst>
-        </pc:cxnChg>
       </pc:sldChg>
       <pc:sldChg chg="modSp add del mod">
         <pc:chgData name="Cooling, Chris" userId="6dcf99c9-2ba5-410a-8445-0893a3d1421f" providerId="ADAL" clId="{03CF33AC-D9E4-491F-8963-DAB5E6081A01}" dt="2024-10-09T08:23:15.889" v="66" actId="47"/>
@@ -3342,14 +1670,6 @@
           <pc:docMk/>
           <pc:sldMk cId="2539671263" sldId="392"/>
         </pc:sldMkLst>
-        <pc:spChg chg="mod">
-          <ac:chgData name="Cooling, Chris" userId="6dcf99c9-2ba5-410a-8445-0893a3d1421f" providerId="ADAL" clId="{03CF33AC-D9E4-491F-8963-DAB5E6081A01}" dt="2024-10-09T08:22:55.305" v="65" actId="27636"/>
-          <ac:spMkLst>
-            <pc:docMk/>
-            <pc:sldMk cId="2539671263" sldId="392"/>
-            <ac:spMk id="3" creationId="{00000000-0000-0000-0000-000000000000}"/>
-          </ac:spMkLst>
-        </pc:spChg>
       </pc:sldChg>
       <pc:sldChg chg="modSp add mod modNotesTx">
         <pc:chgData name="Cooling, Chris" userId="6dcf99c9-2ba5-410a-8445-0893a3d1421f" providerId="ADAL" clId="{03CF33AC-D9E4-491F-8963-DAB5E6081A01}" dt="2024-10-09T09:56:53.580" v="1526"/>
@@ -3357,22 +1677,6 @@
           <pc:docMk/>
           <pc:sldMk cId="3446637373" sldId="392"/>
         </pc:sldMkLst>
-        <pc:spChg chg="mod">
-          <ac:chgData name="Cooling, Chris" userId="6dcf99c9-2ba5-410a-8445-0893a3d1421f" providerId="ADAL" clId="{03CF33AC-D9E4-491F-8963-DAB5E6081A01}" dt="2024-10-09T09:56:31.449" v="1522"/>
-          <ac:spMkLst>
-            <pc:docMk/>
-            <pc:sldMk cId="3446637373" sldId="392"/>
-            <ac:spMk id="2" creationId="{6F5D226D-AEEE-9CAD-EC6D-58B1E3EBB257}"/>
-          </ac:spMkLst>
-        </pc:spChg>
-        <pc:spChg chg="mod">
-          <ac:chgData name="Cooling, Chris" userId="6dcf99c9-2ba5-410a-8445-0893a3d1421f" providerId="ADAL" clId="{03CF33AC-D9E4-491F-8963-DAB5E6081A01}" dt="2024-10-09T09:56:47.222" v="1525" actId="255"/>
-          <ac:spMkLst>
-            <pc:docMk/>
-            <pc:sldMk cId="3446637373" sldId="392"/>
-            <ac:spMk id="3" creationId="{2C7A6954-5AE7-6E35-86E6-C550777AAF6E}"/>
-          </ac:spMkLst>
-        </pc:spChg>
       </pc:sldChg>
       <pc:sldChg chg="addSp modSp add mod modNotesTx">
         <pc:chgData name="Cooling, Chris" userId="6dcf99c9-2ba5-410a-8445-0893a3d1421f" providerId="ADAL" clId="{03CF33AC-D9E4-491F-8963-DAB5E6081A01}" dt="2024-10-09T10:00:18.203" v="1538"/>
@@ -3380,54 +1684,6 @@
           <pc:docMk/>
           <pc:sldMk cId="620213683" sldId="393"/>
         </pc:sldMkLst>
-        <pc:spChg chg="mod">
-          <ac:chgData name="Cooling, Chris" userId="6dcf99c9-2ba5-410a-8445-0893a3d1421f" providerId="ADAL" clId="{03CF33AC-D9E4-491F-8963-DAB5E6081A01}" dt="2024-10-09T09:57:59.060" v="1528"/>
-          <ac:spMkLst>
-            <pc:docMk/>
-            <pc:sldMk cId="620213683" sldId="393"/>
-            <ac:spMk id="2" creationId="{6F5D226D-AEEE-9CAD-EC6D-58B1E3EBB257}"/>
-          </ac:spMkLst>
-        </pc:spChg>
-        <pc:spChg chg="mod">
-          <ac:chgData name="Cooling, Chris" userId="6dcf99c9-2ba5-410a-8445-0893a3d1421f" providerId="ADAL" clId="{03CF33AC-D9E4-491F-8963-DAB5E6081A01}" dt="2024-10-09T09:58:46.214" v="1532" actId="255"/>
-          <ac:spMkLst>
-            <pc:docMk/>
-            <pc:sldMk cId="620213683" sldId="393"/>
-            <ac:spMk id="3" creationId="{2C7A6954-5AE7-6E35-86E6-C550777AAF6E}"/>
-          </ac:spMkLst>
-        </pc:spChg>
-        <pc:spChg chg="add mod">
-          <ac:chgData name="Cooling, Chris" userId="6dcf99c9-2ba5-410a-8445-0893a3d1421f" providerId="ADAL" clId="{03CF33AC-D9E4-491F-8963-DAB5E6081A01}" dt="2024-10-09T09:58:59.416" v="1534" actId="14100"/>
-          <ac:spMkLst>
-            <pc:docMk/>
-            <pc:sldMk cId="620213683" sldId="393"/>
-            <ac:spMk id="4" creationId="{21263D07-776E-9C03-66CD-3730C2FBE4E5}"/>
-          </ac:spMkLst>
-        </pc:spChg>
-        <pc:spChg chg="add mod">
-          <ac:chgData name="Cooling, Chris" userId="6dcf99c9-2ba5-410a-8445-0893a3d1421f" providerId="ADAL" clId="{03CF33AC-D9E4-491F-8963-DAB5E6081A01}" dt="2024-10-09T09:59:09.242" v="1536" actId="14100"/>
-          <ac:spMkLst>
-            <pc:docMk/>
-            <pc:sldMk cId="620213683" sldId="393"/>
-            <ac:spMk id="8" creationId="{90681B78-30A2-B627-AFAA-C06DA18D7BD4}"/>
-          </ac:spMkLst>
-        </pc:spChg>
-        <pc:cxnChg chg="add mod">
-          <ac:chgData name="Cooling, Chris" userId="6dcf99c9-2ba5-410a-8445-0893a3d1421f" providerId="ADAL" clId="{03CF33AC-D9E4-491F-8963-DAB5E6081A01}" dt="2024-10-09T09:58:59.416" v="1534" actId="14100"/>
-          <ac:cxnSpMkLst>
-            <pc:docMk/>
-            <pc:sldMk cId="620213683" sldId="393"/>
-            <ac:cxnSpMk id="9" creationId="{8FF43A6E-C2C2-2E6B-1725-2A8DC408046A}"/>
-          </ac:cxnSpMkLst>
-        </pc:cxnChg>
-        <pc:cxnChg chg="add mod">
-          <ac:chgData name="Cooling, Chris" userId="6dcf99c9-2ba5-410a-8445-0893a3d1421f" providerId="ADAL" clId="{03CF33AC-D9E4-491F-8963-DAB5E6081A01}" dt="2024-10-09T09:59:26.065" v="1537" actId="14100"/>
-          <ac:cxnSpMkLst>
-            <pc:docMk/>
-            <pc:sldMk cId="620213683" sldId="393"/>
-            <ac:cxnSpMk id="10" creationId="{8D1E01EC-C087-EB54-32CA-44F1217AC10C}"/>
-          </ac:cxnSpMkLst>
-        </pc:cxnChg>
       </pc:sldChg>
       <pc:sldChg chg="add del">
         <pc:chgData name="Cooling, Chris" userId="6dcf99c9-2ba5-410a-8445-0893a3d1421f" providerId="ADAL" clId="{03CF33AC-D9E4-491F-8963-DAB5E6081A01}" dt="2024-10-09T08:23:15.889" v="66" actId="47"/>
@@ -3449,118 +1705,6 @@
           <pc:docMk/>
           <pc:sldMk cId="2690902426" sldId="394"/>
         </pc:sldMkLst>
-        <pc:spChg chg="mod">
-          <ac:chgData name="Cooling, Chris" userId="6dcf99c9-2ba5-410a-8445-0893a3d1421f" providerId="ADAL" clId="{03CF33AC-D9E4-491F-8963-DAB5E6081A01}" dt="2024-10-09T10:00:36.150" v="1540"/>
-          <ac:spMkLst>
-            <pc:docMk/>
-            <pc:sldMk cId="2690902426" sldId="394"/>
-            <ac:spMk id="2" creationId="{6F5D226D-AEEE-9CAD-EC6D-58B1E3EBB257}"/>
-          </ac:spMkLst>
-        </pc:spChg>
-        <pc:spChg chg="del">
-          <ac:chgData name="Cooling, Chris" userId="6dcf99c9-2ba5-410a-8445-0893a3d1421f" providerId="ADAL" clId="{03CF33AC-D9E4-491F-8963-DAB5E6081A01}" dt="2024-10-09T10:00:51.178" v="1541" actId="478"/>
-          <ac:spMkLst>
-            <pc:docMk/>
-            <pc:sldMk cId="2690902426" sldId="394"/>
-            <ac:spMk id="3" creationId="{2C7A6954-5AE7-6E35-86E6-C550777AAF6E}"/>
-          </ac:spMkLst>
-        </pc:spChg>
-        <pc:spChg chg="del">
-          <ac:chgData name="Cooling, Chris" userId="6dcf99c9-2ba5-410a-8445-0893a3d1421f" providerId="ADAL" clId="{03CF33AC-D9E4-491F-8963-DAB5E6081A01}" dt="2024-10-09T10:00:51.178" v="1541" actId="478"/>
-          <ac:spMkLst>
-            <pc:docMk/>
-            <pc:sldMk cId="2690902426" sldId="394"/>
-            <ac:spMk id="4" creationId="{21263D07-776E-9C03-66CD-3730C2FBE4E5}"/>
-          </ac:spMkLst>
-        </pc:spChg>
-        <pc:spChg chg="del">
-          <ac:chgData name="Cooling, Chris" userId="6dcf99c9-2ba5-410a-8445-0893a3d1421f" providerId="ADAL" clId="{03CF33AC-D9E4-491F-8963-DAB5E6081A01}" dt="2024-10-09T10:00:51.178" v="1541" actId="478"/>
-          <ac:spMkLst>
-            <pc:docMk/>
-            <pc:sldMk cId="2690902426" sldId="394"/>
-            <ac:spMk id="8" creationId="{90681B78-30A2-B627-AFAA-C06DA18D7BD4}"/>
-          </ac:spMkLst>
-        </pc:spChg>
-        <pc:spChg chg="add del mod">
-          <ac:chgData name="Cooling, Chris" userId="6dcf99c9-2ba5-410a-8445-0893a3d1421f" providerId="ADAL" clId="{03CF33AC-D9E4-491F-8963-DAB5E6081A01}" dt="2024-10-09T10:00:55.271" v="1542" actId="478"/>
-          <ac:spMkLst>
-            <pc:docMk/>
-            <pc:sldMk cId="2690902426" sldId="394"/>
-            <ac:spMk id="12" creationId="{9F2F653A-1C02-97E6-FDAE-B6944F0F10E2}"/>
-          </ac:spMkLst>
-        </pc:spChg>
-        <pc:spChg chg="add mod">
-          <ac:chgData name="Cooling, Chris" userId="6dcf99c9-2ba5-410a-8445-0893a3d1421f" providerId="ADAL" clId="{03CF33AC-D9E4-491F-8963-DAB5E6081A01}" dt="2024-10-09T10:01:11.594" v="1545" actId="14100"/>
-          <ac:spMkLst>
-            <pc:docMk/>
-            <pc:sldMk cId="2690902426" sldId="394"/>
-            <ac:spMk id="13" creationId="{6E1254B3-55A9-E55F-3137-7FD951641D80}"/>
-          </ac:spMkLst>
-        </pc:spChg>
-        <pc:spChg chg="add mod">
-          <ac:chgData name="Cooling, Chris" userId="6dcf99c9-2ba5-410a-8445-0893a3d1421f" providerId="ADAL" clId="{03CF33AC-D9E4-491F-8963-DAB5E6081A01}" dt="2024-10-09T10:01:40.887" v="1552" actId="1076"/>
-          <ac:spMkLst>
-            <pc:docMk/>
-            <pc:sldMk cId="2690902426" sldId="394"/>
-            <ac:spMk id="14" creationId="{56DF3A43-BD61-8F7A-2C8E-C2A0A2EE5017}"/>
-          </ac:spMkLst>
-        </pc:spChg>
-        <pc:spChg chg="add mod">
-          <ac:chgData name="Cooling, Chris" userId="6dcf99c9-2ba5-410a-8445-0893a3d1421f" providerId="ADAL" clId="{03CF33AC-D9E4-491F-8963-DAB5E6081A01}" dt="2024-10-09T10:01:31.019" v="1550" actId="14100"/>
-          <ac:spMkLst>
-            <pc:docMk/>
-            <pc:sldMk cId="2690902426" sldId="394"/>
-            <ac:spMk id="15" creationId="{7AA5F456-CE98-C89C-8023-7991E77E2EC0}"/>
-          </ac:spMkLst>
-        </pc:spChg>
-        <pc:spChg chg="add mod">
-          <ac:chgData name="Cooling, Chris" userId="6dcf99c9-2ba5-410a-8445-0893a3d1421f" providerId="ADAL" clId="{03CF33AC-D9E4-491F-8963-DAB5E6081A01}" dt="2024-10-09T10:02:06.786" v="1555"/>
-          <ac:spMkLst>
-            <pc:docMk/>
-            <pc:sldMk cId="2690902426" sldId="394"/>
-            <ac:spMk id="22" creationId="{8FD8DE92-B50B-4B72-2936-862BF15B7EFA}"/>
-          </ac:spMkLst>
-        </pc:spChg>
-        <pc:spChg chg="add mod">
-          <ac:chgData name="Cooling, Chris" userId="6dcf99c9-2ba5-410a-8445-0893a3d1421f" providerId="ADAL" clId="{03CF33AC-D9E4-491F-8963-DAB5E6081A01}" dt="2024-10-09T10:02:06.786" v="1555"/>
-          <ac:spMkLst>
-            <pc:docMk/>
-            <pc:sldMk cId="2690902426" sldId="394"/>
-            <ac:spMk id="23" creationId="{1E7AA1CE-D129-65D5-D915-A36356985E9C}"/>
-          </ac:spMkLst>
-        </pc:spChg>
-        <pc:cxnChg chg="del mod">
-          <ac:chgData name="Cooling, Chris" userId="6dcf99c9-2ba5-410a-8445-0893a3d1421f" providerId="ADAL" clId="{03CF33AC-D9E4-491F-8963-DAB5E6081A01}" dt="2024-10-09T10:00:51.178" v="1541" actId="478"/>
-          <ac:cxnSpMkLst>
-            <pc:docMk/>
-            <pc:sldMk cId="2690902426" sldId="394"/>
-            <ac:cxnSpMk id="9" creationId="{8FF43A6E-C2C2-2E6B-1725-2A8DC408046A}"/>
-          </ac:cxnSpMkLst>
-        </pc:cxnChg>
-        <pc:cxnChg chg="del mod">
-          <ac:chgData name="Cooling, Chris" userId="6dcf99c9-2ba5-410a-8445-0893a3d1421f" providerId="ADAL" clId="{03CF33AC-D9E4-491F-8963-DAB5E6081A01}" dt="2024-10-09T10:00:51.178" v="1541" actId="478"/>
-          <ac:cxnSpMkLst>
-            <pc:docMk/>
-            <pc:sldMk cId="2690902426" sldId="394"/>
-            <ac:cxnSpMk id="10" creationId="{8D1E01EC-C087-EB54-32CA-44F1217AC10C}"/>
-          </ac:cxnSpMkLst>
-        </pc:cxnChg>
-        <pc:cxnChg chg="add mod">
-          <ac:chgData name="Cooling, Chris" userId="6dcf99c9-2ba5-410a-8445-0893a3d1421f" providerId="ADAL" clId="{03CF33AC-D9E4-491F-8963-DAB5E6081A01}" dt="2024-10-09T10:01:44.236" v="1553" actId="14100"/>
-          <ac:cxnSpMkLst>
-            <pc:docMk/>
-            <pc:sldMk cId="2690902426" sldId="394"/>
-            <ac:cxnSpMk id="16" creationId="{94E82A2C-E920-CB5C-F807-63BE89641FCD}"/>
-          </ac:cxnSpMkLst>
-        </pc:cxnChg>
-        <pc:cxnChg chg="add mod">
-          <ac:chgData name="Cooling, Chris" userId="6dcf99c9-2ba5-410a-8445-0893a3d1421f" providerId="ADAL" clId="{03CF33AC-D9E4-491F-8963-DAB5E6081A01}" dt="2024-10-09T10:01:36.348" v="1551" actId="14100"/>
-          <ac:cxnSpMkLst>
-            <pc:docMk/>
-            <pc:sldMk cId="2690902426" sldId="394"/>
-            <ac:cxnSpMk id="17" creationId="{AAEB2223-C823-B722-F73E-8D9D5E3C1F30}"/>
-          </ac:cxnSpMkLst>
-        </pc:cxnChg>
       </pc:sldChg>
       <pc:sldChg chg="addSp delSp modSp add mod modNotesTx">
         <pc:chgData name="Cooling, Chris" userId="6dcf99c9-2ba5-410a-8445-0893a3d1421f" providerId="ADAL" clId="{03CF33AC-D9E4-491F-8963-DAB5E6081A01}" dt="2024-10-09T10:15:49.750" v="1568"/>
@@ -3568,86 +1712,6 @@
           <pc:docMk/>
           <pc:sldMk cId="3761449199" sldId="395"/>
         </pc:sldMkLst>
-        <pc:spChg chg="mod">
-          <ac:chgData name="Cooling, Chris" userId="6dcf99c9-2ba5-410a-8445-0893a3d1421f" providerId="ADAL" clId="{03CF33AC-D9E4-491F-8963-DAB5E6081A01}" dt="2024-10-09T10:14:27.814" v="1557"/>
-          <ac:spMkLst>
-            <pc:docMk/>
-            <pc:sldMk cId="3761449199" sldId="395"/>
-            <ac:spMk id="2" creationId="{6F5D226D-AEEE-9CAD-EC6D-58B1E3EBB257}"/>
-          </ac:spMkLst>
-        </pc:spChg>
-        <pc:spChg chg="add del mod">
-          <ac:chgData name="Cooling, Chris" userId="6dcf99c9-2ba5-410a-8445-0893a3d1421f" providerId="ADAL" clId="{03CF33AC-D9E4-491F-8963-DAB5E6081A01}" dt="2024-10-09T10:14:45.591" v="1560" actId="478"/>
-          <ac:spMkLst>
-            <pc:docMk/>
-            <pc:sldMk cId="3761449199" sldId="395"/>
-            <ac:spMk id="4" creationId="{ACC234C3-E373-3FD5-5022-99A6C47D5252}"/>
-          </ac:spMkLst>
-        </pc:spChg>
-        <pc:spChg chg="add mod">
-          <ac:chgData name="Cooling, Chris" userId="6dcf99c9-2ba5-410a-8445-0893a3d1421f" providerId="ADAL" clId="{03CF33AC-D9E4-491F-8963-DAB5E6081A01}" dt="2024-10-09T10:15:27.550" v="1567" actId="14100"/>
-          <ac:spMkLst>
-            <pc:docMk/>
-            <pc:sldMk cId="3761449199" sldId="395"/>
-            <ac:spMk id="8" creationId="{BAAB4D1E-5ED2-A41C-5DD3-EE59DF23E53F}"/>
-          </ac:spMkLst>
-        </pc:spChg>
-        <pc:spChg chg="del">
-          <ac:chgData name="Cooling, Chris" userId="6dcf99c9-2ba5-410a-8445-0893a3d1421f" providerId="ADAL" clId="{03CF33AC-D9E4-491F-8963-DAB5E6081A01}" dt="2024-10-09T10:14:41.720" v="1559" actId="478"/>
-          <ac:spMkLst>
-            <pc:docMk/>
-            <pc:sldMk cId="3761449199" sldId="395"/>
-            <ac:spMk id="13" creationId="{6E1254B3-55A9-E55F-3137-7FD951641D80}"/>
-          </ac:spMkLst>
-        </pc:spChg>
-        <pc:spChg chg="del">
-          <ac:chgData name="Cooling, Chris" userId="6dcf99c9-2ba5-410a-8445-0893a3d1421f" providerId="ADAL" clId="{03CF33AC-D9E4-491F-8963-DAB5E6081A01}" dt="2024-10-09T10:14:41.720" v="1559" actId="478"/>
-          <ac:spMkLst>
-            <pc:docMk/>
-            <pc:sldMk cId="3761449199" sldId="395"/>
-            <ac:spMk id="14" creationId="{56DF3A43-BD61-8F7A-2C8E-C2A0A2EE5017}"/>
-          </ac:spMkLst>
-        </pc:spChg>
-        <pc:spChg chg="del">
-          <ac:chgData name="Cooling, Chris" userId="6dcf99c9-2ba5-410a-8445-0893a3d1421f" providerId="ADAL" clId="{03CF33AC-D9E4-491F-8963-DAB5E6081A01}" dt="2024-10-09T10:14:41.720" v="1559" actId="478"/>
-          <ac:spMkLst>
-            <pc:docMk/>
-            <pc:sldMk cId="3761449199" sldId="395"/>
-            <ac:spMk id="15" creationId="{7AA5F456-CE98-C89C-8023-7991E77E2EC0}"/>
-          </ac:spMkLst>
-        </pc:spChg>
-        <pc:spChg chg="del">
-          <ac:chgData name="Cooling, Chris" userId="6dcf99c9-2ba5-410a-8445-0893a3d1421f" providerId="ADAL" clId="{03CF33AC-D9E4-491F-8963-DAB5E6081A01}" dt="2024-10-09T10:14:33.030" v="1558" actId="478"/>
-          <ac:spMkLst>
-            <pc:docMk/>
-            <pc:sldMk cId="3761449199" sldId="395"/>
-            <ac:spMk id="22" creationId="{8FD8DE92-B50B-4B72-2936-862BF15B7EFA}"/>
-          </ac:spMkLst>
-        </pc:spChg>
-        <pc:spChg chg="del">
-          <ac:chgData name="Cooling, Chris" userId="6dcf99c9-2ba5-410a-8445-0893a3d1421f" providerId="ADAL" clId="{03CF33AC-D9E4-491F-8963-DAB5E6081A01}" dt="2024-10-09T10:14:33.030" v="1558" actId="478"/>
-          <ac:spMkLst>
-            <pc:docMk/>
-            <pc:sldMk cId="3761449199" sldId="395"/>
-            <ac:spMk id="23" creationId="{1E7AA1CE-D129-65D5-D915-A36356985E9C}"/>
-          </ac:spMkLst>
-        </pc:spChg>
-        <pc:cxnChg chg="del mod">
-          <ac:chgData name="Cooling, Chris" userId="6dcf99c9-2ba5-410a-8445-0893a3d1421f" providerId="ADAL" clId="{03CF33AC-D9E4-491F-8963-DAB5E6081A01}" dt="2024-10-09T10:14:41.720" v="1559" actId="478"/>
-          <ac:cxnSpMkLst>
-            <pc:docMk/>
-            <pc:sldMk cId="3761449199" sldId="395"/>
-            <ac:cxnSpMk id="16" creationId="{94E82A2C-E920-CB5C-F807-63BE89641FCD}"/>
-          </ac:cxnSpMkLst>
-        </pc:cxnChg>
-        <pc:cxnChg chg="del mod">
-          <ac:chgData name="Cooling, Chris" userId="6dcf99c9-2ba5-410a-8445-0893a3d1421f" providerId="ADAL" clId="{03CF33AC-D9E4-491F-8963-DAB5E6081A01}" dt="2024-10-09T10:14:41.720" v="1559" actId="478"/>
-          <ac:cxnSpMkLst>
-            <pc:docMk/>
-            <pc:sldMk cId="3761449199" sldId="395"/>
-            <ac:cxnSpMk id="17" creationId="{AAEB2223-C823-B722-F73E-8D9D5E3C1F30}"/>
-          </ac:cxnSpMkLst>
-        </pc:cxnChg>
       </pc:sldChg>
       <pc:sldChg chg="add del">
         <pc:chgData name="Cooling, Chris" userId="6dcf99c9-2ba5-410a-8445-0893a3d1421f" providerId="ADAL" clId="{03CF33AC-D9E4-491F-8963-DAB5E6081A01}" dt="2024-10-09T08:23:15.889" v="66" actId="47"/>
@@ -3669,54 +1733,6 @@
           <pc:docMk/>
           <pc:sldMk cId="4103524331" sldId="396"/>
         </pc:sldMkLst>
-        <pc:spChg chg="mod">
-          <ac:chgData name="Cooling, Chris" userId="6dcf99c9-2ba5-410a-8445-0893a3d1421f" providerId="ADAL" clId="{03CF33AC-D9E4-491F-8963-DAB5E6081A01}" dt="2024-10-09T10:16:17.108" v="1570"/>
-          <ac:spMkLst>
-            <pc:docMk/>
-            <pc:sldMk cId="4103524331" sldId="396"/>
-            <ac:spMk id="2" creationId="{6F5D226D-AEEE-9CAD-EC6D-58B1E3EBB257}"/>
-          </ac:spMkLst>
-        </pc:spChg>
-        <pc:spChg chg="add del mod">
-          <ac:chgData name="Cooling, Chris" userId="6dcf99c9-2ba5-410a-8445-0893a3d1421f" providerId="ADAL" clId="{03CF33AC-D9E4-491F-8963-DAB5E6081A01}" dt="2024-10-09T10:16:30.753" v="1572" actId="478"/>
-          <ac:spMkLst>
-            <pc:docMk/>
-            <pc:sldMk cId="4103524331" sldId="396"/>
-            <ac:spMk id="4" creationId="{E8D93B8F-DDD9-6C34-1347-DA16BD19CF53}"/>
-          </ac:spMkLst>
-        </pc:spChg>
-        <pc:spChg chg="del">
-          <ac:chgData name="Cooling, Chris" userId="6dcf99c9-2ba5-410a-8445-0893a3d1421f" providerId="ADAL" clId="{03CF33AC-D9E4-491F-8963-DAB5E6081A01}" dt="2024-10-09T10:16:20.308" v="1571" actId="478"/>
-          <ac:spMkLst>
-            <pc:docMk/>
-            <pc:sldMk cId="4103524331" sldId="396"/>
-            <ac:spMk id="8" creationId="{BAAB4D1E-5ED2-A41C-5DD3-EE59DF23E53F}"/>
-          </ac:spMkLst>
-        </pc:spChg>
-        <pc:spChg chg="add mod">
-          <ac:chgData name="Cooling, Chris" userId="6dcf99c9-2ba5-410a-8445-0893a3d1421f" providerId="ADAL" clId="{03CF33AC-D9E4-491F-8963-DAB5E6081A01}" dt="2024-10-09T10:16:39.032" v="1574" actId="14100"/>
-          <ac:spMkLst>
-            <pc:docMk/>
-            <pc:sldMk cId="4103524331" sldId="396"/>
-            <ac:spMk id="9" creationId="{74665D48-6B86-2775-C338-4B0E135D3E0F}"/>
-          </ac:spMkLst>
-        </pc:spChg>
-        <pc:spChg chg="add mod">
-          <ac:chgData name="Cooling, Chris" userId="6dcf99c9-2ba5-410a-8445-0893a3d1421f" providerId="ADAL" clId="{03CF33AC-D9E4-491F-8963-DAB5E6081A01}" dt="2024-10-09T10:16:54.305" v="1576" actId="1076"/>
-          <ac:spMkLst>
-            <pc:docMk/>
-            <pc:sldMk cId="4103524331" sldId="396"/>
-            <ac:spMk id="11" creationId="{E3F2F9A7-BB53-8AE3-B7C9-7003B97E3BE9}"/>
-          </ac:spMkLst>
-        </pc:spChg>
-        <pc:cxnChg chg="add mod">
-          <ac:chgData name="Cooling, Chris" userId="6dcf99c9-2ba5-410a-8445-0893a3d1421f" providerId="ADAL" clId="{03CF33AC-D9E4-491F-8963-DAB5E6081A01}" dt="2024-10-09T10:16:57.328" v="1577" actId="1076"/>
-          <ac:cxnSpMkLst>
-            <pc:docMk/>
-            <pc:sldMk cId="4103524331" sldId="396"/>
-            <ac:cxnSpMk id="10" creationId="{FF29C6A3-BCE0-37FF-4728-196349D4709A}"/>
-          </ac:cxnSpMkLst>
-        </pc:cxnChg>
       </pc:sldChg>
       <pc:sldChg chg="addSp delSp modSp add mod modNotesTx">
         <pc:chgData name="Cooling, Chris" userId="6dcf99c9-2ba5-410a-8445-0893a3d1421f" providerId="ADAL" clId="{03CF33AC-D9E4-491F-8963-DAB5E6081A01}" dt="2024-10-09T13:27:00.884" v="3315" actId="20577"/>
@@ -3724,70 +1740,6 @@
           <pc:docMk/>
           <pc:sldMk cId="719251142" sldId="397"/>
         </pc:sldMkLst>
-        <pc:spChg chg="mod">
-          <ac:chgData name="Cooling, Chris" userId="6dcf99c9-2ba5-410a-8445-0893a3d1421f" providerId="ADAL" clId="{03CF33AC-D9E4-491F-8963-DAB5E6081A01}" dt="2024-10-09T10:22:47.633" v="1580"/>
-          <ac:spMkLst>
-            <pc:docMk/>
-            <pc:sldMk cId="719251142" sldId="397"/>
-            <ac:spMk id="2" creationId="{6F5D226D-AEEE-9CAD-EC6D-58B1E3EBB257}"/>
-          </ac:spMkLst>
-        </pc:spChg>
-        <pc:spChg chg="add del mod">
-          <ac:chgData name="Cooling, Chris" userId="6dcf99c9-2ba5-410a-8445-0893a3d1421f" providerId="ADAL" clId="{03CF33AC-D9E4-491F-8963-DAB5E6081A01}" dt="2024-10-09T10:23:02.455" v="1582" actId="478"/>
-          <ac:spMkLst>
-            <pc:docMk/>
-            <pc:sldMk cId="719251142" sldId="397"/>
-            <ac:spMk id="4" creationId="{1FC8B221-CE89-CFFD-EDAD-6672092E18AF}"/>
-          </ac:spMkLst>
-        </pc:spChg>
-        <pc:spChg chg="add mod">
-          <ac:chgData name="Cooling, Chris" userId="6dcf99c9-2ba5-410a-8445-0893a3d1421f" providerId="ADAL" clId="{03CF33AC-D9E4-491F-8963-DAB5E6081A01}" dt="2024-10-09T10:23:30.605" v="1586" actId="255"/>
-          <ac:spMkLst>
-            <pc:docMk/>
-            <pc:sldMk cId="719251142" sldId="397"/>
-            <ac:spMk id="8" creationId="{5EFFB270-A444-4DE2-0DE3-DF516468DA9F}"/>
-          </ac:spMkLst>
-        </pc:spChg>
-        <pc:spChg chg="del">
-          <ac:chgData name="Cooling, Chris" userId="6dcf99c9-2ba5-410a-8445-0893a3d1421f" providerId="ADAL" clId="{03CF33AC-D9E4-491F-8963-DAB5E6081A01}" dt="2024-10-09T10:22:56.731" v="1581" actId="478"/>
-          <ac:spMkLst>
-            <pc:docMk/>
-            <pc:sldMk cId="719251142" sldId="397"/>
-            <ac:spMk id="9" creationId="{74665D48-6B86-2775-C338-4B0E135D3E0F}"/>
-          </ac:spMkLst>
-        </pc:spChg>
-        <pc:spChg chg="del">
-          <ac:chgData name="Cooling, Chris" userId="6dcf99c9-2ba5-410a-8445-0893a3d1421f" providerId="ADAL" clId="{03CF33AC-D9E4-491F-8963-DAB5E6081A01}" dt="2024-10-09T10:22:56.731" v="1581" actId="478"/>
-          <ac:spMkLst>
-            <pc:docMk/>
-            <pc:sldMk cId="719251142" sldId="397"/>
-            <ac:spMk id="11" creationId="{E3F2F9A7-BB53-8AE3-B7C9-7003B97E3BE9}"/>
-          </ac:spMkLst>
-        </pc:spChg>
-        <pc:spChg chg="add mod">
-          <ac:chgData name="Cooling, Chris" userId="6dcf99c9-2ba5-410a-8445-0893a3d1421f" providerId="ADAL" clId="{03CF33AC-D9E4-491F-8963-DAB5E6081A01}" dt="2024-10-09T10:23:56.089" v="1588"/>
-          <ac:spMkLst>
-            <pc:docMk/>
-            <pc:sldMk cId="719251142" sldId="397"/>
-            <ac:spMk id="12" creationId="{3801141C-3B76-69BA-A505-E0B7FB786CBC}"/>
-          </ac:spMkLst>
-        </pc:spChg>
-        <pc:spChg chg="add mod">
-          <ac:chgData name="Cooling, Chris" userId="6dcf99c9-2ba5-410a-8445-0893a3d1421f" providerId="ADAL" clId="{03CF33AC-D9E4-491F-8963-DAB5E6081A01}" dt="2024-10-09T10:23:56.089" v="1588"/>
-          <ac:spMkLst>
-            <pc:docMk/>
-            <pc:sldMk cId="719251142" sldId="397"/>
-            <ac:spMk id="13" creationId="{95BEB220-2AF1-8E4A-DA65-ADD5031EA307}"/>
-          </ac:spMkLst>
-        </pc:spChg>
-        <pc:cxnChg chg="del">
-          <ac:chgData name="Cooling, Chris" userId="6dcf99c9-2ba5-410a-8445-0893a3d1421f" providerId="ADAL" clId="{03CF33AC-D9E4-491F-8963-DAB5E6081A01}" dt="2024-10-09T10:22:56.731" v="1581" actId="478"/>
-          <ac:cxnSpMkLst>
-            <pc:docMk/>
-            <pc:sldMk cId="719251142" sldId="397"/>
-            <ac:cxnSpMk id="10" creationId="{FF29C6A3-BCE0-37FF-4728-196349D4709A}"/>
-          </ac:cxnSpMkLst>
-        </pc:cxnChg>
       </pc:sldChg>
       <pc:sldChg chg="add del">
         <pc:chgData name="Cooling, Chris" userId="6dcf99c9-2ba5-410a-8445-0893a3d1421f" providerId="ADAL" clId="{03CF33AC-D9E4-491F-8963-DAB5E6081A01}" dt="2024-10-09T08:23:15.889" v="66" actId="47"/>
@@ -3809,30 +1761,6 @@
           <pc:docMk/>
           <pc:sldMk cId="3921319063" sldId="398"/>
         </pc:sldMkLst>
-        <pc:spChg chg="mod">
-          <ac:chgData name="Cooling, Chris" userId="6dcf99c9-2ba5-410a-8445-0893a3d1421f" providerId="ADAL" clId="{03CF33AC-D9E4-491F-8963-DAB5E6081A01}" dt="2024-10-09T10:24:57.263" v="1590"/>
-          <ac:spMkLst>
-            <pc:docMk/>
-            <pc:sldMk cId="3921319063" sldId="398"/>
-            <ac:spMk id="2" creationId="{6F5D226D-AEEE-9CAD-EC6D-58B1E3EBB257}"/>
-          </ac:spMkLst>
-        </pc:spChg>
-        <pc:spChg chg="mod">
-          <ac:chgData name="Cooling, Chris" userId="6dcf99c9-2ba5-410a-8445-0893a3d1421f" providerId="ADAL" clId="{03CF33AC-D9E4-491F-8963-DAB5E6081A01}" dt="2024-10-09T10:25:15.012" v="1593" actId="255"/>
-          <ac:spMkLst>
-            <pc:docMk/>
-            <pc:sldMk cId="3921319063" sldId="398"/>
-            <ac:spMk id="8" creationId="{5EFFB270-A444-4DE2-0DE3-DF516468DA9F}"/>
-          </ac:spMkLst>
-        </pc:spChg>
-        <pc:spChg chg="del">
-          <ac:chgData name="Cooling, Chris" userId="6dcf99c9-2ba5-410a-8445-0893a3d1421f" providerId="ADAL" clId="{03CF33AC-D9E4-491F-8963-DAB5E6081A01}" dt="2024-10-09T10:25:02.528" v="1591" actId="478"/>
-          <ac:spMkLst>
-            <pc:docMk/>
-            <pc:sldMk cId="3921319063" sldId="398"/>
-            <ac:spMk id="13" creationId="{95BEB220-2AF1-8E4A-DA65-ADD5031EA307}"/>
-          </ac:spMkLst>
-        </pc:spChg>
       </pc:sldChg>
       <pc:sldChg chg="modSp add mod modNotesTx">
         <pc:chgData name="Cooling, Chris" userId="6dcf99c9-2ba5-410a-8445-0893a3d1421f" providerId="ADAL" clId="{03CF33AC-D9E4-491F-8963-DAB5E6081A01}" dt="2024-10-09T13:28:06.093" v="3368" actId="20577"/>
@@ -3840,22 +1768,6 @@
           <pc:docMk/>
           <pc:sldMk cId="3172791869" sldId="399"/>
         </pc:sldMkLst>
-        <pc:spChg chg="mod">
-          <ac:chgData name="Cooling, Chris" userId="6dcf99c9-2ba5-410a-8445-0893a3d1421f" providerId="ADAL" clId="{03CF33AC-D9E4-491F-8963-DAB5E6081A01}" dt="2024-10-09T10:26:30.905" v="1596"/>
-          <ac:spMkLst>
-            <pc:docMk/>
-            <pc:sldMk cId="3172791869" sldId="399"/>
-            <ac:spMk id="2" creationId="{6F5D226D-AEEE-9CAD-EC6D-58B1E3EBB257}"/>
-          </ac:spMkLst>
-        </pc:spChg>
-        <pc:spChg chg="mod">
-          <ac:chgData name="Cooling, Chris" userId="6dcf99c9-2ba5-410a-8445-0893a3d1421f" providerId="ADAL" clId="{03CF33AC-D9E4-491F-8963-DAB5E6081A01}" dt="2024-10-09T10:26:43.821" v="1598" actId="255"/>
-          <ac:spMkLst>
-            <pc:docMk/>
-            <pc:sldMk cId="3172791869" sldId="399"/>
-            <ac:spMk id="8" creationId="{5EFFB270-A444-4DE2-0DE3-DF516468DA9F}"/>
-          </ac:spMkLst>
-        </pc:spChg>
       </pc:sldChg>
       <pc:sldChg chg="add del">
         <pc:chgData name="Cooling, Chris" userId="6dcf99c9-2ba5-410a-8445-0893a3d1421f" providerId="ADAL" clId="{03CF33AC-D9E4-491F-8963-DAB5E6081A01}" dt="2024-10-09T08:23:15.889" v="66" actId="47"/>
@@ -3877,102 +1789,6 @@
           <pc:docMk/>
           <pc:sldMk cId="1135729167" sldId="400"/>
         </pc:sldMkLst>
-        <pc:spChg chg="mod">
-          <ac:chgData name="Cooling, Chris" userId="6dcf99c9-2ba5-410a-8445-0893a3d1421f" providerId="ADAL" clId="{03CF33AC-D9E4-491F-8963-DAB5E6081A01}" dt="2024-10-09T10:27:29.375" v="1601"/>
-          <ac:spMkLst>
-            <pc:docMk/>
-            <pc:sldMk cId="1135729167" sldId="400"/>
-            <ac:spMk id="2" creationId="{6F5D226D-AEEE-9CAD-EC6D-58B1E3EBB257}"/>
-          </ac:spMkLst>
-        </pc:spChg>
-        <pc:spChg chg="add del mod">
-          <ac:chgData name="Cooling, Chris" userId="6dcf99c9-2ba5-410a-8445-0893a3d1421f" providerId="ADAL" clId="{03CF33AC-D9E4-491F-8963-DAB5E6081A01}" dt="2024-10-09T10:27:49.148" v="1605" actId="478"/>
-          <ac:spMkLst>
-            <pc:docMk/>
-            <pc:sldMk cId="1135729167" sldId="400"/>
-            <ac:spMk id="4" creationId="{602D329C-04F9-102A-56E1-5291B85B4FA6}"/>
-          </ac:spMkLst>
-        </pc:spChg>
-        <pc:spChg chg="del">
-          <ac:chgData name="Cooling, Chris" userId="6dcf99c9-2ba5-410a-8445-0893a3d1421f" providerId="ADAL" clId="{03CF33AC-D9E4-491F-8963-DAB5E6081A01}" dt="2024-10-09T10:27:46.327" v="1603" actId="478"/>
-          <ac:spMkLst>
-            <pc:docMk/>
-            <pc:sldMk cId="1135729167" sldId="400"/>
-            <ac:spMk id="8" creationId="{5EFFB270-A444-4DE2-0DE3-DF516468DA9F}"/>
-          </ac:spMkLst>
-        </pc:spChg>
-        <pc:spChg chg="add mod">
-          <ac:chgData name="Cooling, Chris" userId="6dcf99c9-2ba5-410a-8445-0893a3d1421f" providerId="ADAL" clId="{03CF33AC-D9E4-491F-8963-DAB5E6081A01}" dt="2024-10-09T10:28:22.779" v="1608" actId="255"/>
-          <ac:spMkLst>
-            <pc:docMk/>
-            <pc:sldMk cId="1135729167" sldId="400"/>
-            <ac:spMk id="9" creationId="{83BD55E8-7753-709B-FE7C-786135BCA366}"/>
-          </ac:spMkLst>
-        </pc:spChg>
-        <pc:spChg chg="add mod">
-          <ac:chgData name="Cooling, Chris" userId="6dcf99c9-2ba5-410a-8445-0893a3d1421f" providerId="ADAL" clId="{03CF33AC-D9E4-491F-8963-DAB5E6081A01}" dt="2024-10-09T10:28:09.206" v="1606" actId="164"/>
-          <ac:spMkLst>
-            <pc:docMk/>
-            <pc:sldMk cId="1135729167" sldId="400"/>
-            <ac:spMk id="10" creationId="{8E4F6570-4A9D-2ABD-55DC-24D6456BECCB}"/>
-          </ac:spMkLst>
-        </pc:spChg>
-        <pc:spChg chg="del">
-          <ac:chgData name="Cooling, Chris" userId="6dcf99c9-2ba5-410a-8445-0893a3d1421f" providerId="ADAL" clId="{03CF33AC-D9E4-491F-8963-DAB5E6081A01}" dt="2024-10-09T10:27:34.971" v="1602" actId="478"/>
-          <ac:spMkLst>
-            <pc:docMk/>
-            <pc:sldMk cId="1135729167" sldId="400"/>
-            <ac:spMk id="12" creationId="{3801141C-3B76-69BA-A505-E0B7FB786CBC}"/>
-          </ac:spMkLst>
-        </pc:spChg>
-        <pc:spChg chg="add mod">
-          <ac:chgData name="Cooling, Chris" userId="6dcf99c9-2ba5-410a-8445-0893a3d1421f" providerId="ADAL" clId="{03CF33AC-D9E4-491F-8963-DAB5E6081A01}" dt="2024-10-09T10:28:09.206" v="1606" actId="164"/>
-          <ac:spMkLst>
-            <pc:docMk/>
-            <pc:sldMk cId="1135729167" sldId="400"/>
-            <ac:spMk id="13" creationId="{5A50C533-43A2-2FA3-1400-38A3C10D4802}"/>
-          </ac:spMkLst>
-        </pc:spChg>
-        <pc:spChg chg="add mod">
-          <ac:chgData name="Cooling, Chris" userId="6dcf99c9-2ba5-410a-8445-0893a3d1421f" providerId="ADAL" clId="{03CF33AC-D9E4-491F-8963-DAB5E6081A01}" dt="2024-10-09T10:28:09.206" v="1606" actId="164"/>
-          <ac:spMkLst>
-            <pc:docMk/>
-            <pc:sldMk cId="1135729167" sldId="400"/>
-            <ac:spMk id="15" creationId="{BFADFC36-3870-683A-BDE2-FC10693AFAD0}"/>
-          </ac:spMkLst>
-        </pc:spChg>
-        <pc:grpChg chg="add mod">
-          <ac:chgData name="Cooling, Chris" userId="6dcf99c9-2ba5-410a-8445-0893a3d1421f" providerId="ADAL" clId="{03CF33AC-D9E4-491F-8963-DAB5E6081A01}" dt="2024-10-09T10:28:13.893" v="1607" actId="14100"/>
-          <ac:grpSpMkLst>
-            <pc:docMk/>
-            <pc:sldMk cId="1135729167" sldId="400"/>
-            <ac:grpSpMk id="17" creationId="{988CEFE5-18CE-5F35-0D49-44E95977A79A}"/>
-          </ac:grpSpMkLst>
-        </pc:grpChg>
-        <pc:cxnChg chg="add mod">
-          <ac:chgData name="Cooling, Chris" userId="6dcf99c9-2ba5-410a-8445-0893a3d1421f" providerId="ADAL" clId="{03CF33AC-D9E4-491F-8963-DAB5E6081A01}" dt="2024-10-09T10:28:09.206" v="1606" actId="164"/>
-          <ac:cxnSpMkLst>
-            <pc:docMk/>
-            <pc:sldMk cId="1135729167" sldId="400"/>
-            <ac:cxnSpMk id="11" creationId="{54091565-6B89-C969-1076-DDDE66A795D0}"/>
-          </ac:cxnSpMkLst>
-        </pc:cxnChg>
-        <pc:cxnChg chg="add mod">
-          <ac:chgData name="Cooling, Chris" userId="6dcf99c9-2ba5-410a-8445-0893a3d1421f" providerId="ADAL" clId="{03CF33AC-D9E4-491F-8963-DAB5E6081A01}" dt="2024-10-09T10:28:29.979" v="1609" actId="14100"/>
-          <ac:cxnSpMkLst>
-            <pc:docMk/>
-            <pc:sldMk cId="1135729167" sldId="400"/>
-            <ac:cxnSpMk id="14" creationId="{EFACCBA1-D413-EB29-5B7E-79EC0DB4AFAE}"/>
-          </ac:cxnSpMkLst>
-        </pc:cxnChg>
-        <pc:cxnChg chg="add mod">
-          <ac:chgData name="Cooling, Chris" userId="6dcf99c9-2ba5-410a-8445-0893a3d1421f" providerId="ADAL" clId="{03CF33AC-D9E4-491F-8963-DAB5E6081A01}" dt="2024-10-09T10:28:36.755" v="1610" actId="14100"/>
-          <ac:cxnSpMkLst>
-            <pc:docMk/>
-            <pc:sldMk cId="1135729167" sldId="400"/>
-            <ac:cxnSpMk id="16" creationId="{47A8EED3-381B-FD8D-7AA4-9A19E7843232}"/>
-          </ac:cxnSpMkLst>
-        </pc:cxnChg>
       </pc:sldChg>
       <pc:sldChg chg="addSp delSp modSp add mod modNotesTx">
         <pc:chgData name="Cooling, Chris" userId="6dcf99c9-2ba5-410a-8445-0893a3d1421f" providerId="ADAL" clId="{03CF33AC-D9E4-491F-8963-DAB5E6081A01}" dt="2024-10-09T13:29:10.393" v="3444"/>
@@ -3980,94 +1796,6 @@
           <pc:docMk/>
           <pc:sldMk cId="737553104" sldId="401"/>
         </pc:sldMkLst>
-        <pc:spChg chg="mod">
-          <ac:chgData name="Cooling, Chris" userId="6dcf99c9-2ba5-410a-8445-0893a3d1421f" providerId="ADAL" clId="{03CF33AC-D9E4-491F-8963-DAB5E6081A01}" dt="2024-10-09T10:29:11.362" v="1614"/>
-          <ac:spMkLst>
-            <pc:docMk/>
-            <pc:sldMk cId="737553104" sldId="401"/>
-            <ac:spMk id="2" creationId="{6F5D226D-AEEE-9CAD-EC6D-58B1E3EBB257}"/>
-          </ac:spMkLst>
-        </pc:spChg>
-        <pc:spChg chg="add mod">
-          <ac:chgData name="Cooling, Chris" userId="6dcf99c9-2ba5-410a-8445-0893a3d1421f" providerId="ADAL" clId="{03CF33AC-D9E4-491F-8963-DAB5E6081A01}" dt="2024-10-09T10:30:15.888" v="1623" actId="255"/>
-          <ac:spMkLst>
-            <pc:docMk/>
-            <pc:sldMk cId="737553104" sldId="401"/>
-            <ac:spMk id="3" creationId="{006D851E-D3E5-53CD-134D-92E7AE538C74}"/>
-          </ac:spMkLst>
-        </pc:spChg>
-        <pc:spChg chg="add mod">
-          <ac:chgData name="Cooling, Chris" userId="6dcf99c9-2ba5-410a-8445-0893a3d1421f" providerId="ADAL" clId="{03CF33AC-D9E4-491F-8963-DAB5E6081A01}" dt="2024-10-09T10:30:31.375" v="1625" actId="1076"/>
-          <ac:spMkLst>
-            <pc:docMk/>
-            <pc:sldMk cId="737553104" sldId="401"/>
-            <ac:spMk id="4" creationId="{A11FF939-E6B4-5D2A-4458-08C0734384CC}"/>
-          </ac:spMkLst>
-        </pc:spChg>
-        <pc:spChg chg="mod">
-          <ac:chgData name="Cooling, Chris" userId="6dcf99c9-2ba5-410a-8445-0893a3d1421f" providerId="ADAL" clId="{03CF33AC-D9E4-491F-8963-DAB5E6081A01}" dt="2024-10-09T10:29:46.341" v="1616" actId="14100"/>
-          <ac:spMkLst>
-            <pc:docMk/>
-            <pc:sldMk cId="737553104" sldId="401"/>
-            <ac:spMk id="6" creationId="{A14F2B04-CF1B-39C4-E124-D0EE6DA13CD5}"/>
-          </ac:spMkLst>
-        </pc:spChg>
-        <pc:spChg chg="mod">
-          <ac:chgData name="Cooling, Chris" userId="6dcf99c9-2ba5-410a-8445-0893a3d1421f" providerId="ADAL" clId="{03CF33AC-D9E4-491F-8963-DAB5E6081A01}" dt="2024-10-09T10:29:46.341" v="1616" actId="14100"/>
-          <ac:spMkLst>
-            <pc:docMk/>
-            <pc:sldMk cId="737553104" sldId="401"/>
-            <ac:spMk id="7" creationId="{2A0CE7C2-9D41-F6F6-A942-18570AA935CD}"/>
-          </ac:spMkLst>
-        </pc:spChg>
-        <pc:spChg chg="add mod">
-          <ac:chgData name="Cooling, Chris" userId="6dcf99c9-2ba5-410a-8445-0893a3d1421f" providerId="ADAL" clId="{03CF33AC-D9E4-491F-8963-DAB5E6081A01}" dt="2024-10-09T13:29:10.393" v="3444"/>
-          <ac:spMkLst>
-            <pc:docMk/>
-            <pc:sldMk cId="737553104" sldId="401"/>
-            <ac:spMk id="18" creationId="{F61C2A8E-7546-071C-C021-37F00DE40F93}"/>
-          </ac:spMkLst>
-        </pc:spChg>
-        <pc:grpChg chg="del">
-          <ac:chgData name="Cooling, Chris" userId="6dcf99c9-2ba5-410a-8445-0893a3d1421f" providerId="ADAL" clId="{03CF33AC-D9E4-491F-8963-DAB5E6081A01}" dt="2024-10-09T10:29:04.571" v="1613" actId="478"/>
-          <ac:grpSpMkLst>
-            <pc:docMk/>
-            <pc:sldMk cId="737553104" sldId="401"/>
-            <ac:grpSpMk id="17" creationId="{988CEFE5-18CE-5F35-0D49-44E95977A79A}"/>
-          </ac:grpSpMkLst>
-        </pc:grpChg>
-        <pc:cxnChg chg="add mod">
-          <ac:chgData name="Cooling, Chris" userId="6dcf99c9-2ba5-410a-8445-0893a3d1421f" providerId="ADAL" clId="{03CF33AC-D9E4-491F-8963-DAB5E6081A01}" dt="2024-10-09T10:30:01.725" v="1619" actId="1076"/>
-          <ac:cxnSpMkLst>
-            <pc:docMk/>
-            <pc:sldMk cId="737553104" sldId="401"/>
-            <ac:cxnSpMk id="8" creationId="{CA9D94C1-0B06-90DB-ED77-BFEC6B949F95}"/>
-          </ac:cxnSpMkLst>
-        </pc:cxnChg>
-        <pc:cxnChg chg="mod">
-          <ac:chgData name="Cooling, Chris" userId="6dcf99c9-2ba5-410a-8445-0893a3d1421f" providerId="ADAL" clId="{03CF33AC-D9E4-491F-8963-DAB5E6081A01}" dt="2024-10-09T10:29:04.571" v="1613" actId="478"/>
-          <ac:cxnSpMkLst>
-            <pc:docMk/>
-            <pc:sldMk cId="737553104" sldId="401"/>
-            <ac:cxnSpMk id="11" creationId="{54091565-6B89-C969-1076-DDDE66A795D0}"/>
-          </ac:cxnSpMkLst>
-        </pc:cxnChg>
-        <pc:cxnChg chg="mod">
-          <ac:chgData name="Cooling, Chris" userId="6dcf99c9-2ba5-410a-8445-0893a3d1421f" providerId="ADAL" clId="{03CF33AC-D9E4-491F-8963-DAB5E6081A01}" dt="2024-10-09T10:29:04.571" v="1613" actId="478"/>
-          <ac:cxnSpMkLst>
-            <pc:docMk/>
-            <pc:sldMk cId="737553104" sldId="401"/>
-            <ac:cxnSpMk id="14" creationId="{EFACCBA1-D413-EB29-5B7E-79EC0DB4AFAE}"/>
-          </ac:cxnSpMkLst>
-        </pc:cxnChg>
-        <pc:cxnChg chg="mod">
-          <ac:chgData name="Cooling, Chris" userId="6dcf99c9-2ba5-410a-8445-0893a3d1421f" providerId="ADAL" clId="{03CF33AC-D9E4-491F-8963-DAB5E6081A01}" dt="2024-10-09T10:29:04.571" v="1613" actId="478"/>
-          <ac:cxnSpMkLst>
-            <pc:docMk/>
-            <pc:sldMk cId="737553104" sldId="401"/>
-            <ac:cxnSpMk id="16" creationId="{47A8EED3-381B-FD8D-7AA4-9A19E7843232}"/>
-          </ac:cxnSpMkLst>
-        </pc:cxnChg>
       </pc:sldChg>
       <pc:sldChg chg="add del">
         <pc:chgData name="Cooling, Chris" userId="6dcf99c9-2ba5-410a-8445-0893a3d1421f" providerId="ADAL" clId="{03CF33AC-D9E4-491F-8963-DAB5E6081A01}" dt="2024-10-09T08:23:15.889" v="66" actId="47"/>
@@ -4089,158 +1817,6 @@
           <pc:docMk/>
           <pc:sldMk cId="4021068231" sldId="402"/>
         </pc:sldMkLst>
-        <pc:spChg chg="mod">
-          <ac:chgData name="Cooling, Chris" userId="6dcf99c9-2ba5-410a-8445-0893a3d1421f" providerId="ADAL" clId="{03CF33AC-D9E4-491F-8963-DAB5E6081A01}" dt="2024-10-09T10:31:43.662" v="1628"/>
-          <ac:spMkLst>
-            <pc:docMk/>
-            <pc:sldMk cId="4021068231" sldId="402"/>
-            <ac:spMk id="2" creationId="{6F5D226D-AEEE-9CAD-EC6D-58B1E3EBB257}"/>
-          </ac:spMkLst>
-        </pc:spChg>
-        <pc:spChg chg="del">
-          <ac:chgData name="Cooling, Chris" userId="6dcf99c9-2ba5-410a-8445-0893a3d1421f" providerId="ADAL" clId="{03CF33AC-D9E4-491F-8963-DAB5E6081A01}" dt="2024-10-09T10:31:54.898" v="1629" actId="478"/>
-          <ac:spMkLst>
-            <pc:docMk/>
-            <pc:sldMk cId="4021068231" sldId="402"/>
-            <ac:spMk id="3" creationId="{006D851E-D3E5-53CD-134D-92E7AE538C74}"/>
-          </ac:spMkLst>
-        </pc:spChg>
-        <pc:spChg chg="del">
-          <ac:chgData name="Cooling, Chris" userId="6dcf99c9-2ba5-410a-8445-0893a3d1421f" providerId="ADAL" clId="{03CF33AC-D9E4-491F-8963-DAB5E6081A01}" dt="2024-10-09T10:31:54.898" v="1629" actId="478"/>
-          <ac:spMkLst>
-            <pc:docMk/>
-            <pc:sldMk cId="4021068231" sldId="402"/>
-            <ac:spMk id="4" creationId="{A11FF939-E6B4-5D2A-4458-08C0734384CC}"/>
-          </ac:spMkLst>
-        </pc:spChg>
-        <pc:spChg chg="add del mod">
-          <ac:chgData name="Cooling, Chris" userId="6dcf99c9-2ba5-410a-8445-0893a3d1421f" providerId="ADAL" clId="{03CF33AC-D9E4-491F-8963-DAB5E6081A01}" dt="2024-10-09T10:31:57.947" v="1630" actId="478"/>
-          <ac:spMkLst>
-            <pc:docMk/>
-            <pc:sldMk cId="4021068231" sldId="402"/>
-            <ac:spMk id="10" creationId="{A87BB5E2-B20A-BED5-4743-D7D04627BDF9}"/>
-          </ac:spMkLst>
-        </pc:spChg>
-        <pc:spChg chg="add mod">
-          <ac:chgData name="Cooling, Chris" userId="6dcf99c9-2ba5-410a-8445-0893a3d1421f" providerId="ADAL" clId="{03CF33AC-D9E4-491F-8963-DAB5E6081A01}" dt="2024-10-09T10:32:12.244" v="1632" actId="1076"/>
-          <ac:spMkLst>
-            <pc:docMk/>
-            <pc:sldMk cId="4021068231" sldId="402"/>
-            <ac:spMk id="11" creationId="{DED924D2-A46A-EEFF-A247-40079DE75C41}"/>
-          </ac:spMkLst>
-        </pc:spChg>
-        <pc:spChg chg="add mod">
-          <ac:chgData name="Cooling, Chris" userId="6dcf99c9-2ba5-410a-8445-0893a3d1421f" providerId="ADAL" clId="{03CF33AC-D9E4-491F-8963-DAB5E6081A01}" dt="2024-10-09T10:32:12.244" v="1632" actId="1076"/>
-          <ac:spMkLst>
-            <pc:docMk/>
-            <pc:sldMk cId="4021068231" sldId="402"/>
-            <ac:spMk id="12" creationId="{2E28E5EB-7A4D-F595-3085-D1823C8D1E25}"/>
-          </ac:spMkLst>
-        </pc:spChg>
-        <pc:spChg chg="add mod">
-          <ac:chgData name="Cooling, Chris" userId="6dcf99c9-2ba5-410a-8445-0893a3d1421f" providerId="ADAL" clId="{03CF33AC-D9E4-491F-8963-DAB5E6081A01}" dt="2024-10-09T10:32:12.244" v="1632" actId="1076"/>
-          <ac:spMkLst>
-            <pc:docMk/>
-            <pc:sldMk cId="4021068231" sldId="402"/>
-            <ac:spMk id="13" creationId="{E89311DC-830B-CCE0-9CDE-7A04965B57B2}"/>
-          </ac:spMkLst>
-        </pc:spChg>
-        <pc:spChg chg="add mod">
-          <ac:chgData name="Cooling, Chris" userId="6dcf99c9-2ba5-410a-8445-0893a3d1421f" providerId="ADAL" clId="{03CF33AC-D9E4-491F-8963-DAB5E6081A01}" dt="2024-10-09T10:32:12.244" v="1632" actId="1076"/>
-          <ac:spMkLst>
-            <pc:docMk/>
-            <pc:sldMk cId="4021068231" sldId="402"/>
-            <ac:spMk id="14" creationId="{58A22133-7F04-4206-F0D3-C20769878CDD}"/>
-          </ac:spMkLst>
-        </pc:spChg>
-        <pc:spChg chg="add mod">
-          <ac:chgData name="Cooling, Chris" userId="6dcf99c9-2ba5-410a-8445-0893a3d1421f" providerId="ADAL" clId="{03CF33AC-D9E4-491F-8963-DAB5E6081A01}" dt="2024-10-09T10:32:12.244" v="1632" actId="1076"/>
-          <ac:spMkLst>
-            <pc:docMk/>
-            <pc:sldMk cId="4021068231" sldId="402"/>
-            <ac:spMk id="15" creationId="{9F686950-CF77-7EEF-59FF-79F00016C8D5}"/>
-          </ac:spMkLst>
-        </pc:spChg>
-        <pc:spChg chg="add mod">
-          <ac:chgData name="Cooling, Chris" userId="6dcf99c9-2ba5-410a-8445-0893a3d1421f" providerId="ADAL" clId="{03CF33AC-D9E4-491F-8963-DAB5E6081A01}" dt="2024-10-09T10:32:12.244" v="1632" actId="1076"/>
-          <ac:spMkLst>
-            <pc:docMk/>
-            <pc:sldMk cId="4021068231" sldId="402"/>
-            <ac:spMk id="16" creationId="{9A3619A3-9CB6-1217-9B79-2A5F2B13EE7F}"/>
-          </ac:spMkLst>
-        </pc:spChg>
-        <pc:spChg chg="add mod">
-          <ac:chgData name="Cooling, Chris" userId="6dcf99c9-2ba5-410a-8445-0893a3d1421f" providerId="ADAL" clId="{03CF33AC-D9E4-491F-8963-DAB5E6081A01}" dt="2024-10-09T10:32:41.152" v="1633"/>
-          <ac:spMkLst>
-            <pc:docMk/>
-            <pc:sldMk cId="4021068231" sldId="402"/>
-            <ac:spMk id="23" creationId="{C08B8E45-CAF8-36C3-03E7-6D5720152267}"/>
-          </ac:spMkLst>
-        </pc:spChg>
-        <pc:spChg chg="add del">
-          <ac:chgData name="Cooling, Chris" userId="6dcf99c9-2ba5-410a-8445-0893a3d1421f" providerId="ADAL" clId="{03CF33AC-D9E4-491F-8963-DAB5E6081A01}" dt="2024-10-09T10:32:47.444" v="1635" actId="22"/>
-          <ac:spMkLst>
-            <pc:docMk/>
-            <pc:sldMk cId="4021068231" sldId="402"/>
-            <ac:spMk id="25" creationId="{DFBB5253-7C96-D038-75CF-587CCFC7836A}"/>
-          </ac:spMkLst>
-        </pc:spChg>
-        <pc:cxnChg chg="del">
-          <ac:chgData name="Cooling, Chris" userId="6dcf99c9-2ba5-410a-8445-0893a3d1421f" providerId="ADAL" clId="{03CF33AC-D9E4-491F-8963-DAB5E6081A01}" dt="2024-10-09T10:31:54.898" v="1629" actId="478"/>
-          <ac:cxnSpMkLst>
-            <pc:docMk/>
-            <pc:sldMk cId="4021068231" sldId="402"/>
-            <ac:cxnSpMk id="8" creationId="{CA9D94C1-0B06-90DB-ED77-BFEC6B949F95}"/>
-          </ac:cxnSpMkLst>
-        </pc:cxnChg>
-        <pc:cxnChg chg="add mod">
-          <ac:chgData name="Cooling, Chris" userId="6dcf99c9-2ba5-410a-8445-0893a3d1421f" providerId="ADAL" clId="{03CF33AC-D9E4-491F-8963-DAB5E6081A01}" dt="2024-10-09T10:32:12.244" v="1632" actId="1076"/>
-          <ac:cxnSpMkLst>
-            <pc:docMk/>
-            <pc:sldMk cId="4021068231" sldId="402"/>
-            <ac:cxnSpMk id="17" creationId="{93AF5A9C-D16A-2542-4AC8-3CF46877B803}"/>
-          </ac:cxnSpMkLst>
-        </pc:cxnChg>
-        <pc:cxnChg chg="add mod">
-          <ac:chgData name="Cooling, Chris" userId="6dcf99c9-2ba5-410a-8445-0893a3d1421f" providerId="ADAL" clId="{03CF33AC-D9E4-491F-8963-DAB5E6081A01}" dt="2024-10-09T10:32:12.244" v="1632" actId="1076"/>
-          <ac:cxnSpMkLst>
-            <pc:docMk/>
-            <pc:sldMk cId="4021068231" sldId="402"/>
-            <ac:cxnSpMk id="18" creationId="{0AABFC3D-B174-EFE9-247E-4ABDEB52D3C7}"/>
-          </ac:cxnSpMkLst>
-        </pc:cxnChg>
-        <pc:cxnChg chg="add mod">
-          <ac:chgData name="Cooling, Chris" userId="6dcf99c9-2ba5-410a-8445-0893a3d1421f" providerId="ADAL" clId="{03CF33AC-D9E4-491F-8963-DAB5E6081A01}" dt="2024-10-09T10:32:12.244" v="1632" actId="1076"/>
-          <ac:cxnSpMkLst>
-            <pc:docMk/>
-            <pc:sldMk cId="4021068231" sldId="402"/>
-            <ac:cxnSpMk id="19" creationId="{F4ECA40A-A1DC-5123-9F24-F2BB6455B421}"/>
-          </ac:cxnSpMkLst>
-        </pc:cxnChg>
-        <pc:cxnChg chg="add mod">
-          <ac:chgData name="Cooling, Chris" userId="6dcf99c9-2ba5-410a-8445-0893a3d1421f" providerId="ADAL" clId="{03CF33AC-D9E4-491F-8963-DAB5E6081A01}" dt="2024-10-09T10:32:12.244" v="1632" actId="1076"/>
-          <ac:cxnSpMkLst>
-            <pc:docMk/>
-            <pc:sldMk cId="4021068231" sldId="402"/>
-            <ac:cxnSpMk id="20" creationId="{D5271259-5641-2409-5E9D-E778BB4ECC07}"/>
-          </ac:cxnSpMkLst>
-        </pc:cxnChg>
-        <pc:cxnChg chg="add mod">
-          <ac:chgData name="Cooling, Chris" userId="6dcf99c9-2ba5-410a-8445-0893a3d1421f" providerId="ADAL" clId="{03CF33AC-D9E4-491F-8963-DAB5E6081A01}" dt="2024-10-09T10:32:12.244" v="1632" actId="1076"/>
-          <ac:cxnSpMkLst>
-            <pc:docMk/>
-            <pc:sldMk cId="4021068231" sldId="402"/>
-            <ac:cxnSpMk id="21" creationId="{4B86E85F-2252-6919-F178-336052DB0638}"/>
-          </ac:cxnSpMkLst>
-        </pc:cxnChg>
-        <pc:cxnChg chg="add mod">
-          <ac:chgData name="Cooling, Chris" userId="6dcf99c9-2ba5-410a-8445-0893a3d1421f" providerId="ADAL" clId="{03CF33AC-D9E4-491F-8963-DAB5E6081A01}" dt="2024-10-09T10:32:12.244" v="1632" actId="1076"/>
-          <ac:cxnSpMkLst>
-            <pc:docMk/>
-            <pc:sldMk cId="4021068231" sldId="402"/>
-            <ac:cxnSpMk id="22" creationId="{A3E453A8-2AB8-F731-143B-ED1CD4F09202}"/>
-          </ac:cxnSpMkLst>
-        </pc:cxnChg>
       </pc:sldChg>
       <pc:sldChg chg="addSp delSp modSp add mod modNotesTx">
         <pc:chgData name="Cooling, Chris" userId="6dcf99c9-2ba5-410a-8445-0893a3d1421f" providerId="ADAL" clId="{03CF33AC-D9E4-491F-8963-DAB5E6081A01}" dt="2024-10-09T13:30:57.286" v="3600" actId="20577"/>
@@ -4248,142 +1824,6 @@
           <pc:docMk/>
           <pc:sldMk cId="2500301249" sldId="403"/>
         </pc:sldMkLst>
-        <pc:spChg chg="mod">
-          <ac:chgData name="Cooling, Chris" userId="6dcf99c9-2ba5-410a-8445-0893a3d1421f" providerId="ADAL" clId="{03CF33AC-D9E4-491F-8963-DAB5E6081A01}" dt="2024-10-09T10:33:26.110" v="1638"/>
-          <ac:spMkLst>
-            <pc:docMk/>
-            <pc:sldMk cId="2500301249" sldId="403"/>
-            <ac:spMk id="2" creationId="{6F5D226D-AEEE-9CAD-EC6D-58B1E3EBB257}"/>
-          </ac:spMkLst>
-        </pc:spChg>
-        <pc:spChg chg="add mod">
-          <ac:chgData name="Cooling, Chris" userId="6dcf99c9-2ba5-410a-8445-0893a3d1421f" providerId="ADAL" clId="{03CF33AC-D9E4-491F-8963-DAB5E6081A01}" dt="2024-10-09T10:34:05.042" v="1645" actId="255"/>
-          <ac:spMkLst>
-            <pc:docMk/>
-            <pc:sldMk cId="2500301249" sldId="403"/>
-            <ac:spMk id="3" creationId="{AE72B19A-BAEF-7DAE-DDC1-54394DA86691}"/>
-          </ac:spMkLst>
-        </pc:spChg>
-        <pc:spChg chg="add mod">
-          <ac:chgData name="Cooling, Chris" userId="6dcf99c9-2ba5-410a-8445-0893a3d1421f" providerId="ADAL" clId="{03CF33AC-D9E4-491F-8963-DAB5E6081A01}" dt="2024-10-09T10:34:30.886" v="1648"/>
-          <ac:spMkLst>
-            <pc:docMk/>
-            <pc:sldMk cId="2500301249" sldId="403"/>
-            <ac:spMk id="4" creationId="{46AE0382-2A39-87A6-3BE4-A24528E78D4A}"/>
-          </ac:spMkLst>
-        </pc:spChg>
-        <pc:spChg chg="add mod">
-          <ac:chgData name="Cooling, Chris" userId="6dcf99c9-2ba5-410a-8445-0893a3d1421f" providerId="ADAL" clId="{03CF33AC-D9E4-491F-8963-DAB5E6081A01}" dt="2024-10-09T10:34:30.886" v="1648"/>
-          <ac:spMkLst>
-            <pc:docMk/>
-            <pc:sldMk cId="2500301249" sldId="403"/>
-            <ac:spMk id="8" creationId="{BD8BE78B-284C-55D4-E656-DFE1612DC748}"/>
-          </ac:spMkLst>
-        </pc:spChg>
-        <pc:spChg chg="del">
-          <ac:chgData name="Cooling, Chris" userId="6dcf99c9-2ba5-410a-8445-0893a3d1421f" providerId="ADAL" clId="{03CF33AC-D9E4-491F-8963-DAB5E6081A01}" dt="2024-10-09T10:33:31.462" v="1639" actId="478"/>
-          <ac:spMkLst>
-            <pc:docMk/>
-            <pc:sldMk cId="2500301249" sldId="403"/>
-            <ac:spMk id="11" creationId="{DED924D2-A46A-EEFF-A247-40079DE75C41}"/>
-          </ac:spMkLst>
-        </pc:spChg>
-        <pc:spChg chg="del">
-          <ac:chgData name="Cooling, Chris" userId="6dcf99c9-2ba5-410a-8445-0893a3d1421f" providerId="ADAL" clId="{03CF33AC-D9E4-491F-8963-DAB5E6081A01}" dt="2024-10-09T10:33:31.462" v="1639" actId="478"/>
-          <ac:spMkLst>
-            <pc:docMk/>
-            <pc:sldMk cId="2500301249" sldId="403"/>
-            <ac:spMk id="12" creationId="{2E28E5EB-7A4D-F595-3085-D1823C8D1E25}"/>
-          </ac:spMkLst>
-        </pc:spChg>
-        <pc:spChg chg="del">
-          <ac:chgData name="Cooling, Chris" userId="6dcf99c9-2ba5-410a-8445-0893a3d1421f" providerId="ADAL" clId="{03CF33AC-D9E4-491F-8963-DAB5E6081A01}" dt="2024-10-09T10:33:31.462" v="1639" actId="478"/>
-          <ac:spMkLst>
-            <pc:docMk/>
-            <pc:sldMk cId="2500301249" sldId="403"/>
-            <ac:spMk id="13" creationId="{E89311DC-830B-CCE0-9CDE-7A04965B57B2}"/>
-          </ac:spMkLst>
-        </pc:spChg>
-        <pc:spChg chg="del">
-          <ac:chgData name="Cooling, Chris" userId="6dcf99c9-2ba5-410a-8445-0893a3d1421f" providerId="ADAL" clId="{03CF33AC-D9E4-491F-8963-DAB5E6081A01}" dt="2024-10-09T10:33:31.462" v="1639" actId="478"/>
-          <ac:spMkLst>
-            <pc:docMk/>
-            <pc:sldMk cId="2500301249" sldId="403"/>
-            <ac:spMk id="14" creationId="{58A22133-7F04-4206-F0D3-C20769878CDD}"/>
-          </ac:spMkLst>
-        </pc:spChg>
-        <pc:spChg chg="del">
-          <ac:chgData name="Cooling, Chris" userId="6dcf99c9-2ba5-410a-8445-0893a3d1421f" providerId="ADAL" clId="{03CF33AC-D9E4-491F-8963-DAB5E6081A01}" dt="2024-10-09T10:33:31.462" v="1639" actId="478"/>
-          <ac:spMkLst>
-            <pc:docMk/>
-            <pc:sldMk cId="2500301249" sldId="403"/>
-            <ac:spMk id="15" creationId="{9F686950-CF77-7EEF-59FF-79F00016C8D5}"/>
-          </ac:spMkLst>
-        </pc:spChg>
-        <pc:spChg chg="del">
-          <ac:chgData name="Cooling, Chris" userId="6dcf99c9-2ba5-410a-8445-0893a3d1421f" providerId="ADAL" clId="{03CF33AC-D9E4-491F-8963-DAB5E6081A01}" dt="2024-10-09T10:33:31.462" v="1639" actId="478"/>
-          <ac:spMkLst>
-            <pc:docMk/>
-            <pc:sldMk cId="2500301249" sldId="403"/>
-            <ac:spMk id="16" creationId="{9A3619A3-9CB6-1217-9B79-2A5F2B13EE7F}"/>
-          </ac:spMkLst>
-        </pc:spChg>
-        <pc:spChg chg="del">
-          <ac:chgData name="Cooling, Chris" userId="6dcf99c9-2ba5-410a-8445-0893a3d1421f" providerId="ADAL" clId="{03CF33AC-D9E4-491F-8963-DAB5E6081A01}" dt="2024-10-09T10:34:30.469" v="1647" actId="478"/>
-          <ac:spMkLst>
-            <pc:docMk/>
-            <pc:sldMk cId="2500301249" sldId="403"/>
-            <ac:spMk id="23" creationId="{C08B8E45-CAF8-36C3-03E7-6D5720152267}"/>
-          </ac:spMkLst>
-        </pc:spChg>
-        <pc:cxnChg chg="del mod">
-          <ac:chgData name="Cooling, Chris" userId="6dcf99c9-2ba5-410a-8445-0893a3d1421f" providerId="ADAL" clId="{03CF33AC-D9E4-491F-8963-DAB5E6081A01}" dt="2024-10-09T10:33:31.462" v="1639" actId="478"/>
-          <ac:cxnSpMkLst>
-            <pc:docMk/>
-            <pc:sldMk cId="2500301249" sldId="403"/>
-            <ac:cxnSpMk id="17" creationId="{93AF5A9C-D16A-2542-4AC8-3CF46877B803}"/>
-          </ac:cxnSpMkLst>
-        </pc:cxnChg>
-        <pc:cxnChg chg="del mod">
-          <ac:chgData name="Cooling, Chris" userId="6dcf99c9-2ba5-410a-8445-0893a3d1421f" providerId="ADAL" clId="{03CF33AC-D9E4-491F-8963-DAB5E6081A01}" dt="2024-10-09T10:33:31.462" v="1639" actId="478"/>
-          <ac:cxnSpMkLst>
-            <pc:docMk/>
-            <pc:sldMk cId="2500301249" sldId="403"/>
-            <ac:cxnSpMk id="18" creationId="{0AABFC3D-B174-EFE9-247E-4ABDEB52D3C7}"/>
-          </ac:cxnSpMkLst>
-        </pc:cxnChg>
-        <pc:cxnChg chg="del mod">
-          <ac:chgData name="Cooling, Chris" userId="6dcf99c9-2ba5-410a-8445-0893a3d1421f" providerId="ADAL" clId="{03CF33AC-D9E4-491F-8963-DAB5E6081A01}" dt="2024-10-09T10:33:31.462" v="1639" actId="478"/>
-          <ac:cxnSpMkLst>
-            <pc:docMk/>
-            <pc:sldMk cId="2500301249" sldId="403"/>
-            <ac:cxnSpMk id="19" creationId="{F4ECA40A-A1DC-5123-9F24-F2BB6455B421}"/>
-          </ac:cxnSpMkLst>
-        </pc:cxnChg>
-        <pc:cxnChg chg="del mod">
-          <ac:chgData name="Cooling, Chris" userId="6dcf99c9-2ba5-410a-8445-0893a3d1421f" providerId="ADAL" clId="{03CF33AC-D9E4-491F-8963-DAB5E6081A01}" dt="2024-10-09T10:33:31.462" v="1639" actId="478"/>
-          <ac:cxnSpMkLst>
-            <pc:docMk/>
-            <pc:sldMk cId="2500301249" sldId="403"/>
-            <ac:cxnSpMk id="20" creationId="{D5271259-5641-2409-5E9D-E778BB4ECC07}"/>
-          </ac:cxnSpMkLst>
-        </pc:cxnChg>
-        <pc:cxnChg chg="del mod">
-          <ac:chgData name="Cooling, Chris" userId="6dcf99c9-2ba5-410a-8445-0893a3d1421f" providerId="ADAL" clId="{03CF33AC-D9E4-491F-8963-DAB5E6081A01}" dt="2024-10-09T10:33:31.462" v="1639" actId="478"/>
-          <ac:cxnSpMkLst>
-            <pc:docMk/>
-            <pc:sldMk cId="2500301249" sldId="403"/>
-            <ac:cxnSpMk id="21" creationId="{4B86E85F-2252-6919-F178-336052DB0638}"/>
-          </ac:cxnSpMkLst>
-        </pc:cxnChg>
-        <pc:cxnChg chg="del mod">
-          <ac:chgData name="Cooling, Chris" userId="6dcf99c9-2ba5-410a-8445-0893a3d1421f" providerId="ADAL" clId="{03CF33AC-D9E4-491F-8963-DAB5E6081A01}" dt="2024-10-09T10:33:31.462" v="1639" actId="478"/>
-          <ac:cxnSpMkLst>
-            <pc:docMk/>
-            <pc:sldMk cId="2500301249" sldId="403"/>
-            <ac:cxnSpMk id="22" creationId="{A3E453A8-2AB8-F731-143B-ED1CD4F09202}"/>
-          </ac:cxnSpMkLst>
-        </pc:cxnChg>
       </pc:sldChg>
       <pc:sldChg chg="add del">
         <pc:chgData name="Cooling, Chris" userId="6dcf99c9-2ba5-410a-8445-0893a3d1421f" providerId="ADAL" clId="{03CF33AC-D9E4-491F-8963-DAB5E6081A01}" dt="2024-10-09T08:23:15.889" v="66" actId="47"/>
@@ -4398,30 +1838,6 @@
           <pc:docMk/>
           <pc:sldMk cId="1407877688" sldId="404"/>
         </pc:sldMkLst>
-        <pc:spChg chg="mod">
-          <ac:chgData name="Cooling, Chris" userId="6dcf99c9-2ba5-410a-8445-0893a3d1421f" providerId="ADAL" clId="{03CF33AC-D9E4-491F-8963-DAB5E6081A01}" dt="2024-10-09T10:35:14.262" v="1650"/>
-          <ac:spMkLst>
-            <pc:docMk/>
-            <pc:sldMk cId="1407877688" sldId="404"/>
-            <ac:spMk id="2" creationId="{6F5D226D-AEEE-9CAD-EC6D-58B1E3EBB257}"/>
-          </ac:spMkLst>
-        </pc:spChg>
-        <pc:spChg chg="mod">
-          <ac:chgData name="Cooling, Chris" userId="6dcf99c9-2ba5-410a-8445-0893a3d1421f" providerId="ADAL" clId="{03CF33AC-D9E4-491F-8963-DAB5E6081A01}" dt="2024-10-09T10:36:06.040" v="1661" actId="255"/>
-          <ac:spMkLst>
-            <pc:docMk/>
-            <pc:sldMk cId="1407877688" sldId="404"/>
-            <ac:spMk id="3" creationId="{AE72B19A-BAEF-7DAE-DDC1-54394DA86691}"/>
-          </ac:spMkLst>
-        </pc:spChg>
-        <pc:spChg chg="del">
-          <ac:chgData name="Cooling, Chris" userId="6dcf99c9-2ba5-410a-8445-0893a3d1421f" providerId="ADAL" clId="{03CF33AC-D9E4-491F-8963-DAB5E6081A01}" dt="2024-10-09T10:36:28.895" v="1664" actId="478"/>
-          <ac:spMkLst>
-            <pc:docMk/>
-            <pc:sldMk cId="1407877688" sldId="404"/>
-            <ac:spMk id="8" creationId="{BD8BE78B-284C-55D4-E656-DFE1612DC748}"/>
-          </ac:spMkLst>
-        </pc:spChg>
       </pc:sldChg>
       <pc:sldChg chg="add del">
         <pc:chgData name="Cooling, Chris" userId="6dcf99c9-2ba5-410a-8445-0893a3d1421f" providerId="ADAL" clId="{03CF33AC-D9E4-491F-8963-DAB5E6081A01}" dt="2024-10-09T08:23:15.889" v="66" actId="47"/>
@@ -4436,142 +1852,6 @@
           <pc:docMk/>
           <pc:sldMk cId="1607320822" sldId="405"/>
         </pc:sldMkLst>
-        <pc:spChg chg="mod">
-          <ac:chgData name="Cooling, Chris" userId="6dcf99c9-2ba5-410a-8445-0893a3d1421f" providerId="ADAL" clId="{03CF33AC-D9E4-491F-8963-DAB5E6081A01}" dt="2024-10-09T10:57:28.950" v="1692" actId="20577"/>
-          <ac:spMkLst>
-            <pc:docMk/>
-            <pc:sldMk cId="1607320822" sldId="405"/>
-            <ac:spMk id="2" creationId="{6F5D226D-AEEE-9CAD-EC6D-58B1E3EBB257}"/>
-          </ac:spMkLst>
-        </pc:spChg>
-        <pc:spChg chg="add mod">
-          <ac:chgData name="Cooling, Chris" userId="6dcf99c9-2ba5-410a-8445-0893a3d1421f" providerId="ADAL" clId="{03CF33AC-D9E4-491F-8963-DAB5E6081A01}" dt="2024-10-09T10:56:29.695" v="1668" actId="14100"/>
-          <ac:spMkLst>
-            <pc:docMk/>
-            <pc:sldMk cId="1607320822" sldId="405"/>
-            <ac:spMk id="4" creationId="{CCEBED24-C14A-866F-84DD-47F203517AF6}"/>
-          </ac:spMkLst>
-        </pc:spChg>
-        <pc:spChg chg="add mod">
-          <ac:chgData name="Cooling, Chris" userId="6dcf99c9-2ba5-410a-8445-0893a3d1421f" providerId="ADAL" clId="{03CF33AC-D9E4-491F-8963-DAB5E6081A01}" dt="2024-10-09T10:56:29.695" v="1668" actId="14100"/>
-          <ac:spMkLst>
-            <pc:docMk/>
-            <pc:sldMk cId="1607320822" sldId="405"/>
-            <ac:spMk id="8" creationId="{2F7F86D6-9B0E-5D79-3879-73D930C9CC83}"/>
-          </ac:spMkLst>
-        </pc:spChg>
-        <pc:spChg chg="del">
-          <ac:chgData name="Cooling, Chris" userId="6dcf99c9-2ba5-410a-8445-0893a3d1421f" providerId="ADAL" clId="{03CF33AC-D9E4-491F-8963-DAB5E6081A01}" dt="2024-10-09T10:56:17.953" v="1666" actId="478"/>
-          <ac:spMkLst>
-            <pc:docMk/>
-            <pc:sldMk cId="1607320822" sldId="405"/>
-            <ac:spMk id="10" creationId="{EFC98D82-71F0-E954-66D1-7D4DCC4D59A5}"/>
-          </ac:spMkLst>
-        </pc:spChg>
-        <pc:spChg chg="del">
-          <ac:chgData name="Cooling, Chris" userId="6dcf99c9-2ba5-410a-8445-0893a3d1421f" providerId="ADAL" clId="{03CF33AC-D9E4-491F-8963-DAB5E6081A01}" dt="2024-10-09T10:56:17.953" v="1666" actId="478"/>
-          <ac:spMkLst>
-            <pc:docMk/>
-            <pc:sldMk cId="1607320822" sldId="405"/>
-            <ac:spMk id="11" creationId="{B5F5C449-40E0-7BD4-ACE5-E3FD5E106321}"/>
-          </ac:spMkLst>
-        </pc:spChg>
-        <pc:spChg chg="del">
-          <ac:chgData name="Cooling, Chris" userId="6dcf99c9-2ba5-410a-8445-0893a3d1421f" providerId="ADAL" clId="{03CF33AC-D9E4-491F-8963-DAB5E6081A01}" dt="2024-10-09T10:56:17.953" v="1666" actId="478"/>
-          <ac:spMkLst>
-            <pc:docMk/>
-            <pc:sldMk cId="1607320822" sldId="405"/>
-            <ac:spMk id="12" creationId="{DF55004C-251E-E36B-DF70-74919067C6CA}"/>
-          </ac:spMkLst>
-        </pc:spChg>
-        <pc:spChg chg="del">
-          <ac:chgData name="Cooling, Chris" userId="6dcf99c9-2ba5-410a-8445-0893a3d1421f" providerId="ADAL" clId="{03CF33AC-D9E4-491F-8963-DAB5E6081A01}" dt="2024-10-09T10:56:17.953" v="1666" actId="478"/>
-          <ac:spMkLst>
-            <pc:docMk/>
-            <pc:sldMk cId="1607320822" sldId="405"/>
-            <ac:spMk id="16" creationId="{2312D05D-8308-144B-21AB-A1DE9AD0C685}"/>
-          </ac:spMkLst>
-        </pc:spChg>
-        <pc:spChg chg="add mod">
-          <ac:chgData name="Cooling, Chris" userId="6dcf99c9-2ba5-410a-8445-0893a3d1421f" providerId="ADAL" clId="{03CF33AC-D9E4-491F-8963-DAB5E6081A01}" dt="2024-10-09T10:56:35.275" v="1669" actId="14100"/>
-          <ac:spMkLst>
-            <pc:docMk/>
-            <pc:sldMk cId="1607320822" sldId="405"/>
-            <ac:spMk id="19" creationId="{58917415-F599-E33D-979B-6D7456702878}"/>
-          </ac:spMkLst>
-        </pc:spChg>
-        <pc:spChg chg="add mod">
-          <ac:chgData name="Cooling, Chris" userId="6dcf99c9-2ba5-410a-8445-0893a3d1421f" providerId="ADAL" clId="{03CF33AC-D9E4-491F-8963-DAB5E6081A01}" dt="2024-10-09T10:56:29.695" v="1668" actId="14100"/>
-          <ac:spMkLst>
-            <pc:docMk/>
-            <pc:sldMk cId="1607320822" sldId="405"/>
-            <ac:spMk id="22" creationId="{E2F45B7C-43D8-41ED-4670-0E1ABC5974A8}"/>
-          </ac:spMkLst>
-        </pc:spChg>
-        <pc:graphicFrameChg chg="add mod modGraphic">
-          <ac:chgData name="Cooling, Chris" userId="6dcf99c9-2ba5-410a-8445-0893a3d1421f" providerId="ADAL" clId="{03CF33AC-D9E4-491F-8963-DAB5E6081A01}" dt="2024-10-09T10:56:29.695" v="1668" actId="14100"/>
-          <ac:graphicFrameMkLst>
-            <pc:docMk/>
-            <pc:sldMk cId="1607320822" sldId="405"/>
-            <ac:graphicFrameMk id="3" creationId="{9F6EC5EA-7432-2D88-00BA-38037AB5A4CC}"/>
-          </ac:graphicFrameMkLst>
-        </pc:graphicFrameChg>
-        <pc:graphicFrameChg chg="del">
-          <ac:chgData name="Cooling, Chris" userId="6dcf99c9-2ba5-410a-8445-0893a3d1421f" providerId="ADAL" clId="{03CF33AC-D9E4-491F-8963-DAB5E6081A01}" dt="2024-10-09T10:56:17.953" v="1666" actId="478"/>
-          <ac:graphicFrameMkLst>
-            <pc:docMk/>
-            <pc:sldMk cId="1607320822" sldId="405"/>
-            <ac:graphicFrameMk id="9" creationId="{2052E3E3-8791-3777-5D5E-FC442DEC77BC}"/>
-          </ac:graphicFrameMkLst>
-        </pc:graphicFrameChg>
-        <pc:cxnChg chg="del mod">
-          <ac:chgData name="Cooling, Chris" userId="6dcf99c9-2ba5-410a-8445-0893a3d1421f" providerId="ADAL" clId="{03CF33AC-D9E4-491F-8963-DAB5E6081A01}" dt="2024-10-09T10:56:17.953" v="1666" actId="478"/>
-          <ac:cxnSpMkLst>
-            <pc:docMk/>
-            <pc:sldMk cId="1607320822" sldId="405"/>
-            <ac:cxnSpMk id="13" creationId="{64FD6267-A0A0-D7F2-C1C4-B9271E1A7A21}"/>
-          </ac:cxnSpMkLst>
-        </pc:cxnChg>
-        <pc:cxnChg chg="del mod">
-          <ac:chgData name="Cooling, Chris" userId="6dcf99c9-2ba5-410a-8445-0893a3d1421f" providerId="ADAL" clId="{03CF33AC-D9E4-491F-8963-DAB5E6081A01}" dt="2024-10-09T10:56:17.953" v="1666" actId="478"/>
-          <ac:cxnSpMkLst>
-            <pc:docMk/>
-            <pc:sldMk cId="1607320822" sldId="405"/>
-            <ac:cxnSpMk id="14" creationId="{FE940325-8B5A-D98C-18A3-E86B08493256}"/>
-          </ac:cxnSpMkLst>
-        </pc:cxnChg>
-        <pc:cxnChg chg="del mod">
-          <ac:chgData name="Cooling, Chris" userId="6dcf99c9-2ba5-410a-8445-0893a3d1421f" providerId="ADAL" clId="{03CF33AC-D9E4-491F-8963-DAB5E6081A01}" dt="2024-10-09T10:56:17.953" v="1666" actId="478"/>
-          <ac:cxnSpMkLst>
-            <pc:docMk/>
-            <pc:sldMk cId="1607320822" sldId="405"/>
-            <ac:cxnSpMk id="15" creationId="{0AE14AA3-D4C4-59FF-36D7-5793478ABB60}"/>
-          </ac:cxnSpMkLst>
-        </pc:cxnChg>
-        <pc:cxnChg chg="add mod">
-          <ac:chgData name="Cooling, Chris" userId="6dcf99c9-2ba5-410a-8445-0893a3d1421f" providerId="ADAL" clId="{03CF33AC-D9E4-491F-8963-DAB5E6081A01}" dt="2024-10-09T10:56:29.695" v="1668" actId="14100"/>
-          <ac:cxnSpMkLst>
-            <pc:docMk/>
-            <pc:sldMk cId="1607320822" sldId="405"/>
-            <ac:cxnSpMk id="17" creationId="{F4F37B21-512D-2D10-82AA-1DBDB534CD8A}"/>
-          </ac:cxnSpMkLst>
-        </pc:cxnChg>
-        <pc:cxnChg chg="add mod">
-          <ac:chgData name="Cooling, Chris" userId="6dcf99c9-2ba5-410a-8445-0893a3d1421f" providerId="ADAL" clId="{03CF33AC-D9E4-491F-8963-DAB5E6081A01}" dt="2024-10-09T10:56:29.695" v="1668" actId="14100"/>
-          <ac:cxnSpMkLst>
-            <pc:docMk/>
-            <pc:sldMk cId="1607320822" sldId="405"/>
-            <ac:cxnSpMk id="18" creationId="{6211FB8A-2B2A-F9AE-9AF9-AB680AE68891}"/>
-          </ac:cxnSpMkLst>
-        </pc:cxnChg>
-        <pc:cxnChg chg="add mod">
-          <ac:chgData name="Cooling, Chris" userId="6dcf99c9-2ba5-410a-8445-0893a3d1421f" providerId="ADAL" clId="{03CF33AC-D9E4-491F-8963-DAB5E6081A01}" dt="2024-10-09T10:56:35.275" v="1669" actId="14100"/>
-          <ac:cxnSpMkLst>
-            <pc:docMk/>
-            <pc:sldMk cId="1607320822" sldId="405"/>
-            <ac:cxnSpMk id="20" creationId="{212DE922-E627-9960-813A-336891CC6BEE}"/>
-          </ac:cxnSpMkLst>
-        </pc:cxnChg>
       </pc:sldChg>
       <pc:sldChg chg="add del">
         <pc:chgData name="Cooling, Chris" userId="6dcf99c9-2ba5-410a-8445-0893a3d1421f" providerId="ADAL" clId="{03CF33AC-D9E4-491F-8963-DAB5E6081A01}" dt="2024-10-09T08:23:15.889" v="66" actId="47"/>
@@ -4607,30 +1887,6 @@
           <pc:docMk/>
           <pc:sldMk cId="4288594215" sldId="407"/>
         </pc:sldMkLst>
-        <pc:spChg chg="mod">
-          <ac:chgData name="Cooling, Chris" userId="6dcf99c9-2ba5-410a-8445-0893a3d1421f" providerId="ADAL" clId="{03CF33AC-D9E4-491F-8963-DAB5E6081A01}" dt="2024-10-16T08:57:42.861" v="3977" actId="20577"/>
-          <ac:spMkLst>
-            <pc:docMk/>
-            <pc:sldMk cId="4288594215" sldId="407"/>
-            <ac:spMk id="2" creationId="{6F5D226D-AEEE-9CAD-EC6D-58B1E3EBB257}"/>
-          </ac:spMkLst>
-        </pc:spChg>
-        <pc:spChg chg="mod">
-          <ac:chgData name="Cooling, Chris" userId="6dcf99c9-2ba5-410a-8445-0893a3d1421f" providerId="ADAL" clId="{03CF33AC-D9E4-491F-8963-DAB5E6081A01}" dt="2024-10-16T09:09:29.452" v="4301" actId="20577"/>
-          <ac:spMkLst>
-            <pc:docMk/>
-            <pc:sldMk cId="4288594215" sldId="407"/>
-            <ac:spMk id="3" creationId="{AE72B19A-BAEF-7DAE-DDC1-54394DA86691}"/>
-          </ac:spMkLst>
-        </pc:spChg>
-        <pc:spChg chg="del">
-          <ac:chgData name="Cooling, Chris" userId="6dcf99c9-2ba5-410a-8445-0893a3d1421f" providerId="ADAL" clId="{03CF33AC-D9E4-491F-8963-DAB5E6081A01}" dt="2024-10-16T08:56:05.589" v="3760" actId="478"/>
-          <ac:spMkLst>
-            <pc:docMk/>
-            <pc:sldMk cId="4288594215" sldId="407"/>
-            <ac:spMk id="4" creationId="{46AE0382-2A39-87A6-3BE4-A24528E78D4A}"/>
-          </ac:spMkLst>
-        </pc:spChg>
       </pc:sldChg>
       <pc:sldChg chg="add del">
         <pc:chgData name="Cooling, Chris" userId="6dcf99c9-2ba5-410a-8445-0893a3d1421f" providerId="ADAL" clId="{03CF33AC-D9E4-491F-8963-DAB5E6081A01}" dt="2024-10-09T08:23:15.889" v="66" actId="47"/>
@@ -4652,14 +1908,6 @@
           <pc:docMk/>
           <pc:sldMk cId="466020703" sldId="410"/>
         </pc:sldMkLst>
-        <pc:spChg chg="mod">
-          <ac:chgData name="Cooling, Chris" userId="6dcf99c9-2ba5-410a-8445-0893a3d1421f" providerId="ADAL" clId="{03CF33AC-D9E4-491F-8963-DAB5E6081A01}" dt="2024-10-09T08:22:55.273" v="58" actId="27636"/>
-          <ac:spMkLst>
-            <pc:docMk/>
-            <pc:sldMk cId="466020703" sldId="410"/>
-            <ac:spMk id="3" creationId="{00000000-0000-0000-0000-000000000000}"/>
-          </ac:spMkLst>
-        </pc:spChg>
       </pc:sldChg>
       <pc:sldChg chg="add del">
         <pc:chgData name="Cooling, Chris" userId="6dcf99c9-2ba5-410a-8445-0893a3d1421f" providerId="ADAL" clId="{03CF33AC-D9E4-491F-8963-DAB5E6081A01}" dt="2024-10-09T08:23:15.889" v="66" actId="47"/>
@@ -4802,7 +2050,7 @@
           <a:p>
             <a:fld id="{D2E0D2A8-8F95-47C2-ABE1-A779F5A43C98}" type="datetimeFigureOut">
               <a:rPr lang="en-US" smtClean="0"/>
-              <a:t>10/25/2024</a:t>
+              <a:t>10/16/2025</a:t>
             </a:fld>
             <a:endParaRPr lang="en-US"/>
           </a:p>
@@ -5796,7 +3044,7 @@
           <a:p>
             <a:fld id="{26D0C729-5A37-40DD-9CDC-8B388CCE4C2F}" type="datetime1">
               <a:rPr lang="en-GB" smtClean="0"/>
-              <a:t>25/10/2024</a:t>
+              <a:t>16/10/2025</a:t>
             </a:fld>
             <a:endParaRPr lang="en-GB"/>
           </a:p>
@@ -6122,7 +3370,7 @@
           <a:p>
             <a:fld id="{6D45E34C-5776-4279-8BFE-FE2E7CA29873}" type="datetime1">
               <a:rPr lang="en-GB" smtClean="0"/>
-              <a:t>25/10/2024</a:t>
+              <a:t>16/10/2025</a:t>
             </a:fld>
             <a:endParaRPr lang="en-GB"/>
           </a:p>
@@ -6450,7 +3698,7 @@
           <a:p>
             <a:fld id="{877B3B00-54D7-4143-95D6-8167151765FD}" type="datetime1">
               <a:rPr lang="en-GB" smtClean="0"/>
-              <a:t>25/10/2024</a:t>
+              <a:t>16/10/2025</a:t>
             </a:fld>
             <a:endParaRPr lang="en-GB"/>
           </a:p>
@@ -6826,7 +4074,7 @@
           <a:p>
             <a:fld id="{0CD86CA6-B995-4246-983D-7B5A33A7298A}" type="datetime1">
               <a:rPr lang="en-GB" smtClean="0"/>
-              <a:t>25/10/2024</a:t>
+              <a:t>16/10/2025</a:t>
             </a:fld>
             <a:endParaRPr lang="en-GB"/>
           </a:p>
@@ -7209,7 +4457,7 @@
           <a:p>
             <a:fld id="{3994E97F-D128-46D4-801A-0A77EC4D8531}" type="datetime1">
               <a:rPr lang="en-GB" smtClean="0"/>
-              <a:t>25/10/2024</a:t>
+              <a:t>16/10/2025</a:t>
             </a:fld>
             <a:endParaRPr lang="en-GB"/>
           </a:p>
@@ -7594,7 +4842,7 @@
           <a:p>
             <a:fld id="{57C0D196-1235-48DC-9681-3F93BFF3C624}" type="datetime1">
               <a:rPr lang="en-GB" smtClean="0"/>
-              <a:t>25/10/2024</a:t>
+              <a:t>16/10/2025</a:t>
             </a:fld>
             <a:endParaRPr lang="en-GB"/>
           </a:p>
@@ -7821,7 +5069,7 @@
           <a:p>
             <a:fld id="{CC874FA4-E102-40C1-A640-8FFA78D9BFDA}" type="datetime1">
               <a:rPr lang="en-GB" smtClean="0"/>
-              <a:t>25/10/2024</a:t>
+              <a:t>16/10/2025</a:t>
             </a:fld>
             <a:endParaRPr lang="en-GB"/>
           </a:p>
@@ -8319,7 +5567,7 @@
           <a:p>
             <a:fld id="{DB7CE38A-04FB-40C0-AE21-1BD9402CACCE}" type="datetime1">
               <a:rPr lang="en-GB" smtClean="0"/>
-              <a:t>25/10/2024</a:t>
+              <a:t>16/10/2025</a:t>
             </a:fld>
             <a:endParaRPr lang="en-GB"/>
           </a:p>
@@ -8819,7 +6067,7 @@
           <a:p>
             <a:fld id="{CB596225-2873-49DA-BE54-8E60F1F5C568}" type="datetime1">
               <a:rPr lang="en-GB" smtClean="0"/>
-              <a:t>25/10/2024</a:t>
+              <a:t>16/10/2025</a:t>
             </a:fld>
             <a:endParaRPr lang="en-GB"/>
           </a:p>
@@ -9309,7 +6557,7 @@
           <a:p>
             <a:fld id="{6322DEA7-E78A-458E-A1CE-6F0CB73659BD}" type="datetime1">
               <a:rPr lang="en-GB" smtClean="0"/>
-              <a:t>25/10/2024</a:t>
+              <a:t>16/10/2025</a:t>
             </a:fld>
             <a:endParaRPr lang="en-GB"/>
           </a:p>
@@ -10120,7 +7368,7 @@
           <a:p>
             <a:fld id="{097B4C58-C265-459F-8810-5F3758737CF2}" type="datetime1">
               <a:rPr lang="en-GB" smtClean="0"/>
-              <a:t>25/10/2024</a:t>
+              <a:t>16/10/2025</a:t>
             </a:fld>
             <a:endParaRPr lang="en-GB"/>
           </a:p>
@@ -10737,7 +7985,7 @@
           <a:p>
             <a:fld id="{9AB4A26B-A4AE-43B8-8115-566A67A60FEB}" type="datetime1">
               <a:rPr lang="en-GB" smtClean="0"/>
-              <a:t>25/10/2024</a:t>
+              <a:t>16/10/2025</a:t>
             </a:fld>
             <a:endParaRPr lang="en-GB"/>
           </a:p>
@@ -11357,7 +8605,7 @@
           <a:p>
             <a:fld id="{0042EB0C-D8AA-443E-8074-DAD9C69EE2C7}" type="datetime1">
               <a:rPr lang="en-GB" smtClean="0"/>
-              <a:t>25/10/2024</a:t>
+              <a:t>16/10/2025</a:t>
             </a:fld>
             <a:endParaRPr lang="en-GB"/>
           </a:p>
@@ -11528,7 +8776,7 @@
           <a:p>
             <a:fld id="{1956E3D1-0B69-4309-B778-6B3823023285}" type="datetime1">
               <a:rPr lang="en-GB" smtClean="0"/>
-              <a:t>25/10/2024</a:t>
+              <a:t>16/10/2025</a:t>
             </a:fld>
             <a:endParaRPr lang="en-GB"/>
           </a:p>
@@ -11701,7 +8949,7 @@
           <a:p>
             <a:fld id="{F9AD2CCC-8140-4FF8-9F1A-081B446FB4CA}" type="datetime1">
               <a:rPr lang="en-GB" smtClean="0"/>
-              <a:t>25/10/2024</a:t>
+              <a:t>16/10/2025</a:t>
             </a:fld>
             <a:endParaRPr lang="en-GB"/>
           </a:p>
@@ -11880,7 +9128,7 @@
           <a:p>
             <a:fld id="{2986CD58-A1B4-40EE-80FD-151654530AB8}" type="datetime1">
               <a:rPr lang="en-GB" smtClean="0"/>
-              <a:t>25/10/2024</a:t>
+              <a:t>16/10/2025</a:t>
             </a:fld>
             <a:endParaRPr lang="en-GB" dirty="0"/>
           </a:p>
@@ -12074,7 +9322,7 @@
           <a:p>
             <a:fld id="{C212E1F2-41B3-427E-BA47-09DBAC0F51DB}" type="datetime1">
               <a:rPr lang="en-GB" smtClean="0"/>
-              <a:t>25/10/2024</a:t>
+              <a:t>16/10/2025</a:t>
             </a:fld>
             <a:endParaRPr lang="en-GB" dirty="0"/>
           </a:p>
@@ -12354,7 +9602,7 @@
           <a:p>
             <a:fld id="{3ABF5D21-8110-4596-B00D-690620D41BAD}" type="datetime1">
               <a:rPr lang="en-GB" smtClean="0"/>
-              <a:t>25/10/2024</a:t>
+              <a:t>16/10/2025</a:t>
             </a:fld>
             <a:endParaRPr lang="en-GB" dirty="0"/>
           </a:p>
@@ -12635,7 +9883,7 @@
           <a:p>
             <a:fld id="{A89E0DC0-5138-4385-BB07-0004F1B32103}" type="datetime1">
               <a:rPr lang="en-GB" smtClean="0"/>
-              <a:t>25/10/2024</a:t>
+              <a:t>16/10/2025</a:t>
             </a:fld>
             <a:endParaRPr lang="en-GB" dirty="0"/>
           </a:p>
@@ -12915,7 +10163,7 @@
           <a:p>
             <a:fld id="{5F8C2391-DC95-4CDD-85B3-5622CC7E4CC1}" type="datetime1">
               <a:rPr lang="en-GB" smtClean="0"/>
-              <a:t>25/10/2024</a:t>
+              <a:t>16/10/2025</a:t>
             </a:fld>
             <a:endParaRPr lang="en-GB" dirty="0"/>
           </a:p>
@@ -13391,7 +10639,7 @@
           <a:p>
             <a:fld id="{FD08E480-FEB1-4DA4-93D3-345EF9983B90}" type="datetime1">
               <a:rPr lang="en-GB" smtClean="0"/>
-              <a:t>25/10/2024</a:t>
+              <a:t>16/10/2025</a:t>
             </a:fld>
             <a:endParaRPr lang="en-GB" dirty="0"/>
           </a:p>
@@ -13671,7 +10919,7 @@
           <a:p>
             <a:fld id="{2517508C-67D3-4CC3-A6BB-9C5AEDF12701}" type="datetime1">
               <a:rPr lang="en-GB" smtClean="0"/>
-              <a:t>25/10/2024</a:t>
+              <a:t>16/10/2025</a:t>
             </a:fld>
             <a:endParaRPr lang="en-GB" dirty="0"/>
           </a:p>
@@ -13951,7 +11199,7 @@
           <a:p>
             <a:fld id="{79292F56-129A-47BF-B058-ED71F1B7C3B9}" type="datetime1">
               <a:rPr lang="en-GB" smtClean="0"/>
-              <a:t>25/10/2024</a:t>
+              <a:t>16/10/2025</a:t>
             </a:fld>
             <a:endParaRPr lang="en-GB" dirty="0"/>
           </a:p>
@@ -14215,7 +11463,7 @@
           <a:p>
             <a:fld id="{4625DF37-1F15-467A-952B-3EF8CC402E34}" type="datetime1">
               <a:rPr lang="en-GB" smtClean="0"/>
-              <a:t>25/10/2024</a:t>
+              <a:t>16/10/2025</a:t>
             </a:fld>
             <a:endParaRPr lang="en-GB"/>
           </a:p>
@@ -14603,7 +11851,7 @@
           <a:p>
             <a:fld id="{76245253-3330-43BB-A039-93C697D52231}" type="datetime1">
               <a:rPr lang="en-GB" smtClean="0"/>
-              <a:t>25/10/2024</a:t>
+              <a:t>16/10/2025</a:t>
             </a:fld>
             <a:endParaRPr lang="en-GB"/>
           </a:p>
@@ -14985,7 +12233,7 @@
           <a:p>
             <a:fld id="{89E1CE39-4A65-4F6D-807A-37E989F3645A}" type="datetime1">
               <a:rPr lang="en-GB" smtClean="0"/>
-              <a:t>25/10/2024</a:t>
+              <a:t>16/10/2025</a:t>
             </a:fld>
             <a:endParaRPr lang="en-GB"/>
           </a:p>
@@ -15357,7 +12605,7 @@
           <a:p>
             <a:fld id="{69FBDBCD-B147-4ECF-A8FD-372D470FD749}" type="datetime1">
               <a:rPr lang="en-GB" smtClean="0"/>
-              <a:t>25/10/2024</a:t>
+              <a:t>16/10/2025</a:t>
             </a:fld>
             <a:endParaRPr lang="en-GB"/>
           </a:p>
@@ -15764,7 +13012,7 @@
           <a:p>
             <a:fld id="{966B2588-DEB0-419E-8A25-9D5150395014}" type="datetime1">
               <a:rPr lang="en-GB" smtClean="0"/>
-              <a:t>25/10/2024</a:t>
+              <a:t>16/10/2025</a:t>
             </a:fld>
             <a:endParaRPr lang="en-GB"/>
           </a:p>
@@ -16173,7 +13421,7 @@
           <a:p>
             <a:fld id="{3F764614-B332-40A1-8103-4C6B1102A7C5}" type="datetime1">
               <a:rPr lang="en-GB" smtClean="0"/>
-              <a:t>25/10/2024</a:t>
+              <a:t>16/10/2025</a:t>
             </a:fld>
             <a:endParaRPr lang="en-GB"/>
           </a:p>
@@ -16572,7 +13820,7 @@
           <a:p>
             <a:fld id="{F2CD686A-F915-4BA4-AC0C-7CA1E3730085}" type="datetime1">
               <a:rPr lang="en-GB" smtClean="0"/>
-              <a:t>25/10/2024</a:t>
+              <a:t>16/10/2025</a:t>
             </a:fld>
             <a:endParaRPr lang="en-GB"/>
           </a:p>
@@ -17370,7 +14618,7 @@
           <a:p>
             <a:fld id="{24761076-B3B2-4A7A-839A-ED569A7E5CF1}" type="datetime1">
               <a:rPr lang="en-GB" smtClean="0"/>
-              <a:t>25/10/2024</a:t>
+              <a:t>16/10/2025</a:t>
             </a:fld>
             <a:endParaRPr lang="en-GB"/>
           </a:p>
@@ -17974,7 +15222,7 @@
           <a:p>
             <a:fld id="{3ABD5DD8-DC06-4AA0-B06D-82116EB6A301}" type="datetime1">
               <a:rPr lang="en-GB" smtClean="0"/>
-              <a:t>25/10/2024</a:t>
+              <a:t>16/10/2025</a:t>
             </a:fld>
             <a:endParaRPr lang="en-GB"/>
           </a:p>
@@ -18568,7 +15816,7 @@
           <a:p>
             <a:fld id="{FD03EE26-0CE2-4EB3-8EB5-AD0A6FFA3AA1}" type="datetime1">
               <a:rPr lang="en-GB" smtClean="0"/>
-              <a:t>25/10/2024</a:t>
+              <a:t>16/10/2025</a:t>
             </a:fld>
             <a:endParaRPr lang="en-GB"/>
           </a:p>
@@ -18905,7 +16153,7 @@
           <a:p>
             <a:fld id="{A862CFBD-D7EA-4D2C-ABE5-F2B686101393}" type="datetime1">
               <a:rPr lang="en-GB" smtClean="0"/>
-              <a:t>25/10/2024</a:t>
+              <a:t>16/10/2025</a:t>
             </a:fld>
             <a:endParaRPr lang="en-GB"/>
           </a:p>
@@ -19244,7 +16492,7 @@
           <a:p>
             <a:fld id="{F0F61BA6-4F8C-4CC7-BF2C-A1962FAC9D2F}" type="datetime1">
               <a:rPr lang="en-GB" smtClean="0"/>
-              <a:t>25/10/2024</a:t>
+              <a:t>16/10/2025</a:t>
             </a:fld>
             <a:endParaRPr lang="en-GB"/>
           </a:p>
@@ -19573,7 +16821,7 @@
           <a:p>
             <a:fld id="{4FD4A053-58B9-429E-8347-138F435F3BEA}" type="datetime1">
               <a:rPr lang="en-GB" smtClean="0"/>
-              <a:t>25/10/2024</a:t>
+              <a:t>16/10/2025</a:t>
             </a:fld>
             <a:endParaRPr lang="en-GB"/>
           </a:p>
@@ -19910,7 +17158,7 @@
           <a:p>
             <a:fld id="{49826EA7-4609-43A7-A4B1-7438D0D23393}" type="datetime1">
               <a:rPr lang="en-GB" smtClean="0"/>
-              <a:t>25/10/2024</a:t>
+              <a:t>16/10/2025</a:t>
             </a:fld>
             <a:endParaRPr lang="en-GB"/>
           </a:p>
@@ -20249,7 +17497,7 @@
           <a:p>
             <a:fld id="{A03A9840-2B1D-4A4E-AFD3-189A116FCD3B}" type="datetime1">
               <a:rPr lang="en-GB" smtClean="0"/>
-              <a:t>25/10/2024</a:t>
+              <a:t>16/10/2025</a:t>
             </a:fld>
             <a:endParaRPr lang="en-GB"/>
           </a:p>
@@ -20578,7 +17826,7 @@
           <a:p>
             <a:fld id="{4BFAB262-CDEB-4601-B30C-8AF7919A8C73}" type="datetime1">
               <a:rPr lang="en-GB" smtClean="0"/>
-              <a:t>25/10/2024</a:t>
+              <a:t>16/10/2025</a:t>
             </a:fld>
             <a:endParaRPr lang="en-GB"/>
           </a:p>
@@ -20816,7 +18064,7 @@
           <a:p>
             <a:fld id="{43C05929-88AC-4DA2-B26E-EA9F511B6CAF}" type="datetime1">
               <a:rPr lang="en-GB" smtClean="0"/>
-              <a:t>25/10/2024</a:t>
+              <a:t>16/10/2025</a:t>
             </a:fld>
             <a:endParaRPr lang="en-GB"/>
           </a:p>
@@ -21252,7 +18500,7 @@
           <a:p>
             <a:fld id="{080A9C63-0884-4C59-BC3A-8EA464C259FE}" type="datetime1">
               <a:rPr lang="en-GB" smtClean="0"/>
-              <a:t>25/10/2024</a:t>
+              <a:t>16/10/2025</a:t>
             </a:fld>
             <a:endParaRPr lang="en-GB"/>
           </a:p>
@@ -21790,7 +19038,7 @@
           <a:p>
             <a:fld id="{37E6F06C-D98B-4ED0-B36E-A9440B681372}" type="datetime1">
               <a:rPr lang="en-GB" smtClean="0"/>
-              <a:t>25/10/2024</a:t>
+              <a:t>16/10/2025</a:t>
             </a:fld>
             <a:endParaRPr lang="en-GB"/>
           </a:p>
@@ -22069,7 +19317,7 @@
           <a:p>
             <a:fld id="{BC056B02-2BCE-4CBD-8529-60CD5C31AB4F}" type="datetime1">
               <a:rPr lang="en-GB" smtClean="0"/>
-              <a:t>25/10/2024</a:t>
+              <a:t>16/10/2025</a:t>
             </a:fld>
             <a:endParaRPr lang="en-GB"/>
           </a:p>
@@ -22354,7 +19602,7 @@
           <a:p>
             <a:fld id="{55BF84B0-2792-4098-8BFC-FE56786E8DD3}" type="datetime1">
               <a:rPr lang="en-GB" smtClean="0"/>
-              <a:t>25/10/2024</a:t>
+              <a:t>16/10/2025</a:t>
             </a:fld>
             <a:endParaRPr lang="en-GB"/>
           </a:p>
@@ -22647,7 +19895,7 @@
           <a:p>
             <a:fld id="{F8F69455-A916-405C-B798-3245D66DA589}" type="datetime1">
               <a:rPr lang="en-GB" smtClean="0"/>
-              <a:t>25/10/2024</a:t>
+              <a:t>16/10/2025</a:t>
             </a:fld>
             <a:endParaRPr lang="en-GB"/>
           </a:p>
@@ -23064,7 +20312,7 @@
           <a:p>
             <a:fld id="{0513E68C-0FD1-40CD-B847-F01B185C1B8A}" type="datetime1">
               <a:rPr lang="en-GB" smtClean="0"/>
-              <a:t>25/10/2024</a:t>
+              <a:t>16/10/2025</a:t>
             </a:fld>
             <a:endParaRPr lang="en-GB" dirty="0"/>
           </a:p>
@@ -23852,7 +21100,7 @@
           <a:p>
             <a:fld id="{C073E7F5-C14B-4B44-89E7-0CC8BD3B3101}" type="datetime1">
               <a:rPr lang="en-GB" smtClean="0"/>
-              <a:t>25/10/2024</a:t>
+              <a:t>16/10/2025</a:t>
             </a:fld>
             <a:endParaRPr lang="en-GB"/>
           </a:p>
@@ -24160,7 +21408,7 @@
           <a:p>
             <a:fld id="{CFA0BB66-F904-44EE-A71B-3CF2790AEE67}" type="datetime1">
               <a:rPr lang="en-GB" smtClean="0"/>
-              <a:t>25/10/2024</a:t>
+              <a:t>16/10/2025</a:t>
             </a:fld>
             <a:endParaRPr lang="en-GB"/>
           </a:p>
@@ -24496,7 +21744,7 @@
           <a:p>
             <a:fld id="{A860B0CB-853D-4586-A5B8-BE4C833B7925}" type="datetime1">
               <a:rPr lang="en-GB" smtClean="0"/>
-              <a:t>25/10/2024</a:t>
+              <a:t>16/10/2025</a:t>
             </a:fld>
             <a:endParaRPr lang="en-GB"/>
           </a:p>
@@ -24666,7 +21914,7 @@
           <a:p>
             <a:fld id="{0E4F1E17-D54C-4B55-AC2C-6731CE607EDB}" type="datetime1">
               <a:rPr lang="en-GB" smtClean="0"/>
-              <a:t>25/10/2024</a:t>
+              <a:t>16/10/2025</a:t>
             </a:fld>
             <a:endParaRPr lang="en-GB"/>
           </a:p>
@@ -24974,7 +22222,7 @@
           <a:p>
             <a:fld id="{83BE5F1A-818B-4078-9A07-1CDD7583D7A6}" type="datetime1">
               <a:rPr lang="en-GB" smtClean="0"/>
-              <a:t>25/10/2024</a:t>
+              <a:t>16/10/2025</a:t>
             </a:fld>
             <a:endParaRPr lang="en-GB"/>
           </a:p>
@@ -25188,10 +22436,10 @@
       </p:sp>
       <p:pic>
         <p:nvPicPr>
-          <p:cNvPr id="4" name="Picture 3" descr="Qr code&#10;&#10;Description automatically generated">
-            <a:extLst>
-              <a:ext uri="{FF2B5EF4-FFF2-40B4-BE49-F238E27FC236}">
-                <a16:creationId xmlns:a16="http://schemas.microsoft.com/office/drawing/2014/main" id="{89D60691-669D-C1E1-2567-473D504575B3}"/>
+          <p:cNvPr id="10" name="Picture 9" descr="A qr code on a white background&#10;&#10;AI-generated content may be incorrect.">
+            <a:extLst>
+              <a:ext uri="{FF2B5EF4-FFF2-40B4-BE49-F238E27FC236}">
+                <a16:creationId xmlns:a16="http://schemas.microsoft.com/office/drawing/2014/main" id="{C8E74B1A-4BA3-A5D7-0F71-8CB8F1D75081}"/>
               </a:ext>
             </a:extLst>
           </p:cNvPr>
@@ -25201,15 +22449,21 @@
           <p:nvPr/>
         </p:nvPicPr>
         <p:blipFill>
-          <a:blip r:embed="rId4"/>
+          <a:blip r:embed="rId4">
+            <a:extLst>
+              <a:ext uri="{28A0092B-C50C-407E-A947-70E740481C1C}">
+                <a14:useLocalDpi xmlns:a14="http://schemas.microsoft.com/office/drawing/2010/main" val="0"/>
+              </a:ext>
+            </a:extLst>
+          </a:blip>
           <a:stretch>
             <a:fillRect/>
           </a:stretch>
         </p:blipFill>
         <p:spPr>
           <a:xfrm>
-            <a:off x="734518" y="1420597"/>
-            <a:ext cx="4307349" cy="4307349"/>
+            <a:off x="145472" y="771728"/>
+            <a:ext cx="5555673" cy="5555673"/>
           </a:xfrm>
           <a:prstGeom prst="rect">
             <a:avLst/>

--- a/Object-Oriented Python Slides.pptx
+++ b/Object-Oriented Python Slides.pptx
@@ -136,37 +136,29 @@
 </p:presentation>
 </file>
 
-<file path=ppt/revisionInfo.xml><?xml version="1.0" encoding="utf-8"?>
-<p1510:revInfo xmlns:a="http://schemas.openxmlformats.org/drawingml/2006/main" xmlns:r="http://schemas.openxmlformats.org/officeDocument/2006/relationships" xmlns:p1510="http://schemas.microsoft.com/office/powerpoint/2015/10/main">
-  <p1510:revLst>
-    <p1510:client id="{46F604E5-C787-4523-A971-495238BD851A}" v="1" dt="2025-10-16T13:18:05.888"/>
-  </p1510:revLst>
-</p1510:revInfo>
-</file>
-
 <file path=ppt/changesInfos/changesInfo1.xml><?xml version="1.0" encoding="utf-8"?>
 <pc:chgInfo xmlns:a="http://schemas.openxmlformats.org/drawingml/2006/main" xmlns:r="http://schemas.openxmlformats.org/officeDocument/2006/relationships" xmlns:ac="http://schemas.microsoft.com/office/drawing/2013/main/command" xmlns:pc="http://schemas.microsoft.com/office/powerpoint/2013/main/command">
   <pc:docChgLst>
     <pc:chgData name="Cooling, Chris" userId="6dcf99c9-2ba5-410a-8445-0893a3d1421f" providerId="ADAL" clId="{46F604E5-C787-4523-A971-495238BD851A}"/>
     <pc:docChg chg="custSel modSld">
-      <pc:chgData name="Cooling, Chris" userId="6dcf99c9-2ba5-410a-8445-0893a3d1421f" providerId="ADAL" clId="{46F604E5-C787-4523-A971-495238BD851A}" dt="2025-10-16T13:18:14.911" v="5" actId="1076"/>
+      <pc:chgData name="Cooling, Chris" userId="6dcf99c9-2ba5-410a-8445-0893a3d1421f" providerId="ADAL" clId="{46F604E5-C787-4523-A971-495238BD851A}" dt="2025-10-24T08:46:23.785" v="7" actId="20577"/>
       <pc:docMkLst>
         <pc:docMk/>
       </pc:docMkLst>
       <pc:sldChg chg="addSp delSp modSp mod">
-        <pc:chgData name="Cooling, Chris" userId="6dcf99c9-2ba5-410a-8445-0893a3d1421f" providerId="ADAL" clId="{46F604E5-C787-4523-A971-495238BD851A}" dt="2025-10-16T13:18:14.911" v="5" actId="1076"/>
+        <pc:chgData name="Cooling, Chris" userId="6dcf99c9-2ba5-410a-8445-0893a3d1421f" providerId="ADAL" clId="{46F604E5-C787-4523-A971-495238BD851A}" dt="2025-10-24T08:46:23.785" v="7" actId="20577"/>
         <pc:sldMkLst>
           <pc:docMk/>
           <pc:sldMk cId="1507190070" sldId="359"/>
         </pc:sldMkLst>
-        <pc:picChg chg="del">
-          <ac:chgData name="Cooling, Chris" userId="6dcf99c9-2ba5-410a-8445-0893a3d1421f" providerId="ADAL" clId="{46F604E5-C787-4523-A971-495238BD851A}" dt="2025-10-16T13:18:05.475" v="0" actId="478"/>
-          <ac:picMkLst>
+        <pc:spChg chg="mod">
+          <ac:chgData name="Cooling, Chris" userId="6dcf99c9-2ba5-410a-8445-0893a3d1421f" providerId="ADAL" clId="{46F604E5-C787-4523-A971-495238BD851A}" dt="2025-10-24T08:46:23.785" v="7" actId="20577"/>
+          <ac:spMkLst>
             <pc:docMk/>
             <pc:sldMk cId="1507190070" sldId="359"/>
-            <ac:picMk id="4" creationId="{89D60691-669D-C1E1-2567-473D504575B3}"/>
-          </ac:picMkLst>
-        </pc:picChg>
+            <ac:spMk id="6" creationId="{F67B57BE-29B8-B7BA-15CB-930F83F6EB26}"/>
+          </ac:spMkLst>
+        </pc:spChg>
         <pc:picChg chg="add mod">
           <ac:chgData name="Cooling, Chris" userId="6dcf99c9-2ba5-410a-8445-0893a3d1421f" providerId="ADAL" clId="{46F604E5-C787-4523-A971-495238BD851A}" dt="2025-10-16T13:18:14.911" v="5" actId="1076"/>
           <ac:picMkLst>
@@ -2050,7 +2042,7 @@
           <a:p>
             <a:fld id="{D2E0D2A8-8F95-47C2-ABE1-A779F5A43C98}" type="datetimeFigureOut">
               <a:rPr lang="en-US" smtClean="0"/>
-              <a:t>10/16/2025</a:t>
+              <a:t>10/24/2025</a:t>
             </a:fld>
             <a:endParaRPr lang="en-US"/>
           </a:p>
@@ -3044,7 +3036,7 @@
           <a:p>
             <a:fld id="{26D0C729-5A37-40DD-9CDC-8B388CCE4C2F}" type="datetime1">
               <a:rPr lang="en-GB" smtClean="0"/>
-              <a:t>16/10/2025</a:t>
+              <a:t>24/10/2025</a:t>
             </a:fld>
             <a:endParaRPr lang="en-GB"/>
           </a:p>
@@ -3370,7 +3362,7 @@
           <a:p>
             <a:fld id="{6D45E34C-5776-4279-8BFE-FE2E7CA29873}" type="datetime1">
               <a:rPr lang="en-GB" smtClean="0"/>
-              <a:t>16/10/2025</a:t>
+              <a:t>24/10/2025</a:t>
             </a:fld>
             <a:endParaRPr lang="en-GB"/>
           </a:p>
@@ -3698,7 +3690,7 @@
           <a:p>
             <a:fld id="{877B3B00-54D7-4143-95D6-8167151765FD}" type="datetime1">
               <a:rPr lang="en-GB" smtClean="0"/>
-              <a:t>16/10/2025</a:t>
+              <a:t>24/10/2025</a:t>
             </a:fld>
             <a:endParaRPr lang="en-GB"/>
           </a:p>
@@ -4074,7 +4066,7 @@
           <a:p>
             <a:fld id="{0CD86CA6-B995-4246-983D-7B5A33A7298A}" type="datetime1">
               <a:rPr lang="en-GB" smtClean="0"/>
-              <a:t>16/10/2025</a:t>
+              <a:t>24/10/2025</a:t>
             </a:fld>
             <a:endParaRPr lang="en-GB"/>
           </a:p>
@@ -4457,7 +4449,7 @@
           <a:p>
             <a:fld id="{3994E97F-D128-46D4-801A-0A77EC4D8531}" type="datetime1">
               <a:rPr lang="en-GB" smtClean="0"/>
-              <a:t>16/10/2025</a:t>
+              <a:t>24/10/2025</a:t>
             </a:fld>
             <a:endParaRPr lang="en-GB"/>
           </a:p>
@@ -4842,7 +4834,7 @@
           <a:p>
             <a:fld id="{57C0D196-1235-48DC-9681-3F93BFF3C624}" type="datetime1">
               <a:rPr lang="en-GB" smtClean="0"/>
-              <a:t>16/10/2025</a:t>
+              <a:t>24/10/2025</a:t>
             </a:fld>
             <a:endParaRPr lang="en-GB"/>
           </a:p>
@@ -5069,7 +5061,7 @@
           <a:p>
             <a:fld id="{CC874FA4-E102-40C1-A640-8FFA78D9BFDA}" type="datetime1">
               <a:rPr lang="en-GB" smtClean="0"/>
-              <a:t>16/10/2025</a:t>
+              <a:t>24/10/2025</a:t>
             </a:fld>
             <a:endParaRPr lang="en-GB"/>
           </a:p>
@@ -5567,7 +5559,7 @@
           <a:p>
             <a:fld id="{DB7CE38A-04FB-40C0-AE21-1BD9402CACCE}" type="datetime1">
               <a:rPr lang="en-GB" smtClean="0"/>
-              <a:t>16/10/2025</a:t>
+              <a:t>24/10/2025</a:t>
             </a:fld>
             <a:endParaRPr lang="en-GB"/>
           </a:p>
@@ -6067,7 +6059,7 @@
           <a:p>
             <a:fld id="{CB596225-2873-49DA-BE54-8E60F1F5C568}" type="datetime1">
               <a:rPr lang="en-GB" smtClean="0"/>
-              <a:t>16/10/2025</a:t>
+              <a:t>24/10/2025</a:t>
             </a:fld>
             <a:endParaRPr lang="en-GB"/>
           </a:p>
@@ -6557,7 +6549,7 @@
           <a:p>
             <a:fld id="{6322DEA7-E78A-458E-A1CE-6F0CB73659BD}" type="datetime1">
               <a:rPr lang="en-GB" smtClean="0"/>
-              <a:t>16/10/2025</a:t>
+              <a:t>24/10/2025</a:t>
             </a:fld>
             <a:endParaRPr lang="en-GB"/>
           </a:p>
@@ -7368,7 +7360,7 @@
           <a:p>
             <a:fld id="{097B4C58-C265-459F-8810-5F3758737CF2}" type="datetime1">
               <a:rPr lang="en-GB" smtClean="0"/>
-              <a:t>16/10/2025</a:t>
+              <a:t>24/10/2025</a:t>
             </a:fld>
             <a:endParaRPr lang="en-GB"/>
           </a:p>
@@ -7985,7 +7977,7 @@
           <a:p>
             <a:fld id="{9AB4A26B-A4AE-43B8-8115-566A67A60FEB}" type="datetime1">
               <a:rPr lang="en-GB" smtClean="0"/>
-              <a:t>16/10/2025</a:t>
+              <a:t>24/10/2025</a:t>
             </a:fld>
             <a:endParaRPr lang="en-GB"/>
           </a:p>
@@ -8605,7 +8597,7 @@
           <a:p>
             <a:fld id="{0042EB0C-D8AA-443E-8074-DAD9C69EE2C7}" type="datetime1">
               <a:rPr lang="en-GB" smtClean="0"/>
-              <a:t>16/10/2025</a:t>
+              <a:t>24/10/2025</a:t>
             </a:fld>
             <a:endParaRPr lang="en-GB"/>
           </a:p>
@@ -8776,7 +8768,7 @@
           <a:p>
             <a:fld id="{1956E3D1-0B69-4309-B778-6B3823023285}" type="datetime1">
               <a:rPr lang="en-GB" smtClean="0"/>
-              <a:t>16/10/2025</a:t>
+              <a:t>24/10/2025</a:t>
             </a:fld>
             <a:endParaRPr lang="en-GB"/>
           </a:p>
@@ -8949,7 +8941,7 @@
           <a:p>
             <a:fld id="{F9AD2CCC-8140-4FF8-9F1A-081B446FB4CA}" type="datetime1">
               <a:rPr lang="en-GB" smtClean="0"/>
-              <a:t>16/10/2025</a:t>
+              <a:t>24/10/2025</a:t>
             </a:fld>
             <a:endParaRPr lang="en-GB"/>
           </a:p>
@@ -9128,7 +9120,7 @@
           <a:p>
             <a:fld id="{2986CD58-A1B4-40EE-80FD-151654530AB8}" type="datetime1">
               <a:rPr lang="en-GB" smtClean="0"/>
-              <a:t>16/10/2025</a:t>
+              <a:t>24/10/2025</a:t>
             </a:fld>
             <a:endParaRPr lang="en-GB" dirty="0"/>
           </a:p>
@@ -9322,7 +9314,7 @@
           <a:p>
             <a:fld id="{C212E1F2-41B3-427E-BA47-09DBAC0F51DB}" type="datetime1">
               <a:rPr lang="en-GB" smtClean="0"/>
-              <a:t>16/10/2025</a:t>
+              <a:t>24/10/2025</a:t>
             </a:fld>
             <a:endParaRPr lang="en-GB" dirty="0"/>
           </a:p>
@@ -9602,7 +9594,7 @@
           <a:p>
             <a:fld id="{3ABF5D21-8110-4596-B00D-690620D41BAD}" type="datetime1">
               <a:rPr lang="en-GB" smtClean="0"/>
-              <a:t>16/10/2025</a:t>
+              <a:t>24/10/2025</a:t>
             </a:fld>
             <a:endParaRPr lang="en-GB" dirty="0"/>
           </a:p>
@@ -9883,7 +9875,7 @@
           <a:p>
             <a:fld id="{A89E0DC0-5138-4385-BB07-0004F1B32103}" type="datetime1">
               <a:rPr lang="en-GB" smtClean="0"/>
-              <a:t>16/10/2025</a:t>
+              <a:t>24/10/2025</a:t>
             </a:fld>
             <a:endParaRPr lang="en-GB" dirty="0"/>
           </a:p>
@@ -10163,7 +10155,7 @@
           <a:p>
             <a:fld id="{5F8C2391-DC95-4CDD-85B3-5622CC7E4CC1}" type="datetime1">
               <a:rPr lang="en-GB" smtClean="0"/>
-              <a:t>16/10/2025</a:t>
+              <a:t>24/10/2025</a:t>
             </a:fld>
             <a:endParaRPr lang="en-GB" dirty="0"/>
           </a:p>
@@ -10639,7 +10631,7 @@
           <a:p>
             <a:fld id="{FD08E480-FEB1-4DA4-93D3-345EF9983B90}" type="datetime1">
               <a:rPr lang="en-GB" smtClean="0"/>
-              <a:t>16/10/2025</a:t>
+              <a:t>24/10/2025</a:t>
             </a:fld>
             <a:endParaRPr lang="en-GB" dirty="0"/>
           </a:p>
@@ -10919,7 +10911,7 @@
           <a:p>
             <a:fld id="{2517508C-67D3-4CC3-A6BB-9C5AEDF12701}" type="datetime1">
               <a:rPr lang="en-GB" smtClean="0"/>
-              <a:t>16/10/2025</a:t>
+              <a:t>24/10/2025</a:t>
             </a:fld>
             <a:endParaRPr lang="en-GB" dirty="0"/>
           </a:p>
@@ -11199,7 +11191,7 @@
           <a:p>
             <a:fld id="{79292F56-129A-47BF-B058-ED71F1B7C3B9}" type="datetime1">
               <a:rPr lang="en-GB" smtClean="0"/>
-              <a:t>16/10/2025</a:t>
+              <a:t>24/10/2025</a:t>
             </a:fld>
             <a:endParaRPr lang="en-GB" dirty="0"/>
           </a:p>
@@ -11463,7 +11455,7 @@
           <a:p>
             <a:fld id="{4625DF37-1F15-467A-952B-3EF8CC402E34}" type="datetime1">
               <a:rPr lang="en-GB" smtClean="0"/>
-              <a:t>16/10/2025</a:t>
+              <a:t>24/10/2025</a:t>
             </a:fld>
             <a:endParaRPr lang="en-GB"/>
           </a:p>
@@ -11851,7 +11843,7 @@
           <a:p>
             <a:fld id="{76245253-3330-43BB-A039-93C697D52231}" type="datetime1">
               <a:rPr lang="en-GB" smtClean="0"/>
-              <a:t>16/10/2025</a:t>
+              <a:t>24/10/2025</a:t>
             </a:fld>
             <a:endParaRPr lang="en-GB"/>
           </a:p>
@@ -12233,7 +12225,7 @@
           <a:p>
             <a:fld id="{89E1CE39-4A65-4F6D-807A-37E989F3645A}" type="datetime1">
               <a:rPr lang="en-GB" smtClean="0"/>
-              <a:t>16/10/2025</a:t>
+              <a:t>24/10/2025</a:t>
             </a:fld>
             <a:endParaRPr lang="en-GB"/>
           </a:p>
@@ -12605,7 +12597,7 @@
           <a:p>
             <a:fld id="{69FBDBCD-B147-4ECF-A8FD-372D470FD749}" type="datetime1">
               <a:rPr lang="en-GB" smtClean="0"/>
-              <a:t>16/10/2025</a:t>
+              <a:t>24/10/2025</a:t>
             </a:fld>
             <a:endParaRPr lang="en-GB"/>
           </a:p>
@@ -13012,7 +13004,7 @@
           <a:p>
             <a:fld id="{966B2588-DEB0-419E-8A25-9D5150395014}" type="datetime1">
               <a:rPr lang="en-GB" smtClean="0"/>
-              <a:t>16/10/2025</a:t>
+              <a:t>24/10/2025</a:t>
             </a:fld>
             <a:endParaRPr lang="en-GB"/>
           </a:p>
@@ -13421,7 +13413,7 @@
           <a:p>
             <a:fld id="{3F764614-B332-40A1-8103-4C6B1102A7C5}" type="datetime1">
               <a:rPr lang="en-GB" smtClean="0"/>
-              <a:t>16/10/2025</a:t>
+              <a:t>24/10/2025</a:t>
             </a:fld>
             <a:endParaRPr lang="en-GB"/>
           </a:p>
@@ -13820,7 +13812,7 @@
           <a:p>
             <a:fld id="{F2CD686A-F915-4BA4-AC0C-7CA1E3730085}" type="datetime1">
               <a:rPr lang="en-GB" smtClean="0"/>
-              <a:t>16/10/2025</a:t>
+              <a:t>24/10/2025</a:t>
             </a:fld>
             <a:endParaRPr lang="en-GB"/>
           </a:p>
@@ -14618,7 +14610,7 @@
           <a:p>
             <a:fld id="{24761076-B3B2-4A7A-839A-ED569A7E5CF1}" type="datetime1">
               <a:rPr lang="en-GB" smtClean="0"/>
-              <a:t>16/10/2025</a:t>
+              <a:t>24/10/2025</a:t>
             </a:fld>
             <a:endParaRPr lang="en-GB"/>
           </a:p>
@@ -15222,7 +15214,7 @@
           <a:p>
             <a:fld id="{3ABD5DD8-DC06-4AA0-B06D-82116EB6A301}" type="datetime1">
               <a:rPr lang="en-GB" smtClean="0"/>
-              <a:t>16/10/2025</a:t>
+              <a:t>24/10/2025</a:t>
             </a:fld>
             <a:endParaRPr lang="en-GB"/>
           </a:p>
@@ -15816,7 +15808,7 @@
           <a:p>
             <a:fld id="{FD03EE26-0CE2-4EB3-8EB5-AD0A6FFA3AA1}" type="datetime1">
               <a:rPr lang="en-GB" smtClean="0"/>
-              <a:t>16/10/2025</a:t>
+              <a:t>24/10/2025</a:t>
             </a:fld>
             <a:endParaRPr lang="en-GB"/>
           </a:p>
@@ -16153,7 +16145,7 @@
           <a:p>
             <a:fld id="{A862CFBD-D7EA-4D2C-ABE5-F2B686101393}" type="datetime1">
               <a:rPr lang="en-GB" smtClean="0"/>
-              <a:t>16/10/2025</a:t>
+              <a:t>24/10/2025</a:t>
             </a:fld>
             <a:endParaRPr lang="en-GB"/>
           </a:p>
@@ -16492,7 +16484,7 @@
           <a:p>
             <a:fld id="{F0F61BA6-4F8C-4CC7-BF2C-A1962FAC9D2F}" type="datetime1">
               <a:rPr lang="en-GB" smtClean="0"/>
-              <a:t>16/10/2025</a:t>
+              <a:t>24/10/2025</a:t>
             </a:fld>
             <a:endParaRPr lang="en-GB"/>
           </a:p>
@@ -16821,7 +16813,7 @@
           <a:p>
             <a:fld id="{4FD4A053-58B9-429E-8347-138F435F3BEA}" type="datetime1">
               <a:rPr lang="en-GB" smtClean="0"/>
-              <a:t>16/10/2025</a:t>
+              <a:t>24/10/2025</a:t>
             </a:fld>
             <a:endParaRPr lang="en-GB"/>
           </a:p>
@@ -17158,7 +17150,7 @@
           <a:p>
             <a:fld id="{49826EA7-4609-43A7-A4B1-7438D0D23393}" type="datetime1">
               <a:rPr lang="en-GB" smtClean="0"/>
-              <a:t>16/10/2025</a:t>
+              <a:t>24/10/2025</a:t>
             </a:fld>
             <a:endParaRPr lang="en-GB"/>
           </a:p>
@@ -17497,7 +17489,7 @@
           <a:p>
             <a:fld id="{A03A9840-2B1D-4A4E-AFD3-189A116FCD3B}" type="datetime1">
               <a:rPr lang="en-GB" smtClean="0"/>
-              <a:t>16/10/2025</a:t>
+              <a:t>24/10/2025</a:t>
             </a:fld>
             <a:endParaRPr lang="en-GB"/>
           </a:p>
@@ -17826,7 +17818,7 @@
           <a:p>
             <a:fld id="{4BFAB262-CDEB-4601-B30C-8AF7919A8C73}" type="datetime1">
               <a:rPr lang="en-GB" smtClean="0"/>
-              <a:t>16/10/2025</a:t>
+              <a:t>24/10/2025</a:t>
             </a:fld>
             <a:endParaRPr lang="en-GB"/>
           </a:p>
@@ -18064,7 +18056,7 @@
           <a:p>
             <a:fld id="{43C05929-88AC-4DA2-B26E-EA9F511B6CAF}" type="datetime1">
               <a:rPr lang="en-GB" smtClean="0"/>
-              <a:t>16/10/2025</a:t>
+              <a:t>24/10/2025</a:t>
             </a:fld>
             <a:endParaRPr lang="en-GB"/>
           </a:p>
@@ -18500,7 +18492,7 @@
           <a:p>
             <a:fld id="{080A9C63-0884-4C59-BC3A-8EA464C259FE}" type="datetime1">
               <a:rPr lang="en-GB" smtClean="0"/>
-              <a:t>16/10/2025</a:t>
+              <a:t>24/10/2025</a:t>
             </a:fld>
             <a:endParaRPr lang="en-GB"/>
           </a:p>
@@ -19038,7 +19030,7 @@
           <a:p>
             <a:fld id="{37E6F06C-D98B-4ED0-B36E-A9440B681372}" type="datetime1">
               <a:rPr lang="en-GB" smtClean="0"/>
-              <a:t>16/10/2025</a:t>
+              <a:t>24/10/2025</a:t>
             </a:fld>
             <a:endParaRPr lang="en-GB"/>
           </a:p>
@@ -19317,7 +19309,7 @@
           <a:p>
             <a:fld id="{BC056B02-2BCE-4CBD-8529-60CD5C31AB4F}" type="datetime1">
               <a:rPr lang="en-GB" smtClean="0"/>
-              <a:t>16/10/2025</a:t>
+              <a:t>24/10/2025</a:t>
             </a:fld>
             <a:endParaRPr lang="en-GB"/>
           </a:p>
@@ -19602,7 +19594,7 @@
           <a:p>
             <a:fld id="{55BF84B0-2792-4098-8BFC-FE56786E8DD3}" type="datetime1">
               <a:rPr lang="en-GB" smtClean="0"/>
-              <a:t>16/10/2025</a:t>
+              <a:t>24/10/2025</a:t>
             </a:fld>
             <a:endParaRPr lang="en-GB"/>
           </a:p>
@@ -19895,7 +19887,7 @@
           <a:p>
             <a:fld id="{F8F69455-A916-405C-B798-3245D66DA589}" type="datetime1">
               <a:rPr lang="en-GB" smtClean="0"/>
-              <a:t>16/10/2025</a:t>
+              <a:t>24/10/2025</a:t>
             </a:fld>
             <a:endParaRPr lang="en-GB"/>
           </a:p>
@@ -20312,7 +20304,7 @@
           <a:p>
             <a:fld id="{0513E68C-0FD1-40CD-B847-F01B185C1B8A}" type="datetime1">
               <a:rPr lang="en-GB" smtClean="0"/>
-              <a:t>16/10/2025</a:t>
+              <a:t>24/10/2025</a:t>
             </a:fld>
             <a:endParaRPr lang="en-GB" dirty="0"/>
           </a:p>
@@ -21100,7 +21092,7 @@
           <a:p>
             <a:fld id="{C073E7F5-C14B-4B44-89E7-0CC8BD3B3101}" type="datetime1">
               <a:rPr lang="en-GB" smtClean="0"/>
-              <a:t>16/10/2025</a:t>
+              <a:t>24/10/2025</a:t>
             </a:fld>
             <a:endParaRPr lang="en-GB"/>
           </a:p>
@@ -21408,7 +21400,7 @@
           <a:p>
             <a:fld id="{CFA0BB66-F904-44EE-A71B-3CF2790AEE67}" type="datetime1">
               <a:rPr lang="en-GB" smtClean="0"/>
-              <a:t>16/10/2025</a:t>
+              <a:t>24/10/2025</a:t>
             </a:fld>
             <a:endParaRPr lang="en-GB"/>
           </a:p>
@@ -21744,7 +21736,7 @@
           <a:p>
             <a:fld id="{A860B0CB-853D-4586-A5B8-BE4C833B7925}" type="datetime1">
               <a:rPr lang="en-GB" smtClean="0"/>
-              <a:t>16/10/2025</a:t>
+              <a:t>24/10/2025</a:t>
             </a:fld>
             <a:endParaRPr lang="en-GB"/>
           </a:p>
@@ -21914,7 +21906,7 @@
           <a:p>
             <a:fld id="{0E4F1E17-D54C-4B55-AC2C-6731CE607EDB}" type="datetime1">
               <a:rPr lang="en-GB" smtClean="0"/>
-              <a:t>16/10/2025</a:t>
+              <a:t>24/10/2025</a:t>
             </a:fld>
             <a:endParaRPr lang="en-GB"/>
           </a:p>
@@ -22222,7 +22214,7 @@
           <a:p>
             <a:fld id="{83BE5F1A-818B-4078-9A07-1CDD7583D7A6}" type="datetime1">
               <a:rPr lang="en-GB" smtClean="0"/>
-              <a:t>16/10/2025</a:t>
+              <a:t>24/10/2025</a:t>
             </a:fld>
             <a:endParaRPr lang="en-GB"/>
           </a:p>
@@ -22393,20 +22385,18 @@
               <a:t>The link is </a:t>
             </a:r>
             <a:r>
-              <a:rPr lang="en-GB" sz="2600" b="0" i="0" u="sng" dirty="0">
+              <a:rPr lang="en-GB" sz="2600" u="sng" dirty="0">
                 <a:solidFill>
                   <a:srgbClr val="0563C1"/>
                 </a:solidFill>
-                <a:effectLst/>
                 <a:hlinkClick r:id="rId3"/>
               </a:rPr>
-              <a:t>https://tinyurl.com/feedback-rcds</a:t>
-            </a:r>
-            <a:endParaRPr lang="en-GB" sz="2600" b="0" i="0" u="sng" dirty="0">
+              <a:t>https://ecri.short.gy/feedback-rcds</a:t>
+            </a:r>
+            <a:endParaRPr lang="en-GB" sz="2600" u="sng" dirty="0">
               <a:solidFill>
                 <a:srgbClr val="0563C1"/>
               </a:solidFill>
-              <a:effectLst/>
             </a:endParaRPr>
           </a:p>
           <a:p>

--- a/Object-Oriented Python Slides.pptx
+++ b/Object-Oriented Python Slides.pptx
@@ -5,7 +5,7 @@
     <p:sldMasterId id="2147483648" r:id="rId1"/>
   </p:sldMasterIdLst>
   <p:notesMasterIdLst>
-    <p:notesMasterId r:id="rId10"/>
+    <p:notesMasterId r:id="rId9"/>
   </p:notesMasterIdLst>
   <p:sldIdLst>
     <p:sldId id="323" r:id="rId2"/>
@@ -14,8 +14,7 @@
     <p:sldId id="408" r:id="rId5"/>
     <p:sldId id="407" r:id="rId6"/>
     <p:sldId id="359" r:id="rId7"/>
-    <p:sldId id="406" r:id="rId8"/>
-    <p:sldId id="279" r:id="rId9"/>
+    <p:sldId id="279" r:id="rId8"/>
   </p:sldIdLst>
   <p:sldSz cx="12192000" cy="6858000"/>
   <p:notesSz cx="6858000" cy="9144000"/>
@@ -140,8 +139,8 @@
 <pc:chgInfo xmlns:a="http://schemas.openxmlformats.org/drawingml/2006/main" xmlns:r="http://schemas.openxmlformats.org/officeDocument/2006/relationships" xmlns:ac="http://schemas.microsoft.com/office/drawing/2013/main/command" xmlns:pc="http://schemas.microsoft.com/office/powerpoint/2013/main/command">
   <pc:docChgLst>
     <pc:chgData name="Cooling, Chris" userId="6dcf99c9-2ba5-410a-8445-0893a3d1421f" providerId="ADAL" clId="{46F604E5-C787-4523-A971-495238BD851A}"/>
-    <pc:docChg chg="custSel modSld">
-      <pc:chgData name="Cooling, Chris" userId="6dcf99c9-2ba5-410a-8445-0893a3d1421f" providerId="ADAL" clId="{46F604E5-C787-4523-A971-495238BD851A}" dt="2025-10-24T08:46:23.785" v="7" actId="20577"/>
+    <pc:docChg chg="custSel delSld modSld">
+      <pc:chgData name="Cooling, Chris" userId="6dcf99c9-2ba5-410a-8445-0893a3d1421f" providerId="ADAL" clId="{46F604E5-C787-4523-A971-495238BD851A}" dt="2025-10-24T10:05:53.208" v="8" actId="47"/>
       <pc:docMkLst>
         <pc:docMk/>
       </pc:docMkLst>
@@ -167,6 +166,13 @@
             <ac:picMk id="10" creationId="{C8E74B1A-4BA3-A5D7-0F71-8CB8F1D75081}"/>
           </ac:picMkLst>
         </pc:picChg>
+      </pc:sldChg>
+      <pc:sldChg chg="del">
+        <pc:chgData name="Cooling, Chris" userId="6dcf99c9-2ba5-410a-8445-0893a3d1421f" providerId="ADAL" clId="{46F604E5-C787-4523-A971-495238BD851A}" dt="2025-10-24T10:05:53.208" v="8" actId="47"/>
+        <pc:sldMkLst>
+          <pc:docMk/>
+          <pc:sldMk cId="3543295302" sldId="406"/>
+        </pc:sldMkLst>
       </pc:sldChg>
     </pc:docChg>
   </pc:docChgLst>
@@ -2580,97 +2586,6 @@
     <p:extLst>
       <p:ext uri="{BB962C8B-B14F-4D97-AF65-F5344CB8AC3E}">
         <p14:creationId xmlns:p14="http://schemas.microsoft.com/office/powerpoint/2010/main" val="328910392"/>
-      </p:ext>
-    </p:extLst>
-  </p:cSld>
-  <p:clrMapOvr>
-    <a:masterClrMapping/>
-  </p:clrMapOvr>
-</p:notes>
-</file>
-
-<file path=ppt/notesSlides/notesSlide4.xml><?xml version="1.0" encoding="utf-8"?>
-<p:notes xmlns:a="http://schemas.openxmlformats.org/drawingml/2006/main" xmlns:r="http://schemas.openxmlformats.org/officeDocument/2006/relationships" xmlns:p="http://schemas.openxmlformats.org/presentationml/2006/main">
-  <p:cSld>
-    <p:spTree>
-      <p:nvGrpSpPr>
-        <p:cNvPr id="1" name=""/>
-        <p:cNvGrpSpPr/>
-        <p:nvPr/>
-      </p:nvGrpSpPr>
-      <p:grpSpPr>
-        <a:xfrm>
-          <a:off x="0" y="0"/>
-          <a:ext cx="0" cy="0"/>
-          <a:chOff x="0" y="0"/>
-          <a:chExt cx="0" cy="0"/>
-        </a:xfrm>
-      </p:grpSpPr>
-      <p:sp>
-        <p:nvSpPr>
-          <p:cNvPr id="2" name="Slide Image Placeholder 1"/>
-          <p:cNvSpPr>
-            <a:spLocks noGrp="1" noRot="1" noChangeAspect="1"/>
-          </p:cNvSpPr>
-          <p:nvPr>
-            <p:ph type="sldImg"/>
-          </p:nvPr>
-        </p:nvSpPr>
-        <p:spPr/>
-      </p:sp>
-      <p:sp>
-        <p:nvSpPr>
-          <p:cNvPr id="3" name="Notes Placeholder 2"/>
-          <p:cNvSpPr>
-            <a:spLocks noGrp="1"/>
-          </p:cNvSpPr>
-          <p:nvPr>
-            <p:ph type="body" idx="1"/>
-          </p:nvPr>
-        </p:nvSpPr>
-        <p:spPr/>
-        <p:txBody>
-          <a:bodyPr/>
-          <a:lstStyle/>
-          <a:p>
-            <a:r>
-              <a:rPr lang="en-GB" dirty="0"/>
-              <a:t>Remove after </a:t>
-            </a:r>
-            <a:r>
-              <a:rPr lang="en-GB"/>
-              <a:t>PRES closes</a:t>
-            </a:r>
-          </a:p>
-        </p:txBody>
-      </p:sp>
-      <p:sp>
-        <p:nvSpPr>
-          <p:cNvPr id="4" name="Slide Number Placeholder 3"/>
-          <p:cNvSpPr>
-            <a:spLocks noGrp="1"/>
-          </p:cNvSpPr>
-          <p:nvPr>
-            <p:ph type="sldNum" sz="quarter" idx="5"/>
-          </p:nvPr>
-        </p:nvSpPr>
-        <p:spPr/>
-        <p:txBody>
-          <a:bodyPr/>
-          <a:lstStyle/>
-          <a:p>
-            <a:fld id="{877663E2-27CE-4C79-91D3-7F5C4262D57F}" type="slidenum">
-              <a:rPr lang="en-US" smtClean="0"/>
-              <a:t>7</a:t>
-            </a:fld>
-            <a:endParaRPr lang="en-US"/>
-          </a:p>
-        </p:txBody>
-      </p:sp>
-    </p:spTree>
-    <p:extLst>
-      <p:ext uri="{BB962C8B-B14F-4D97-AF65-F5344CB8AC3E}">
-        <p14:creationId xmlns:p14="http://schemas.microsoft.com/office/powerpoint/2010/main" val="2593689646"/>
       </p:ext>
     </p:extLst>
   </p:cSld>
@@ -22477,282 +22392,6 @@
 </file>
 
 <file path=ppt/slides/slide7.xml><?xml version="1.0" encoding="utf-8"?>
-<p:sld xmlns:a="http://schemas.openxmlformats.org/drawingml/2006/main" xmlns:r="http://schemas.openxmlformats.org/officeDocument/2006/relationships" xmlns:p="http://schemas.openxmlformats.org/presentationml/2006/main">
-  <p:cSld>
-    <p:spTree>
-      <p:nvGrpSpPr>
-        <p:cNvPr id="1" name=""/>
-        <p:cNvGrpSpPr/>
-        <p:nvPr/>
-      </p:nvGrpSpPr>
-      <p:grpSpPr>
-        <a:xfrm>
-          <a:off x="0" y="0"/>
-          <a:ext cx="0" cy="0"/>
-          <a:chOff x="0" y="0"/>
-          <a:chExt cx="0" cy="0"/>
-        </a:xfrm>
-      </p:grpSpPr>
-      <p:sp>
-        <p:nvSpPr>
-          <p:cNvPr id="2" name="Title 1">
-            <a:extLst>
-              <a:ext uri="{FF2B5EF4-FFF2-40B4-BE49-F238E27FC236}">
-                <a16:creationId xmlns:a16="http://schemas.microsoft.com/office/drawing/2014/main" id="{E1AC92A0-DAFD-2CE4-F5BD-315A0135CDD6}"/>
-              </a:ext>
-            </a:extLst>
-          </p:cNvPr>
-          <p:cNvSpPr>
-            <a:spLocks noGrp="1"/>
-          </p:cNvSpPr>
-          <p:nvPr>
-            <p:ph type="ctrTitle"/>
-          </p:nvPr>
-        </p:nvSpPr>
-        <p:spPr>
-          <a:xfrm>
-            <a:off x="330200" y="1864819"/>
-            <a:ext cx="4742772" cy="1828800"/>
-          </a:xfrm>
-        </p:spPr>
-        <p:txBody>
-          <a:bodyPr/>
-          <a:lstStyle/>
-          <a:p>
-            <a:r>
-              <a:rPr lang="en-US" dirty="0">
-                <a:solidFill>
-                  <a:srgbClr val="98FB98"/>
-                </a:solidFill>
-              </a:rPr>
-              <a:t>PRES 2025</a:t>
-            </a:r>
-          </a:p>
-        </p:txBody>
-      </p:sp>
-      <p:sp>
-        <p:nvSpPr>
-          <p:cNvPr id="3" name="Text Placeholder 2">
-            <a:extLst>
-              <a:ext uri="{FF2B5EF4-FFF2-40B4-BE49-F238E27FC236}">
-                <a16:creationId xmlns:a16="http://schemas.microsoft.com/office/drawing/2014/main" id="{0B6972F5-B010-8428-D0AA-F619C83E71DE}"/>
-              </a:ext>
-            </a:extLst>
-          </p:cNvPr>
-          <p:cNvSpPr>
-            <a:spLocks noGrp="1"/>
-          </p:cNvSpPr>
-          <p:nvPr>
-            <p:ph type="body" sz="quarter" idx="4294967295"/>
-          </p:nvPr>
-        </p:nvSpPr>
-        <p:spPr>
-          <a:xfrm>
-            <a:off x="330200" y="5878513"/>
-            <a:ext cx="5606257" cy="652463"/>
-          </a:xfrm>
-        </p:spPr>
-        <p:txBody>
-          <a:bodyPr/>
-          <a:lstStyle/>
-          <a:p>
-            <a:r>
-              <a:rPr lang="en-US" dirty="0"/>
-              <a:t>Presentation Title</a:t>
-            </a:r>
-          </a:p>
-          <a:p>
-            <a:r>
-              <a:rPr lang="en-US" dirty="0"/>
-              <a:t>DD/MM/YYYY</a:t>
-            </a:r>
-          </a:p>
-        </p:txBody>
-      </p:sp>
-      <p:pic>
-        <p:nvPicPr>
-          <p:cNvPr id="4" name="Picture 3">
-            <a:extLst>
-              <a:ext uri="{FF2B5EF4-FFF2-40B4-BE49-F238E27FC236}">
-                <a16:creationId xmlns:a16="http://schemas.microsoft.com/office/drawing/2014/main" id="{A18BDFF0-9D53-5DAB-3700-2938EAF96CEE}"/>
-              </a:ext>
-            </a:extLst>
-          </p:cNvPr>
-          <p:cNvPicPr>
-            <a:picLocks noChangeAspect="1"/>
-          </p:cNvPicPr>
-          <p:nvPr/>
-        </p:nvPicPr>
-        <p:blipFill>
-          <a:blip r:embed="rId3" cstate="print">
-            <a:extLst>
-              <a:ext uri="{28A0092B-C50C-407E-A947-70E740481C1C}">
-                <a14:useLocalDpi xmlns:a14="http://schemas.microsoft.com/office/drawing/2010/main" val="0"/>
-              </a:ext>
-            </a:extLst>
-          </a:blip>
-          <a:stretch>
-            <a:fillRect/>
-          </a:stretch>
-        </p:blipFill>
-        <p:spPr>
-          <a:xfrm>
-            <a:off x="9169653" y="417970"/>
-            <a:ext cx="2448272" cy="1446849"/>
-          </a:xfrm>
-          <a:prstGeom prst="rect">
-            <a:avLst/>
-          </a:prstGeom>
-          <a:solidFill>
-            <a:srgbClr val="98FB98"/>
-          </a:solidFill>
-          <a:effectLst>
-            <a:outerShdw blurRad="50800" dist="50800" dir="5400000" algn="ctr" rotWithShape="0">
-              <a:srgbClr val="98FB98"/>
-            </a:outerShdw>
-          </a:effectLst>
-        </p:spPr>
-      </p:pic>
-      <p:sp>
-        <p:nvSpPr>
-          <p:cNvPr id="6" name="Title 1">
-            <a:extLst>
-              <a:ext uri="{FF2B5EF4-FFF2-40B4-BE49-F238E27FC236}">
-                <a16:creationId xmlns:a16="http://schemas.microsoft.com/office/drawing/2014/main" id="{0742163F-282C-50FB-3BC2-3BC83316980D}"/>
-              </a:ext>
-            </a:extLst>
-          </p:cNvPr>
-          <p:cNvSpPr txBox="1">
-            <a:spLocks/>
-          </p:cNvSpPr>
-          <p:nvPr/>
-        </p:nvSpPr>
-        <p:spPr>
-          <a:xfrm>
-            <a:off x="399472" y="4079052"/>
-            <a:ext cx="11376891" cy="1828800"/>
-          </a:xfrm>
-          <a:prstGeom prst="rect">
-            <a:avLst/>
-          </a:prstGeom>
-        </p:spPr>
-        <p:txBody>
-          <a:bodyPr vert="horz" lIns="0" tIns="0" rIns="0" bIns="0" rtlCol="0" anchor="t">
-            <a:noAutofit/>
-          </a:bodyPr>
-          <a:lstStyle>
-            <a:lvl1pPr algn="l" defTabSz="685765" rtl="0" eaLnBrk="1" latinLnBrk="0" hangingPunct="1">
-              <a:lnSpc>
-                <a:spcPct val="90000"/>
-              </a:lnSpc>
-              <a:spcBef>
-                <a:spcPct val="0"/>
-              </a:spcBef>
-              <a:buNone/>
-              <a:defRPr sz="6400" b="1" kern="1200">
-                <a:solidFill>
-                  <a:srgbClr val="98FB98"/>
-                </a:solidFill>
-                <a:latin typeface="+mj-lt"/>
-                <a:ea typeface="+mj-ea"/>
-                <a:cs typeface="+mj-cs"/>
-              </a:defRPr>
-            </a:lvl1pPr>
-          </a:lstStyle>
-          <a:p>
-            <a:pPr marL="342900" indent="-342900">
-              <a:lnSpc>
-                <a:spcPct val="100000"/>
-              </a:lnSpc>
-              <a:buFont typeface="Arial" panose="020B0604020202020204" pitchFamily="34" charset="0"/>
-              <a:buChar char="•"/>
-            </a:pPr>
-            <a:r>
-              <a:rPr lang="en-US" sz="2000" dirty="0"/>
-              <a:t>Coming in 2025 - PRES is a national survey for research degree students</a:t>
-            </a:r>
-          </a:p>
-          <a:p>
-            <a:pPr marL="342900" indent="-342900">
-              <a:lnSpc>
-                <a:spcPct val="100000"/>
-              </a:lnSpc>
-              <a:buFont typeface="Arial" panose="020B0604020202020204" pitchFamily="34" charset="0"/>
-              <a:buChar char="•"/>
-            </a:pPr>
-            <a:endParaRPr lang="en-US" sz="2000" dirty="0"/>
-          </a:p>
-          <a:p>
-            <a:pPr marL="342900" indent="-342900">
-              <a:lnSpc>
-                <a:spcPct val="100000"/>
-              </a:lnSpc>
-              <a:buFont typeface="Arial" panose="020B0604020202020204" pitchFamily="34" charset="0"/>
-              <a:buChar char="•"/>
-            </a:pPr>
-            <a:r>
-              <a:rPr lang="en-US" sz="2000" dirty="0"/>
-              <a:t>Find out more about the action we have taken in response to the previous PRES: </a:t>
-            </a:r>
-          </a:p>
-          <a:p>
-            <a:pPr marL="342900" indent="-342900">
-              <a:lnSpc>
-                <a:spcPct val="100000"/>
-              </a:lnSpc>
-              <a:buFont typeface="Arial" panose="020B0604020202020204" pitchFamily="34" charset="0"/>
-              <a:buChar char="•"/>
-            </a:pPr>
-            <a:endParaRPr lang="en-US" sz="2000" dirty="0"/>
-          </a:p>
-          <a:p>
-            <a:pPr marL="342900" indent="-342900">
-              <a:lnSpc>
-                <a:spcPct val="100000"/>
-              </a:lnSpc>
-              <a:buFont typeface="Arial" panose="020B0604020202020204" pitchFamily="34" charset="0"/>
-              <a:buChar char="•"/>
-            </a:pPr>
-            <a:r>
-              <a:rPr lang="en-US" sz="2000" dirty="0">
-                <a:solidFill>
-                  <a:srgbClr val="EE82EE"/>
-                </a:solidFill>
-                <a:hlinkClick r:id="rId4">
-                  <a:extLst>
-                    <a:ext uri="{A12FA001-AC4F-418D-AE19-62706E023703}">
-                      <ahyp:hlinkClr xmlns:ahyp="http://schemas.microsoft.com/office/drawing/2018/hyperlinkcolor" val="tx"/>
-                    </a:ext>
-                  </a:extLst>
-                </a:hlinkClick>
-              </a:rPr>
-              <a:t>Postgraduate Research Experience Survey (PRES) | Current students | Imperial College London</a:t>
-            </a:r>
-            <a:endParaRPr lang="en-US" sz="2000" dirty="0">
-              <a:solidFill>
-                <a:srgbClr val="EE82EE"/>
-              </a:solidFill>
-            </a:endParaRPr>
-          </a:p>
-        </p:txBody>
-      </p:sp>
-    </p:spTree>
-    <p:extLst>
-      <p:ext uri="{BB962C8B-B14F-4D97-AF65-F5344CB8AC3E}">
-        <p14:creationId xmlns:p14="http://schemas.microsoft.com/office/powerpoint/2010/main" val="3543295302"/>
-      </p:ext>
-    </p:extLst>
-  </p:cSld>
-  <p:clrMapOvr>
-    <a:masterClrMapping/>
-  </p:clrMapOvr>
-  <p:transition>
-    <p:fade/>
-  </p:transition>
-</p:sld>
-</file>
-
-<file path=ppt/slides/slide8.xml><?xml version="1.0" encoding="utf-8"?>
 <p:sld xmlns:a="http://schemas.openxmlformats.org/drawingml/2006/main" xmlns:r="http://schemas.openxmlformats.org/officeDocument/2006/relationships" xmlns:p="http://schemas.openxmlformats.org/presentationml/2006/main">
   <p:cSld>
     <p:spTree>
